--- a/img_readme/cheat_sheet_spINAR.pptx
+++ b/img_readme/cheat_sheet_spINAR.pptx
@@ -363,7 +363,7 @@
           <a:bodyPr/>
           <a:lstStyle/>
           <a:p>
-            <a:endParaRPr/>
+            <a:endParaRPr dirty="0"/>
           </a:p>
         </p:txBody>
       </p:sp>
@@ -666,9 +666,9 @@
           <a:lstStyle/>
           <a:p>
             <a:fld id="{86CB4B4D-7CA3-9044-876B-883B54F8677D}" type="slidenum">
-              <a:t>‹#›</a:t>
+              <a:t>‹Nr.›</a:t>
             </a:fld>
-            <a:endParaRPr/>
+            <a:endParaRPr dirty="0"/>
           </a:p>
         </p:txBody>
       </p:sp>
@@ -794,9 +794,9 @@
           <a:lstStyle/>
           <a:p>
             <a:fld id="{86CB4B4D-7CA3-9044-876B-883B54F8677D}" type="slidenum">
-              <a:t>‹#›</a:t>
+              <a:t>‹Nr.›</a:t>
             </a:fld>
-            <a:endParaRPr/>
+            <a:endParaRPr dirty="0"/>
           </a:p>
         </p:txBody>
       </p:sp>
@@ -851,7 +851,7 @@
           </a:bodyPr>
           <a:lstStyle/>
           <a:p>
-            <a:endParaRPr/>
+            <a:endParaRPr dirty="0"/>
           </a:p>
         </p:txBody>
       </p:sp>
@@ -875,9 +875,9 @@
           <a:lstStyle/>
           <a:p>
             <a:fld id="{86CB4B4D-7CA3-9044-876B-883B54F8677D}" type="slidenum">
-              <a:t>‹#›</a:t>
+              <a:t>‹Nr.›</a:t>
             </a:fld>
-            <a:endParaRPr/>
+            <a:endParaRPr dirty="0"/>
           </a:p>
         </p:txBody>
       </p:sp>
@@ -927,9 +927,9 @@
           <a:lstStyle/>
           <a:p>
             <a:fld id="{86CB4B4D-7CA3-9044-876B-883B54F8677D}" type="slidenum">
-              <a:t>‹#›</a:t>
+              <a:t>‹Nr.›</a:t>
             </a:fld>
-            <a:endParaRPr/>
+            <a:endParaRPr dirty="0"/>
           </a:p>
         </p:txBody>
       </p:sp>
@@ -984,7 +984,7 @@
           </a:bodyPr>
           <a:lstStyle/>
           <a:p>
-            <a:endParaRPr/>
+            <a:endParaRPr dirty="0"/>
           </a:p>
         </p:txBody>
       </p:sp>
@@ -1140,9 +1140,9 @@
           <a:lstStyle/>
           <a:p>
             <a:fld id="{86CB4B4D-7CA3-9044-876B-883B54F8677D}" type="slidenum">
-              <a:t>‹#›</a:t>
+              <a:t>‹Nr.›</a:t>
             </a:fld>
-            <a:endParaRPr/>
+            <a:endParaRPr dirty="0"/>
           </a:p>
         </p:txBody>
       </p:sp>
@@ -1221,9 +1221,9 @@
           <a:lstStyle/>
           <a:p>
             <a:fld id="{86CB4B4D-7CA3-9044-876B-883B54F8677D}" type="slidenum">
-              <a:t>‹#›</a:t>
+              <a:t>‹Nr.›</a:t>
             </a:fld>
-            <a:endParaRPr/>
+            <a:endParaRPr dirty="0"/>
           </a:p>
         </p:txBody>
       </p:sp>
@@ -1278,7 +1278,7 @@
           </a:bodyPr>
           <a:lstStyle/>
           <a:p>
-            <a:endParaRPr/>
+            <a:endParaRPr dirty="0"/>
           </a:p>
         </p:txBody>
       </p:sp>
@@ -1439,9 +1439,9 @@
           <a:lstStyle/>
           <a:p>
             <a:fld id="{86CB4B4D-7CA3-9044-876B-883B54F8677D}" type="slidenum">
-              <a:t>‹#›</a:t>
+              <a:t>‹Nr.›</a:t>
             </a:fld>
-            <a:endParaRPr/>
+            <a:endParaRPr dirty="0"/>
           </a:p>
         </p:txBody>
       </p:sp>
@@ -1516,9 +1516,9 @@
           <a:lstStyle/>
           <a:p>
             <a:fld id="{86CB4B4D-7CA3-9044-876B-883B54F8677D}" type="slidenum">
-              <a:t>‹#›</a:t>
+              <a:t>‹Nr.›</a:t>
             </a:fld>
-            <a:endParaRPr/>
+            <a:endParaRPr dirty="0"/>
           </a:p>
         </p:txBody>
       </p:sp>
@@ -1642,9 +1642,9 @@
           <a:lstStyle/>
           <a:p>
             <a:fld id="{86CB4B4D-7CA3-9044-876B-883B54F8677D}" type="slidenum">
-              <a:t>‹#›</a:t>
+              <a:t>‹Nr.›</a:t>
             </a:fld>
-            <a:endParaRPr/>
+            <a:endParaRPr dirty="0"/>
           </a:p>
         </p:txBody>
       </p:sp>
@@ -1699,7 +1699,7 @@
           </a:bodyPr>
           <a:lstStyle/>
           <a:p>
-            <a:endParaRPr/>
+            <a:endParaRPr dirty="0"/>
           </a:p>
         </p:txBody>
       </p:sp>
@@ -1817,9 +1817,9 @@
           <a:lstStyle/>
           <a:p>
             <a:fld id="{86CB4B4D-7CA3-9044-876B-883B54F8677D}" type="slidenum">
-              <a:t>‹#›</a:t>
+              <a:t>‹Nr.›</a:t>
             </a:fld>
-            <a:endParaRPr/>
+            <a:endParaRPr dirty="0"/>
           </a:p>
         </p:txBody>
       </p:sp>
@@ -1922,9 +1922,9 @@
           <a:lstStyle/>
           <a:p>
             <a:fld id="{86CB4B4D-7CA3-9044-876B-883B54F8677D}" type="slidenum">
-              <a:t>‹#›</a:t>
+              <a:t>‹Nr.›</a:t>
             </a:fld>
-            <a:endParaRPr/>
+            <a:endParaRPr dirty="0"/>
           </a:p>
         </p:txBody>
       </p:sp>
@@ -1979,7 +1979,7 @@
           </a:bodyPr>
           <a:lstStyle/>
           <a:p>
-            <a:endParaRPr/>
+            <a:endParaRPr dirty="0"/>
           </a:p>
         </p:txBody>
       </p:sp>
@@ -2008,7 +2008,7 @@
           </a:bodyPr>
           <a:lstStyle/>
           <a:p>
-            <a:endParaRPr/>
+            <a:endParaRPr dirty="0"/>
           </a:p>
         </p:txBody>
       </p:sp>
@@ -2037,7 +2037,7 @@
           </a:bodyPr>
           <a:lstStyle/>
           <a:p>
-            <a:endParaRPr/>
+            <a:endParaRPr dirty="0"/>
           </a:p>
         </p:txBody>
       </p:sp>
@@ -2061,9 +2061,9 @@
           <a:lstStyle/>
           <a:p>
             <a:fld id="{86CB4B4D-7CA3-9044-876B-883B54F8677D}" type="slidenum">
-              <a:t>‹#›</a:t>
+              <a:t>‹Nr.›</a:t>
             </a:fld>
-            <a:endParaRPr/>
+            <a:endParaRPr dirty="0"/>
           </a:p>
         </p:txBody>
       </p:sp>
@@ -2124,7 +2124,7 @@
           </a:ln>
           <a:extLst>
             <a:ext uri="{C572A759-6A51-4108-AA02-DFA0A04FC94B}">
-              <ma14:wrappingTextBoxFlag xmlns:ma14="http://schemas.microsoft.com/office/mac/drawingml/2011/main" xmlns:a14="http://schemas.microsoft.com/office/drawing/2010/main" xmlns:m="http://schemas.openxmlformats.org/officeDocument/2006/math" xmlns="" val="1"/>
+              <ma14:wrappingTextBoxFlag xmlns="" xmlns:m="http://schemas.openxmlformats.org/officeDocument/2006/math" xmlns:a14="http://schemas.microsoft.com/office/drawing/2010/main" xmlns:ma14="http://schemas.microsoft.com/office/mac/drawingml/2011/main" val="1"/>
             </a:ext>
           </a:extLst>
         </p:spPr>
@@ -2163,7 +2163,7 @@
           </a:ln>
           <a:extLst>
             <a:ext uri="{C572A759-6A51-4108-AA02-DFA0A04FC94B}">
-              <ma14:wrappingTextBoxFlag xmlns:ma14="http://schemas.microsoft.com/office/mac/drawingml/2011/main" xmlns:a14="http://schemas.microsoft.com/office/drawing/2010/main" xmlns:m="http://schemas.openxmlformats.org/officeDocument/2006/math" xmlns="" val="1"/>
+              <ma14:wrappingTextBoxFlag xmlns="" xmlns:m="http://schemas.openxmlformats.org/officeDocument/2006/math" xmlns:a14="http://schemas.microsoft.com/office/drawing/2010/main" xmlns:ma14="http://schemas.microsoft.com/office/mac/drawingml/2011/main" val="1"/>
             </a:ext>
           </a:extLst>
         </p:spPr>
@@ -2247,9 +2247,9 @@
           </a:lstStyle>
           <a:p>
             <a:fld id="{86CB4B4D-7CA3-9044-876B-883B54F8677D}" type="slidenum">
-              <a:t>‹#›</a:t>
+              <a:t>‹Nr.›</a:t>
             </a:fld>
-            <a:endParaRPr/>
+            <a:endParaRPr dirty="0"/>
           </a:p>
         </p:txBody>
       </p:sp>
@@ -3117,7 +3117,7 @@
         </p:nvSpPr>
         <p:spPr>
           <a:xfrm>
-            <a:off x="241300" y="10337513"/>
+            <a:off x="165977" y="10571427"/>
             <a:ext cx="13434202" cy="1"/>
           </a:xfrm>
           <a:prstGeom prst="line">
@@ -3147,7 +3147,7 @@
                 </a:solidFill>
               </a:defRPr>
             </a:pPr>
-            <a:endParaRPr/>
+            <a:endParaRPr dirty="0"/>
           </a:p>
         </p:txBody>
       </p:sp>
@@ -3159,8 +3159,8 @@
         </p:nvSpPr>
         <p:spPr>
           <a:xfrm>
-            <a:off x="213256" y="1523999"/>
-            <a:ext cx="3265013" cy="3447785"/>
+            <a:off x="71624" y="1549118"/>
+            <a:ext cx="3319793" cy="9047428"/>
           </a:xfrm>
           <a:prstGeom prst="rect">
             <a:avLst/>
@@ -3191,782 +3191,10 @@
                 </a:solidFill>
               </a:defRPr>
             </a:pPr>
-            <a:endParaRPr/>
+            <a:endParaRPr dirty="0"/>
           </a:p>
         </p:txBody>
       </p:sp>
-      <p:graphicFrame>
-        <p:nvGraphicFramePr>
-          <p:cNvPr id="317" name="Table"/>
-          <p:cNvGraphicFramePr/>
-          <p:nvPr>
-            <p:extLst>
-              <p:ext uri="{D42A27DB-BD31-4B8C-83A1-F6EECF244321}">
-                <p14:modId xmlns:p14="http://schemas.microsoft.com/office/powerpoint/2010/main" val="2274163935"/>
-              </p:ext>
-            </p:extLst>
-          </p:nvPr>
-        </p:nvGraphicFramePr>
-        <p:xfrm>
-          <a:off x="4882562" y="9044887"/>
-          <a:ext cx="6586852" cy="711200"/>
-        </p:xfrm>
-        <a:graphic>
-          <a:graphicData uri="http://schemas.openxmlformats.org/drawingml/2006/table">
-            <a:tbl>
-              <a:tblPr firstRow="1">
-                <a:tableStyleId>{C7B018BB-80A7-4F77-B60F-C8B233D01FF8}</a:tableStyleId>
-              </a:tblPr>
-              <a:tblGrid>
-                <a:gridCol w="2808351">
-                  <a:extLst>
-                    <a:ext uri="{9D8B030D-6E8A-4147-A177-3AD203B41FA5}">
-                      <a16:colId xmlns:a16="http://schemas.microsoft.com/office/drawing/2014/main" val="20000"/>
-                    </a:ext>
-                  </a:extLst>
-                </a:gridCol>
-                <a:gridCol w="3778501">
-                  <a:extLst>
-                    <a:ext uri="{9D8B030D-6E8A-4147-A177-3AD203B41FA5}">
-                      <a16:colId xmlns:a16="http://schemas.microsoft.com/office/drawing/2014/main" val="20001"/>
-                    </a:ext>
-                  </a:extLst>
-                </a:gridCol>
-              </a:tblGrid>
-              <a:tr h="177800">
-                <a:tc>
-                  <a:txBody>
-                    <a:bodyPr/>
-                    <a:lstStyle/>
-                    <a:p>
-                      <a:pPr indent="50800" algn="l" defTabSz="914400">
-                        <a:defRPr b="0">
-                          <a:solidFill>
-                            <a:srgbClr val="000000"/>
-                          </a:solidFill>
-                        </a:defRPr>
-                      </a:pPr>
-                      <a:r>
-                        <a:rPr lang="es-ES" sz="900" b="1" dirty="0">
-                          <a:solidFill>
-                            <a:srgbClr val="D5553F"/>
-                          </a:solidFill>
-                          <a:latin typeface="Source Sans Pro"/>
-                          <a:ea typeface="Source Sans Pro"/>
-                          <a:cs typeface="Source Sans Pro"/>
-                          <a:sym typeface="Source Sans Pro"/>
-                        </a:rPr>
-                        <a:t>R script</a:t>
-                      </a:r>
-                      <a:endParaRPr sz="900" b="1" dirty="0">
-                        <a:solidFill>
-                          <a:srgbClr val="D5553F"/>
-                        </a:solidFill>
-                        <a:latin typeface="Source Sans Pro"/>
-                        <a:ea typeface="Source Sans Pro"/>
-                        <a:cs typeface="Source Sans Pro"/>
-                        <a:sym typeface="Source Sans Pro"/>
-                      </a:endParaRPr>
-                    </a:p>
-                  </a:txBody>
-                  <a:tcPr marL="0" marR="0" marT="0" marB="0" horzOverflow="overflow">
-                    <a:lnL w="6350">
-                      <a:solidFill>
-                        <a:srgbClr val="7A4AAA">
-                          <a:alpha val="0"/>
-                        </a:srgbClr>
-                      </a:solidFill>
-                      <a:miter lim="400000"/>
-                    </a:lnL>
-                    <a:lnR w="6350">
-                      <a:solidFill>
-                        <a:srgbClr val="7A4AAA">
-                          <a:alpha val="0"/>
-                        </a:srgbClr>
-                      </a:solidFill>
-                      <a:miter lim="400000"/>
-                    </a:lnR>
-                    <a:lnT w="6350">
-                      <a:solidFill>
-                        <a:srgbClr val="7A4AAA">
-                          <a:alpha val="0"/>
-                        </a:srgbClr>
-                      </a:solidFill>
-                      <a:miter lim="400000"/>
-                    </a:lnT>
-                    <a:lnB w="6350">
-                      <a:solidFill>
-                        <a:srgbClr val="7A4AAA">
-                          <a:alpha val="0"/>
-                        </a:srgbClr>
-                      </a:solidFill>
-                      <a:miter lim="400000"/>
-                    </a:lnB>
-                    <a:noFill/>
-                  </a:tcPr>
-                </a:tc>
-                <a:tc>
-                  <a:txBody>
-                    <a:bodyPr/>
-                    <a:lstStyle/>
-                    <a:p>
-                      <a:pPr indent="50800" algn="l" defTabSz="914400">
-                        <a:defRPr b="0">
-                          <a:solidFill>
-                            <a:srgbClr val="000000"/>
-                          </a:solidFill>
-                        </a:defRPr>
-                      </a:pPr>
-                      <a:r>
-                        <a:rPr sz="900" b="1">
-                          <a:solidFill>
-                            <a:srgbClr val="D5553F"/>
-                          </a:solidFill>
-                          <a:latin typeface="Source Sans Pro"/>
-                          <a:ea typeface="Source Sans Pro"/>
-                          <a:cs typeface="Source Sans Pro"/>
-                          <a:sym typeface="Source Sans Pro"/>
-                        </a:rPr>
-                        <a:t>description</a:t>
-                      </a:r>
-                    </a:p>
-                  </a:txBody>
-                  <a:tcPr marL="0" marR="0" marT="0" marB="0" horzOverflow="overflow">
-                    <a:lnL w="6350">
-                      <a:solidFill>
-                        <a:srgbClr val="7A4AAA">
-                          <a:alpha val="0"/>
-                        </a:srgbClr>
-                      </a:solidFill>
-                      <a:miter lim="400000"/>
-                    </a:lnL>
-                    <a:lnR w="6350">
-                      <a:solidFill>
-                        <a:srgbClr val="7A4AAA">
-                          <a:alpha val="0"/>
-                        </a:srgbClr>
-                      </a:solidFill>
-                      <a:miter lim="400000"/>
-                    </a:lnR>
-                    <a:lnT w="6350">
-                      <a:solidFill>
-                        <a:srgbClr val="7A4AAA">
-                          <a:alpha val="0"/>
-                        </a:srgbClr>
-                      </a:solidFill>
-                      <a:miter lim="400000"/>
-                    </a:lnT>
-                    <a:lnB w="6350">
-                      <a:solidFill>
-                        <a:srgbClr val="7A4AAA">
-                          <a:alpha val="0"/>
-                        </a:srgbClr>
-                      </a:solidFill>
-                      <a:miter lim="400000"/>
-                    </a:lnB>
-                    <a:noFill/>
-                  </a:tcPr>
-                </a:tc>
-                <a:extLst>
-                  <a:ext uri="{0D108BD9-81ED-4DB2-BD59-A6C34878D82A}">
-                    <a16:rowId xmlns:a16="http://schemas.microsoft.com/office/drawing/2014/main" val="10000"/>
-                  </a:ext>
-                </a:extLst>
-              </a:tr>
-              <a:tr h="177800">
-                <a:tc>
-                  <a:txBody>
-                    <a:bodyPr/>
-                    <a:lstStyle/>
-                    <a:p>
-                      <a:pPr indent="50800" algn="l" defTabSz="914400"/>
-                      <a:r>
-                        <a:rPr lang="es-ES" sz="900" dirty="0" err="1">
-                          <a:latin typeface="Source Sans Pro Semibold"/>
-                          <a:ea typeface="Source Sans Pro Semibold"/>
-                          <a:cs typeface="Source Sans Pro Semibold"/>
-                          <a:sym typeface="Source Sans Pro Semibold"/>
-                        </a:rPr>
-                        <a:t>helper</a:t>
-                      </a:r>
-                      <a:endParaRPr sz="900" dirty="0">
-                        <a:latin typeface="Source Sans Pro Semibold"/>
-                        <a:ea typeface="Source Sans Pro Semibold"/>
-                        <a:cs typeface="Source Sans Pro Semibold"/>
-                        <a:sym typeface="Source Sans Pro Semibold"/>
-                      </a:endParaRPr>
-                    </a:p>
-                  </a:txBody>
-                  <a:tcPr marL="0" marR="0" marT="0" marB="0" anchor="ctr" horzOverflow="overflow">
-                    <a:lnL w="6350">
-                      <a:solidFill>
-                        <a:srgbClr val="7A4AAA">
-                          <a:alpha val="0"/>
-                        </a:srgbClr>
-                      </a:solidFill>
-                      <a:miter lim="400000"/>
-                    </a:lnL>
-                    <a:lnR w="6350">
-                      <a:solidFill>
-                        <a:srgbClr val="7A4AAA">
-                          <a:alpha val="0"/>
-                        </a:srgbClr>
-                      </a:solidFill>
-                      <a:miter lim="400000"/>
-                    </a:lnR>
-                    <a:lnT w="6350">
-                      <a:solidFill>
-                        <a:srgbClr val="7A4AAA">
-                          <a:alpha val="0"/>
-                        </a:srgbClr>
-                      </a:solidFill>
-                      <a:miter lim="400000"/>
-                    </a:lnT>
-                    <a:lnB w="6350">
-                      <a:solidFill>
-                        <a:srgbClr val="7A4AAA">
-                          <a:alpha val="0"/>
-                        </a:srgbClr>
-                      </a:solidFill>
-                      <a:miter lim="400000"/>
-                    </a:lnB>
-                    <a:solidFill>
-                      <a:srgbClr val="D0D1D2">
-                        <a:alpha val="25326"/>
-                      </a:srgbClr>
-                    </a:solidFill>
-                  </a:tcPr>
-                </a:tc>
-                <a:tc>
-                  <a:txBody>
-                    <a:bodyPr/>
-                    <a:lstStyle/>
-                    <a:p>
-                      <a:pPr indent="63500" algn="l" defTabSz="914400"/>
-                      <a:r>
-                        <a:rPr lang="es-ES" sz="900" dirty="0" err="1">
-                          <a:sym typeface="Source Sans Pro"/>
-                        </a:rPr>
-                        <a:t>Contains</a:t>
-                      </a:r>
-                      <a:r>
-                        <a:rPr lang="es-ES" sz="900" dirty="0">
-                          <a:sym typeface="Source Sans Pro"/>
-                        </a:rPr>
-                        <a:t> </a:t>
-                      </a:r>
-                      <a:r>
-                        <a:rPr lang="es-ES" sz="900" dirty="0" err="1">
-                          <a:sym typeface="Source Sans Pro"/>
-                        </a:rPr>
-                        <a:t>the</a:t>
-                      </a:r>
-                      <a:r>
-                        <a:rPr lang="es-ES" sz="900" dirty="0">
-                          <a:sym typeface="Source Sans Pro"/>
-                        </a:rPr>
-                        <a:t> </a:t>
-                      </a:r>
-                      <a:r>
-                        <a:rPr lang="es-ES" sz="900" dirty="0" err="1">
-                          <a:sym typeface="Source Sans Pro"/>
-                        </a:rPr>
-                        <a:t>functions</a:t>
-                      </a:r>
-                      <a:r>
-                        <a:rPr lang="es-ES" sz="900" dirty="0">
-                          <a:sym typeface="Source Sans Pro"/>
-                        </a:rPr>
-                        <a:t> </a:t>
-                      </a:r>
-                      <a:r>
-                        <a:rPr lang="es-ES" sz="900" dirty="0" err="1">
-                          <a:sym typeface="Source Sans Pro"/>
-                        </a:rPr>
-                        <a:t>constrmat</a:t>
-                      </a:r>
-                      <a:r>
-                        <a:rPr lang="es-ES" sz="900" dirty="0">
-                          <a:sym typeface="Source Sans Pro"/>
-                        </a:rPr>
-                        <a:t> and .</a:t>
-                      </a:r>
-                      <a:r>
-                        <a:rPr lang="es-ES" sz="900" dirty="0" err="1">
-                          <a:sym typeface="Source Sans Pro"/>
-                        </a:rPr>
-                        <a:t>constrvec</a:t>
-                      </a:r>
-                      <a:endParaRPr sz="900" dirty="0">
-                        <a:sym typeface="Source Sans Pro"/>
-                      </a:endParaRPr>
-                    </a:p>
-                  </a:txBody>
-                  <a:tcPr marL="0" marR="0" marT="0" marB="0" anchor="ctr" horzOverflow="overflow">
-                    <a:lnL w="6350">
-                      <a:solidFill>
-                        <a:srgbClr val="7A4AAA">
-                          <a:alpha val="0"/>
-                        </a:srgbClr>
-                      </a:solidFill>
-                      <a:miter lim="400000"/>
-                    </a:lnL>
-                    <a:lnR w="6350">
-                      <a:solidFill>
-                        <a:srgbClr val="7A4AAA">
-                          <a:alpha val="0"/>
-                        </a:srgbClr>
-                      </a:solidFill>
-                      <a:miter lim="400000"/>
-                    </a:lnR>
-                    <a:lnT w="6350">
-                      <a:solidFill>
-                        <a:srgbClr val="7A4AAA">
-                          <a:alpha val="0"/>
-                        </a:srgbClr>
-                      </a:solidFill>
-                      <a:miter lim="400000"/>
-                    </a:lnT>
-                    <a:lnB w="6350">
-                      <a:solidFill>
-                        <a:srgbClr val="7A4AAA">
-                          <a:alpha val="0"/>
-                        </a:srgbClr>
-                      </a:solidFill>
-                      <a:miter lim="400000"/>
-                    </a:lnB>
-                    <a:solidFill>
-                      <a:srgbClr val="D0D1D2">
-                        <a:alpha val="25326"/>
-                      </a:srgbClr>
-                    </a:solidFill>
-                  </a:tcPr>
-                </a:tc>
-                <a:extLst>
-                  <a:ext uri="{0D108BD9-81ED-4DB2-BD59-A6C34878D82A}">
-                    <a16:rowId xmlns:a16="http://schemas.microsoft.com/office/drawing/2014/main" val="10001"/>
-                  </a:ext>
-                </a:extLst>
-              </a:tr>
-              <a:tr h="177800">
-                <a:tc>
-                  <a:txBody>
-                    <a:bodyPr/>
-                    <a:lstStyle/>
-                    <a:p>
-                      <a:pPr indent="50800" algn="l" defTabSz="914400"/>
-                      <a:r>
-                        <a:rPr lang="es-ES" sz="900" dirty="0" err="1">
-                          <a:latin typeface="Source Sans Pro Semibold"/>
-                          <a:ea typeface="Source Sans Pro Semibold"/>
-                          <a:cs typeface="Source Sans Pro Semibold"/>
-                          <a:sym typeface="Source Sans Pro Semibold"/>
-                        </a:rPr>
-                        <a:t>llspinar</a:t>
-                      </a:r>
-                      <a:endParaRPr sz="900" dirty="0">
-                        <a:latin typeface="Source Sans Pro Semibold"/>
-                        <a:ea typeface="Source Sans Pro Semibold"/>
-                        <a:cs typeface="Source Sans Pro Semibold"/>
-                        <a:sym typeface="Source Sans Pro Semibold"/>
-                      </a:endParaRPr>
-                    </a:p>
-                  </a:txBody>
-                  <a:tcPr marL="0" marR="0" marT="0" marB="0" anchor="ctr" horzOverflow="overflow">
-                    <a:lnL w="6350">
-                      <a:solidFill>
-                        <a:srgbClr val="7A4AAA">
-                          <a:alpha val="0"/>
-                        </a:srgbClr>
-                      </a:solidFill>
-                      <a:miter lim="400000"/>
-                    </a:lnL>
-                    <a:lnR w="6350">
-                      <a:solidFill>
-                        <a:srgbClr val="7A4AAA">
-                          <a:alpha val="0"/>
-                        </a:srgbClr>
-                      </a:solidFill>
-                      <a:miter lim="400000"/>
-                    </a:lnR>
-                    <a:lnT w="6350">
-                      <a:solidFill>
-                        <a:srgbClr val="7A4AAA">
-                          <a:alpha val="0"/>
-                        </a:srgbClr>
-                      </a:solidFill>
-                      <a:miter lim="400000"/>
-                    </a:lnT>
-                    <a:lnB w="6350">
-                      <a:solidFill>
-                        <a:srgbClr val="7A4AAA">
-                          <a:alpha val="0"/>
-                        </a:srgbClr>
-                      </a:solidFill>
-                      <a:miter lim="400000"/>
-                    </a:lnB>
-                    <a:solidFill>
-                      <a:srgbClr val="FFFFFF"/>
-                    </a:solidFill>
-                  </a:tcPr>
-                </a:tc>
-                <a:tc>
-                  <a:txBody>
-                    <a:bodyPr/>
-                    <a:lstStyle/>
-                    <a:p>
-                      <a:pPr indent="63500" algn="l" defTabSz="914400"/>
-                      <a:r>
-                        <a:rPr lang="es-ES" sz="900" dirty="0" err="1">
-                          <a:sym typeface="Source Sans Pro"/>
-                        </a:rPr>
-                        <a:t>Contains</a:t>
-                      </a:r>
-                      <a:r>
-                        <a:rPr lang="es-ES" sz="900" dirty="0">
-                          <a:sym typeface="Source Sans Pro"/>
-                        </a:rPr>
-                        <a:t> a </a:t>
-                      </a:r>
-                      <a:r>
-                        <a:rPr lang="es-ES" sz="900" dirty="0" err="1">
-                          <a:sym typeface="Source Sans Pro"/>
-                        </a:rPr>
-                        <a:t>list</a:t>
-                      </a:r>
-                      <a:r>
-                        <a:rPr lang="es-ES" sz="900" dirty="0">
-                          <a:sym typeface="Source Sans Pro"/>
-                        </a:rPr>
-                        <a:t> of </a:t>
-                      </a:r>
-                      <a:r>
-                        <a:rPr lang="es-ES" sz="900" dirty="0" err="1">
-                          <a:sym typeface="Source Sans Pro"/>
-                        </a:rPr>
-                        <a:t>the</a:t>
-                      </a:r>
-                      <a:r>
-                        <a:rPr lang="es-ES" sz="900" dirty="0">
-                          <a:sym typeface="Source Sans Pro"/>
-                        </a:rPr>
-                        <a:t> </a:t>
-                      </a:r>
-                      <a:r>
-                        <a:rPr lang="es-ES" sz="900" dirty="0" err="1">
-                          <a:sym typeface="Source Sans Pro"/>
-                        </a:rPr>
-                        <a:t>two</a:t>
-                      </a:r>
-                      <a:r>
-                        <a:rPr lang="es-ES" sz="900" dirty="0">
-                          <a:sym typeface="Source Sans Pro"/>
-                        </a:rPr>
-                        <a:t> </a:t>
-                      </a:r>
-                      <a:r>
-                        <a:rPr lang="es-ES" sz="900" dirty="0" err="1">
-                          <a:sym typeface="Source Sans Pro"/>
-                        </a:rPr>
-                        <a:t>semiparametric</a:t>
-                      </a:r>
-                      <a:r>
-                        <a:rPr lang="es-ES" sz="900" dirty="0">
-                          <a:sym typeface="Source Sans Pro"/>
-                        </a:rPr>
-                        <a:t> log-</a:t>
-                      </a:r>
-                      <a:r>
-                        <a:rPr lang="es-ES" sz="900" dirty="0" err="1">
-                          <a:sym typeface="Source Sans Pro"/>
-                        </a:rPr>
-                        <a:t>likelihood</a:t>
-                      </a:r>
-                      <a:r>
-                        <a:rPr lang="es-ES" sz="900" dirty="0">
-                          <a:sym typeface="Source Sans Pro"/>
-                        </a:rPr>
-                        <a:t> </a:t>
-                      </a:r>
-                      <a:r>
-                        <a:rPr lang="es-ES" sz="900" dirty="0" err="1">
-                          <a:sym typeface="Source Sans Pro"/>
-                        </a:rPr>
-                        <a:t>functions</a:t>
-                      </a:r>
-                      <a:endParaRPr lang="es-ES" sz="900" dirty="0">
-                        <a:sym typeface="Source Sans Pro"/>
-                      </a:endParaRPr>
-                    </a:p>
-                  </a:txBody>
-                  <a:tcPr marL="0" marR="0" marT="0" marB="0" anchor="ctr" horzOverflow="overflow">
-                    <a:lnL w="6350">
-                      <a:solidFill>
-                        <a:srgbClr val="7A4AAA">
-                          <a:alpha val="0"/>
-                        </a:srgbClr>
-                      </a:solidFill>
-                      <a:miter lim="400000"/>
-                    </a:lnL>
-                    <a:lnR w="6350">
-                      <a:solidFill>
-                        <a:srgbClr val="7A4AAA">
-                          <a:alpha val="0"/>
-                        </a:srgbClr>
-                      </a:solidFill>
-                      <a:miter lim="400000"/>
-                    </a:lnR>
-                    <a:lnT w="6350">
-                      <a:solidFill>
-                        <a:srgbClr val="7A4AAA">
-                          <a:alpha val="0"/>
-                        </a:srgbClr>
-                      </a:solidFill>
-                      <a:miter lim="400000"/>
-                    </a:lnT>
-                    <a:lnB w="6350">
-                      <a:solidFill>
-                        <a:srgbClr val="7A4AAA">
-                          <a:alpha val="0"/>
-                        </a:srgbClr>
-                      </a:solidFill>
-                      <a:miter lim="400000"/>
-                    </a:lnB>
-                    <a:solidFill>
-                      <a:srgbClr val="FFFFFF"/>
-                    </a:solidFill>
-                  </a:tcPr>
-                </a:tc>
-                <a:extLst>
-                  <a:ext uri="{0D108BD9-81ED-4DB2-BD59-A6C34878D82A}">
-                    <a16:rowId xmlns:a16="http://schemas.microsoft.com/office/drawing/2014/main" val="10002"/>
-                  </a:ext>
-                </a:extLst>
-              </a:tr>
-              <a:tr h="177800">
-                <a:tc>
-                  <a:txBody>
-                    <a:bodyPr/>
-                    <a:lstStyle/>
-                    <a:p>
-                      <a:pPr indent="50800" algn="l" defTabSz="914400"/>
-                      <a:r>
-                        <a:rPr lang="es-ES" sz="900" dirty="0" err="1">
-                          <a:latin typeface="Source Sans Pro Semibold"/>
-                          <a:ea typeface="Source Sans Pro Semibold"/>
-                          <a:cs typeface="Source Sans Pro Semibold"/>
-                          <a:sym typeface="Source Sans Pro Semibold"/>
-                        </a:rPr>
-                        <a:t>llspinar</a:t>
-                      </a:r>
-                      <a:r>
-                        <a:rPr lang="es-ES" sz="900" dirty="0">
-                          <a:latin typeface="Source Sans Pro Semibold"/>
-                          <a:ea typeface="Source Sans Pro Semibold"/>
-                          <a:cs typeface="Source Sans Pro Semibold"/>
-                          <a:sym typeface="Source Sans Pro Semibold"/>
-                        </a:rPr>
-                        <a:t>-penal</a:t>
-                      </a:r>
-                      <a:endParaRPr sz="900" dirty="0">
-                        <a:latin typeface="Source Sans Pro Semibold"/>
-                        <a:ea typeface="Source Sans Pro Semibold"/>
-                        <a:cs typeface="Source Sans Pro Semibold"/>
-                        <a:sym typeface="Source Sans Pro Semibold"/>
-                      </a:endParaRPr>
-                    </a:p>
-                  </a:txBody>
-                  <a:tcPr marL="0" marR="0" marT="0" marB="0" anchor="ctr" horzOverflow="overflow">
-                    <a:lnL w="6350">
-                      <a:solidFill>
-                        <a:srgbClr val="7A4AAA">
-                          <a:alpha val="0"/>
-                        </a:srgbClr>
-                      </a:solidFill>
-                      <a:miter lim="400000"/>
-                    </a:lnL>
-                    <a:lnR w="6350">
-                      <a:solidFill>
-                        <a:srgbClr val="7A4AAA">
-                          <a:alpha val="0"/>
-                        </a:srgbClr>
-                      </a:solidFill>
-                      <a:miter lim="400000"/>
-                    </a:lnR>
-                    <a:lnT w="6350">
-                      <a:solidFill>
-                        <a:srgbClr val="7A4AAA">
-                          <a:alpha val="0"/>
-                        </a:srgbClr>
-                      </a:solidFill>
-                      <a:miter lim="400000"/>
-                    </a:lnT>
-                    <a:lnB w="6350">
-                      <a:solidFill>
-                        <a:srgbClr val="7A4AAA">
-                          <a:alpha val="0"/>
-                        </a:srgbClr>
-                      </a:solidFill>
-                      <a:miter lim="400000"/>
-                    </a:lnB>
-                    <a:solidFill>
-                      <a:srgbClr val="D0D1D2">
-                        <a:alpha val="25117"/>
-                      </a:srgbClr>
-                    </a:solidFill>
-                  </a:tcPr>
-                </a:tc>
-                <a:tc>
-                  <a:txBody>
-                    <a:bodyPr/>
-                    <a:lstStyle/>
-                    <a:p>
-                      <a:pPr indent="63500" algn="l" defTabSz="914400"/>
-                      <a:r>
-                        <a:rPr lang="es-ES" sz="900" dirty="0" err="1">
-                          <a:sym typeface="Source Sans Pro"/>
-                        </a:rPr>
-                        <a:t>Contains</a:t>
-                      </a:r>
-                      <a:r>
-                        <a:rPr lang="es-ES" sz="900" dirty="0">
-                          <a:sym typeface="Source Sans Pro"/>
-                        </a:rPr>
-                        <a:t> a </a:t>
-                      </a:r>
-                      <a:r>
-                        <a:rPr lang="es-ES" sz="900" dirty="0" err="1">
-                          <a:sym typeface="Source Sans Pro"/>
-                        </a:rPr>
-                        <a:t>list</a:t>
-                      </a:r>
-                      <a:r>
-                        <a:rPr lang="es-ES" sz="900" dirty="0">
-                          <a:sym typeface="Source Sans Pro"/>
-                        </a:rPr>
-                        <a:t> of </a:t>
-                      </a:r>
-                      <a:r>
-                        <a:rPr lang="es-ES" sz="900" dirty="0" err="1">
-                          <a:sym typeface="Source Sans Pro"/>
-                        </a:rPr>
-                        <a:t>the</a:t>
-                      </a:r>
-                      <a:r>
-                        <a:rPr lang="es-ES" sz="900" dirty="0">
-                          <a:sym typeface="Source Sans Pro"/>
-                        </a:rPr>
-                        <a:t> </a:t>
-                      </a:r>
-                      <a:r>
-                        <a:rPr lang="es-ES" sz="900" dirty="0" err="1">
-                          <a:sym typeface="Source Sans Pro"/>
-                        </a:rPr>
-                        <a:t>two</a:t>
-                      </a:r>
-                      <a:r>
-                        <a:rPr lang="es-ES" sz="900" dirty="0">
-                          <a:sym typeface="Source Sans Pro"/>
-                        </a:rPr>
-                        <a:t> </a:t>
-                      </a:r>
-                      <a:r>
-                        <a:rPr lang="es-ES" sz="900" dirty="0" err="1">
-                          <a:sym typeface="Source Sans Pro"/>
-                        </a:rPr>
-                        <a:t>penalized</a:t>
-                      </a:r>
-                      <a:r>
-                        <a:rPr lang="es-ES" sz="900" dirty="0">
-                          <a:sym typeface="Source Sans Pro"/>
-                        </a:rPr>
-                        <a:t> </a:t>
-                      </a:r>
-                      <a:r>
-                        <a:rPr lang="es-ES" sz="900" dirty="0" err="1">
-                          <a:sym typeface="Source Sans Pro"/>
-                        </a:rPr>
-                        <a:t>semiparametric</a:t>
-                      </a:r>
-                      <a:r>
-                        <a:rPr lang="es-ES" sz="900" dirty="0">
-                          <a:sym typeface="Source Sans Pro"/>
-                        </a:rPr>
-                        <a:t> log </a:t>
-                      </a:r>
-                      <a:r>
-                        <a:rPr lang="es-ES" sz="900" dirty="0" err="1">
-                          <a:sym typeface="Source Sans Pro"/>
-                        </a:rPr>
-                        <a:t>likelihood</a:t>
-                      </a:r>
-                      <a:r>
-                        <a:rPr lang="es-ES" sz="900" dirty="0">
-                          <a:sym typeface="Source Sans Pro"/>
-                        </a:rPr>
-                        <a:t> </a:t>
-                      </a:r>
-                      <a:r>
-                        <a:rPr lang="es-ES" sz="900" dirty="0" err="1">
-                          <a:sym typeface="Source Sans Pro"/>
-                        </a:rPr>
-                        <a:t>functions</a:t>
-                      </a:r>
-                      <a:endParaRPr sz="900" dirty="0">
-                        <a:sym typeface="Source Sans Pro"/>
-                      </a:endParaRPr>
-                    </a:p>
-                  </a:txBody>
-                  <a:tcPr marL="0" marR="0" marT="0" marB="0" anchor="ctr" horzOverflow="overflow">
-                    <a:lnL w="6350">
-                      <a:solidFill>
-                        <a:srgbClr val="7A4AAA">
-                          <a:alpha val="0"/>
-                        </a:srgbClr>
-                      </a:solidFill>
-                      <a:miter lim="400000"/>
-                    </a:lnL>
-                    <a:lnR w="6350">
-                      <a:solidFill>
-                        <a:srgbClr val="7A4AAA">
-                          <a:alpha val="0"/>
-                        </a:srgbClr>
-                      </a:solidFill>
-                      <a:miter lim="400000"/>
-                    </a:lnR>
-                    <a:lnT w="6350">
-                      <a:solidFill>
-                        <a:srgbClr val="7A4AAA">
-                          <a:alpha val="0"/>
-                        </a:srgbClr>
-                      </a:solidFill>
-                      <a:miter lim="400000"/>
-                    </a:lnT>
-                    <a:lnB w="6350">
-                      <a:solidFill>
-                        <a:srgbClr val="7A4AAA">
-                          <a:alpha val="0"/>
-                        </a:srgbClr>
-                      </a:solidFill>
-                      <a:miter lim="400000"/>
-                    </a:lnB>
-                    <a:solidFill>
-                      <a:srgbClr val="D0D1D2">
-                        <a:alpha val="25117"/>
-                      </a:srgbClr>
-                    </a:solidFill>
-                  </a:tcPr>
-                </a:tc>
-                <a:extLst>
-                  <a:ext uri="{0D108BD9-81ED-4DB2-BD59-A6C34878D82A}">
-                    <a16:rowId xmlns:a16="http://schemas.microsoft.com/office/drawing/2014/main" val="10003"/>
-                  </a:ext>
-                </a:extLst>
-              </a:tr>
-            </a:tbl>
-          </a:graphicData>
-        </a:graphic>
-      </p:graphicFrame>
       <p:sp>
         <p:nvSpPr>
           <p:cNvPr id="318" name="Line"/>
@@ -4005,7 +3233,7 @@
                 </a:solidFill>
               </a:defRPr>
             </a:pPr>
-            <a:endParaRPr/>
+            <a:endParaRPr dirty="0"/>
           </a:p>
         </p:txBody>
       </p:sp>
@@ -4017,7 +3245,7 @@
         </p:nvSpPr>
         <p:spPr>
           <a:xfrm>
-            <a:off x="306210" y="1559347"/>
+            <a:off x="230622" y="3037190"/>
             <a:ext cx="1551707" cy="340029"/>
           </a:xfrm>
           <a:prstGeom prst="rect">
@@ -4028,7 +3256,7 @@
           </a:ln>
           <a:extLst>
             <a:ext uri="{C572A759-6A51-4108-AA02-DFA0A04FC94B}">
-              <ma14:wrappingTextBoxFlag xmlns:ma14="http://schemas.microsoft.com/office/mac/drawingml/2011/main" xmlns:a14="http://schemas.microsoft.com/office/drawing/2010/main" xmlns:m="http://schemas.openxmlformats.org/officeDocument/2006/math" xmlns="" val="1"/>
+              <ma14:wrappingTextBoxFlag xmlns="" xmlns:m="http://schemas.openxmlformats.org/officeDocument/2006/math" xmlns:a14="http://schemas.microsoft.com/office/drawing/2010/main" xmlns:ma14="http://schemas.microsoft.com/office/mac/drawingml/2011/main" val="1"/>
             </a:ext>
           </a:extLst>
         </p:spPr>
@@ -4078,7 +3306,7 @@
           </a:ln>
           <a:extLst>
             <a:ext uri="{C572A759-6A51-4108-AA02-DFA0A04FC94B}">
-              <ma14:wrappingTextBoxFlag xmlns:ma14="http://schemas.microsoft.com/office/mac/drawingml/2011/main" xmlns:a14="http://schemas.microsoft.com/office/drawing/2010/main" xmlns:m="http://schemas.openxmlformats.org/officeDocument/2006/math" xmlns="" val="1"/>
+              <ma14:wrappingTextBoxFlag xmlns="" xmlns:m="http://schemas.openxmlformats.org/officeDocument/2006/math" xmlns:a14="http://schemas.microsoft.com/office/drawing/2010/main" xmlns:ma14="http://schemas.microsoft.com/office/mac/drawingml/2011/main" val="1"/>
             </a:ext>
           </a:extLst>
         </p:spPr>
@@ -4101,57 +3329,7 @@
                 </a:solidFill>
               </a:defRPr>
             </a:pPr>
-            <a:r>
-              <a:rPr dirty="0"/>
-              <a:t>Each </a:t>
-            </a:r>
-            <a:r>
-              <a:rPr dirty="0" err="1"/>
-              <a:t>cheatsheet</a:t>
-            </a:r>
-            <a:r>
-              <a:rPr dirty="0"/>
-              <a:t> should be licensed under the creative commons license.</a:t>
-            </a:r>
-          </a:p>
-          <a:p>
-            <a:pPr>
-              <a:lnSpc>
-                <a:spcPct val="90000"/>
-              </a:lnSpc>
-              <a:spcBef>
-                <a:spcPts val="0"/>
-              </a:spcBef>
-              <a:defRPr b="0">
-                <a:solidFill>
-                  <a:srgbClr val="000000"/>
-                </a:solidFill>
-              </a:defRPr>
-            </a:pPr>
-            <a:r>
-              <a:rPr dirty="0"/>
-              <a:t>To license the sheet as creative commons, put </a:t>
-            </a:r>
-            <a:r>
-              <a:rPr dirty="0" err="1"/>
-              <a:t>CC'd</a:t>
-            </a:r>
-            <a:r>
-              <a:rPr dirty="0"/>
-              <a:t> by &lt;your name&gt; in the small print at the bottom of each page and link it to </a:t>
-            </a:r>
-            <a:r>
-              <a:rPr b="1" dirty="0"/>
-              <a:t>http://</a:t>
-            </a:r>
-            <a:r>
-              <a:rPr b="1" dirty="0" err="1"/>
-              <a:t>creativecommons.org</a:t>
-            </a:r>
-            <a:r>
-              <a:rPr b="1" dirty="0"/>
-              <a:t>/licenses/by/4.0/</a:t>
-            </a:r>
+            <a:endParaRPr b="1" dirty="0"/>
           </a:p>
         </p:txBody>
       </p:sp>
@@ -4163,8 +3341,8 @@
         </p:nvSpPr>
         <p:spPr>
           <a:xfrm>
-            <a:off x="323328" y="2070099"/>
-            <a:ext cx="4264736" cy="715449"/>
+            <a:off x="272318" y="3431378"/>
+            <a:ext cx="2882201" cy="715449"/>
           </a:xfrm>
           <a:prstGeom prst="rect">
             <a:avLst/>
@@ -4174,13 +3352,13 @@
           </a:ln>
           <a:extLst>
             <a:ext uri="{C572A759-6A51-4108-AA02-DFA0A04FC94B}">
-              <ma14:wrappingTextBoxFlag xmlns:ma14="http://schemas.microsoft.com/office/mac/drawingml/2011/main" xmlns:a14="http://schemas.microsoft.com/office/drawing/2010/main" xmlns:m="http://schemas.openxmlformats.org/officeDocument/2006/math" xmlns="" val="1"/>
+              <ma14:wrappingTextBoxFlag xmlns="" xmlns:m="http://schemas.openxmlformats.org/officeDocument/2006/math" xmlns:a14="http://schemas.microsoft.com/office/drawing/2010/main" xmlns:ma14="http://schemas.microsoft.com/office/mac/drawingml/2011/main" val="1"/>
             </a:ext>
           </a:extLst>
         </p:spPr>
         <p:txBody>
           <a:bodyPr lIns="0" tIns="0" rIns="0" bIns="0">
-            <a:normAutofit lnSpcReduction="10000"/>
+            <a:normAutofit/>
           </a:bodyPr>
           <a:lstStyle/>
           <a:p>
@@ -4205,41 +3383,12 @@
               </a:defRPr>
             </a:pPr>
             <a:r>
-              <a:rPr lang="es-ES" b="1" dirty="0" err="1"/>
-              <a:t>Development</a:t>
-            </a:r>
-            <a:r>
-              <a:rPr lang="es-ES" b="1" dirty="0"/>
-              <a:t> </a:t>
-            </a:r>
-            <a:r>
-              <a:rPr lang="es-ES" b="1"/>
-              <a:t>version</a:t>
-            </a:r>
-            <a:endParaRPr lang="es-ES" b="1" dirty="0"/>
-          </a:p>
-          <a:p>
-            <a:pPr>
-              <a:lnSpc>
-                <a:spcPct val="90000"/>
-              </a:lnSpc>
-              <a:spcBef>
-                <a:spcPts val="0"/>
-              </a:spcBef>
-              <a:buClr>
-                <a:schemeClr val="accent4">
-                  <a:hueOff val="384618"/>
-                  <a:satOff val="3869"/>
-                  <a:lumOff val="5802"/>
-                </a:schemeClr>
-              </a:buClr>
-              <a:defRPr b="0">
-                <a:solidFill>
-                  <a:srgbClr val="000000"/>
-                </a:solidFill>
-              </a:defRPr>
-            </a:pPr>
-            <a:endParaRPr lang="es-ES" b="1" dirty="0"/>
+              <a:rPr lang="es-ES" b="1" dirty="0">
+                <a:latin typeface="Source Sans Pro" panose="020B0503030403020204" pitchFamily="34" charset="0"/>
+                <a:ea typeface="Source Sans Pro" panose="020B0503030403020204" pitchFamily="34" charset="0"/>
+              </a:rPr>
+              <a:t>Development version</a:t>
+            </a:r>
           </a:p>
           <a:p>
             <a:pPr>
@@ -4263,35 +3412,33 @@
               </a:defRPr>
             </a:pPr>
             <a:r>
-              <a:rPr lang="es-ES" dirty="0" err="1"/>
+              <a:rPr lang="es-ES" i="1" dirty="0" smtClean="0">
+                <a:latin typeface="+mn-lt"/>
+              </a:rPr>
+              <a:t>&gt; </a:t>
+            </a:r>
+            <a:r>
+              <a:rPr lang="es-ES" i="1" dirty="0" smtClean="0">
+                <a:latin typeface="+mn-lt"/>
+              </a:rPr>
               <a:t>devtools</a:t>
             </a:r>
             <a:r>
-              <a:rPr lang="es-ES" dirty="0"/>
-              <a:t>::</a:t>
-            </a:r>
-            <a:r>
-              <a:rPr lang="es-ES" dirty="0" err="1"/>
-              <a:t>install_github</a:t>
-            </a:r>
-            <a:r>
-              <a:rPr lang="es-ES" dirty="0"/>
-              <a:t>(“</a:t>
-            </a:r>
-            <a:r>
-              <a:rPr lang="es-ES" dirty="0" err="1"/>
-              <a:t>Mfaymon</a:t>
-            </a:r>
-            <a:r>
-              <a:rPr lang="es-ES" dirty="0"/>
-              <a:t>/</a:t>
-            </a:r>
-            <a:r>
-              <a:rPr lang="es-ES" dirty="0" err="1"/>
-              <a:t>spINAR</a:t>
-            </a:r>
-            <a:r>
-              <a:rPr lang="es-ES" dirty="0"/>
+              <a:rPr lang="es-ES" i="1" dirty="0">
+                <a:latin typeface="+mn-lt"/>
+              </a:rPr>
+              <a:t>::install_github(“</a:t>
+            </a:r>
+            <a:r>
+              <a:rPr lang="es-ES" i="1" dirty="0" smtClean="0">
+                <a:latin typeface="+mn-lt"/>
+              </a:rPr>
+              <a:t>MFaymon/spINAR</a:t>
+            </a:r>
+            <a:r>
+              <a:rPr lang="es-ES" i="1" dirty="0">
+                <a:latin typeface="+mn-lt"/>
+              </a:rPr>
               <a:t>”)</a:t>
             </a:r>
           </a:p>
@@ -4317,19 +3464,15 @@
               </a:defRPr>
             </a:pPr>
             <a:r>
-              <a:rPr lang="es-ES" dirty="0" err="1"/>
-              <a:t>library</a:t>
-            </a:r>
-            <a:r>
-              <a:rPr lang="es-ES" dirty="0"/>
-              <a:t>(</a:t>
-            </a:r>
-            <a:r>
-              <a:rPr lang="es-ES" dirty="0" err="1"/>
-              <a:t>spINAR</a:t>
-            </a:r>
-            <a:r>
-              <a:rPr lang="es-ES" dirty="0"/>
+              <a:rPr lang="es-ES" i="1" dirty="0" smtClean="0">
+                <a:latin typeface="+mn-lt"/>
+              </a:rPr>
+              <a:t>&gt; library(spINAR</a:t>
+            </a:r>
+            <a:r>
+              <a:rPr lang="es-ES" i="1" dirty="0">
+                <a:latin typeface="+mn-lt"/>
+              </a:rPr>
               <a:t>)</a:t>
             </a:r>
           </a:p>
@@ -4465,7 +3608,7 @@
                 </a:solidFill>
               </a:defRPr>
             </a:pPr>
-            <a:endParaRPr/>
+            <a:endParaRPr dirty="0"/>
           </a:p>
         </p:txBody>
       </p:sp>
@@ -4556,52 +3699,6 @@
                 </a:solidFill>
               </a:defRPr>
             </a:pPr>
-            <a:endParaRPr/>
-          </a:p>
-        </p:txBody>
-      </p:sp>
-      <p:sp>
-        <p:nvSpPr>
-          <p:cNvPr id="378" name="TABLES"/>
-          <p:cNvSpPr txBox="1"/>
-          <p:nvPr/>
-        </p:nvSpPr>
-        <p:spPr>
-          <a:xfrm>
-            <a:off x="4873801" y="8832724"/>
-            <a:ext cx="1405834" cy="210314"/>
-          </a:xfrm>
-          <a:prstGeom prst="rect">
-            <a:avLst/>
-          </a:prstGeom>
-          <a:ln w="12700">
-            <a:miter lim="400000"/>
-          </a:ln>
-          <a:extLst>
-            <a:ext uri="{C572A759-6A51-4108-AA02-DFA0A04FC94B}">
-              <ma14:wrappingTextBoxFlag xmlns:ma14="http://schemas.microsoft.com/office/mac/drawingml/2011/main" xmlns:a14="http://schemas.microsoft.com/office/drawing/2010/main" xmlns:m="http://schemas.openxmlformats.org/officeDocument/2006/math" xmlns="" val="1"/>
-            </a:ext>
-          </a:extLst>
-        </p:spPr>
-        <p:txBody>
-          <a:bodyPr wrap="none" lIns="12700" tIns="12700" rIns="12700" bIns="12700" anchor="ctr">
-            <a:spAutoFit/>
-          </a:bodyPr>
-          <a:lstStyle/>
-          <a:p>
-            <a:pPr lvl="1" indent="0"/>
-            <a:r>
-              <a:rPr lang="es-ES" dirty="0" err="1"/>
-              <a:t>Additional</a:t>
-            </a:r>
-            <a:r>
-              <a:rPr lang="es-ES" dirty="0"/>
-              <a:t> </a:t>
-            </a:r>
-            <a:r>
-              <a:rPr lang="es-ES" dirty="0" err="1"/>
-              <a:t>functions</a:t>
-            </a:r>
             <a:endParaRPr dirty="0"/>
           </a:p>
         </p:txBody>
@@ -4614,8 +3711,8 @@
         </p:nvSpPr>
         <p:spPr>
           <a:xfrm>
-            <a:off x="9817871" y="2278738"/>
-            <a:ext cx="3540658" cy="294872"/>
+            <a:off x="10666365" y="2418704"/>
+            <a:ext cx="2670386" cy="294872"/>
           </a:xfrm>
           <a:prstGeom prst="rect">
             <a:avLst/>
@@ -4631,7 +3728,7 @@
           </a:ln>
           <a:extLst>
             <a:ext uri="{C572A759-6A51-4108-AA02-DFA0A04FC94B}">
-              <ma14:wrappingTextBoxFlag xmlns:ma14="http://schemas.microsoft.com/office/mac/drawingml/2011/main" xmlns:a14="http://schemas.microsoft.com/office/drawing/2010/main" xmlns:m="http://schemas.openxmlformats.org/officeDocument/2006/math" xmlns="" val="1"/>
+              <ma14:wrappingTextBoxFlag xmlns="" xmlns:m="http://schemas.openxmlformats.org/officeDocument/2006/math" xmlns:a14="http://schemas.microsoft.com/office/drawing/2010/main" xmlns:ma14="http://schemas.microsoft.com/office/mac/drawingml/2011/main" val="1"/>
             </a:ext>
           </a:extLst>
         </p:spPr>
@@ -4703,7 +3800,7 @@
         <p:spPr>
           <a:xfrm>
             <a:off x="10666365" y="1607929"/>
-            <a:ext cx="1077218" cy="340029"/>
+            <a:ext cx="934551" cy="340029"/>
           </a:xfrm>
           <a:prstGeom prst="rect">
             <a:avLst/>
@@ -4713,7 +3810,7 @@
           </a:ln>
           <a:extLst>
             <a:ext uri="{C572A759-6A51-4108-AA02-DFA0A04FC94B}">
-              <ma14:wrappingTextBoxFlag xmlns:ma14="http://schemas.microsoft.com/office/mac/drawingml/2011/main" xmlns:a14="http://schemas.microsoft.com/office/drawing/2010/main" xmlns:m="http://schemas.openxmlformats.org/officeDocument/2006/math" xmlns="" val="1"/>
+              <ma14:wrappingTextBoxFlag xmlns="" xmlns:m="http://schemas.openxmlformats.org/officeDocument/2006/math" xmlns:a14="http://schemas.microsoft.com/office/drawing/2010/main" xmlns:ma14="http://schemas.microsoft.com/office/mac/drawingml/2011/main" val="1"/>
             </a:ext>
           </a:extLst>
         </p:spPr>
@@ -4737,54 +3834,10 @@
               </a:defRPr>
             </a:pPr>
             <a:r>
-              <a:rPr lang="es-ES" dirty="0"/>
-              <a:t>Sintaxis</a:t>
+              <a:rPr lang="es-ES" dirty="0" smtClean="0"/>
+              <a:t>Syntax</a:t>
             </a:r>
             <a:endParaRPr dirty="0"/>
-          </a:p>
-        </p:txBody>
-      </p:sp>
-      <p:sp>
-        <p:nvSpPr>
-          <p:cNvPr id="385" name="Line"/>
-          <p:cNvSpPr/>
-          <p:nvPr/>
-        </p:nvSpPr>
-        <p:spPr>
-          <a:xfrm>
-            <a:off x="231073" y="8781291"/>
-            <a:ext cx="4311195" cy="1"/>
-          </a:xfrm>
-          <a:prstGeom prst="line">
-            <a:avLst/>
-          </a:prstGeom>
-          <a:ln w="12700">
-            <a:solidFill>
-              <a:srgbClr val="767C85"/>
-            </a:solidFill>
-            <a:custDash>
-              <a:ds d="100000" sp="200000"/>
-            </a:custDash>
-          </a:ln>
-        </p:spPr>
-        <p:txBody>
-          <a:bodyPr lIns="54570" tIns="54570" rIns="54570" bIns="54570" anchor="ctr"/>
-          <a:lstStyle/>
-          <a:p>
-            <a:pPr>
-              <a:lnSpc>
-                <a:spcPct val="80000"/>
-              </a:lnSpc>
-              <a:spcBef>
-                <a:spcPts val="600"/>
-              </a:spcBef>
-              <a:defRPr b="0">
-                <a:solidFill>
-                  <a:srgbClr val="000000"/>
-                </a:solidFill>
-              </a:defRPr>
-            </a:pPr>
-            <a:endParaRPr/>
           </a:p>
         </p:txBody>
       </p:sp>
@@ -4796,8 +3849,8 @@
         </p:nvSpPr>
         <p:spPr>
           <a:xfrm>
-            <a:off x="230622" y="8784297"/>
-            <a:ext cx="818694" cy="215901"/>
+            <a:off x="230622" y="8787090"/>
+            <a:ext cx="25713" cy="210314"/>
           </a:xfrm>
           <a:prstGeom prst="rect">
             <a:avLst/>
@@ -4807,7 +3860,7 @@
           </a:ln>
           <a:extLst>
             <a:ext uri="{C572A759-6A51-4108-AA02-DFA0A04FC94B}">
-              <ma14:wrappingTextBoxFlag xmlns:ma14="http://schemas.microsoft.com/office/mac/drawingml/2011/main" xmlns:a14="http://schemas.microsoft.com/office/drawing/2010/main" xmlns:m="http://schemas.openxmlformats.org/officeDocument/2006/math" xmlns="" val="1"/>
+              <ma14:wrappingTextBoxFlag xmlns="" xmlns:m="http://schemas.openxmlformats.org/officeDocument/2006/math" xmlns:a14="http://schemas.microsoft.com/office/drawing/2010/main" xmlns:ma14="http://schemas.microsoft.com/office/mac/drawingml/2011/main" val="1"/>
             </a:ext>
           </a:extLst>
         </p:spPr>
@@ -4818,9 +3871,7 @@
           <a:lstStyle/>
           <a:p>
             <a:pPr lvl="1" indent="0"/>
-            <a:r>
-              <a:t>COPYRIGHT</a:t>
-            </a:r>
+            <a:endParaRPr dirty="0"/>
           </a:p>
         </p:txBody>
       </p:sp>
@@ -4865,7 +3916,7 @@
         </p:nvSpPr>
         <p:spPr>
           <a:xfrm>
-            <a:off x="306210" y="2959651"/>
+            <a:off x="269215" y="1751724"/>
             <a:ext cx="2162451" cy="340029"/>
           </a:xfrm>
           <a:prstGeom prst="rect">
@@ -4876,7 +3927,7 @@
           </a:ln>
           <a:extLst>
             <a:ext uri="{C572A759-6A51-4108-AA02-DFA0A04FC94B}">
-              <ma14:wrappingTextBoxFlag xmlns:ma14="http://schemas.microsoft.com/office/mac/drawingml/2011/main" xmlns:a14="http://schemas.microsoft.com/office/drawing/2010/main" xmlns:m="http://schemas.openxmlformats.org/officeDocument/2006/math" xmlns="" val="1"/>
+              <ma14:wrappingTextBoxFlag xmlns="" xmlns:m="http://schemas.openxmlformats.org/officeDocument/2006/math" xmlns:a14="http://schemas.microsoft.com/office/drawing/2010/main" xmlns:ma14="http://schemas.microsoft.com/office/mac/drawingml/2011/main" val="1"/>
             </a:ext>
           </a:extLst>
         </p:spPr>
@@ -4900,30 +3951,10 @@
               </a:defRPr>
             </a:pPr>
             <a:r>
-              <a:rPr lang="es-ES" dirty="0" err="1"/>
-              <a:t>What</a:t>
-            </a:r>
-            <a:r>
-              <a:rPr lang="es-ES" dirty="0"/>
-              <a:t> </a:t>
-            </a:r>
-            <a:r>
-              <a:rPr lang="es-ES" dirty="0" err="1"/>
-              <a:t>is</a:t>
-            </a:r>
-            <a:r>
-              <a:rPr lang="es-ES" dirty="0"/>
-              <a:t> </a:t>
-            </a:r>
-            <a:r>
-              <a:rPr lang="es-ES" dirty="0" err="1"/>
-              <a:t>spINAR</a:t>
-            </a:r>
-            <a:r>
-              <a:rPr lang="es-ES" dirty="0"/>
-              <a:t>?</a:t>
-            </a:r>
-            <a:endParaRPr dirty="0"/>
+              <a:rPr lang="en-US" dirty="0" smtClean="0"/>
+              <a:t>What is spINAR?</a:t>
+            </a:r>
+            <a:endParaRPr lang="en-US" dirty="0"/>
           </a:p>
         </p:txBody>
       </p:sp>
@@ -4995,7 +4026,7 @@
         </p:nvSpPr>
         <p:spPr>
           <a:xfrm>
-            <a:off x="3913499" y="1976456"/>
+            <a:off x="3865644" y="1987541"/>
             <a:ext cx="9390420" cy="228121"/>
           </a:xfrm>
           <a:prstGeom prst="rect">
@@ -5009,7 +4040,7 @@
           <a:effectLst/>
           <a:extLst>
             <a:ext uri="{C572A759-6A51-4108-AA02-DFA0A04FC94B}">
-              <ma14:wrappingTextBoxFlag xmlns:ma14="http://schemas.microsoft.com/office/mac/drawingml/2011/main" xmlns:a14="http://schemas.microsoft.com/office/drawing/2010/main" xmlns:m="http://schemas.openxmlformats.org/officeDocument/2006/math" xmlns="" val="1"/>
+              <ma14:wrappingTextBoxFlag xmlns="" xmlns:m="http://schemas.openxmlformats.org/officeDocument/2006/math" xmlns:a14="http://schemas.microsoft.com/office/drawing/2010/main" xmlns:ma14="http://schemas.microsoft.com/office/mac/drawingml/2011/main" val="1"/>
             </a:ext>
           </a:extLst>
         </p:spPr>
@@ -5019,7 +4050,7 @@
           </a:bodyPr>
           <a:lstStyle/>
           <a:p>
-            <a:pPr lvl="1" indent="0" algn="ctr">
+            <a:pPr lvl="1" indent="0">
               <a:lnSpc>
                 <a:spcPct val="80000"/>
               </a:lnSpc>
@@ -5033,12 +4064,8 @@
               </a:defRPr>
             </a:pPr>
             <a:r>
-              <a:rPr lang="es-ES" sz="1600" dirty="0" err="1"/>
-              <a:t>Simulation</a:t>
-            </a:r>
-            <a:r>
-              <a:rPr lang="es-ES" sz="1600" dirty="0"/>
-              <a:t> INAR(p)</a:t>
+              <a:rPr lang="es-ES" sz="1600" dirty="0" smtClean="0"/>
+              <a:t> Simulation of INAR(p) data</a:t>
             </a:r>
             <a:endParaRPr sz="1600" dirty="0"/>
           </a:p>
@@ -5058,8 +4085,8 @@
         </p:nvSpPr>
         <p:spPr>
           <a:xfrm>
-            <a:off x="3865644" y="3659500"/>
-            <a:ext cx="9579003" cy="333403"/>
+            <a:off x="3817523" y="4401252"/>
+            <a:ext cx="9519228" cy="279203"/>
           </a:xfrm>
           <a:prstGeom prst="rect">
             <a:avLst/>
@@ -5094,140 +4121,7 @@
                 </a:solidFill>
               </a:defRPr>
             </a:pPr>
-            <a:endParaRPr/>
-          </a:p>
-        </p:txBody>
-      </p:sp>
-      <p:sp>
-        <p:nvSpPr>
-          <p:cNvPr id="163" name="Rectangle">
-            <a:extLst>
-              <a:ext uri="{FF2B5EF4-FFF2-40B4-BE49-F238E27FC236}">
-                <a16:creationId xmlns:a16="http://schemas.microsoft.com/office/drawing/2014/main" id="{A31F64A3-D3AC-9446-ABE2-231F4183D95C}"/>
-              </a:ext>
-            </a:extLst>
-          </p:cNvPr>
-          <p:cNvSpPr/>
-          <p:nvPr/>
-        </p:nvSpPr>
-        <p:spPr>
-          <a:xfrm>
-            <a:off x="3893234" y="4913453"/>
-            <a:ext cx="9520636" cy="374431"/>
-          </a:xfrm>
-          <a:prstGeom prst="rect">
-            <a:avLst/>
-          </a:prstGeom>
-          <a:solidFill>
-            <a:srgbClr val="79B0DC">
-              <a:alpha val="23776"/>
-            </a:srgbClr>
-          </a:solidFill>
-          <a:ln w="12700" cap="flat">
-            <a:noFill/>
-            <a:miter lim="400000"/>
-          </a:ln>
-          <a:effectLst/>
-        </p:spPr>
-        <p:txBody>
-          <a:bodyPr wrap="square" lIns="54570" tIns="54570" rIns="54570" bIns="54570" numCol="1" anchor="ctr">
-            <a:noAutofit/>
-          </a:bodyPr>
-          <a:lstStyle/>
-          <a:p>
-            <a:pPr>
-              <a:lnSpc>
-                <a:spcPct val="80000"/>
-              </a:lnSpc>
-              <a:spcBef>
-                <a:spcPts val="0"/>
-              </a:spcBef>
-              <a:defRPr sz="1000" b="0">
-                <a:solidFill>
-                  <a:srgbClr val="000000"/>
-                </a:solidFill>
-              </a:defRPr>
-            </a:pPr>
             <a:endParaRPr dirty="0"/>
-          </a:p>
-        </p:txBody>
-      </p:sp>
-      <p:sp>
-        <p:nvSpPr>
-          <p:cNvPr id="167" name="Section 3">
-            <a:extLst>
-              <a:ext uri="{FF2B5EF4-FFF2-40B4-BE49-F238E27FC236}">
-                <a16:creationId xmlns:a16="http://schemas.microsoft.com/office/drawing/2014/main" id="{AF8606AD-B8CB-1445-BD3C-C1409869F900}"/>
-              </a:ext>
-            </a:extLst>
-          </p:cNvPr>
-          <p:cNvSpPr txBox="1"/>
-          <p:nvPr/>
-        </p:nvSpPr>
-        <p:spPr>
-          <a:xfrm>
-            <a:off x="4119278" y="5003230"/>
-            <a:ext cx="9240585" cy="226857"/>
-          </a:xfrm>
-          <a:prstGeom prst="rect">
-            <a:avLst/>
-          </a:prstGeom>
-          <a:noFill/>
-          <a:ln w="12700" cap="flat">
-            <a:noFill/>
-            <a:miter lim="400000"/>
-          </a:ln>
-          <a:effectLst/>
-          <a:extLst>
-            <a:ext uri="{C572A759-6A51-4108-AA02-DFA0A04FC94B}">
-              <ma14:wrappingTextBoxFlag xmlns:ma14="http://schemas.microsoft.com/office/mac/drawingml/2011/main" xmlns:a14="http://schemas.microsoft.com/office/drawing/2010/main" xmlns:m="http://schemas.openxmlformats.org/officeDocument/2006/math" xmlns="" val="1"/>
-            </a:ext>
-          </a:extLst>
-        </p:spPr>
-        <p:txBody>
-          <a:bodyPr wrap="square" lIns="12700" tIns="12700" rIns="12700" bIns="12700" numCol="1" anchor="ctr">
-            <a:spAutoFit/>
-          </a:bodyPr>
-          <a:lstStyle/>
-          <a:p>
-            <a:pPr lvl="1" indent="0" algn="ctr">
-              <a:lnSpc>
-                <a:spcPct val="80000"/>
-              </a:lnSpc>
-              <a:spcBef>
-                <a:spcPts val="0"/>
-              </a:spcBef>
-              <a:defRPr>
-                <a:solidFill>
-                  <a:srgbClr val="424242"/>
-                </a:solidFill>
-              </a:defRPr>
-            </a:pPr>
-            <a:r>
-              <a:rPr lang="es-ES" sz="1600" dirty="0" err="1"/>
-              <a:t>Fully</a:t>
-            </a:r>
-            <a:r>
-              <a:rPr lang="es-ES" sz="1600" dirty="0"/>
-              <a:t> </a:t>
-            </a:r>
-            <a:r>
-              <a:rPr lang="es-ES" sz="1600" dirty="0" err="1"/>
-              <a:t>parametric</a:t>
-            </a:r>
-            <a:r>
-              <a:rPr lang="es-ES" sz="1600" dirty="0"/>
-              <a:t> </a:t>
-            </a:r>
-            <a:r>
-              <a:rPr lang="es-ES" sz="1600" dirty="0" err="1"/>
-              <a:t>estimation</a:t>
-            </a:r>
-            <a:r>
-              <a:rPr lang="es-ES" sz="1600" dirty="0"/>
-              <a:t> of INAR(p)</a:t>
-            </a:r>
-            <a:endParaRPr sz="1600" dirty="0"/>
           </a:p>
         </p:txBody>
       </p:sp>
@@ -5256,7 +4150,7 @@
           </a:ln>
           <a:extLst>
             <a:ext uri="{C572A759-6A51-4108-AA02-DFA0A04FC94B}">
-              <ma14:wrappingTextBoxFlag xmlns:ma14="http://schemas.microsoft.com/office/mac/drawingml/2011/main" xmlns:a14="http://schemas.microsoft.com/office/drawing/2010/main" xmlns:m="http://schemas.openxmlformats.org/officeDocument/2006/math" xmlns="" val="1"/>
+              <ma14:wrappingTextBoxFlag xmlns="" xmlns:m="http://schemas.openxmlformats.org/officeDocument/2006/math" xmlns:a14="http://schemas.microsoft.com/office/drawing/2010/main" xmlns:ma14="http://schemas.microsoft.com/office/mac/drawingml/2011/main" val="1"/>
             </a:ext>
           </a:extLst>
         </p:spPr>
@@ -5280,15 +4174,7 @@
               </a:defRPr>
             </a:pPr>
             <a:r>
-              <a:rPr lang="es-ES" dirty="0" err="1"/>
-              <a:t>Main</a:t>
-            </a:r>
-            <a:r>
-              <a:rPr lang="es-ES" dirty="0"/>
-              <a:t> </a:t>
-            </a:r>
-            <a:r>
-              <a:rPr lang="es-ES" dirty="0" err="1"/>
+              <a:rPr lang="es-ES" dirty="0" smtClean="0"/>
               <a:t>Functions</a:t>
             </a:r>
             <a:endParaRPr dirty="0"/>
@@ -5309,8 +4195,8 @@
         </p:nvSpPr>
         <p:spPr>
           <a:xfrm>
-            <a:off x="286320" y="5050779"/>
-            <a:ext cx="1275990" cy="340029"/>
+            <a:off x="230622" y="4323828"/>
+            <a:ext cx="2579297" cy="333425"/>
           </a:xfrm>
           <a:prstGeom prst="rect">
             <a:avLst/>
@@ -5320,12 +4206,12 @@
           </a:ln>
           <a:extLst>
             <a:ext uri="{C572A759-6A51-4108-AA02-DFA0A04FC94B}">
-              <ma14:wrappingTextBoxFlag xmlns:ma14="http://schemas.microsoft.com/office/mac/drawingml/2011/main" xmlns:a14="http://schemas.microsoft.com/office/drawing/2010/main" xmlns:m="http://schemas.openxmlformats.org/officeDocument/2006/math" xmlns="" val="1"/>
+              <ma14:wrappingTextBoxFlag xmlns="" xmlns:m="http://schemas.openxmlformats.org/officeDocument/2006/math" xmlns:a14="http://schemas.microsoft.com/office/drawing/2010/main" xmlns:ma14="http://schemas.microsoft.com/office/mac/drawingml/2011/main" val="1"/>
             </a:ext>
           </a:extLst>
         </p:spPr>
         <p:txBody>
-          <a:bodyPr wrap="none" lIns="12700" tIns="12700" rIns="12700" bIns="12700" anchor="ctr">
+          <a:bodyPr wrap="square" lIns="12700" tIns="12700" rIns="12700" bIns="12700" anchor="ctr">
             <a:spAutoFit/>
           </a:bodyPr>
           <a:lstStyle/>
@@ -5344,8 +4230,8 @@
               </a:defRPr>
             </a:pPr>
             <a:r>
-              <a:rPr lang="es-ES" dirty="0" err="1"/>
-              <a:t>Vignettes</a:t>
+              <a:rPr lang="es-ES" dirty="0" smtClean="0"/>
+              <a:t>Tutorial for spINAR</a:t>
             </a:r>
             <a:endParaRPr dirty="0"/>
           </a:p>
@@ -5365,8 +4251,8 @@
         </p:nvSpPr>
         <p:spPr>
           <a:xfrm>
-            <a:off x="306210" y="3429034"/>
-            <a:ext cx="3151795" cy="1411904"/>
+            <a:off x="293065" y="2248708"/>
+            <a:ext cx="3151795" cy="643661"/>
           </a:xfrm>
           <a:prstGeom prst="rect">
             <a:avLst/>
@@ -5376,7 +4262,7 @@
           </a:ln>
           <a:extLst>
             <a:ext uri="{C572A759-6A51-4108-AA02-DFA0A04FC94B}">
-              <ma14:wrappingTextBoxFlag xmlns:ma14="http://schemas.microsoft.com/office/mac/drawingml/2011/main" xmlns:a14="http://schemas.microsoft.com/office/drawing/2010/main" xmlns:m="http://schemas.openxmlformats.org/officeDocument/2006/math" xmlns="" val="1"/>
+              <ma14:wrappingTextBoxFlag xmlns="" xmlns:m="http://schemas.openxmlformats.org/officeDocument/2006/math" xmlns:a14="http://schemas.microsoft.com/office/drawing/2010/main" xmlns:ma14="http://schemas.microsoft.com/office/mac/drawingml/2011/main" val="1"/>
             </a:ext>
           </a:extLst>
         </p:spPr>
@@ -5397,24 +4283,41 @@
               <a:t>The </a:t>
             </a:r>
             <a:r>
-              <a:rPr lang="en-US" b="0" dirty="0" err="1">
+              <a:rPr lang="en-US" b="0" dirty="0" smtClean="0">
                 <a:solidFill>
                   <a:srgbClr val="24292F"/>
                 </a:solidFill>
                 <a:latin typeface=""/>
               </a:rPr>
-              <a:t>spINAR</a:t>
-            </a:r>
-            <a:r>
-              <a:rPr lang="en-US" b="0" dirty="0">
-                <a:solidFill>
-                  <a:srgbClr val="24292F"/>
-                </a:solidFill>
-                <a:latin typeface=""/>
-              </a:rPr>
-              <a:t> package was generated to work with count data for Autoregressive Integer Models.</a:t>
-            </a:r>
-            <a:endParaRPr lang="en-CL" dirty="0"/>
+              <a:t>R package spINAR was developed to simulate, estimate and bootstrap integer autoregressive (INAR) models.</a:t>
+            </a:r>
+          </a:p>
+          <a:p>
+            <a:pPr algn="l"/>
+            <a:endParaRPr lang="de-DE" b="0" dirty="0">
+              <a:solidFill>
+                <a:srgbClr val="24292F"/>
+              </a:solidFill>
+              <a:latin typeface=""/>
+            </a:endParaRPr>
+          </a:p>
+          <a:p>
+            <a:pPr algn="l"/>
+            <a:endParaRPr lang="de-DE" b="0" dirty="0" smtClean="0">
+              <a:solidFill>
+                <a:srgbClr val="24292F"/>
+              </a:solidFill>
+              <a:latin typeface=""/>
+            </a:endParaRPr>
+          </a:p>
+          <a:p>
+            <a:pPr algn="l"/>
+            <a:endParaRPr lang="de-DE" b="0" dirty="0">
+              <a:solidFill>
+                <a:srgbClr val="24292F"/>
+              </a:solidFill>
+              <a:latin typeface=""/>
+            </a:endParaRPr>
           </a:p>
         </p:txBody>
       </p:sp>
@@ -5432,8 +4335,8 @@
         </p:nvSpPr>
         <p:spPr>
           <a:xfrm>
-            <a:off x="3913499" y="2318346"/>
-            <a:ext cx="5611672" cy="588032"/>
+            <a:off x="3913499" y="2400247"/>
+            <a:ext cx="6344192" cy="620846"/>
           </a:xfrm>
           <a:prstGeom prst="rect">
             <a:avLst/>
@@ -5446,13 +4349,13 @@
           <a:effectLst/>
           <a:extLst>
             <a:ext uri="{C572A759-6A51-4108-AA02-DFA0A04FC94B}">
-              <ma14:wrappingTextBoxFlag xmlns:ma14="http://schemas.microsoft.com/office/mac/drawingml/2011/main" xmlns:a14="http://schemas.microsoft.com/office/drawing/2010/main" xmlns:m="http://schemas.openxmlformats.org/officeDocument/2006/math" xmlns="" val="1"/>
+              <ma14:wrappingTextBoxFlag xmlns="" xmlns:m="http://schemas.openxmlformats.org/officeDocument/2006/math" xmlns:a14="http://schemas.microsoft.com/office/drawing/2010/main" xmlns:ma14="http://schemas.microsoft.com/office/mac/drawingml/2011/main" val="1"/>
             </a:ext>
           </a:extLst>
         </p:spPr>
         <p:txBody>
           <a:bodyPr wrap="square" lIns="0" tIns="0" rIns="0" bIns="0" numCol="1" anchor="t">
-            <a:normAutofit/>
+            <a:normAutofit fontScale="92500" lnSpcReduction="20000"/>
           </a:bodyPr>
           <a:lstStyle/>
           <a:p>
@@ -5470,64 +4373,202 @@
               </a:defRPr>
             </a:pPr>
             <a:r>
-              <a:rPr lang="es-ES" sz="1400" dirty="0" err="1"/>
-              <a:t>spinar_sim</a:t>
-            </a:r>
-            <a:r>
-              <a:rPr lang="es-ES" sz="1400" dirty="0"/>
-              <a:t>() </a:t>
-            </a:r>
-            <a:r>
-              <a:rPr lang="es-ES" sz="1400" b="0" dirty="0" err="1"/>
-              <a:t>simulate</a:t>
-            </a:r>
-            <a:r>
-              <a:rPr lang="es-ES" sz="1400" b="0" dirty="0"/>
-              <a:t> INAR data </a:t>
-            </a:r>
-            <a:r>
-              <a:rPr lang="es-ES" sz="1400" b="0" dirty="0" err="1"/>
-              <a:t>given</a:t>
-            </a:r>
-            <a:r>
-              <a:rPr lang="es-ES" sz="1400" b="0" dirty="0"/>
-              <a:t> n, p, </a:t>
-            </a:r>
-            <a:r>
-              <a:rPr lang="es-ES" sz="1400" b="0" dirty="0" err="1"/>
-              <a:t>alpha</a:t>
-            </a:r>
-            <a:r>
-              <a:rPr lang="es-ES" sz="1400" b="0" dirty="0"/>
-              <a:t> and </a:t>
-            </a:r>
-            <a:r>
-              <a:rPr lang="es-ES" sz="1400" b="0" dirty="0" err="1"/>
-              <a:t>pmf</a:t>
+              <a:rPr lang="en-US" sz="1500" dirty="0" smtClean="0">
+                <a:latin typeface="Source Sans Pro" panose="020B0503030403020204" pitchFamily="34" charset="0"/>
+                <a:ea typeface="Source Sans Pro" panose="020B0503030403020204" pitchFamily="34" charset="0"/>
+              </a:rPr>
+              <a:t>spinar_sim() </a:t>
+            </a:r>
+            <a:r>
+              <a:rPr lang="en-US" sz="1500" b="0" dirty="0" smtClean="0">
+                <a:latin typeface="Source Sans Pro" panose="020B0503030403020204" pitchFamily="34" charset="0"/>
+                <a:ea typeface="Source Sans Pro" panose="020B0503030403020204" pitchFamily="34" charset="0"/>
+              </a:rPr>
+              <a:t>simulates INAR data for given sample size, model order, model coefficient(s) and pmf of the innovation distribution</a:t>
             </a:r>
             <a:br>
-              <a:rPr lang="es-ES" sz="1400" b="0" dirty="0"/>
+              <a:rPr lang="en-US" sz="1500" b="0" dirty="0" smtClean="0">
+                <a:latin typeface="Source Sans Pro" panose="020B0503030403020204" pitchFamily="34" charset="0"/>
+                <a:ea typeface="Source Sans Pro" panose="020B0503030403020204" pitchFamily="34" charset="0"/>
+              </a:rPr>
             </a:br>
             <a:r>
-              <a:rPr lang="es-ES" sz="1400" dirty="0">
+              <a:rPr lang="en-US" sz="1500" dirty="0" smtClean="0">
                 <a:solidFill>
                   <a:schemeClr val="tx1"/>
                 </a:solidFill>
-              </a:rPr>
-              <a:t>output</a:t>
-            </a:r>
-            <a:r>
-              <a:rPr lang="es-ES" sz="1400" b="0" dirty="0"/>
-              <a:t>: </a:t>
-            </a:r>
-            <a:r>
-              <a:rPr lang="es-ES" sz="1400" b="0" dirty="0" err="1"/>
-              <a:t>simulated</a:t>
-            </a:r>
-            <a:r>
-              <a:rPr lang="es-ES" sz="1400" b="0" dirty="0"/>
-              <a:t> INAR data</a:t>
-            </a:r>
+                <a:latin typeface="Source Sans Pro" panose="020B0503030403020204" pitchFamily="34" charset="0"/>
+                <a:ea typeface="Source Sans Pro" panose="020B0503030403020204" pitchFamily="34" charset="0"/>
+              </a:rPr>
+              <a:t>Output</a:t>
+            </a:r>
+            <a:r>
+              <a:rPr lang="en-US" sz="1500" b="0" dirty="0" smtClean="0">
+                <a:latin typeface="Source Sans Pro" panose="020B0503030403020204" pitchFamily="34" charset="0"/>
+                <a:ea typeface="Source Sans Pro" panose="020B0503030403020204" pitchFamily="34" charset="0"/>
+              </a:rPr>
+              <a:t>: simulated INAR data x</a:t>
+            </a:r>
+          </a:p>
+          <a:p>
+            <a:pPr>
+              <a:lnSpc>
+                <a:spcPct val="110000"/>
+              </a:lnSpc>
+              <a:spcBef>
+                <a:spcPts val="1100"/>
+              </a:spcBef>
+              <a:defRPr sz="1000">
+                <a:solidFill>
+                  <a:srgbClr val="000000"/>
+                </a:solidFill>
+              </a:defRPr>
+            </a:pPr>
+            <a:endParaRPr lang="de-DE" sz="1400" b="0" dirty="0"/>
+          </a:p>
+          <a:p>
+            <a:pPr>
+              <a:lnSpc>
+                <a:spcPct val="110000"/>
+              </a:lnSpc>
+              <a:spcBef>
+                <a:spcPts val="1100"/>
+              </a:spcBef>
+              <a:defRPr sz="1000">
+                <a:solidFill>
+                  <a:srgbClr val="000000"/>
+                </a:solidFill>
+              </a:defRPr>
+            </a:pPr>
+            <a:endParaRPr lang="de-DE" sz="1400" b="0" dirty="0" smtClean="0"/>
+          </a:p>
+          <a:p>
+            <a:pPr>
+              <a:lnSpc>
+                <a:spcPct val="110000"/>
+              </a:lnSpc>
+              <a:spcBef>
+                <a:spcPts val="1100"/>
+              </a:spcBef>
+              <a:defRPr sz="1000">
+                <a:solidFill>
+                  <a:srgbClr val="000000"/>
+                </a:solidFill>
+              </a:defRPr>
+            </a:pPr>
+            <a:endParaRPr lang="de-DE" sz="1400" b="0" dirty="0"/>
+          </a:p>
+          <a:p>
+            <a:pPr>
+              <a:lnSpc>
+                <a:spcPct val="110000"/>
+              </a:lnSpc>
+              <a:spcBef>
+                <a:spcPts val="1100"/>
+              </a:spcBef>
+              <a:defRPr sz="1000">
+                <a:solidFill>
+                  <a:srgbClr val="000000"/>
+                </a:solidFill>
+              </a:defRPr>
+            </a:pPr>
+            <a:endParaRPr lang="de-DE" sz="1400" b="0" dirty="0" smtClean="0"/>
+          </a:p>
+          <a:p>
+            <a:pPr>
+              <a:lnSpc>
+                <a:spcPct val="110000"/>
+              </a:lnSpc>
+              <a:spcBef>
+                <a:spcPts val="1100"/>
+              </a:spcBef>
+              <a:defRPr sz="1000">
+                <a:solidFill>
+                  <a:srgbClr val="000000"/>
+                </a:solidFill>
+              </a:defRPr>
+            </a:pPr>
+            <a:endParaRPr lang="de-DE" sz="1400" b="0" dirty="0"/>
+          </a:p>
+          <a:p>
+            <a:pPr>
+              <a:lnSpc>
+                <a:spcPct val="110000"/>
+              </a:lnSpc>
+              <a:spcBef>
+                <a:spcPts val="1100"/>
+              </a:spcBef>
+              <a:defRPr sz="1000">
+                <a:solidFill>
+                  <a:srgbClr val="000000"/>
+                </a:solidFill>
+              </a:defRPr>
+            </a:pPr>
+            <a:endParaRPr lang="de-DE" sz="1400" b="0" dirty="0" smtClean="0"/>
+          </a:p>
+          <a:p>
+            <a:pPr>
+              <a:lnSpc>
+                <a:spcPct val="110000"/>
+              </a:lnSpc>
+              <a:spcBef>
+                <a:spcPts val="1100"/>
+              </a:spcBef>
+              <a:defRPr sz="1000">
+                <a:solidFill>
+                  <a:srgbClr val="000000"/>
+                </a:solidFill>
+              </a:defRPr>
+            </a:pPr>
+            <a:endParaRPr lang="en-US" sz="1400" b="0" dirty="0" smtClean="0"/>
+          </a:p>
+          <a:p>
+            <a:pPr>
+              <a:lnSpc>
+                <a:spcPct val="110000"/>
+              </a:lnSpc>
+              <a:spcBef>
+                <a:spcPts val="1100"/>
+              </a:spcBef>
+              <a:defRPr sz="1000">
+                <a:solidFill>
+                  <a:srgbClr val="000000"/>
+                </a:solidFill>
+              </a:defRPr>
+            </a:pPr>
+            <a:endParaRPr lang="en-US" sz="1400" b="0" dirty="0" smtClean="0"/>
+          </a:p>
+          <a:p>
+            <a:pPr>
+              <a:lnSpc>
+                <a:spcPct val="110000"/>
+              </a:lnSpc>
+              <a:spcBef>
+                <a:spcPts val="1100"/>
+              </a:spcBef>
+              <a:defRPr sz="1000">
+                <a:solidFill>
+                  <a:srgbClr val="000000"/>
+                </a:solidFill>
+              </a:defRPr>
+            </a:pPr>
+            <a:endParaRPr lang="de-DE" sz="1400" b="0" dirty="0"/>
+          </a:p>
+          <a:p>
+            <a:pPr>
+              <a:lnSpc>
+                <a:spcPct val="110000"/>
+              </a:lnSpc>
+              <a:spcBef>
+                <a:spcPts val="1100"/>
+              </a:spcBef>
+              <a:defRPr sz="1000">
+                <a:solidFill>
+                  <a:srgbClr val="000000"/>
+                </a:solidFill>
+              </a:defRPr>
+            </a:pPr>
+            <a:endParaRPr lang="en-US" sz="1400" b="0" dirty="0" smtClean="0"/>
           </a:p>
           <a:p>
             <a:pPr>
@@ -5577,8 +4618,8 @@
         </p:nvSpPr>
         <p:spPr>
           <a:xfrm>
-            <a:off x="3913498" y="3126180"/>
-            <a:ext cx="5611673" cy="657960"/>
+            <a:off x="3898940" y="3708583"/>
+            <a:ext cx="6344193" cy="620018"/>
           </a:xfrm>
           <a:prstGeom prst="rect">
             <a:avLst/>
@@ -5591,13 +4632,13 @@
           <a:effectLst/>
           <a:extLst>
             <a:ext uri="{C572A759-6A51-4108-AA02-DFA0A04FC94B}">
-              <ma14:wrappingTextBoxFlag xmlns:ma14="http://schemas.microsoft.com/office/mac/drawingml/2011/main" xmlns:a14="http://schemas.microsoft.com/office/drawing/2010/main" xmlns:m="http://schemas.openxmlformats.org/officeDocument/2006/math" xmlns="" val="1"/>
+              <ma14:wrappingTextBoxFlag xmlns="" xmlns:m="http://schemas.openxmlformats.org/officeDocument/2006/math" xmlns:a14="http://schemas.microsoft.com/office/drawing/2010/main" xmlns:ma14="http://schemas.microsoft.com/office/mac/drawingml/2011/main" val="1"/>
             </a:ext>
           </a:extLst>
         </p:spPr>
         <p:txBody>
           <a:bodyPr wrap="square" lIns="0" tIns="0" rIns="0" bIns="0" numCol="1" anchor="t">
-            <a:normAutofit/>
+            <a:normAutofit lnSpcReduction="10000"/>
           </a:bodyPr>
           <a:lstStyle/>
           <a:p>
@@ -5612,138 +4653,57 @@
               </a:defRPr>
             </a:pPr>
             <a:r>
-              <a:rPr lang="es-ES" sz="1400" dirty="0" err="1"/>
-              <a:t>spinar_est</a:t>
-            </a:r>
-            <a:r>
-              <a:rPr lang="es-ES" sz="1400" dirty="0"/>
-              <a:t>() </a:t>
-            </a:r>
-            <a:r>
-              <a:rPr lang="es-ES" sz="1400" b="0" dirty="0" err="1"/>
-              <a:t>estimates</a:t>
-            </a:r>
-            <a:r>
-              <a:rPr lang="es-ES" sz="1400" b="0" dirty="0"/>
-              <a:t> </a:t>
-            </a:r>
-            <a:r>
-              <a:rPr lang="es-ES" sz="1400" b="0" dirty="0" err="1"/>
-              <a:t>semi-parametrically</a:t>
-            </a:r>
-            <a:r>
-              <a:rPr lang="es-ES" sz="1400" b="0" dirty="0"/>
-              <a:t> </a:t>
-            </a:r>
-            <a:r>
-              <a:rPr lang="es-ES" sz="1400" b="0" dirty="0" err="1"/>
-              <a:t>an</a:t>
-            </a:r>
-            <a:r>
-              <a:rPr lang="es-ES" sz="1400" b="0" dirty="0"/>
-              <a:t> INAR </a:t>
-            </a:r>
-            <a:r>
-              <a:rPr lang="es-ES" sz="1400" b="0" dirty="0" err="1"/>
-              <a:t>model</a:t>
-            </a:r>
-            <a:r>
-              <a:rPr lang="es-ES" sz="1400" b="0" dirty="0"/>
-              <a:t> of </a:t>
-            </a:r>
-            <a:r>
-              <a:rPr lang="es-ES" sz="1400" b="0" dirty="0" err="1"/>
-              <a:t>given</a:t>
-            </a:r>
-            <a:r>
-              <a:rPr lang="es-ES" sz="1400" b="0" dirty="0"/>
-              <a:t> x and p</a:t>
-            </a:r>
-            <a:br>
-              <a:rPr lang="es-ES" sz="1400" b="0" dirty="0"/>
-            </a:br>
-            <a:r>
-              <a:rPr lang="es-ES" sz="1400" dirty="0">
+              <a:rPr lang="en-US" sz="1400" dirty="0" smtClean="0">
+                <a:latin typeface="Source Sans Pro" panose="020B0503030403020204" pitchFamily="34" charset="0"/>
+                <a:ea typeface="Source Sans Pro" panose="020B0503030403020204" pitchFamily="34" charset="0"/>
+              </a:rPr>
+              <a:t>spinar_est() </a:t>
+            </a:r>
+            <a:r>
+              <a:rPr lang="en-US" sz="1400" b="0" dirty="0" smtClean="0">
+                <a:latin typeface="Source Sans Pro" panose="020B0503030403020204" pitchFamily="34" charset="0"/>
+                <a:ea typeface="Source Sans Pro" panose="020B0503030403020204" pitchFamily="34" charset="0"/>
+              </a:rPr>
+              <a:t>estimates semiparametrically an INAR model of given order p on given data                                                                                                                                                                 </a:t>
+            </a:r>
+            <a:r>
+              <a:rPr lang="en-US" sz="1400" dirty="0" smtClean="0">
                 <a:solidFill>
                   <a:schemeClr val="tx1"/>
                 </a:solidFill>
-              </a:rPr>
-              <a:t>output: </a:t>
-            </a:r>
-            <a:r>
-              <a:rPr lang="es-ES" sz="1400" b="0" dirty="0" err="1">
+                <a:latin typeface="Source Sans Pro" panose="020B0503030403020204" pitchFamily="34" charset="0"/>
+                <a:ea typeface="Source Sans Pro" panose="020B0503030403020204" pitchFamily="34" charset="0"/>
+              </a:rPr>
+              <a:t>O</a:t>
+            </a:r>
+            <a:r>
+              <a:rPr lang="en-US" sz="1400" dirty="0" smtClean="0">
+                <a:solidFill>
+                  <a:schemeClr val="tx1"/>
+                </a:solidFill>
+                <a:latin typeface="Source Sans Pro" panose="020B0503030403020204" pitchFamily="34" charset="0"/>
+                <a:ea typeface="Source Sans Pro" panose="020B0503030403020204" pitchFamily="34" charset="0"/>
+              </a:rPr>
+              <a:t>utput: </a:t>
+            </a:r>
+            <a:r>
+              <a:rPr lang="en-US" sz="1400" b="0" dirty="0" smtClean="0">
                 <a:solidFill>
                   <a:schemeClr val="tx1">
                     <a:lumMod val="50000"/>
                   </a:schemeClr>
                 </a:solidFill>
-              </a:rPr>
-              <a:t>estimated</a:t>
-            </a:r>
-            <a:r>
-              <a:rPr lang="es-ES" sz="1400" b="0" dirty="0">
-                <a:solidFill>
-                  <a:schemeClr val="tx1">
-                    <a:lumMod val="50000"/>
-                  </a:schemeClr>
-                </a:solidFill>
-              </a:rPr>
-              <a:t> </a:t>
-            </a:r>
-            <a:r>
-              <a:rPr lang="es-ES" sz="1400" b="0" dirty="0" err="1">
-                <a:solidFill>
-                  <a:schemeClr val="tx1">
-                    <a:lumMod val="50000"/>
-                  </a:schemeClr>
-                </a:solidFill>
-              </a:rPr>
-              <a:t>parameters</a:t>
-            </a:r>
-            <a:r>
-              <a:rPr lang="es-ES" sz="1400" b="0" dirty="0">
-                <a:solidFill>
-                  <a:schemeClr val="tx1">
-                    <a:lumMod val="50000"/>
-                  </a:schemeClr>
-                </a:solidFill>
-              </a:rPr>
-              <a:t> </a:t>
-            </a:r>
-            <a:r>
-              <a:rPr lang="es-ES" sz="1400" b="0" dirty="0" err="1">
-                <a:solidFill>
-                  <a:schemeClr val="tx1">
-                    <a:lumMod val="50000"/>
-                  </a:schemeClr>
-                </a:solidFill>
-              </a:rPr>
-              <a:t>alpha</a:t>
-            </a:r>
-            <a:r>
-              <a:rPr lang="es-ES" sz="1400" b="0" dirty="0">
-                <a:solidFill>
-                  <a:schemeClr val="tx1">
-                    <a:lumMod val="50000"/>
-                  </a:schemeClr>
-                </a:solidFill>
-              </a:rPr>
-              <a:t> and </a:t>
-            </a:r>
-            <a:r>
-              <a:rPr lang="es-ES" sz="1400" b="0" dirty="0" err="1">
-                <a:solidFill>
-                  <a:schemeClr val="tx1">
-                    <a:lumMod val="50000"/>
-                  </a:schemeClr>
-                </a:solidFill>
-              </a:rPr>
-              <a:t>pmf</a:t>
-            </a:r>
-            <a:endParaRPr lang="es-ES" sz="1400" dirty="0">
+                <a:latin typeface="Source Sans Pro" panose="020B0503030403020204" pitchFamily="34" charset="0"/>
+                <a:ea typeface="Source Sans Pro" panose="020B0503030403020204" pitchFamily="34" charset="0"/>
+              </a:rPr>
+              <a:t>estimated model parameters: alpha and pmf</a:t>
+            </a:r>
+            <a:endParaRPr lang="en-US" sz="1400" dirty="0">
               <a:solidFill>
                 <a:schemeClr val="tx1"/>
               </a:solidFill>
+              <a:latin typeface="Source Sans Pro" panose="020B0503030403020204" pitchFamily="34" charset="0"/>
+              <a:ea typeface="Source Sans Pro" panose="020B0503030403020204" pitchFamily="34" charset="0"/>
             </a:endParaRPr>
           </a:p>
         </p:txBody>
@@ -5762,8 +4722,8 @@
         </p:nvSpPr>
         <p:spPr>
           <a:xfrm>
-            <a:off x="3893234" y="4079782"/>
-            <a:ext cx="5924637" cy="686973"/>
+            <a:off x="3902564" y="4879823"/>
+            <a:ext cx="6250077" cy="979446"/>
           </a:xfrm>
           <a:prstGeom prst="rect">
             <a:avLst/>
@@ -5776,7 +4736,7 @@
           <a:effectLst/>
           <a:extLst>
             <a:ext uri="{C572A759-6A51-4108-AA02-DFA0A04FC94B}">
-              <ma14:wrappingTextBoxFlag xmlns:ma14="http://schemas.microsoft.com/office/mac/drawingml/2011/main" xmlns:a14="http://schemas.microsoft.com/office/drawing/2010/main" xmlns:m="http://schemas.openxmlformats.org/officeDocument/2006/math" xmlns="" val="1"/>
+              <ma14:wrappingTextBoxFlag xmlns="" xmlns:m="http://schemas.openxmlformats.org/officeDocument/2006/math" xmlns:a14="http://schemas.microsoft.com/office/drawing/2010/main" xmlns:ma14="http://schemas.microsoft.com/office/mac/drawingml/2011/main" val="1"/>
             </a:ext>
           </a:extLst>
         </p:spPr>
@@ -5797,145 +4757,70 @@
               </a:defRPr>
             </a:pPr>
             <a:r>
-              <a:rPr lang="es-ES" sz="1400" dirty="0" err="1"/>
-              <a:t>spinar_boot</a:t>
-            </a:r>
-            <a:r>
-              <a:rPr lang="es-ES" sz="1400" dirty="0"/>
-              <a:t>() </a:t>
-            </a:r>
-            <a:r>
-              <a:rPr lang="es-ES" sz="1400" b="0" dirty="0" err="1"/>
-              <a:t>performs</a:t>
-            </a:r>
-            <a:r>
-              <a:rPr lang="es-ES" sz="1400" b="0" dirty="0"/>
-              <a:t> </a:t>
-            </a:r>
-            <a:r>
-              <a:rPr lang="es-ES" sz="1400" b="0" dirty="0" err="1"/>
-              <a:t>the</a:t>
-            </a:r>
-            <a:r>
-              <a:rPr lang="es-ES" sz="1400" b="0" dirty="0"/>
-              <a:t> </a:t>
-            </a:r>
-            <a:r>
-              <a:rPr lang="es-ES" sz="1400" b="0" dirty="0" err="1"/>
-              <a:t>semiparametric</a:t>
-            </a:r>
-            <a:r>
-              <a:rPr lang="es-ES" sz="1400" b="0" dirty="0"/>
-              <a:t> INAR </a:t>
-            </a:r>
-            <a:r>
-              <a:rPr lang="es-ES" sz="1400" b="0" dirty="0" err="1"/>
-              <a:t>bootstrap</a:t>
-            </a:r>
-            <a:r>
-              <a:rPr lang="es-ES" sz="1400" b="0" dirty="0"/>
-              <a:t> </a:t>
-            </a:r>
-            <a:r>
-              <a:rPr lang="es-ES" sz="1400" b="0" dirty="0" err="1"/>
-              <a:t>procedure</a:t>
-            </a:r>
-            <a:r>
-              <a:rPr lang="es-ES" sz="1400" b="0" dirty="0"/>
-              <a:t>  </a:t>
-            </a:r>
-            <a:r>
-              <a:rPr lang="es-ES" sz="1400" b="0" dirty="0" err="1"/>
-              <a:t>given</a:t>
-            </a:r>
-            <a:r>
-              <a:rPr lang="es-ES" sz="1400" b="0" dirty="0"/>
-              <a:t> x, p and </a:t>
-            </a:r>
-            <a:r>
-              <a:rPr lang="es-ES" sz="1400" b="0" dirty="0" err="1"/>
-              <a:t>for</a:t>
-            </a:r>
-            <a:r>
-              <a:rPr lang="es-ES" sz="1400" b="0" dirty="0"/>
-              <a:t> a </a:t>
-            </a:r>
-            <a:r>
-              <a:rPr lang="es-ES" sz="1400" b="0" dirty="0" err="1"/>
-              <a:t>given</a:t>
-            </a:r>
-            <a:r>
-              <a:rPr lang="es-ES" sz="1400" b="0" dirty="0"/>
-              <a:t> </a:t>
-            </a:r>
-            <a:r>
-              <a:rPr lang="es-ES" sz="1400" b="0" dirty="0" err="1"/>
-              <a:t>number</a:t>
-            </a:r>
-            <a:r>
-              <a:rPr lang="es-ES" sz="1400" b="0" dirty="0"/>
-              <a:t> of </a:t>
-            </a:r>
-            <a:r>
-              <a:rPr lang="es-ES" sz="1400" b="0" dirty="0" err="1"/>
-              <a:t>replications</a:t>
-            </a:r>
-            <a:r>
-              <a:rPr lang="es-ES" sz="1400" b="0" dirty="0"/>
-              <a:t> (B)</a:t>
+              <a:rPr lang="en-US" sz="1400" dirty="0">
+                <a:latin typeface="Source Sans Pro" panose="020B0503030403020204" pitchFamily="34" charset="0"/>
+                <a:ea typeface="Source Sans Pro" panose="020B0503030403020204" pitchFamily="34" charset="0"/>
+              </a:rPr>
+              <a:t>spinar_est_param() </a:t>
+            </a:r>
+            <a:r>
+              <a:rPr lang="en-US" sz="1400" b="0" dirty="0">
+                <a:latin typeface="Source Sans Pro" panose="020B0503030403020204" pitchFamily="34" charset="0"/>
+                <a:ea typeface="Source Sans Pro" panose="020B0503030403020204" pitchFamily="34" charset="0"/>
+              </a:rPr>
+              <a:t>estimates parametrically </a:t>
+            </a:r>
+            <a:r>
+              <a:rPr lang="en-US" sz="1400" b="0" dirty="0" smtClean="0">
+                <a:latin typeface="Source Sans Pro" panose="020B0503030403020204" pitchFamily="34" charset="0"/>
+                <a:ea typeface="Source Sans Pro" panose="020B0503030403020204" pitchFamily="34" charset="0"/>
+              </a:rPr>
+              <a:t>(moment- or ML-based) and INAR model of given order p on given data for a given parametric family of distribution (Poi, Geo or NB)</a:t>
+            </a:r>
+            <a:r>
+              <a:rPr lang="en-US" sz="1400" b="0" dirty="0">
+                <a:latin typeface="Source Sans Pro" panose="020B0503030403020204" pitchFamily="34" charset="0"/>
+                <a:ea typeface="Source Sans Pro" panose="020B0503030403020204" pitchFamily="34" charset="0"/>
+              </a:rPr>
+              <a:t/>
             </a:r>
             <a:br>
-              <a:rPr lang="es-ES" sz="1400" b="0" dirty="0"/>
+              <a:rPr lang="en-US" sz="1400" b="0" dirty="0">
+                <a:latin typeface="Source Sans Pro" panose="020B0503030403020204" pitchFamily="34" charset="0"/>
+                <a:ea typeface="Source Sans Pro" panose="020B0503030403020204" pitchFamily="34" charset="0"/>
+              </a:rPr>
             </a:br>
             <a:r>
-              <a:rPr lang="es-ES" sz="1400" dirty="0">
+              <a:rPr lang="en-US" sz="1400" dirty="0" smtClean="0">
                 <a:solidFill>
                   <a:schemeClr val="tx1"/>
                 </a:solidFill>
-              </a:rPr>
-              <a:t>output</a:t>
-            </a:r>
-            <a:r>
-              <a:rPr lang="es-ES" sz="1400" b="0" dirty="0"/>
-              <a:t>: </a:t>
-            </a:r>
-            <a:r>
-              <a:rPr lang="es-ES" sz="1400" b="0" dirty="0" err="1"/>
-              <a:t>boostrap</a:t>
-            </a:r>
-            <a:r>
-              <a:rPr lang="es-ES" sz="1400" b="0" dirty="0"/>
-              <a:t> </a:t>
-            </a:r>
-            <a:r>
-              <a:rPr lang="es-ES" sz="1400" b="0" dirty="0" err="1"/>
-              <a:t>estimated</a:t>
-            </a:r>
-            <a:r>
-              <a:rPr lang="es-ES" sz="1400" b="0" dirty="0"/>
-              <a:t> </a:t>
-            </a:r>
-            <a:r>
-              <a:rPr lang="es-ES" sz="1400" b="0" dirty="0" err="1"/>
-              <a:t>parameters</a:t>
-            </a:r>
-            <a:r>
-              <a:rPr lang="es-ES" sz="1400" b="0" dirty="0"/>
-              <a:t>, </a:t>
-            </a:r>
-            <a:r>
-              <a:rPr lang="es-ES" sz="1400" b="0" dirty="0" err="1"/>
-              <a:t>alpha</a:t>
-            </a:r>
-            <a:r>
-              <a:rPr lang="es-ES" sz="1400" b="0" dirty="0"/>
-              <a:t> and </a:t>
-            </a:r>
-            <a:r>
-              <a:rPr lang="es-ES" sz="1400" b="0" dirty="0" err="1"/>
-              <a:t>pmf</a:t>
-            </a:r>
-            <a:endParaRPr lang="es-ES" sz="1400" b="0" dirty="0"/>
+                <a:latin typeface="Source Sans Pro" panose="020B0503030403020204" pitchFamily="34" charset="0"/>
+                <a:ea typeface="Source Sans Pro" panose="020B0503030403020204" pitchFamily="34" charset="0"/>
+              </a:rPr>
+              <a:t>Output</a:t>
+            </a:r>
+            <a:r>
+              <a:rPr lang="en-US" sz="1400" b="0" dirty="0">
+                <a:latin typeface="Source Sans Pro" panose="020B0503030403020204" pitchFamily="34" charset="0"/>
+                <a:ea typeface="Source Sans Pro" panose="020B0503030403020204" pitchFamily="34" charset="0"/>
+              </a:rPr>
+              <a:t>: estimated </a:t>
+            </a:r>
+            <a:r>
+              <a:rPr lang="en-US" sz="1400" b="0" dirty="0" smtClean="0">
+                <a:latin typeface="Source Sans Pro" panose="020B0503030403020204" pitchFamily="34" charset="0"/>
+                <a:ea typeface="Source Sans Pro" panose="020B0503030403020204" pitchFamily="34" charset="0"/>
+              </a:rPr>
+              <a:t>model parameters: alpha and parameter(s) </a:t>
+            </a:r>
+            <a:r>
+              <a:rPr lang="en-US" sz="1400" b="0" dirty="0">
+                <a:latin typeface="Source Sans Pro" panose="020B0503030403020204" pitchFamily="34" charset="0"/>
+                <a:ea typeface="Source Sans Pro" panose="020B0503030403020204" pitchFamily="34" charset="0"/>
+              </a:rPr>
+              <a:t>of input distribution</a:t>
+            </a:r>
           </a:p>
         </p:txBody>
       </p:sp>
@@ -5953,8 +4838,8 @@
         </p:nvSpPr>
         <p:spPr>
           <a:xfrm>
-            <a:off x="11772770" y="3145630"/>
-            <a:ext cx="1647058" cy="294872"/>
+            <a:off x="12090690" y="3721797"/>
+            <a:ext cx="1273907" cy="294872"/>
           </a:xfrm>
           <a:prstGeom prst="rect">
             <a:avLst/>
@@ -5970,7 +4855,7 @@
           </a:ln>
           <a:extLst>
             <a:ext uri="{C572A759-6A51-4108-AA02-DFA0A04FC94B}">
-              <ma14:wrappingTextBoxFlag xmlns:ma14="http://schemas.microsoft.com/office/mac/drawingml/2011/main" xmlns:a14="http://schemas.microsoft.com/office/drawing/2010/main" xmlns:m="http://schemas.openxmlformats.org/officeDocument/2006/math" xmlns="" val="1"/>
+              <ma14:wrappingTextBoxFlag xmlns="" xmlns:m="http://schemas.openxmlformats.org/officeDocument/2006/math" xmlns:a14="http://schemas.microsoft.com/office/drawing/2010/main" xmlns:ma14="http://schemas.microsoft.com/office/mac/drawingml/2011/main" val="1"/>
             </a:ext>
           </a:extLst>
         </p:spPr>
@@ -5995,887 +4880,17 @@
               </a:defRPr>
             </a:pPr>
             <a:r>
-              <a:rPr lang="es-ES" dirty="0" err="1"/>
+              <a:rPr lang="en-US" dirty="0" smtClean="0"/>
               <a:t>spinar_est</a:t>
             </a:r>
             <a:r>
-              <a:rPr dirty="0"/>
+              <a:rPr dirty="0" smtClean="0"/>
               <a:t>(</a:t>
             </a:r>
             <a:r>
               <a:rPr lang="es-ES" dirty="0"/>
               <a:t>x, p)</a:t>
             </a:r>
-          </a:p>
-        </p:txBody>
-      </p:sp>
-      <p:sp>
-        <p:nvSpPr>
-          <p:cNvPr id="196" name="ggplot(mpg, aes(hwy, cty)) +…">
-            <a:extLst>
-              <a:ext uri="{FF2B5EF4-FFF2-40B4-BE49-F238E27FC236}">
-                <a16:creationId xmlns:a16="http://schemas.microsoft.com/office/drawing/2014/main" id="{944E5895-F4D9-624B-8B01-A4579A78D152}"/>
-              </a:ext>
-            </a:extLst>
-          </p:cNvPr>
-          <p:cNvSpPr txBox="1"/>
-          <p:nvPr/>
-        </p:nvSpPr>
-        <p:spPr>
-          <a:xfrm>
-            <a:off x="10005986" y="5358218"/>
-            <a:ext cx="3384655" cy="294872"/>
-          </a:xfrm>
-          <a:prstGeom prst="rect">
-            <a:avLst/>
-          </a:prstGeom>
-          <a:solidFill>
-            <a:srgbClr val="FFFFFF"/>
-          </a:solidFill>
-          <a:ln w="12700">
-            <a:solidFill>
-              <a:srgbClr val="A6AAA9"/>
-            </a:solidFill>
-            <a:miter lim="400000"/>
-          </a:ln>
-          <a:extLst>
-            <a:ext uri="{C572A759-6A51-4108-AA02-DFA0A04FC94B}">
-              <ma14:wrappingTextBoxFlag xmlns:ma14="http://schemas.microsoft.com/office/mac/drawingml/2011/main" xmlns:a14="http://schemas.microsoft.com/office/drawing/2010/main" xmlns:m="http://schemas.openxmlformats.org/officeDocument/2006/math" xmlns="" val="1"/>
-            </a:ext>
-          </a:extLst>
-        </p:spPr>
-        <p:txBody>
-          <a:bodyPr wrap="square" lIns="54570" tIns="54570" rIns="54570" bIns="54570" anchor="ctr">
-            <a:spAutoFit/>
-          </a:bodyPr>
-          <a:lstStyle/>
-          <a:p>
-            <a:pPr>
-              <a:spcBef>
-                <a:spcPts val="0"/>
-              </a:spcBef>
-              <a:defRPr b="0">
-                <a:solidFill>
-                  <a:srgbClr val="000000"/>
-                </a:solidFill>
-                <a:latin typeface="Menlo"/>
-                <a:ea typeface="Menlo"/>
-                <a:cs typeface="Menlo"/>
-                <a:sym typeface="Menlo"/>
-              </a:defRPr>
-            </a:pPr>
-            <a:r>
-              <a:rPr lang="es-ES" dirty="0" err="1"/>
-              <a:t>spinar_est_param</a:t>
-            </a:r>
-            <a:r>
-              <a:rPr dirty="0"/>
-              <a:t>(</a:t>
-            </a:r>
-            <a:r>
-              <a:rPr lang="es-ES" dirty="0"/>
-              <a:t>x, p, </a:t>
-            </a:r>
-            <a:r>
-              <a:rPr lang="es-ES" dirty="0" err="1"/>
-              <a:t>type</a:t>
-            </a:r>
-            <a:r>
-              <a:rPr lang="es-ES" dirty="0"/>
-              <a:t>, </a:t>
-            </a:r>
-            <a:r>
-              <a:rPr lang="es-ES" dirty="0" err="1"/>
-              <a:t>distr</a:t>
-            </a:r>
-            <a:r>
-              <a:rPr lang="es-ES" dirty="0"/>
-              <a:t>)</a:t>
-            </a:r>
-          </a:p>
-        </p:txBody>
-      </p:sp>
-      <p:sp>
-        <p:nvSpPr>
-          <p:cNvPr id="197" name="i + geom_area() x, y, alpha, color, fill, linetype, size…">
-            <a:extLst>
-              <a:ext uri="{FF2B5EF4-FFF2-40B4-BE49-F238E27FC236}">
-                <a16:creationId xmlns:a16="http://schemas.microsoft.com/office/drawing/2014/main" id="{C114AAF7-4785-B742-982B-F3A46DF7C1B4}"/>
-              </a:ext>
-            </a:extLst>
-          </p:cNvPr>
-          <p:cNvSpPr txBox="1"/>
-          <p:nvPr/>
-        </p:nvSpPr>
-        <p:spPr>
-          <a:xfrm>
-            <a:off x="3893234" y="5330580"/>
-            <a:ext cx="5924637" cy="898466"/>
-          </a:xfrm>
-          <a:prstGeom prst="rect">
-            <a:avLst/>
-          </a:prstGeom>
-          <a:noFill/>
-          <a:ln w="12700" cap="flat">
-            <a:noFill/>
-            <a:miter lim="400000"/>
-          </a:ln>
-          <a:effectLst/>
-          <a:extLst>
-            <a:ext uri="{C572A759-6A51-4108-AA02-DFA0A04FC94B}">
-              <ma14:wrappingTextBoxFlag xmlns:ma14="http://schemas.microsoft.com/office/mac/drawingml/2011/main" xmlns:a14="http://schemas.microsoft.com/office/drawing/2010/main" xmlns:m="http://schemas.openxmlformats.org/officeDocument/2006/math" xmlns="" val="1"/>
-            </a:ext>
-          </a:extLst>
-        </p:spPr>
-        <p:txBody>
-          <a:bodyPr wrap="square" lIns="0" tIns="0" rIns="0" bIns="0" numCol="1" anchor="t">
-            <a:normAutofit/>
-          </a:bodyPr>
-          <a:lstStyle/>
-          <a:p>
-            <a:pPr>
-              <a:spcBef>
-                <a:spcPts val="1100"/>
-              </a:spcBef>
-              <a:defRPr sz="1000">
-                <a:solidFill>
-                  <a:srgbClr val="000000"/>
-                </a:solidFill>
-              </a:defRPr>
-            </a:pPr>
-            <a:r>
-              <a:rPr lang="es-ES" sz="1400" dirty="0" err="1"/>
-              <a:t>spinar_est_param</a:t>
-            </a:r>
-            <a:r>
-              <a:rPr lang="es-ES" sz="1400" dirty="0"/>
-              <a:t>() </a:t>
-            </a:r>
-            <a:r>
-              <a:rPr lang="es-ES" sz="1400" b="0" dirty="0" err="1"/>
-              <a:t>estimates</a:t>
-            </a:r>
-            <a:r>
-              <a:rPr lang="es-ES" sz="1400" b="0" dirty="0"/>
-              <a:t> </a:t>
-            </a:r>
-            <a:r>
-              <a:rPr lang="es-ES" sz="1400" b="0" dirty="0" err="1"/>
-              <a:t>parametrically</a:t>
-            </a:r>
-            <a:r>
-              <a:rPr lang="es-ES" sz="1400" b="0" dirty="0"/>
-              <a:t> (</a:t>
-            </a:r>
-            <a:r>
-              <a:rPr lang="es-ES" sz="1400" b="0" dirty="0" err="1"/>
-              <a:t>moment</a:t>
-            </a:r>
-            <a:r>
-              <a:rPr lang="es-ES" sz="1400" b="0" dirty="0"/>
-              <a:t> </a:t>
-            </a:r>
-            <a:r>
-              <a:rPr lang="es-ES" sz="1400" b="0" dirty="0" err="1"/>
-              <a:t>based</a:t>
-            </a:r>
-            <a:r>
-              <a:rPr lang="es-ES" sz="1400" b="0" dirty="0"/>
-              <a:t> </a:t>
-            </a:r>
-            <a:r>
-              <a:rPr lang="es-ES" sz="1400" b="0" dirty="0" err="1"/>
-              <a:t>for</a:t>
-            </a:r>
-            <a:r>
-              <a:rPr lang="es-ES" sz="1400" b="0" dirty="0"/>
-              <a:t> </a:t>
-            </a:r>
-            <a:r>
-              <a:rPr lang="es-ES" sz="1400" b="0" dirty="0" err="1"/>
-              <a:t>now</a:t>
-            </a:r>
-            <a:r>
-              <a:rPr lang="es-ES" sz="1400" b="0" dirty="0"/>
-              <a:t> and </a:t>
-            </a:r>
-            <a:r>
-              <a:rPr lang="es-ES" sz="1400" b="0" dirty="0" err="1"/>
-              <a:t>maximum</a:t>
-            </a:r>
-            <a:r>
-              <a:rPr lang="es-ES" sz="1400" b="0" dirty="0"/>
-              <a:t> </a:t>
-            </a:r>
-            <a:r>
-              <a:rPr lang="es-ES" sz="1400" b="0" dirty="0" err="1"/>
-              <a:t>likelihood</a:t>
-            </a:r>
-            <a:r>
-              <a:rPr lang="es-ES" sz="1400" b="0" dirty="0"/>
-              <a:t> </a:t>
-            </a:r>
-            <a:r>
-              <a:rPr lang="es-ES" sz="1400" b="0" dirty="0" err="1"/>
-              <a:t>later</a:t>
-            </a:r>
-            <a:r>
-              <a:rPr lang="es-ES" sz="1400" b="0" dirty="0"/>
-              <a:t>) </a:t>
-            </a:r>
-            <a:r>
-              <a:rPr lang="es-ES" sz="1400" b="0" dirty="0" err="1"/>
-              <a:t>an</a:t>
-            </a:r>
-            <a:r>
-              <a:rPr lang="es-ES" sz="1400" b="0" dirty="0"/>
-              <a:t> INAR </a:t>
-            </a:r>
-            <a:r>
-              <a:rPr lang="es-ES" sz="1400" b="0" dirty="0" err="1"/>
-              <a:t>model</a:t>
-            </a:r>
-            <a:r>
-              <a:rPr lang="es-ES" sz="1400" b="0" dirty="0"/>
-              <a:t>, </a:t>
-            </a:r>
-            <a:r>
-              <a:rPr lang="es-ES" sz="1400" b="0" dirty="0" err="1"/>
-              <a:t>for</a:t>
-            </a:r>
-            <a:r>
-              <a:rPr lang="es-ES" sz="1400" b="0" dirty="0"/>
-              <a:t> a </a:t>
-            </a:r>
-            <a:r>
-              <a:rPr lang="es-ES" sz="1400" b="0" dirty="0" err="1"/>
-              <a:t>given</a:t>
-            </a:r>
-            <a:r>
-              <a:rPr lang="es-ES" sz="1400" b="0" dirty="0"/>
-              <a:t> x, p, a </a:t>
-            </a:r>
-            <a:r>
-              <a:rPr lang="es-ES" sz="1400" b="0" dirty="0" err="1"/>
-              <a:t>estimation</a:t>
-            </a:r>
-            <a:r>
-              <a:rPr lang="es-ES" sz="1400" b="0" dirty="0"/>
-              <a:t> </a:t>
-            </a:r>
-            <a:r>
-              <a:rPr lang="es-ES" sz="1400" b="0" dirty="0" err="1"/>
-              <a:t>type</a:t>
-            </a:r>
-            <a:r>
-              <a:rPr lang="es-ES" sz="1400" b="0" dirty="0"/>
-              <a:t> (</a:t>
-            </a:r>
-            <a:r>
-              <a:rPr lang="es-ES" sz="1400" b="0" dirty="0" err="1"/>
-              <a:t>type</a:t>
-            </a:r>
-            <a:r>
-              <a:rPr lang="es-ES" sz="1400" b="0" dirty="0"/>
-              <a:t>) a </a:t>
-            </a:r>
-            <a:r>
-              <a:rPr lang="es-ES" sz="1400" b="0" dirty="0" err="1"/>
-              <a:t>parametric</a:t>
-            </a:r>
-            <a:r>
-              <a:rPr lang="es-ES" sz="1400" b="0" dirty="0"/>
-              <a:t> </a:t>
-            </a:r>
-            <a:r>
-              <a:rPr lang="es-ES" sz="1400" b="0" dirty="0" err="1"/>
-              <a:t>family</a:t>
-            </a:r>
-            <a:r>
-              <a:rPr lang="es-ES" sz="1400" b="0" dirty="0"/>
-              <a:t> of </a:t>
-            </a:r>
-            <a:r>
-              <a:rPr lang="es-ES" sz="1400" b="0" dirty="0" err="1"/>
-              <a:t>distribution</a:t>
-            </a:r>
-            <a:r>
-              <a:rPr lang="es-ES" sz="1400" b="0" dirty="0"/>
-              <a:t> (</a:t>
-            </a:r>
-            <a:r>
-              <a:rPr lang="es-ES" sz="1400" b="0" dirty="0" err="1"/>
-              <a:t>distr</a:t>
-            </a:r>
-            <a:r>
-              <a:rPr lang="es-ES" sz="1400" b="0" dirty="0"/>
-              <a:t>).</a:t>
-            </a:r>
-            <a:br>
-              <a:rPr lang="es-ES" sz="1400" b="0" dirty="0"/>
-            </a:br>
-            <a:r>
-              <a:rPr lang="es-ES" sz="1400" dirty="0">
-                <a:solidFill>
-                  <a:schemeClr val="tx1"/>
-                </a:solidFill>
-              </a:rPr>
-              <a:t>output</a:t>
-            </a:r>
-            <a:r>
-              <a:rPr lang="es-ES" sz="1400" b="0" dirty="0"/>
-              <a:t>: </a:t>
-            </a:r>
-            <a:r>
-              <a:rPr lang="es-ES" sz="1400" b="0" dirty="0" err="1"/>
-              <a:t>estimated</a:t>
-            </a:r>
-            <a:r>
-              <a:rPr lang="es-ES" sz="1400" b="0" dirty="0"/>
-              <a:t> </a:t>
-            </a:r>
-            <a:r>
-              <a:rPr lang="es-ES" sz="1400" b="0" dirty="0" err="1"/>
-              <a:t>parameters</a:t>
-            </a:r>
-            <a:r>
-              <a:rPr lang="es-ES" sz="1400" b="0" dirty="0"/>
-              <a:t>: </a:t>
-            </a:r>
-            <a:r>
-              <a:rPr lang="es-ES" sz="1400" b="0" dirty="0" err="1"/>
-              <a:t>alpha</a:t>
-            </a:r>
-            <a:r>
-              <a:rPr lang="es-ES" sz="1400" b="0" dirty="0"/>
-              <a:t>, </a:t>
-            </a:r>
-            <a:r>
-              <a:rPr lang="es-ES" sz="1400" b="0" dirty="0" err="1"/>
-              <a:t>parameters</a:t>
-            </a:r>
-            <a:r>
-              <a:rPr lang="es-ES" sz="1400" b="0" dirty="0"/>
-              <a:t> of input </a:t>
-            </a:r>
-            <a:r>
-              <a:rPr lang="es-ES" sz="1400" b="0" dirty="0" err="1"/>
-              <a:t>distribution</a:t>
-            </a:r>
-            <a:endParaRPr lang="es-ES" sz="1400" b="0" dirty="0"/>
-          </a:p>
-        </p:txBody>
-      </p:sp>
-      <p:sp>
-        <p:nvSpPr>
-          <p:cNvPr id="198" name="i + geom_area() x, y, alpha, color, fill, linetype, size…">
-            <a:extLst>
-              <a:ext uri="{FF2B5EF4-FFF2-40B4-BE49-F238E27FC236}">
-                <a16:creationId xmlns:a16="http://schemas.microsoft.com/office/drawing/2014/main" id="{4E700BDB-DD52-E54C-9E37-3A2E6B133874}"/>
-              </a:ext>
-            </a:extLst>
-          </p:cNvPr>
-          <p:cNvSpPr txBox="1"/>
-          <p:nvPr/>
-        </p:nvSpPr>
-        <p:spPr>
-          <a:xfrm>
-            <a:off x="3869870" y="6735375"/>
-            <a:ext cx="5948002" cy="764933"/>
-          </a:xfrm>
-          <a:prstGeom prst="rect">
-            <a:avLst/>
-          </a:prstGeom>
-          <a:noFill/>
-          <a:ln w="12700" cap="flat">
-            <a:noFill/>
-            <a:miter lim="400000"/>
-          </a:ln>
-          <a:effectLst/>
-          <a:extLst>
-            <a:ext uri="{C572A759-6A51-4108-AA02-DFA0A04FC94B}">
-              <ma14:wrappingTextBoxFlag xmlns:ma14="http://schemas.microsoft.com/office/mac/drawingml/2011/main" xmlns:a14="http://schemas.microsoft.com/office/drawing/2010/main" xmlns:m="http://schemas.openxmlformats.org/officeDocument/2006/math" xmlns="" val="1"/>
-            </a:ext>
-          </a:extLst>
-        </p:spPr>
-        <p:txBody>
-          <a:bodyPr wrap="square" lIns="0" tIns="0" rIns="0" bIns="0" numCol="1" anchor="t">
-            <a:normAutofit/>
-          </a:bodyPr>
-          <a:lstStyle/>
-          <a:p>
-            <a:pPr>
-              <a:spcBef>
-                <a:spcPts val="1100"/>
-              </a:spcBef>
-              <a:defRPr sz="1000">
-                <a:solidFill>
-                  <a:srgbClr val="000000"/>
-                </a:solidFill>
-              </a:defRPr>
-            </a:pPr>
-            <a:r>
-              <a:rPr lang="es-ES" sz="1400" dirty="0" err="1"/>
-              <a:t>spinar_penal</a:t>
-            </a:r>
-            <a:r>
-              <a:rPr lang="es-ES" sz="1400" dirty="0"/>
-              <a:t>() </a:t>
-            </a:r>
-            <a:r>
-              <a:rPr lang="es-ES" sz="1400" b="0" dirty="0" err="1"/>
-              <a:t>estimates</a:t>
-            </a:r>
-            <a:r>
-              <a:rPr lang="es-ES" sz="1400" b="0" dirty="0"/>
-              <a:t> </a:t>
-            </a:r>
-            <a:r>
-              <a:rPr lang="es-ES" sz="1400" b="0" dirty="0" err="1"/>
-              <a:t>semiparametrically</a:t>
-            </a:r>
-            <a:r>
-              <a:rPr lang="es-ES" sz="1400" b="0" dirty="0"/>
-              <a:t> and </a:t>
-            </a:r>
-            <a:r>
-              <a:rPr lang="es-ES" sz="1400" b="0" dirty="0" err="1"/>
-              <a:t>penalized</a:t>
-            </a:r>
-            <a:r>
-              <a:rPr lang="es-ES" sz="1400" b="0" dirty="0"/>
-              <a:t> </a:t>
-            </a:r>
-            <a:r>
-              <a:rPr lang="es-ES" sz="1400" b="0" dirty="0" err="1"/>
-              <a:t>an</a:t>
-            </a:r>
-            <a:r>
-              <a:rPr lang="es-ES" sz="1400" b="0" dirty="0"/>
-              <a:t> INAR </a:t>
-            </a:r>
-            <a:r>
-              <a:rPr lang="es-ES" sz="1400" b="0" dirty="0" err="1"/>
-              <a:t>model</a:t>
-            </a:r>
-            <a:r>
-              <a:rPr lang="es-ES" sz="1400" b="0" dirty="0"/>
-              <a:t> of </a:t>
-            </a:r>
-            <a:r>
-              <a:rPr lang="es-ES" sz="1400" b="0" dirty="0" err="1"/>
-              <a:t>given</a:t>
-            </a:r>
-            <a:r>
-              <a:rPr lang="es-ES" sz="1400" b="0" dirty="0"/>
-              <a:t> </a:t>
-            </a:r>
-            <a:r>
-              <a:rPr lang="es-ES" sz="1400" b="0" dirty="0" err="1"/>
-              <a:t>order</a:t>
-            </a:r>
-            <a:r>
-              <a:rPr lang="es-ES" sz="1400" b="0" dirty="0"/>
-              <a:t> p </a:t>
-            </a:r>
-            <a:r>
-              <a:rPr lang="es-ES" sz="1400" b="0" dirty="0" err="1"/>
-              <a:t>on</a:t>
-            </a:r>
-            <a:r>
-              <a:rPr lang="es-ES" sz="1400" b="0" dirty="0"/>
-              <a:t> x and </a:t>
-            </a:r>
-            <a:r>
-              <a:rPr lang="es-ES" sz="1400" b="0" dirty="0" err="1"/>
-              <a:t>for</a:t>
-            </a:r>
-            <a:r>
-              <a:rPr lang="es-ES" sz="1400" b="0" dirty="0"/>
-              <a:t> a </a:t>
-            </a:r>
-            <a:r>
-              <a:rPr lang="es-ES" sz="1400" b="0" dirty="0" err="1"/>
-              <a:t>given</a:t>
-            </a:r>
-            <a:r>
-              <a:rPr lang="es-ES" sz="1400" b="0" dirty="0"/>
-              <a:t> </a:t>
-            </a:r>
-            <a:r>
-              <a:rPr lang="es-ES" sz="1400" b="0" dirty="0" err="1"/>
-              <a:t>penalization</a:t>
-            </a:r>
-            <a:r>
-              <a:rPr lang="es-ES" sz="1400" b="0" dirty="0"/>
-              <a:t> </a:t>
-            </a:r>
-            <a:r>
-              <a:rPr lang="es-ES" sz="1400" b="0" dirty="0" err="1"/>
-              <a:t>parameters</a:t>
-            </a:r>
-            <a:r>
-              <a:rPr lang="es-ES" sz="1400" b="0" dirty="0"/>
-              <a:t> (penal1, penal2)</a:t>
-            </a:r>
-            <a:br>
-              <a:rPr lang="es-ES" sz="1400" b="0" dirty="0"/>
-            </a:br>
-            <a:r>
-              <a:rPr lang="es-ES" sz="1400" dirty="0">
-                <a:solidFill>
-                  <a:schemeClr val="tx1"/>
-                </a:solidFill>
-              </a:rPr>
-              <a:t>output</a:t>
-            </a:r>
-            <a:r>
-              <a:rPr lang="es-ES" sz="1400" b="0" dirty="0"/>
-              <a:t>: </a:t>
-            </a:r>
-            <a:r>
-              <a:rPr lang="es-ES" sz="1400" b="0" dirty="0" err="1"/>
-              <a:t>estimated</a:t>
-            </a:r>
-            <a:r>
-              <a:rPr lang="es-ES" sz="1400" b="0" dirty="0"/>
-              <a:t> </a:t>
-            </a:r>
-            <a:r>
-              <a:rPr lang="es-ES" sz="1400" b="0" dirty="0" err="1"/>
-              <a:t>parameters</a:t>
-            </a:r>
-            <a:r>
-              <a:rPr lang="es-ES" sz="1400" b="0" dirty="0"/>
-              <a:t> (</a:t>
-            </a:r>
-            <a:r>
-              <a:rPr lang="es-ES" sz="1400" b="0" dirty="0" err="1"/>
-              <a:t>alpha</a:t>
-            </a:r>
-            <a:r>
-              <a:rPr lang="es-ES" sz="1400" b="0" dirty="0"/>
-              <a:t>, </a:t>
-            </a:r>
-            <a:r>
-              <a:rPr lang="es-ES" sz="1400" b="0" dirty="0" err="1"/>
-              <a:t>pmf</a:t>
-            </a:r>
-            <a:r>
-              <a:rPr lang="es-ES" sz="1400" b="0" dirty="0"/>
-              <a:t>)</a:t>
-            </a:r>
-          </a:p>
-        </p:txBody>
-      </p:sp>
-      <p:sp>
-        <p:nvSpPr>
-          <p:cNvPr id="199" name="i + geom_area() x, y, alpha, color, fill, linetype, size…">
-            <a:extLst>
-              <a:ext uri="{FF2B5EF4-FFF2-40B4-BE49-F238E27FC236}">
-                <a16:creationId xmlns:a16="http://schemas.microsoft.com/office/drawing/2014/main" id="{239BD0C4-95C6-714C-A2E4-3354DAEEE98E}"/>
-              </a:ext>
-            </a:extLst>
-          </p:cNvPr>
-          <p:cNvSpPr txBox="1"/>
-          <p:nvPr/>
-        </p:nvSpPr>
-        <p:spPr>
-          <a:xfrm>
-            <a:off x="3865644" y="7538249"/>
-            <a:ext cx="6140342" cy="1186649"/>
-          </a:xfrm>
-          <a:prstGeom prst="rect">
-            <a:avLst/>
-          </a:prstGeom>
-          <a:noFill/>
-          <a:ln w="12700" cap="flat">
-            <a:noFill/>
-            <a:miter lim="400000"/>
-          </a:ln>
-          <a:effectLst/>
-          <a:extLst>
-            <a:ext uri="{C572A759-6A51-4108-AA02-DFA0A04FC94B}">
-              <ma14:wrappingTextBoxFlag xmlns:ma14="http://schemas.microsoft.com/office/mac/drawingml/2011/main" xmlns:a14="http://schemas.microsoft.com/office/drawing/2010/main" xmlns:m="http://schemas.openxmlformats.org/officeDocument/2006/math" xmlns="" val="1"/>
-            </a:ext>
-          </a:extLst>
-        </p:spPr>
-        <p:txBody>
-          <a:bodyPr wrap="square" lIns="0" tIns="0" rIns="0" bIns="0" numCol="1" anchor="t">
-            <a:normAutofit/>
-          </a:bodyPr>
-          <a:lstStyle/>
-          <a:p>
-            <a:pPr>
-              <a:spcBef>
-                <a:spcPts val="1100"/>
-              </a:spcBef>
-              <a:defRPr sz="1000">
-                <a:solidFill>
-                  <a:srgbClr val="000000"/>
-                </a:solidFill>
-              </a:defRPr>
-            </a:pPr>
-            <a:r>
-              <a:rPr lang="es-ES" sz="1400" dirty="0" err="1"/>
-              <a:t>spinar_penal_val</a:t>
-            </a:r>
-            <a:r>
-              <a:rPr lang="es-ES" sz="1400" dirty="0"/>
-              <a:t>() </a:t>
-            </a:r>
-            <a:r>
-              <a:rPr lang="es-ES" sz="1400" b="0" dirty="0" err="1"/>
-              <a:t>estimates</a:t>
-            </a:r>
-            <a:r>
-              <a:rPr lang="es-ES" sz="1400" b="0" dirty="0"/>
-              <a:t> </a:t>
-            </a:r>
-            <a:r>
-              <a:rPr lang="es-ES" sz="1400" b="0" dirty="0" err="1"/>
-              <a:t>semiparametrically</a:t>
-            </a:r>
-            <a:r>
-              <a:rPr lang="es-ES" sz="1400" b="0" dirty="0"/>
-              <a:t> and </a:t>
-            </a:r>
-            <a:r>
-              <a:rPr lang="es-ES" sz="1400" b="0" dirty="0" err="1"/>
-              <a:t>penalized</a:t>
-            </a:r>
-            <a:r>
-              <a:rPr lang="es-ES" sz="1400" b="0" dirty="0"/>
-              <a:t> </a:t>
-            </a:r>
-            <a:r>
-              <a:rPr lang="es-ES" sz="1400" b="0" dirty="0" err="1"/>
-              <a:t>an</a:t>
-            </a:r>
-            <a:r>
-              <a:rPr lang="es-ES" sz="1400" b="0" dirty="0"/>
-              <a:t> INAR </a:t>
-            </a:r>
-            <a:r>
-              <a:rPr lang="es-ES" sz="1400" b="0" dirty="0" err="1"/>
-              <a:t>model</a:t>
-            </a:r>
-            <a:r>
-              <a:rPr lang="es-ES" sz="1400" b="0" dirty="0"/>
-              <a:t> </a:t>
-            </a:r>
-            <a:r>
-              <a:rPr lang="es-ES" sz="1400" b="0" dirty="0" err="1"/>
-              <a:t>for</a:t>
-            </a:r>
-            <a:r>
-              <a:rPr lang="es-ES" sz="1400" b="0" dirty="0"/>
-              <a:t> a </a:t>
-            </a:r>
-            <a:r>
-              <a:rPr lang="es-ES" sz="1400" b="0" dirty="0" err="1"/>
-              <a:t>given</a:t>
-            </a:r>
-            <a:r>
-              <a:rPr lang="es-ES" sz="1400" b="0" dirty="0"/>
-              <a:t> p, x, and </a:t>
-            </a:r>
-            <a:r>
-              <a:rPr lang="es-ES" sz="1400" b="0" dirty="0" err="1"/>
-              <a:t>allows</a:t>
-            </a:r>
-            <a:r>
-              <a:rPr lang="es-ES" sz="1400" b="0" dirty="0"/>
-              <a:t> </a:t>
-            </a:r>
-            <a:r>
-              <a:rPr lang="es-ES" sz="1400" b="0" dirty="0" err="1"/>
-              <a:t>for</a:t>
-            </a:r>
-            <a:r>
-              <a:rPr lang="es-ES" sz="1400" b="0" dirty="0"/>
-              <a:t> </a:t>
-            </a:r>
-            <a:r>
-              <a:rPr lang="es-ES" sz="1400" b="0" dirty="0" err="1"/>
-              <a:t>validation</a:t>
-            </a:r>
-            <a:r>
-              <a:rPr lang="es-ES" sz="1400" b="0" dirty="0"/>
-              <a:t> of </a:t>
-            </a:r>
-            <a:r>
-              <a:rPr lang="es-ES" sz="1400" b="0" dirty="0" err="1"/>
-              <a:t>both</a:t>
-            </a:r>
-            <a:r>
-              <a:rPr lang="es-ES" sz="1400" b="0" dirty="0"/>
-              <a:t> </a:t>
-            </a:r>
-            <a:r>
-              <a:rPr lang="es-ES" sz="1400" b="0" dirty="0" err="1"/>
-              <a:t>or</a:t>
-            </a:r>
-            <a:r>
-              <a:rPr lang="es-ES" sz="1400" b="0" dirty="0"/>
-              <a:t> </a:t>
-            </a:r>
-            <a:r>
-              <a:rPr lang="es-ES" sz="1400" b="0" dirty="0" err="1"/>
-              <a:t>only</a:t>
-            </a:r>
-            <a:r>
-              <a:rPr lang="es-ES" sz="1400" b="0" dirty="0"/>
-              <a:t> </a:t>
-            </a:r>
-            <a:r>
-              <a:rPr lang="es-ES" sz="1400" b="0" dirty="0" err="1"/>
-              <a:t>one</a:t>
-            </a:r>
-            <a:r>
-              <a:rPr lang="es-ES" sz="1400" b="0" dirty="0"/>
-              <a:t> </a:t>
-            </a:r>
-            <a:r>
-              <a:rPr lang="es-ES" sz="1400" b="0" dirty="0" err="1"/>
-              <a:t>penalization</a:t>
-            </a:r>
-            <a:r>
-              <a:rPr lang="es-ES" sz="1400" b="0" dirty="0"/>
-              <a:t> </a:t>
-            </a:r>
-            <a:r>
-              <a:rPr lang="es-ES" sz="1400" b="0" dirty="0" err="1"/>
-              <a:t>parameter</a:t>
-            </a:r>
-            <a:r>
-              <a:rPr lang="es-ES" sz="1400" b="0" dirty="0"/>
-              <a:t>, </a:t>
-            </a:r>
-            <a:r>
-              <a:rPr lang="es-ES" sz="1400" b="0" dirty="0" err="1"/>
-              <a:t>which</a:t>
-            </a:r>
-            <a:r>
-              <a:rPr lang="es-ES" sz="1400" b="0" dirty="0"/>
-              <a:t> can be </a:t>
-            </a:r>
-            <a:r>
-              <a:rPr lang="es-ES" sz="1400" b="0" dirty="0" err="1"/>
-              <a:t>adjusted</a:t>
-            </a:r>
-            <a:r>
-              <a:rPr lang="es-ES" sz="1400" b="0" dirty="0"/>
-              <a:t> </a:t>
-            </a:r>
-            <a:r>
-              <a:rPr lang="es-ES" sz="1400" b="0" dirty="0" err="1"/>
-              <a:t>by</a:t>
-            </a:r>
-            <a:r>
-              <a:rPr lang="es-ES" sz="1400" b="0" dirty="0"/>
-              <a:t> </a:t>
-            </a:r>
-            <a:r>
-              <a:rPr lang="es-ES" sz="1400" b="0" dirty="0" err="1"/>
-              <a:t>the</a:t>
-            </a:r>
-            <a:r>
-              <a:rPr lang="es-ES" sz="1400" b="0" dirty="0"/>
-              <a:t> </a:t>
-            </a:r>
-            <a:r>
-              <a:rPr lang="es-ES" sz="1400" b="0" dirty="0" err="1"/>
-              <a:t>number</a:t>
-            </a:r>
-            <a:r>
-              <a:rPr lang="es-ES" sz="1400" b="0" dirty="0"/>
-              <a:t> of </a:t>
-            </a:r>
-            <a:r>
-              <a:rPr lang="es-ES" sz="1400" b="0" dirty="0" err="1"/>
-              <a:t>folds</a:t>
-            </a:r>
-            <a:r>
-              <a:rPr lang="es-ES" sz="1400" b="0" dirty="0"/>
-              <a:t> and init1 init2.</a:t>
-            </a:r>
-            <a:br>
-              <a:rPr lang="es-ES" sz="1400" b="0" dirty="0">
-                <a:solidFill>
-                  <a:srgbClr val="000000"/>
-                </a:solidFill>
-              </a:rPr>
-            </a:br>
-            <a:r>
-              <a:rPr lang="es-ES" sz="1400" dirty="0">
-                <a:solidFill>
-                  <a:schemeClr val="tx1"/>
-                </a:solidFill>
-              </a:rPr>
-              <a:t>output</a:t>
-            </a:r>
-            <a:r>
-              <a:rPr lang="es-ES" sz="1400" b="0" dirty="0"/>
-              <a:t>: </a:t>
-            </a:r>
-            <a:r>
-              <a:rPr lang="es-ES" sz="1400" b="0" dirty="0" err="1"/>
-              <a:t>estimated</a:t>
-            </a:r>
-            <a:r>
-              <a:rPr lang="es-ES" sz="1400" b="0" dirty="0"/>
-              <a:t> </a:t>
-            </a:r>
-            <a:r>
-              <a:rPr lang="es-ES" sz="1400" b="0" dirty="0" err="1"/>
-              <a:t>parameters</a:t>
-            </a:r>
-            <a:r>
-              <a:rPr lang="es-ES" sz="1400" b="0" dirty="0"/>
-              <a:t>( (</a:t>
-            </a:r>
-            <a:r>
-              <a:rPr lang="es-ES" sz="1400" b="0" dirty="0" err="1"/>
-              <a:t>alpha</a:t>
-            </a:r>
-            <a:r>
-              <a:rPr lang="es-ES" sz="1400" b="0" dirty="0"/>
-              <a:t>, </a:t>
-            </a:r>
-            <a:r>
-              <a:rPr lang="es-ES" sz="1400" b="0" dirty="0" err="1"/>
-              <a:t>pmf</a:t>
-            </a:r>
-            <a:r>
-              <a:rPr lang="es-ES" sz="1400" b="0" dirty="0"/>
-              <a:t>) and </a:t>
-            </a:r>
-            <a:r>
-              <a:rPr lang="es-ES" sz="1400" b="0" dirty="0" err="1"/>
-              <a:t>validated</a:t>
-            </a:r>
-            <a:r>
-              <a:rPr lang="es-ES" sz="1400" b="0" dirty="0"/>
-              <a:t> </a:t>
-            </a:r>
-            <a:r>
-              <a:rPr lang="es-ES" sz="1400" b="0" dirty="0" err="1"/>
-              <a:t>penalization</a:t>
-            </a:r>
-            <a:r>
-              <a:rPr lang="es-ES" sz="1400" b="0" dirty="0"/>
-              <a:t> </a:t>
-            </a:r>
-            <a:r>
-              <a:rPr lang="es-ES" sz="1400" b="0" dirty="0" err="1"/>
-              <a:t>parameter</a:t>
-            </a:r>
-            <a:r>
-              <a:rPr lang="es-ES" sz="1400" b="0" dirty="0"/>
-              <a:t>(s)</a:t>
-            </a:r>
-            <a:endParaRPr lang="es-ES" sz="1400" dirty="0"/>
           </a:p>
         </p:txBody>
       </p:sp>
@@ -6893,8 +4908,8 @@
         </p:nvSpPr>
         <p:spPr>
           <a:xfrm>
-            <a:off x="11173850" y="4096156"/>
-            <a:ext cx="2271178" cy="294872"/>
+            <a:off x="10896765" y="4942570"/>
+            <a:ext cx="2450412" cy="294872"/>
           </a:xfrm>
           <a:prstGeom prst="rect">
             <a:avLst/>
@@ -6910,7 +4925,7 @@
           </a:ln>
           <a:extLst>
             <a:ext uri="{C572A759-6A51-4108-AA02-DFA0A04FC94B}">
-              <ma14:wrappingTextBoxFlag xmlns:ma14="http://schemas.microsoft.com/office/mac/drawingml/2011/main" xmlns:a14="http://schemas.microsoft.com/office/drawing/2010/main" xmlns:m="http://schemas.openxmlformats.org/officeDocument/2006/math" xmlns="" val="1"/>
+              <ma14:wrappingTextBoxFlag xmlns="" xmlns:m="http://schemas.openxmlformats.org/officeDocument/2006/math" xmlns:a14="http://schemas.microsoft.com/office/drawing/2010/main" xmlns:ma14="http://schemas.microsoft.com/office/mac/drawingml/2011/main" val="1"/>
             </a:ext>
           </a:extLst>
         </p:spPr>
@@ -6935,222 +4950,62 @@
               </a:defRPr>
             </a:pPr>
             <a:r>
-              <a:rPr lang="es-ES" dirty="0" err="1"/>
-              <a:t>inar_sp_boot</a:t>
-            </a:r>
-            <a:r>
-              <a:rPr dirty="0"/>
+              <a:rPr lang="es-ES" dirty="0" smtClean="0">
+                <a:solidFill>
+                  <a:schemeClr val="tx1">
+                    <a:lumMod val="50000"/>
+                  </a:schemeClr>
+                </a:solidFill>
+              </a:rPr>
+              <a:t>spinar</a:t>
+            </a:r>
+            <a:r>
+              <a:rPr lang="es-ES" dirty="0" smtClean="0">
+                <a:solidFill>
+                  <a:schemeClr val="tx1">
+                    <a:lumMod val="50000"/>
+                  </a:schemeClr>
+                </a:solidFill>
+              </a:rPr>
+              <a:t>_est_param</a:t>
+            </a:r>
+            <a:r>
+              <a:rPr dirty="0" smtClean="0">
+                <a:solidFill>
+                  <a:schemeClr val="tx1">
+                    <a:lumMod val="50000"/>
+                  </a:schemeClr>
+                </a:solidFill>
+              </a:rPr>
               <a:t>(</a:t>
             </a:r>
             <a:r>
-              <a:rPr lang="es-ES" dirty="0"/>
-              <a:t>x, p, B)</a:t>
-            </a:r>
-          </a:p>
-        </p:txBody>
-      </p:sp>
-      <p:sp>
-        <p:nvSpPr>
-          <p:cNvPr id="201" name="ggplot(mpg, aes(hwy, cty)) +…">
-            <a:extLst>
-              <a:ext uri="{FF2B5EF4-FFF2-40B4-BE49-F238E27FC236}">
-                <a16:creationId xmlns:a16="http://schemas.microsoft.com/office/drawing/2014/main" id="{24ED6C18-8DBF-984B-8956-2D8EECDD0C54}"/>
-              </a:ext>
-            </a:extLst>
-          </p:cNvPr>
-          <p:cNvSpPr txBox="1"/>
-          <p:nvPr/>
-        </p:nvSpPr>
-        <p:spPr>
-          <a:xfrm>
-            <a:off x="10068154" y="6849716"/>
-            <a:ext cx="3290375" cy="294872"/>
-          </a:xfrm>
-          <a:prstGeom prst="rect">
-            <a:avLst/>
-          </a:prstGeom>
-          <a:solidFill>
-            <a:srgbClr val="FFFFFF"/>
-          </a:solidFill>
-          <a:ln w="12700">
-            <a:solidFill>
-              <a:srgbClr val="A6AAA9"/>
-            </a:solidFill>
-            <a:miter lim="400000"/>
-          </a:ln>
-          <a:extLst>
-            <a:ext uri="{C572A759-6A51-4108-AA02-DFA0A04FC94B}">
-              <ma14:wrappingTextBoxFlag xmlns:ma14="http://schemas.microsoft.com/office/mac/drawingml/2011/main" xmlns:a14="http://schemas.microsoft.com/office/drawing/2010/main" xmlns:m="http://schemas.openxmlformats.org/officeDocument/2006/math" xmlns="" val="1"/>
-            </a:ext>
-          </a:extLst>
-        </p:spPr>
-        <p:txBody>
-          <a:bodyPr wrap="square" lIns="54570" tIns="54570" rIns="54570" bIns="54570" anchor="ctr">
-            <a:spAutoFit/>
-          </a:bodyPr>
-          <a:lstStyle/>
-          <a:p>
-            <a:pPr>
-              <a:spcBef>
-                <a:spcPts val="0"/>
-              </a:spcBef>
-              <a:defRPr b="0">
-                <a:solidFill>
-                  <a:srgbClr val="000000"/>
-                </a:solidFill>
-                <a:latin typeface="Menlo"/>
-                <a:ea typeface="Menlo"/>
-                <a:cs typeface="Menlo"/>
-                <a:sym typeface="Menlo"/>
-              </a:defRPr>
-            </a:pPr>
-            <a:r>
-              <a:rPr lang="es-ES" dirty="0" err="1"/>
-              <a:t>spinar_penal</a:t>
-            </a:r>
-            <a:r>
-              <a:rPr lang="es-ES" dirty="0"/>
-              <a:t>(x, p, penal1, penal2)</a:t>
-            </a:r>
-          </a:p>
-        </p:txBody>
-      </p:sp>
-      <p:sp>
-        <p:nvSpPr>
-          <p:cNvPr id="202" name="ggplot(mpg, aes(hwy, cty)) +…">
-            <a:extLst>
-              <a:ext uri="{FF2B5EF4-FFF2-40B4-BE49-F238E27FC236}">
-                <a16:creationId xmlns:a16="http://schemas.microsoft.com/office/drawing/2014/main" id="{432F4EDC-34AC-B744-9B52-1EE17F64B2D4}"/>
-              </a:ext>
-            </a:extLst>
-          </p:cNvPr>
-          <p:cNvSpPr txBox="1"/>
-          <p:nvPr/>
-        </p:nvSpPr>
-        <p:spPr>
-          <a:xfrm>
-            <a:off x="10138129" y="7544371"/>
-            <a:ext cx="3278626" cy="1033536"/>
-          </a:xfrm>
-          <a:prstGeom prst="rect">
-            <a:avLst/>
-          </a:prstGeom>
-          <a:solidFill>
-            <a:srgbClr val="FFFFFF"/>
-          </a:solidFill>
-          <a:ln w="12700">
-            <a:solidFill>
-              <a:srgbClr val="A6AAA9"/>
-            </a:solidFill>
-            <a:miter lim="400000"/>
-          </a:ln>
-          <a:extLst>
-            <a:ext uri="{C572A759-6A51-4108-AA02-DFA0A04FC94B}">
-              <ma14:wrappingTextBoxFlag xmlns:ma14="http://schemas.microsoft.com/office/mac/drawingml/2011/main" xmlns:a14="http://schemas.microsoft.com/office/drawing/2010/main" xmlns:m="http://schemas.openxmlformats.org/officeDocument/2006/math" xmlns="" val="1"/>
-            </a:ext>
-          </a:extLst>
-        </p:spPr>
-        <p:txBody>
-          <a:bodyPr wrap="square" lIns="54570" tIns="54570" rIns="54570" bIns="54570" anchor="ctr">
-            <a:spAutoFit/>
-          </a:bodyPr>
-          <a:lstStyle/>
-          <a:p>
-            <a:pPr>
-              <a:spcBef>
-                <a:spcPts val="0"/>
-              </a:spcBef>
-              <a:defRPr b="0">
-                <a:solidFill>
-                  <a:srgbClr val="000000"/>
-                </a:solidFill>
-                <a:latin typeface="Menlo"/>
-                <a:ea typeface="Menlo"/>
-                <a:cs typeface="Menlo"/>
-                <a:sym typeface="Menlo"/>
-              </a:defRPr>
-            </a:pPr>
-            <a:r>
-              <a:rPr lang="es-ES" dirty="0" err="1"/>
-              <a:t>spinar_penal_val</a:t>
-            </a:r>
-            <a:r>
-              <a:rPr lang="es-ES" dirty="0"/>
-              <a:t>(x, p, </a:t>
-            </a:r>
-            <a:r>
-              <a:rPr lang="es-ES" dirty="0" err="1"/>
-              <a:t>valid</a:t>
-            </a:r>
-            <a:r>
-              <a:rPr lang="es-ES" dirty="0"/>
-              <a:t>, 				penal1, penal2,</a:t>
-            </a:r>
-          </a:p>
-          <a:p>
-            <a:pPr>
-              <a:spcBef>
-                <a:spcPts val="0"/>
-              </a:spcBef>
-              <a:defRPr b="0">
-                <a:solidFill>
-                  <a:srgbClr val="000000"/>
-                </a:solidFill>
-                <a:latin typeface="Menlo"/>
-                <a:ea typeface="Menlo"/>
-                <a:cs typeface="Menlo"/>
-                <a:sym typeface="Menlo"/>
-              </a:defRPr>
-            </a:pPr>
-            <a:r>
-              <a:rPr lang="es-ES" dirty="0"/>
-              <a:t> 			</a:t>
-            </a:r>
-            <a:r>
-              <a:rPr lang="es-ES" dirty="0" err="1"/>
-              <a:t>over,folds</a:t>
-            </a:r>
-            <a:r>
-              <a:rPr lang="es-ES" dirty="0"/>
-              <a:t>, </a:t>
-            </a:r>
-          </a:p>
-          <a:p>
-            <a:pPr>
-              <a:spcBef>
-                <a:spcPts val="0"/>
-              </a:spcBef>
-              <a:defRPr b="0">
-                <a:solidFill>
-                  <a:srgbClr val="000000"/>
-                </a:solidFill>
-                <a:latin typeface="Menlo"/>
-                <a:ea typeface="Menlo"/>
-                <a:cs typeface="Menlo"/>
-                <a:sym typeface="Menlo"/>
-              </a:defRPr>
-            </a:pPr>
-            <a:r>
-              <a:rPr lang="es-ES" dirty="0"/>
-              <a:t>			init1, init2)</a:t>
-            </a:r>
-          </a:p>
-          <a:p>
-            <a:pPr>
-              <a:spcBef>
-                <a:spcPts val="0"/>
-              </a:spcBef>
-              <a:defRPr b="0">
-                <a:solidFill>
-                  <a:srgbClr val="000000"/>
-                </a:solidFill>
-                <a:latin typeface="Menlo"/>
-                <a:ea typeface="Menlo"/>
-                <a:cs typeface="Menlo"/>
-                <a:sym typeface="Menlo"/>
-              </a:defRPr>
-            </a:pPr>
-            <a:endParaRPr dirty="0"/>
+              <a:rPr lang="es-ES" dirty="0">
+                <a:solidFill>
+                  <a:schemeClr val="tx1">
+                    <a:lumMod val="50000"/>
+                  </a:schemeClr>
+                </a:solidFill>
+              </a:rPr>
+              <a:t>x, p, </a:t>
+            </a:r>
+            <a:r>
+              <a:rPr lang="es-ES" dirty="0" smtClean="0">
+                <a:solidFill>
+                  <a:schemeClr val="tx1">
+                    <a:lumMod val="50000"/>
+                  </a:schemeClr>
+                </a:solidFill>
+              </a:rPr>
+              <a:t>type, distr)</a:t>
+            </a:r>
+            <a:endParaRPr lang="es-ES" dirty="0">
+              <a:solidFill>
+                <a:schemeClr val="tx1">
+                  <a:lumMod val="50000"/>
+                </a:schemeClr>
+              </a:solidFill>
+            </a:endParaRPr>
           </a:p>
         </p:txBody>
       </p:sp>
@@ -7168,8 +5023,8 @@
         </p:nvSpPr>
         <p:spPr>
           <a:xfrm>
-            <a:off x="3913498" y="2848063"/>
-            <a:ext cx="9422531" cy="255281"/>
+            <a:off x="3877300" y="3126753"/>
+            <a:ext cx="9459451" cy="327512"/>
           </a:xfrm>
           <a:prstGeom prst="rect">
             <a:avLst/>
@@ -7210,7 +5065,1226 @@
       </p:sp>
       <p:sp>
         <p:nvSpPr>
-          <p:cNvPr id="205" name="Rectangle">
+          <p:cNvPr id="46" name="Useful Elements">
+            <a:extLst>
+              <a:ext uri="{FF2B5EF4-FFF2-40B4-BE49-F238E27FC236}">
+                <a16:creationId xmlns:a16="http://schemas.microsoft.com/office/drawing/2014/main" id="{FEC05386-90D2-5D49-8C70-EDF7C3D3BD5B}"/>
+              </a:ext>
+            </a:extLst>
+          </p:cNvPr>
+          <p:cNvSpPr txBox="1"/>
+          <p:nvPr/>
+        </p:nvSpPr>
+        <p:spPr>
+          <a:xfrm>
+            <a:off x="262180" y="5536653"/>
+            <a:ext cx="2181071" cy="340029"/>
+          </a:xfrm>
+          <a:prstGeom prst="rect">
+            <a:avLst/>
+          </a:prstGeom>
+          <a:ln w="12700">
+            <a:miter lim="400000"/>
+          </a:ln>
+          <a:extLst>
+            <a:ext uri="{C572A759-6A51-4108-AA02-DFA0A04FC94B}">
+              <ma14:wrappingTextBoxFlag xmlns="" xmlns:m="http://schemas.openxmlformats.org/officeDocument/2006/math" xmlns:a14="http://schemas.microsoft.com/office/drawing/2010/main" xmlns:ma14="http://schemas.microsoft.com/office/mac/drawingml/2011/main" val="1"/>
+            </a:ext>
+          </a:extLst>
+        </p:spPr>
+        <p:txBody>
+          <a:bodyPr wrap="square" lIns="12700" tIns="12700" rIns="12700" bIns="12700" anchor="ctr">
+            <a:spAutoFit/>
+          </a:bodyPr>
+          <a:lstStyle/>
+          <a:p>
+            <a:pPr lvl="1" indent="0">
+              <a:lnSpc>
+                <a:spcPct val="80000"/>
+              </a:lnSpc>
+              <a:spcBef>
+                <a:spcPts val="0"/>
+              </a:spcBef>
+              <a:defRPr sz="2500" b="0">
+                <a:solidFill>
+                  <a:srgbClr val="628DB5"/>
+                </a:solidFill>
+              </a:defRPr>
+            </a:pPr>
+            <a:r>
+              <a:rPr lang="es-ES" dirty="0" err="1"/>
+              <a:t>Arguments</a:t>
+            </a:r>
+            <a:endParaRPr lang="es-ES" dirty="0"/>
+          </a:p>
+        </p:txBody>
+      </p:sp>
+      <p:sp>
+        <p:nvSpPr>
+          <p:cNvPr id="48" name="ggplot(mpg, aes(hwy, cty)) +…">
+            <a:extLst>
+              <a:ext uri="{FF2B5EF4-FFF2-40B4-BE49-F238E27FC236}">
+                <a16:creationId xmlns:a16="http://schemas.microsoft.com/office/drawing/2014/main" id="{08F183D2-EA82-3A44-8F3F-56A60CF208FB}"/>
+              </a:ext>
+            </a:extLst>
+          </p:cNvPr>
+          <p:cNvSpPr txBox="1"/>
+          <p:nvPr/>
+        </p:nvSpPr>
+        <p:spPr>
+          <a:xfrm>
+            <a:off x="207267" y="5952391"/>
+            <a:ext cx="3025059" cy="4542188"/>
+          </a:xfrm>
+          <a:prstGeom prst="rect">
+            <a:avLst/>
+          </a:prstGeom>
+          <a:solidFill>
+            <a:schemeClr val="accent1">
+              <a:lumMod val="20000"/>
+              <a:lumOff val="80000"/>
+            </a:schemeClr>
+          </a:solidFill>
+          <a:ln w="12700">
+            <a:solidFill>
+              <a:srgbClr val="A6AAA9"/>
+            </a:solidFill>
+            <a:miter lim="400000"/>
+          </a:ln>
+          <a:extLst>
+            <a:ext uri="{C572A759-6A51-4108-AA02-DFA0A04FC94B}">
+              <ma14:wrappingTextBoxFlag xmlns="" xmlns:m="http://schemas.openxmlformats.org/officeDocument/2006/math" xmlns:a14="http://schemas.microsoft.com/office/drawing/2010/main" xmlns:ma14="http://schemas.microsoft.com/office/mac/drawingml/2011/main" val="1"/>
+            </a:ext>
+          </a:extLst>
+        </p:spPr>
+        <p:txBody>
+          <a:bodyPr lIns="54570" tIns="54570" rIns="54570" bIns="54570" anchor="ctr">
+            <a:spAutoFit/>
+          </a:bodyPr>
+          <a:lstStyle/>
+          <a:p>
+            <a:pPr marL="171450" indent="-171450">
+              <a:spcBef>
+                <a:spcPts val="0"/>
+              </a:spcBef>
+              <a:buFont typeface="Arial" panose="020B0604020202020204" pitchFamily="34" charset="0"/>
+              <a:buChar char="•"/>
+              <a:defRPr b="0">
+                <a:solidFill>
+                  <a:srgbClr val="000000"/>
+                </a:solidFill>
+                <a:latin typeface="Menlo"/>
+                <a:ea typeface="Menlo"/>
+                <a:cs typeface="Menlo"/>
+                <a:sym typeface="Menlo"/>
+              </a:defRPr>
+            </a:pPr>
+            <a:r>
+              <a:rPr lang="es-ES" i="1" dirty="0" smtClean="0"/>
+              <a:t>x</a:t>
+            </a:r>
+            <a:r>
+              <a:rPr lang="es-ES" dirty="0" smtClean="0"/>
+              <a:t>: </a:t>
+            </a:r>
+            <a:r>
+              <a:rPr lang="es-ES" dirty="0"/>
+              <a:t>data</a:t>
+            </a:r>
+          </a:p>
+          <a:p>
+            <a:pPr marL="171450" indent="-171450">
+              <a:spcBef>
+                <a:spcPts val="0"/>
+              </a:spcBef>
+              <a:buFont typeface="Arial" panose="020B0604020202020204" pitchFamily="34" charset="0"/>
+              <a:buChar char="•"/>
+              <a:defRPr b="0">
+                <a:solidFill>
+                  <a:srgbClr val="000000"/>
+                </a:solidFill>
+                <a:latin typeface="Menlo"/>
+                <a:ea typeface="Menlo"/>
+                <a:cs typeface="Menlo"/>
+                <a:sym typeface="Menlo"/>
+              </a:defRPr>
+            </a:pPr>
+            <a:r>
+              <a:rPr lang="es-ES" i="1" dirty="0" smtClean="0"/>
+              <a:t>n</a:t>
+            </a:r>
+            <a:r>
+              <a:rPr lang="es-ES" dirty="0" smtClean="0"/>
+              <a:t>: </a:t>
+            </a:r>
+            <a:r>
+              <a:rPr lang="es-ES" dirty="0" smtClean="0">
+                <a:latin typeface=""/>
+              </a:rPr>
+              <a:t>sample </a:t>
+            </a:r>
+            <a:r>
+              <a:rPr lang="es-ES" dirty="0">
+                <a:latin typeface=""/>
+              </a:rPr>
+              <a:t>size</a:t>
+            </a:r>
+          </a:p>
+          <a:p>
+            <a:pPr marL="171450" indent="-171450">
+              <a:spcBef>
+                <a:spcPts val="0"/>
+              </a:spcBef>
+              <a:buFont typeface="Arial" panose="020B0604020202020204" pitchFamily="34" charset="0"/>
+              <a:buChar char="•"/>
+              <a:defRPr b="0">
+                <a:solidFill>
+                  <a:srgbClr val="000000"/>
+                </a:solidFill>
+                <a:latin typeface="Menlo"/>
+                <a:ea typeface="Menlo"/>
+                <a:cs typeface="Menlo"/>
+                <a:sym typeface="Menlo"/>
+              </a:defRPr>
+            </a:pPr>
+            <a:r>
+              <a:rPr lang="es-ES" i="1" dirty="0" smtClean="0"/>
+              <a:t>p</a:t>
+            </a:r>
+            <a:r>
+              <a:rPr lang="es-ES" dirty="0" smtClean="0"/>
+              <a:t>: </a:t>
+            </a:r>
+            <a:r>
+              <a:rPr lang="es-ES" dirty="0">
+                <a:latin typeface=""/>
+              </a:rPr>
+              <a:t>model order</a:t>
+            </a:r>
+          </a:p>
+          <a:p>
+            <a:pPr marL="171450" indent="-171450">
+              <a:spcBef>
+                <a:spcPts val="0"/>
+              </a:spcBef>
+              <a:buFont typeface="Arial" panose="020B0604020202020204" pitchFamily="34" charset="0"/>
+              <a:buChar char="•"/>
+              <a:defRPr b="0">
+                <a:solidFill>
+                  <a:srgbClr val="000000"/>
+                </a:solidFill>
+                <a:latin typeface="Menlo"/>
+                <a:ea typeface="Menlo"/>
+                <a:cs typeface="Menlo"/>
+                <a:sym typeface="Menlo"/>
+              </a:defRPr>
+            </a:pPr>
+            <a:r>
+              <a:rPr lang="es-ES" i="1" dirty="0" smtClean="0"/>
+              <a:t>alpha</a:t>
+            </a:r>
+            <a:r>
+              <a:rPr lang="es-ES" dirty="0" smtClean="0"/>
+              <a:t>: </a:t>
+            </a:r>
+            <a:r>
+              <a:rPr lang="es-ES" dirty="0">
+                <a:latin typeface=""/>
+              </a:rPr>
+              <a:t>INAR coefficient(s)</a:t>
+            </a:r>
+          </a:p>
+          <a:p>
+            <a:pPr marL="171450" indent="-171450">
+              <a:spcBef>
+                <a:spcPts val="0"/>
+              </a:spcBef>
+              <a:buFont typeface="Arial" panose="020B0604020202020204" pitchFamily="34" charset="0"/>
+              <a:buChar char="•"/>
+              <a:defRPr b="0">
+                <a:solidFill>
+                  <a:srgbClr val="000000"/>
+                </a:solidFill>
+                <a:latin typeface="Menlo"/>
+                <a:ea typeface="Menlo"/>
+                <a:cs typeface="Menlo"/>
+                <a:sym typeface="Menlo"/>
+              </a:defRPr>
+            </a:pPr>
+            <a:r>
+              <a:rPr lang="es-ES" i="1" dirty="0" smtClean="0"/>
+              <a:t>pmf</a:t>
+            </a:r>
+            <a:r>
+              <a:rPr lang="es-ES" dirty="0" smtClean="0"/>
+              <a:t>: </a:t>
+            </a:r>
+            <a:r>
+              <a:rPr lang="es-ES" dirty="0">
+                <a:latin typeface=""/>
+              </a:rPr>
+              <a:t>probability mass function of the</a:t>
+            </a:r>
+            <a:r>
+              <a:rPr lang="es-ES" dirty="0">
+                <a:latin typeface="Menlo"/>
+              </a:rPr>
+              <a:t> innovation distribution</a:t>
+            </a:r>
+          </a:p>
+          <a:p>
+            <a:pPr marL="171450" indent="-171450">
+              <a:spcBef>
+                <a:spcPts val="0"/>
+              </a:spcBef>
+              <a:buFont typeface="Arial" panose="020B0604020202020204" pitchFamily="34" charset="0"/>
+              <a:buChar char="•"/>
+              <a:defRPr b="0">
+                <a:solidFill>
+                  <a:srgbClr val="000000"/>
+                </a:solidFill>
+                <a:latin typeface="Menlo"/>
+                <a:ea typeface="Menlo"/>
+                <a:cs typeface="Menlo"/>
+                <a:sym typeface="Menlo"/>
+              </a:defRPr>
+            </a:pPr>
+            <a:r>
+              <a:rPr lang="es-ES" i="1" dirty="0" smtClean="0">
+                <a:latin typeface="Menlo"/>
+              </a:rPr>
+              <a:t>prerun</a:t>
+            </a:r>
+            <a:r>
+              <a:rPr lang="es-ES" dirty="0" smtClean="0">
+                <a:latin typeface="Menlo"/>
+              </a:rPr>
+              <a:t>: </a:t>
+            </a:r>
+            <a:r>
+              <a:rPr lang="es-ES" dirty="0">
+                <a:latin typeface="Menlo"/>
+              </a:rPr>
+              <a:t>number of additional observations (needed to ensure stationarity)</a:t>
+            </a:r>
+          </a:p>
+          <a:p>
+            <a:pPr marL="171450" indent="-171450">
+              <a:spcBef>
+                <a:spcPts val="0"/>
+              </a:spcBef>
+              <a:buFont typeface="Arial" panose="020B0604020202020204" pitchFamily="34" charset="0"/>
+              <a:buChar char="•"/>
+              <a:defRPr b="0">
+                <a:solidFill>
+                  <a:srgbClr val="000000"/>
+                </a:solidFill>
+                <a:latin typeface="Menlo"/>
+                <a:ea typeface="Menlo"/>
+                <a:cs typeface="Menlo"/>
+                <a:sym typeface="Menlo"/>
+              </a:defRPr>
+            </a:pPr>
+            <a:r>
+              <a:rPr lang="es-ES" i="1" dirty="0" smtClean="0">
+                <a:latin typeface="Menlo"/>
+              </a:rPr>
+              <a:t>type</a:t>
+            </a:r>
+            <a:r>
+              <a:rPr lang="es-ES" dirty="0" smtClean="0">
+                <a:latin typeface="Menlo"/>
+              </a:rPr>
+              <a:t>: </a:t>
+            </a:r>
+            <a:r>
+              <a:rPr lang="es-ES" dirty="0">
+                <a:latin typeface="Menlo"/>
+              </a:rPr>
+              <a:t>estimation type (moment- or maximum likelihood-based)</a:t>
+            </a:r>
+          </a:p>
+          <a:p>
+            <a:pPr marL="171450" indent="-171450">
+              <a:spcBef>
+                <a:spcPts val="0"/>
+              </a:spcBef>
+              <a:buFont typeface="Arial" panose="020B0604020202020204" pitchFamily="34" charset="0"/>
+              <a:buChar char="•"/>
+              <a:defRPr b="0">
+                <a:solidFill>
+                  <a:srgbClr val="000000"/>
+                </a:solidFill>
+                <a:latin typeface="Menlo"/>
+                <a:ea typeface="Menlo"/>
+                <a:cs typeface="Menlo"/>
+                <a:sym typeface="Menlo"/>
+              </a:defRPr>
+            </a:pPr>
+            <a:r>
+              <a:rPr lang="es-ES" i="1" dirty="0" smtClean="0">
+                <a:latin typeface="Menlo"/>
+              </a:rPr>
+              <a:t>distr</a:t>
+            </a:r>
+            <a:r>
+              <a:rPr lang="es-ES" dirty="0" smtClean="0">
+                <a:latin typeface="Menlo"/>
+              </a:rPr>
+              <a:t>: parametric family of distributions (Poisson, geometric or negative binomial)</a:t>
+            </a:r>
+          </a:p>
+          <a:p>
+            <a:pPr marL="171450" indent="-171450">
+              <a:spcBef>
+                <a:spcPts val="0"/>
+              </a:spcBef>
+              <a:buFont typeface="Arial" panose="020B0604020202020204" pitchFamily="34" charset="0"/>
+              <a:buChar char="•"/>
+              <a:defRPr b="0">
+                <a:solidFill>
+                  <a:srgbClr val="000000"/>
+                </a:solidFill>
+                <a:latin typeface="Menlo"/>
+                <a:ea typeface="Menlo"/>
+                <a:cs typeface="Menlo"/>
+                <a:sym typeface="Menlo"/>
+              </a:defRPr>
+            </a:pPr>
+            <a:r>
+              <a:rPr lang="es-ES" i="1" dirty="0" smtClean="0">
+                <a:latin typeface="Menlo"/>
+              </a:rPr>
+              <a:t>B</a:t>
+            </a:r>
+            <a:r>
+              <a:rPr lang="es-ES" dirty="0" smtClean="0">
+                <a:latin typeface="Menlo"/>
+              </a:rPr>
+              <a:t>: number of bootstrap replicates</a:t>
+            </a:r>
+          </a:p>
+          <a:p>
+            <a:pPr marL="171450" indent="-171450">
+              <a:spcBef>
+                <a:spcPts val="0"/>
+              </a:spcBef>
+              <a:buFont typeface="Arial" panose="020B0604020202020204" pitchFamily="34" charset="0"/>
+              <a:buChar char="•"/>
+              <a:defRPr b="0">
+                <a:solidFill>
+                  <a:srgbClr val="000000"/>
+                </a:solidFill>
+                <a:latin typeface="Menlo"/>
+                <a:ea typeface="Menlo"/>
+                <a:cs typeface="Menlo"/>
+                <a:sym typeface="Menlo"/>
+              </a:defRPr>
+            </a:pPr>
+            <a:r>
+              <a:rPr lang="es-ES" i="1" dirty="0">
+                <a:latin typeface="Menlo"/>
+              </a:rPr>
+              <a:t>p</a:t>
+            </a:r>
+            <a:r>
+              <a:rPr lang="es-ES" i="1" dirty="0" smtClean="0">
+                <a:latin typeface="Menlo"/>
+              </a:rPr>
+              <a:t>enal1</a:t>
+            </a:r>
+            <a:r>
+              <a:rPr lang="es-ES" dirty="0" smtClean="0">
+                <a:latin typeface="Menlo"/>
+              </a:rPr>
+              <a:t> : L1 penalization parameter</a:t>
+            </a:r>
+          </a:p>
+          <a:p>
+            <a:pPr marL="171450" indent="-171450">
+              <a:spcBef>
+                <a:spcPts val="0"/>
+              </a:spcBef>
+              <a:buFont typeface="Arial" panose="020B0604020202020204" pitchFamily="34" charset="0"/>
+              <a:buChar char="•"/>
+              <a:defRPr b="0">
+                <a:solidFill>
+                  <a:srgbClr val="000000"/>
+                </a:solidFill>
+                <a:latin typeface="Menlo"/>
+                <a:ea typeface="Menlo"/>
+                <a:cs typeface="Menlo"/>
+                <a:sym typeface="Menlo"/>
+              </a:defRPr>
+            </a:pPr>
+            <a:r>
+              <a:rPr lang="es-ES" i="1" dirty="0">
+                <a:latin typeface="Menlo"/>
+              </a:rPr>
+              <a:t>p</a:t>
+            </a:r>
+            <a:r>
+              <a:rPr lang="es-ES" i="1" dirty="0" smtClean="0">
+                <a:latin typeface="Menlo"/>
+              </a:rPr>
+              <a:t>enal2</a:t>
+            </a:r>
+            <a:r>
+              <a:rPr lang="es-ES" dirty="0" smtClean="0">
+                <a:latin typeface="Menlo"/>
+              </a:rPr>
+              <a:t> : L2 penalization parameter</a:t>
+            </a:r>
+          </a:p>
+          <a:p>
+            <a:pPr marL="171450" indent="-171450">
+              <a:spcBef>
+                <a:spcPts val="0"/>
+              </a:spcBef>
+              <a:buFont typeface="Arial" panose="020B0604020202020204" pitchFamily="34" charset="0"/>
+              <a:buChar char="•"/>
+              <a:defRPr b="0">
+                <a:solidFill>
+                  <a:srgbClr val="000000"/>
+                </a:solidFill>
+                <a:latin typeface="Menlo"/>
+                <a:ea typeface="Menlo"/>
+                <a:cs typeface="Menlo"/>
+                <a:sym typeface="Menlo"/>
+              </a:defRPr>
+            </a:pPr>
+            <a:r>
+              <a:rPr lang="es-ES" i="1" dirty="0" smtClean="0">
+                <a:latin typeface="Menlo"/>
+              </a:rPr>
+              <a:t>validation</a:t>
+            </a:r>
+            <a:r>
+              <a:rPr lang="es-ES" dirty="0" smtClean="0">
+                <a:latin typeface="Menlo"/>
+              </a:rPr>
+              <a:t>: true or false whether validation is wanted</a:t>
+            </a:r>
+          </a:p>
+          <a:p>
+            <a:pPr marL="171450" indent="-171450">
+              <a:spcBef>
+                <a:spcPts val="0"/>
+              </a:spcBef>
+              <a:buFont typeface="Arial" panose="020B0604020202020204" pitchFamily="34" charset="0"/>
+              <a:buChar char="•"/>
+              <a:defRPr b="0">
+                <a:solidFill>
+                  <a:srgbClr val="000000"/>
+                </a:solidFill>
+                <a:latin typeface="Menlo"/>
+                <a:ea typeface="Menlo"/>
+                <a:cs typeface="Menlo"/>
+                <a:sym typeface="Menlo"/>
+              </a:defRPr>
+            </a:pPr>
+            <a:r>
+              <a:rPr lang="es-ES" i="1" dirty="0" smtClean="0">
+                <a:latin typeface="Menlo"/>
+              </a:rPr>
+              <a:t>over</a:t>
+            </a:r>
+            <a:r>
+              <a:rPr lang="es-ES" dirty="0" smtClean="0">
+                <a:latin typeface="Menlo"/>
+              </a:rPr>
+              <a:t>: indicates whether validation over penal1, penal2 or both</a:t>
+            </a:r>
+          </a:p>
+          <a:p>
+            <a:pPr marL="171450" indent="-171450">
+              <a:spcBef>
+                <a:spcPts val="0"/>
+              </a:spcBef>
+              <a:buFont typeface="Arial" panose="020B0604020202020204" pitchFamily="34" charset="0"/>
+              <a:buChar char="•"/>
+              <a:defRPr b="0">
+                <a:solidFill>
+                  <a:srgbClr val="000000"/>
+                </a:solidFill>
+                <a:latin typeface="Menlo"/>
+                <a:ea typeface="Menlo"/>
+                <a:cs typeface="Menlo"/>
+                <a:sym typeface="Menlo"/>
+              </a:defRPr>
+            </a:pPr>
+            <a:r>
+              <a:rPr lang="es-ES" i="1" dirty="0">
+                <a:latin typeface="Menlo"/>
+              </a:rPr>
+              <a:t>i</a:t>
+            </a:r>
+            <a:r>
+              <a:rPr lang="es-ES" i="1" dirty="0" smtClean="0">
+                <a:latin typeface="Menlo"/>
+              </a:rPr>
+              <a:t>nit1</a:t>
+            </a:r>
+            <a:r>
+              <a:rPr lang="es-ES" dirty="0" smtClean="0">
+                <a:latin typeface="Menlo"/>
+              </a:rPr>
+              <a:t> : initial penal1 value</a:t>
+            </a:r>
+          </a:p>
+          <a:p>
+            <a:pPr marL="171450" indent="-171450">
+              <a:spcBef>
+                <a:spcPts val="0"/>
+              </a:spcBef>
+              <a:buFont typeface="Arial" panose="020B0604020202020204" pitchFamily="34" charset="0"/>
+              <a:buChar char="•"/>
+              <a:defRPr b="0">
+                <a:solidFill>
+                  <a:srgbClr val="000000"/>
+                </a:solidFill>
+                <a:latin typeface="Menlo"/>
+                <a:ea typeface="Menlo"/>
+                <a:cs typeface="Menlo"/>
+                <a:sym typeface="Menlo"/>
+              </a:defRPr>
+            </a:pPr>
+            <a:r>
+              <a:rPr lang="es-ES" i="1" dirty="0">
+                <a:latin typeface="Menlo"/>
+              </a:rPr>
+              <a:t>i</a:t>
+            </a:r>
+            <a:r>
+              <a:rPr lang="es-ES" i="1" dirty="0" smtClean="0">
+                <a:latin typeface="Menlo"/>
+              </a:rPr>
+              <a:t>nit2</a:t>
+            </a:r>
+            <a:r>
+              <a:rPr lang="es-ES" dirty="0" smtClean="0">
+                <a:latin typeface="Menlo"/>
+              </a:rPr>
+              <a:t> : initial penal2 value</a:t>
+            </a:r>
+          </a:p>
+          <a:p>
+            <a:pPr marL="171450" indent="-171450">
+              <a:spcBef>
+                <a:spcPts val="0"/>
+              </a:spcBef>
+              <a:buFont typeface="Arial" panose="020B0604020202020204" pitchFamily="34" charset="0"/>
+              <a:buChar char="•"/>
+              <a:defRPr b="0">
+                <a:solidFill>
+                  <a:srgbClr val="000000"/>
+                </a:solidFill>
+                <a:latin typeface="Menlo"/>
+                <a:ea typeface="Menlo"/>
+                <a:cs typeface="Menlo"/>
+                <a:sym typeface="Menlo"/>
+              </a:defRPr>
+            </a:pPr>
+            <a:r>
+              <a:rPr lang="es-ES" i="1" dirty="0" smtClean="0">
+                <a:latin typeface="Menlo"/>
+              </a:rPr>
+              <a:t>folds</a:t>
+            </a:r>
+            <a:r>
+              <a:rPr lang="es-ES" dirty="0" smtClean="0">
+                <a:latin typeface="Menlo"/>
+              </a:rPr>
+              <a:t>:  number of folds in validation</a:t>
+            </a:r>
+            <a:endParaRPr lang="es-ES" dirty="0">
+              <a:latin typeface=""/>
+            </a:endParaRPr>
+          </a:p>
+        </p:txBody>
+      </p:sp>
+      <p:sp>
+        <p:nvSpPr>
+          <p:cNvPr id="50" name="Section 3">
+            <a:extLst>
+              <a:ext uri="{FF2B5EF4-FFF2-40B4-BE49-F238E27FC236}">
+                <a16:creationId xmlns:a16="http://schemas.microsoft.com/office/drawing/2014/main" id="{8EEC261C-55B4-F449-B68D-EA1CB12B4CB0}"/>
+              </a:ext>
+            </a:extLst>
+          </p:cNvPr>
+          <p:cNvSpPr txBox="1"/>
+          <p:nvPr/>
+        </p:nvSpPr>
+        <p:spPr>
+          <a:xfrm>
+            <a:off x="3817523" y="4430850"/>
+            <a:ext cx="9116185" cy="226857"/>
+          </a:xfrm>
+          <a:prstGeom prst="rect">
+            <a:avLst/>
+          </a:prstGeom>
+          <a:noFill/>
+          <a:ln w="12700" cap="flat">
+            <a:noFill/>
+            <a:miter lim="400000"/>
+          </a:ln>
+          <a:effectLst/>
+          <a:extLst>
+            <a:ext uri="{C572A759-6A51-4108-AA02-DFA0A04FC94B}">
+              <ma14:wrappingTextBoxFlag xmlns="" xmlns:m="http://schemas.openxmlformats.org/officeDocument/2006/math" xmlns:a14="http://schemas.microsoft.com/office/drawing/2010/main" xmlns:ma14="http://schemas.microsoft.com/office/mac/drawingml/2011/main" val="1"/>
+            </a:ext>
+          </a:extLst>
+        </p:spPr>
+        <p:txBody>
+          <a:bodyPr wrap="square" lIns="12700" tIns="12700" rIns="12700" bIns="12700" numCol="1" anchor="ctr">
+            <a:spAutoFit/>
+          </a:bodyPr>
+          <a:lstStyle/>
+          <a:p>
+            <a:pPr lvl="1" indent="0">
+              <a:lnSpc>
+                <a:spcPct val="80000"/>
+              </a:lnSpc>
+              <a:spcBef>
+                <a:spcPts val="0"/>
+              </a:spcBef>
+              <a:defRPr>
+                <a:solidFill>
+                  <a:srgbClr val="424242"/>
+                </a:solidFill>
+              </a:defRPr>
+            </a:pPr>
+            <a:r>
+              <a:rPr lang="es-ES" sz="1600" dirty="0" smtClean="0"/>
+              <a:t>  Parametric estimation of INAR(p) model</a:t>
+            </a:r>
+            <a:endParaRPr sz="1600" dirty="0"/>
+          </a:p>
+        </p:txBody>
+      </p:sp>
+      <p:sp>
+        <p:nvSpPr>
+          <p:cNvPr id="51" name="Section 3">
+            <a:extLst>
+              <a:ext uri="{FF2B5EF4-FFF2-40B4-BE49-F238E27FC236}">
+                <a16:creationId xmlns:a16="http://schemas.microsoft.com/office/drawing/2014/main" id="{790EED5F-9FF0-B24C-90CC-8B9DCCEEEDB5}"/>
+              </a:ext>
+            </a:extLst>
+          </p:cNvPr>
+          <p:cNvSpPr txBox="1"/>
+          <p:nvPr/>
+        </p:nvSpPr>
+        <p:spPr>
+          <a:xfrm>
+            <a:off x="3913500" y="3199404"/>
+            <a:ext cx="9451098" cy="226857"/>
+          </a:xfrm>
+          <a:prstGeom prst="rect">
+            <a:avLst/>
+          </a:prstGeom>
+          <a:noFill/>
+          <a:ln w="12700" cap="flat">
+            <a:noFill/>
+            <a:miter lim="400000"/>
+          </a:ln>
+          <a:effectLst/>
+          <a:extLst>
+            <a:ext uri="{C572A759-6A51-4108-AA02-DFA0A04FC94B}">
+              <ma14:wrappingTextBoxFlag xmlns="" xmlns:m="http://schemas.openxmlformats.org/officeDocument/2006/math" xmlns:a14="http://schemas.microsoft.com/office/drawing/2010/main" xmlns:ma14="http://schemas.microsoft.com/office/mac/drawingml/2011/main" val="1"/>
+            </a:ext>
+          </a:extLst>
+        </p:spPr>
+        <p:txBody>
+          <a:bodyPr wrap="square" lIns="12700" tIns="12700" rIns="12700" bIns="12700" numCol="1" anchor="ctr">
+            <a:spAutoFit/>
+          </a:bodyPr>
+          <a:lstStyle/>
+          <a:p>
+            <a:pPr lvl="1" indent="0">
+              <a:lnSpc>
+                <a:spcPct val="80000"/>
+              </a:lnSpc>
+              <a:spcBef>
+                <a:spcPts val="0"/>
+              </a:spcBef>
+              <a:defRPr>
+                <a:solidFill>
+                  <a:srgbClr val="424242"/>
+                </a:solidFill>
+              </a:defRPr>
+            </a:pPr>
+            <a:r>
+              <a:rPr lang="es-ES" sz="1600" dirty="0" smtClean="0"/>
+              <a:t> Semiparametric e</a:t>
+            </a:r>
+            <a:r>
+              <a:rPr lang="es-ES" sz="1600" dirty="0" smtClean="0"/>
+              <a:t>stimation of INAR(p) model</a:t>
+            </a:r>
+            <a:endParaRPr sz="1600" dirty="0"/>
+          </a:p>
+        </p:txBody>
+      </p:sp>
+      <p:sp>
+        <p:nvSpPr>
+          <p:cNvPr id="60" name="Remember that the best cheatsheets are visual—not written—documents. Whenever possible use visual elements to make it easier for readers to find the information they need.">
+            <a:extLst>
+              <a:ext uri="{FF2B5EF4-FFF2-40B4-BE49-F238E27FC236}">
+                <a16:creationId xmlns:a16="http://schemas.microsoft.com/office/drawing/2014/main" id="{D5FC3F74-735B-7D4B-B95F-5B788ABB5828}"/>
+              </a:ext>
+            </a:extLst>
+          </p:cNvPr>
+          <p:cNvSpPr txBox="1"/>
+          <p:nvPr/>
+        </p:nvSpPr>
+        <p:spPr>
+          <a:xfrm>
+            <a:off x="306210" y="5653090"/>
+            <a:ext cx="1882020" cy="410397"/>
+          </a:xfrm>
+          <a:prstGeom prst="rect">
+            <a:avLst/>
+          </a:prstGeom>
+          <a:ln w="12700">
+            <a:miter lim="400000"/>
+          </a:ln>
+          <a:extLst>
+            <a:ext uri="{C572A759-6A51-4108-AA02-DFA0A04FC94B}">
+              <ma14:wrappingTextBoxFlag xmlns="" xmlns:m="http://schemas.openxmlformats.org/officeDocument/2006/math" xmlns:a14="http://schemas.microsoft.com/office/drawing/2010/main" xmlns:ma14="http://schemas.microsoft.com/office/mac/drawingml/2011/main" val="1"/>
+            </a:ext>
+          </a:extLst>
+        </p:spPr>
+        <p:txBody>
+          <a:bodyPr lIns="0" tIns="0" rIns="0" bIns="0">
+            <a:normAutofit/>
+          </a:bodyPr>
+          <a:lstStyle/>
+          <a:p>
+            <a:pPr>
+              <a:lnSpc>
+                <a:spcPct val="90000"/>
+              </a:lnSpc>
+              <a:spcBef>
+                <a:spcPts val="0"/>
+              </a:spcBef>
+              <a:defRPr b="0">
+                <a:solidFill>
+                  <a:srgbClr val="000000"/>
+                </a:solidFill>
+              </a:defRPr>
+            </a:pPr>
+            <a:endParaRPr lang="es-ES" dirty="0"/>
+          </a:p>
+          <a:p>
+            <a:pPr>
+              <a:lnSpc>
+                <a:spcPct val="90000"/>
+              </a:lnSpc>
+              <a:spcBef>
+                <a:spcPts val="0"/>
+              </a:spcBef>
+              <a:defRPr b="0">
+                <a:solidFill>
+                  <a:srgbClr val="000000"/>
+                </a:solidFill>
+              </a:defRPr>
+            </a:pPr>
+            <a:endParaRPr lang="en-CL" dirty="0"/>
+          </a:p>
+        </p:txBody>
+      </p:sp>
+      <p:sp>
+        <p:nvSpPr>
+          <p:cNvPr id="69" name="summary function">
+            <a:extLst>
+              <a:ext uri="{FF2B5EF4-FFF2-40B4-BE49-F238E27FC236}">
+                <a16:creationId xmlns:a16="http://schemas.microsoft.com/office/drawing/2014/main" id="{A42B51F8-0073-AE41-968B-2D1458EEC2F1}"/>
+              </a:ext>
+            </a:extLst>
+          </p:cNvPr>
+          <p:cNvSpPr txBox="1"/>
+          <p:nvPr/>
+        </p:nvSpPr>
+        <p:spPr>
+          <a:xfrm>
+            <a:off x="1719797" y="5615271"/>
+            <a:ext cx="65" cy="150875"/>
+          </a:xfrm>
+          <a:prstGeom prst="rect">
+            <a:avLst/>
+          </a:prstGeom>
+          <a:noFill/>
+          <a:ln w="12700" cap="flat">
+            <a:noFill/>
+            <a:miter lim="400000"/>
+          </a:ln>
+          <a:effectLst/>
+          <a:extLst>
+            <a:ext uri="{C572A759-6A51-4108-AA02-DFA0A04FC94B}">
+              <ma14:wrappingTextBoxFlag xmlns="" xmlns:m="http://schemas.openxmlformats.org/officeDocument/2006/math" xmlns:a14="http://schemas.microsoft.com/office/drawing/2010/main" xmlns:ma14="http://schemas.microsoft.com/office/mac/drawingml/2011/main" val="1"/>
+            </a:ext>
+          </a:extLst>
+        </p:spPr>
+        <p:txBody>
+          <a:bodyPr wrap="none" lIns="0" tIns="0" rIns="0" bIns="0" numCol="1" anchor="t">
+            <a:spAutoFit/>
+          </a:bodyPr>
+          <a:lstStyle>
+            <a:lvl1pPr>
+              <a:lnSpc>
+                <a:spcPct val="80000"/>
+              </a:lnSpc>
+              <a:spcBef>
+                <a:spcPts val="0"/>
+              </a:spcBef>
+              <a:defRPr>
+                <a:solidFill>
+                  <a:srgbClr val="000000"/>
+                </a:solidFill>
+              </a:defRPr>
+            </a:lvl1pPr>
+          </a:lstStyle>
+          <a:p>
+            <a:pPr algn="r"/>
+            <a:endParaRPr dirty="0"/>
+          </a:p>
+        </p:txBody>
+      </p:sp>
+      <p:sp>
+        <p:nvSpPr>
+          <p:cNvPr id="70" name="Rectangle">
+            <a:extLst>
+              <a:ext uri="{FF2B5EF4-FFF2-40B4-BE49-F238E27FC236}">
+                <a16:creationId xmlns:a16="http://schemas.microsoft.com/office/drawing/2014/main" id="{1DC350F7-A54C-FA40-A94D-C77C44A0967B}"/>
+              </a:ext>
+            </a:extLst>
+          </p:cNvPr>
+          <p:cNvSpPr/>
+          <p:nvPr/>
+        </p:nvSpPr>
+        <p:spPr>
+          <a:xfrm>
+            <a:off x="3787635" y="6016294"/>
+            <a:ext cx="9579003" cy="291151"/>
+          </a:xfrm>
+          <a:prstGeom prst="rect">
+            <a:avLst/>
+          </a:prstGeom>
+          <a:solidFill>
+            <a:srgbClr val="79B0DC">
+              <a:alpha val="23776"/>
+            </a:srgbClr>
+          </a:solidFill>
+          <a:ln w="12700" cap="flat">
+            <a:noFill/>
+            <a:miter lim="400000"/>
+          </a:ln>
+          <a:effectLst/>
+        </p:spPr>
+        <p:txBody>
+          <a:bodyPr wrap="square" lIns="54570" tIns="54570" rIns="54570" bIns="54570" numCol="1" anchor="ctr">
+            <a:noAutofit/>
+          </a:bodyPr>
+          <a:lstStyle/>
+          <a:p>
+            <a:pPr>
+              <a:lnSpc>
+                <a:spcPct val="80000"/>
+              </a:lnSpc>
+              <a:spcBef>
+                <a:spcPts val="0"/>
+              </a:spcBef>
+              <a:defRPr sz="1000" b="0">
+                <a:solidFill>
+                  <a:srgbClr val="000000"/>
+                </a:solidFill>
+              </a:defRPr>
+            </a:pPr>
+            <a:endParaRPr dirty="0"/>
+          </a:p>
+        </p:txBody>
+      </p:sp>
+      <p:sp>
+        <p:nvSpPr>
+          <p:cNvPr id="71" name="i + geom_area() x, y, alpha, color, fill, linetype, size…">
+            <a:extLst>
+              <a:ext uri="{FF2B5EF4-FFF2-40B4-BE49-F238E27FC236}">
+                <a16:creationId xmlns:a16="http://schemas.microsoft.com/office/drawing/2014/main" id="{E8D4BACD-1520-0A4E-9E5C-B621FD5022E2}"/>
+              </a:ext>
+            </a:extLst>
+          </p:cNvPr>
+          <p:cNvSpPr txBox="1"/>
+          <p:nvPr/>
+        </p:nvSpPr>
+        <p:spPr>
+          <a:xfrm>
+            <a:off x="3817523" y="6575527"/>
+            <a:ext cx="6364457" cy="686973"/>
+          </a:xfrm>
+          <a:prstGeom prst="rect">
+            <a:avLst/>
+          </a:prstGeom>
+          <a:noFill/>
+          <a:ln w="12700" cap="flat">
+            <a:noFill/>
+            <a:miter lim="400000"/>
+          </a:ln>
+          <a:effectLst/>
+          <a:extLst>
+            <a:ext uri="{C572A759-6A51-4108-AA02-DFA0A04FC94B}">
+              <ma14:wrappingTextBoxFlag xmlns="" xmlns:m="http://schemas.openxmlformats.org/officeDocument/2006/math" xmlns:a14="http://schemas.microsoft.com/office/drawing/2010/main" xmlns:ma14="http://schemas.microsoft.com/office/mac/drawingml/2011/main" val="1"/>
+            </a:ext>
+          </a:extLst>
+        </p:spPr>
+        <p:txBody>
+          <a:bodyPr wrap="square" lIns="0" tIns="0" rIns="0" bIns="0" numCol="1" anchor="t">
+            <a:normAutofit/>
+          </a:bodyPr>
+          <a:lstStyle/>
+          <a:p>
+            <a:pPr>
+              <a:spcBef>
+                <a:spcPts val="1100"/>
+              </a:spcBef>
+              <a:defRPr sz="1000">
+                <a:solidFill>
+                  <a:srgbClr val="000000"/>
+                </a:solidFill>
+              </a:defRPr>
+            </a:pPr>
+            <a:r>
+              <a:rPr lang="en-US" sz="1400" dirty="0" smtClean="0">
+                <a:latin typeface="Source Sans Pro" panose="020B0503030403020204" pitchFamily="34" charset="0"/>
+                <a:ea typeface="Source Sans Pro" panose="020B0503030403020204" pitchFamily="34" charset="0"/>
+              </a:rPr>
+              <a:t>spinar_boot() </a:t>
+            </a:r>
+            <a:r>
+              <a:rPr lang="en-US" sz="1400" b="0" dirty="0" smtClean="0">
+                <a:solidFill>
+                  <a:srgbClr val="FF0000"/>
+                </a:solidFill>
+                <a:latin typeface="Source Sans Pro" panose="020B0503030403020204" pitchFamily="34" charset="0"/>
+                <a:ea typeface="Source Sans Pro" panose="020B0503030403020204" pitchFamily="34" charset="0"/>
+              </a:rPr>
+              <a:t>performs the semiparametric INAR bootstrap procedure for given data, model order and number of replications</a:t>
+            </a:r>
+            <a:br>
+              <a:rPr lang="en-US" sz="1400" b="0" dirty="0" smtClean="0">
+                <a:solidFill>
+                  <a:srgbClr val="FF0000"/>
+                </a:solidFill>
+                <a:latin typeface="Source Sans Pro" panose="020B0503030403020204" pitchFamily="34" charset="0"/>
+                <a:ea typeface="Source Sans Pro" panose="020B0503030403020204" pitchFamily="34" charset="0"/>
+              </a:rPr>
+            </a:br>
+            <a:r>
+              <a:rPr lang="en-US" sz="1400" dirty="0">
+                <a:solidFill>
+                  <a:schemeClr val="tx1"/>
+                </a:solidFill>
+                <a:latin typeface="Source Sans Pro" panose="020B0503030403020204" pitchFamily="34" charset="0"/>
+                <a:ea typeface="Source Sans Pro" panose="020B0503030403020204" pitchFamily="34" charset="0"/>
+              </a:rPr>
+              <a:t>O</a:t>
+            </a:r>
+            <a:r>
+              <a:rPr lang="en-US" sz="1400" dirty="0" smtClean="0">
+                <a:solidFill>
+                  <a:schemeClr val="tx1"/>
+                </a:solidFill>
+                <a:latin typeface="Source Sans Pro" panose="020B0503030403020204" pitchFamily="34" charset="0"/>
+                <a:ea typeface="Source Sans Pro" panose="020B0503030403020204" pitchFamily="34" charset="0"/>
+              </a:rPr>
+              <a:t>utput</a:t>
+            </a:r>
+            <a:r>
+              <a:rPr lang="en-US" sz="1400" b="0" dirty="0" smtClean="0">
+                <a:latin typeface="Source Sans Pro" panose="020B0503030403020204" pitchFamily="34" charset="0"/>
+                <a:ea typeface="Source Sans Pro" panose="020B0503030403020204" pitchFamily="34" charset="0"/>
+              </a:rPr>
+              <a:t>: </a:t>
+            </a:r>
+            <a:r>
+              <a:rPr lang="en-US" sz="1400" b="0" dirty="0" smtClean="0">
+                <a:solidFill>
+                  <a:srgbClr val="FF0000"/>
+                </a:solidFill>
+                <a:latin typeface="Source Sans Pro" panose="020B0503030403020204" pitchFamily="34" charset="0"/>
+                <a:ea typeface="Source Sans Pro" panose="020B0503030403020204" pitchFamily="34" charset="0"/>
+              </a:rPr>
+              <a:t>bootstrap estimated parameters: alpha and pmf</a:t>
+            </a:r>
+            <a:endParaRPr lang="en-US" sz="1400" b="0" dirty="0">
+              <a:solidFill>
+                <a:srgbClr val="FF0000"/>
+              </a:solidFill>
+              <a:latin typeface="Source Sans Pro" panose="020B0503030403020204" pitchFamily="34" charset="0"/>
+              <a:ea typeface="Source Sans Pro" panose="020B0503030403020204" pitchFamily="34" charset="0"/>
+            </a:endParaRPr>
+          </a:p>
+        </p:txBody>
+      </p:sp>
+      <p:sp>
+        <p:nvSpPr>
+          <p:cNvPr id="73" name="ggplot(mpg, aes(hwy, cty)) +…">
+            <a:extLst>
+              <a:ext uri="{FF2B5EF4-FFF2-40B4-BE49-F238E27FC236}">
+                <a16:creationId xmlns:a16="http://schemas.microsoft.com/office/drawing/2014/main" id="{3191D4BD-9F32-0342-AE79-A24CB8641C87}"/>
+              </a:ext>
+            </a:extLst>
+          </p:cNvPr>
+          <p:cNvSpPr txBox="1"/>
+          <p:nvPr/>
+        </p:nvSpPr>
+        <p:spPr>
+          <a:xfrm>
+            <a:off x="11805138" y="6538276"/>
+            <a:ext cx="1559459" cy="294872"/>
+          </a:xfrm>
+          <a:prstGeom prst="rect">
+            <a:avLst/>
+          </a:prstGeom>
+          <a:solidFill>
+            <a:srgbClr val="FFFFFF"/>
+          </a:solidFill>
+          <a:ln w="12700">
+            <a:solidFill>
+              <a:srgbClr val="A6AAA9"/>
+            </a:solidFill>
+            <a:miter lim="400000"/>
+          </a:ln>
+          <a:extLst>
+            <a:ext uri="{C572A759-6A51-4108-AA02-DFA0A04FC94B}">
+              <ma14:wrappingTextBoxFlag xmlns="" xmlns:m="http://schemas.openxmlformats.org/officeDocument/2006/math" xmlns:a14="http://schemas.microsoft.com/office/drawing/2010/main" xmlns:ma14="http://schemas.microsoft.com/office/mac/drawingml/2011/main" val="1"/>
+            </a:ext>
+          </a:extLst>
+        </p:spPr>
+        <p:txBody>
+          <a:bodyPr wrap="square" lIns="54570" tIns="54570" rIns="54570" bIns="54570" anchor="ctr">
+            <a:spAutoFit/>
+          </a:bodyPr>
+          <a:lstStyle/>
+          <a:p>
+            <a:pPr>
+              <a:spcBef>
+                <a:spcPts val="0"/>
+              </a:spcBef>
+              <a:defRPr b="0">
+                <a:solidFill>
+                  <a:srgbClr val="000000"/>
+                </a:solidFill>
+                <a:latin typeface="Menlo"/>
+                <a:ea typeface="Menlo"/>
+                <a:cs typeface="Menlo"/>
+                <a:sym typeface="Menlo"/>
+              </a:defRPr>
+            </a:pPr>
+            <a:r>
+              <a:rPr lang="es-ES" dirty="0" smtClean="0">
+                <a:solidFill>
+                  <a:srgbClr val="FF0000"/>
+                </a:solidFill>
+              </a:rPr>
+              <a:t>spinar</a:t>
+            </a:r>
+            <a:r>
+              <a:rPr lang="es-ES" dirty="0" smtClean="0">
+                <a:solidFill>
+                  <a:srgbClr val="FF0000"/>
+                </a:solidFill>
+              </a:rPr>
+              <a:t>_boot</a:t>
+            </a:r>
+            <a:r>
+              <a:rPr dirty="0">
+                <a:solidFill>
+                  <a:srgbClr val="FF0000"/>
+                </a:solidFill>
+              </a:rPr>
+              <a:t>(</a:t>
+            </a:r>
+            <a:r>
+              <a:rPr lang="es-ES" dirty="0">
+                <a:solidFill>
+                  <a:srgbClr val="FF0000"/>
+                </a:solidFill>
+              </a:rPr>
+              <a:t>x, p, B)</a:t>
+            </a:r>
+          </a:p>
+        </p:txBody>
+      </p:sp>
+      <p:sp>
+        <p:nvSpPr>
+          <p:cNvPr id="74" name="Section 3">
+            <a:extLst>
+              <a:ext uri="{FF2B5EF4-FFF2-40B4-BE49-F238E27FC236}">
+                <a16:creationId xmlns:a16="http://schemas.microsoft.com/office/drawing/2014/main" id="{8EEC261C-55B4-F449-B68D-EA1CB12B4CB0}"/>
+              </a:ext>
+            </a:extLst>
+          </p:cNvPr>
+          <p:cNvSpPr txBox="1"/>
+          <p:nvPr/>
+        </p:nvSpPr>
+        <p:spPr>
+          <a:xfrm>
+            <a:off x="3817523" y="6069937"/>
+            <a:ext cx="9307574" cy="226222"/>
+          </a:xfrm>
+          <a:prstGeom prst="rect">
+            <a:avLst/>
+          </a:prstGeom>
+          <a:noFill/>
+          <a:ln w="12700" cap="flat">
+            <a:noFill/>
+            <a:miter lim="400000"/>
+          </a:ln>
+          <a:effectLst/>
+          <a:extLst>
+            <a:ext uri="{C572A759-6A51-4108-AA02-DFA0A04FC94B}">
+              <ma14:wrappingTextBoxFlag xmlns="" xmlns:m="http://schemas.openxmlformats.org/officeDocument/2006/math" xmlns:a14="http://schemas.microsoft.com/office/drawing/2010/main" xmlns:ma14="http://schemas.microsoft.com/office/mac/drawingml/2011/main" val="1"/>
+            </a:ext>
+          </a:extLst>
+        </p:spPr>
+        <p:txBody>
+          <a:bodyPr wrap="square" lIns="12700" tIns="12700" rIns="12700" bIns="12700" numCol="1" anchor="ctr">
+            <a:spAutoFit/>
+          </a:bodyPr>
+          <a:lstStyle/>
+          <a:p>
+            <a:pPr lvl="1" indent="0">
+              <a:lnSpc>
+                <a:spcPct val="80000"/>
+              </a:lnSpc>
+              <a:spcBef>
+                <a:spcPts val="0"/>
+              </a:spcBef>
+              <a:defRPr>
+                <a:solidFill>
+                  <a:srgbClr val="424242"/>
+                </a:solidFill>
+              </a:defRPr>
+            </a:pPr>
+            <a:r>
+              <a:rPr lang="es-ES" sz="1600" dirty="0" smtClean="0"/>
+              <a:t> Bootstrapping </a:t>
+            </a:r>
+            <a:r>
+              <a:rPr lang="es-ES" sz="1600" dirty="0"/>
+              <a:t>INAR(p</a:t>
+            </a:r>
+            <a:r>
+              <a:rPr lang="es-ES" sz="1600" dirty="0" smtClean="0"/>
+              <a:t>) data</a:t>
+            </a:r>
+            <a:endParaRPr sz="1600" dirty="0"/>
+          </a:p>
+        </p:txBody>
+      </p:sp>
+      <p:sp>
+        <p:nvSpPr>
+          <p:cNvPr id="81" name="Rectangle">
             <a:extLst>
               <a:ext uri="{FF2B5EF4-FFF2-40B4-BE49-F238E27FC236}">
                 <a16:creationId xmlns:a16="http://schemas.microsoft.com/office/drawing/2014/main" id="{2F11A005-484D-2B46-8F9A-73240A6F54BA}"/>
@@ -7222,7 +6296,7 @@
         </p:nvSpPr>
         <p:spPr>
           <a:xfrm>
-            <a:off x="3865644" y="6421192"/>
+            <a:off x="3768173" y="7567059"/>
             <a:ext cx="9579004" cy="316590"/>
           </a:xfrm>
           <a:prstGeom prst="rect">
@@ -7264,7 +6338,7 @@
       </p:sp>
       <p:sp>
         <p:nvSpPr>
-          <p:cNvPr id="206" name="Section 3">
+          <p:cNvPr id="82" name="Section 3">
             <a:extLst>
               <a:ext uri="{FF2B5EF4-FFF2-40B4-BE49-F238E27FC236}">
                 <a16:creationId xmlns:a16="http://schemas.microsoft.com/office/drawing/2014/main" id="{16F1777F-0A1D-A441-BE73-869F42CAB13B}"/>
@@ -7276,8 +6350,8 @@
         </p:nvSpPr>
         <p:spPr>
           <a:xfrm>
-            <a:off x="3893234" y="6471615"/>
-            <a:ext cx="9505435" cy="233728"/>
+            <a:off x="3760594" y="7620917"/>
+            <a:ext cx="9505435" cy="226857"/>
           </a:xfrm>
           <a:prstGeom prst="rect">
             <a:avLst/>
@@ -7290,7 +6364,7 @@
           <a:effectLst/>
           <a:extLst>
             <a:ext uri="{C572A759-6A51-4108-AA02-DFA0A04FC94B}">
-              <ma14:wrappingTextBoxFlag xmlns:ma14="http://schemas.microsoft.com/office/mac/drawingml/2011/main" xmlns:a14="http://schemas.microsoft.com/office/drawing/2010/main" xmlns:m="http://schemas.openxmlformats.org/officeDocument/2006/math" xmlns="" val="1"/>
+              <ma14:wrappingTextBoxFlag xmlns="" xmlns:m="http://schemas.openxmlformats.org/officeDocument/2006/math" xmlns:a14="http://schemas.microsoft.com/office/drawing/2010/main" xmlns:ma14="http://schemas.microsoft.com/office/mac/drawingml/2011/main" val="1"/>
             </a:ext>
           </a:extLst>
         </p:spPr>
@@ -7300,7 +6374,7 @@
           </a:bodyPr>
           <a:lstStyle/>
           <a:p>
-            <a:pPr lvl="1" indent="0" algn="ctr">
+            <a:pPr lvl="1" indent="0">
               <a:lnSpc>
                 <a:spcPct val="80000"/>
               </a:lnSpc>
@@ -7314,28 +6388,16 @@
               </a:defRPr>
             </a:pPr>
             <a:r>
-              <a:rPr lang="es-ES" sz="1600" dirty="0" err="1"/>
-              <a:t>Penalized</a:t>
+              <a:rPr lang="es-ES" sz="1600" dirty="0" smtClean="0"/>
+              <a:t> Penalized </a:t>
             </a:r>
             <a:r>
               <a:rPr lang="es-ES" sz="1600" dirty="0"/>
-              <a:t> </a:t>
-            </a:r>
-            <a:r>
-              <a:rPr lang="es-ES" sz="1600" dirty="0" err="1"/>
-              <a:t>semiparametric</a:t>
-            </a:r>
-            <a:r>
-              <a:rPr lang="es-ES" sz="1600" dirty="0"/>
-              <a:t> </a:t>
-            </a:r>
-            <a:r>
-              <a:rPr lang="es-ES" sz="1600" dirty="0" err="1"/>
-              <a:t>estimation</a:t>
-            </a:r>
-            <a:r>
-              <a:rPr lang="es-ES" sz="1600" dirty="0"/>
-              <a:t> of INAR(p)</a:t>
+              <a:t>semiparametric estimation of INAR(p</a:t>
+            </a:r>
+            <a:r>
+              <a:rPr lang="es-ES" sz="1600" dirty="0" smtClean="0"/>
+              <a:t>) model</a:t>
             </a:r>
             <a:endParaRPr sz="1600" dirty="0"/>
           </a:p>
@@ -7343,10 +6405,10 @@
       </p:sp>
       <p:sp>
         <p:nvSpPr>
-          <p:cNvPr id="46" name="Useful Elements">
+          <p:cNvPr id="83" name="i + geom_area() x, y, alpha, color, fill, linetype, size…">
             <a:extLst>
               <a:ext uri="{FF2B5EF4-FFF2-40B4-BE49-F238E27FC236}">
-                <a16:creationId xmlns:a16="http://schemas.microsoft.com/office/drawing/2014/main" id="{FEC05386-90D2-5D49-8C70-EDF7C3D3BD5B}"/>
+                <a16:creationId xmlns:a16="http://schemas.microsoft.com/office/drawing/2014/main" id="{4E700BDB-DD52-E54C-9E37-3A2E6B133874}"/>
               </a:ext>
             </a:extLst>
           </p:cNvPr>
@@ -7355,54 +6417,114 @@
         </p:nvSpPr>
         <p:spPr>
           <a:xfrm>
-            <a:off x="243744" y="6535328"/>
-            <a:ext cx="2181071" cy="340029"/>
+            <a:off x="3760594" y="8094317"/>
+            <a:ext cx="5948002" cy="764933"/>
           </a:xfrm>
           <a:prstGeom prst="rect">
             <a:avLst/>
           </a:prstGeom>
-          <a:ln w="12700">
+          <a:noFill/>
+          <a:ln w="12700" cap="flat">
+            <a:noFill/>
             <a:miter lim="400000"/>
           </a:ln>
+          <a:effectLst/>
           <a:extLst>
             <a:ext uri="{C572A759-6A51-4108-AA02-DFA0A04FC94B}">
-              <ma14:wrappingTextBoxFlag xmlns:ma14="http://schemas.microsoft.com/office/mac/drawingml/2011/main" xmlns:a14="http://schemas.microsoft.com/office/drawing/2010/main" xmlns:m="http://schemas.openxmlformats.org/officeDocument/2006/math" xmlns="" val="1"/>
+              <ma14:wrappingTextBoxFlag xmlns="" xmlns:m="http://schemas.openxmlformats.org/officeDocument/2006/math" xmlns:a14="http://schemas.microsoft.com/office/drawing/2010/main" xmlns:ma14="http://schemas.microsoft.com/office/mac/drawingml/2011/main" val="1"/>
             </a:ext>
           </a:extLst>
         </p:spPr>
         <p:txBody>
-          <a:bodyPr wrap="square" lIns="12700" tIns="12700" rIns="12700" bIns="12700" anchor="ctr">
-            <a:spAutoFit/>
+          <a:bodyPr wrap="square" lIns="0" tIns="0" rIns="0" bIns="0" numCol="1" anchor="t">
+            <a:normAutofit/>
           </a:bodyPr>
           <a:lstStyle/>
           <a:p>
-            <a:pPr lvl="1" indent="0">
-              <a:lnSpc>
-                <a:spcPct val="80000"/>
-              </a:lnSpc>
+            <a:pPr>
               <a:spcBef>
-                <a:spcPts val="0"/>
+                <a:spcPts val="1100"/>
               </a:spcBef>
-              <a:defRPr sz="2500" b="0">
-                <a:solidFill>
-                  <a:srgbClr val="628DB5"/>
+              <a:defRPr sz="1000">
+                <a:solidFill>
+                  <a:srgbClr val="000000"/>
                 </a:solidFill>
               </a:defRPr>
             </a:pPr>
             <a:r>
-              <a:rPr lang="es-ES" dirty="0" err="1"/>
-              <a:t>Arguments</a:t>
-            </a:r>
-            <a:endParaRPr lang="es-ES" dirty="0"/>
+              <a:rPr lang="en-US" sz="1400" dirty="0" smtClean="0">
+                <a:latin typeface="Source Sans Pro" panose="020B0503030403020204" pitchFamily="34" charset="0"/>
+                <a:ea typeface="Source Sans Pro" panose="020B0503030403020204" pitchFamily="34" charset="0"/>
+              </a:rPr>
+              <a:t>spinar_penal() </a:t>
+            </a:r>
+            <a:r>
+              <a:rPr lang="en-US" sz="1400" b="0" dirty="0" smtClean="0">
+                <a:latin typeface="Source Sans Pro" panose="020B0503030403020204" pitchFamily="34" charset="0"/>
+                <a:ea typeface="Source Sans Pro" panose="020B0503030403020204" pitchFamily="34" charset="0"/>
+              </a:rPr>
+              <a:t>estimates semiparametrically and penalized an INAR model of given order and given the penalization parameters on </a:t>
+            </a:r>
+            <a:r>
+              <a:rPr lang="en-US" sz="1400" b="0" dirty="0">
+                <a:latin typeface="Source Sans Pro" panose="020B0503030403020204" pitchFamily="34" charset="0"/>
+                <a:ea typeface="Source Sans Pro" panose="020B0503030403020204" pitchFamily="34" charset="0"/>
+              </a:rPr>
+              <a:t>g</a:t>
+            </a:r>
+            <a:r>
+              <a:rPr lang="en-US" sz="1400" b="0" dirty="0" smtClean="0">
+                <a:latin typeface="Source Sans Pro" panose="020B0503030403020204" pitchFamily="34" charset="0"/>
+                <a:ea typeface="Source Sans Pro" panose="020B0503030403020204" pitchFamily="34" charset="0"/>
+              </a:rPr>
+              <a:t>iven data</a:t>
+            </a:r>
+            <a:br>
+              <a:rPr lang="en-US" sz="1400" b="0" dirty="0" smtClean="0">
+                <a:latin typeface="Source Sans Pro" panose="020B0503030403020204" pitchFamily="34" charset="0"/>
+                <a:ea typeface="Source Sans Pro" panose="020B0503030403020204" pitchFamily="34" charset="0"/>
+              </a:rPr>
+            </a:br>
+            <a:r>
+              <a:rPr lang="en-US" sz="1400" dirty="0">
+                <a:solidFill>
+                  <a:schemeClr val="tx1"/>
+                </a:solidFill>
+                <a:latin typeface="Source Sans Pro" panose="020B0503030403020204" pitchFamily="34" charset="0"/>
+                <a:ea typeface="Source Sans Pro" panose="020B0503030403020204" pitchFamily="34" charset="0"/>
+              </a:rPr>
+              <a:t>O</a:t>
+            </a:r>
+            <a:r>
+              <a:rPr lang="en-US" sz="1400" dirty="0" smtClean="0">
+                <a:solidFill>
+                  <a:schemeClr val="tx1"/>
+                </a:solidFill>
+                <a:latin typeface="Source Sans Pro" panose="020B0503030403020204" pitchFamily="34" charset="0"/>
+                <a:ea typeface="Source Sans Pro" panose="020B0503030403020204" pitchFamily="34" charset="0"/>
+              </a:rPr>
+              <a:t>utput</a:t>
+            </a:r>
+            <a:r>
+              <a:rPr lang="en-US" sz="1400" b="0" dirty="0" smtClean="0">
+                <a:latin typeface="Source Sans Pro" panose="020B0503030403020204" pitchFamily="34" charset="0"/>
+                <a:ea typeface="Source Sans Pro" panose="020B0503030403020204" pitchFamily="34" charset="0"/>
+              </a:rPr>
+              <a:t>: penalized estimated parameters: alpha, pmf</a:t>
+            </a:r>
+            <a:endParaRPr lang="en-US" sz="1400" b="0" dirty="0">
+              <a:latin typeface="Source Sans Pro" panose="020B0503030403020204" pitchFamily="34" charset="0"/>
+              <a:ea typeface="Source Sans Pro" panose="020B0503030403020204" pitchFamily="34" charset="0"/>
+            </a:endParaRPr>
           </a:p>
         </p:txBody>
       </p:sp>
       <p:sp>
         <p:nvSpPr>
-          <p:cNvPr id="48" name="ggplot(mpg, aes(hwy, cty)) +…">
+          <p:cNvPr id="84" name="ggplot(mpg, aes(hwy, cty)) +…">
             <a:extLst>
               <a:ext uri="{FF2B5EF4-FFF2-40B4-BE49-F238E27FC236}">
-                <a16:creationId xmlns:a16="http://schemas.microsoft.com/office/drawing/2014/main" id="{08F183D2-EA82-3A44-8F3F-56A60CF208FB}"/>
+                <a16:creationId xmlns:a16="http://schemas.microsoft.com/office/drawing/2014/main" id="{24ED6C18-8DBF-984B-8956-2D8EECDD0C54}"/>
               </a:ext>
             </a:extLst>
           </p:cNvPr>
@@ -7411,8 +6533,8 @@
         </p:nvSpPr>
         <p:spPr>
           <a:xfrm>
-            <a:off x="243966" y="6919604"/>
-            <a:ext cx="3025059" cy="1218201"/>
+            <a:off x="10758016" y="8144564"/>
+            <a:ext cx="2491237" cy="294872"/>
           </a:xfrm>
           <a:prstGeom prst="rect">
             <a:avLst/>
@@ -7428,238 +6550,15 @@
           </a:ln>
           <a:extLst>
             <a:ext uri="{C572A759-6A51-4108-AA02-DFA0A04FC94B}">
-              <ma14:wrappingTextBoxFlag xmlns:ma14="http://schemas.microsoft.com/office/mac/drawingml/2011/main" xmlns:a14="http://schemas.microsoft.com/office/drawing/2010/main" xmlns:m="http://schemas.openxmlformats.org/officeDocument/2006/math" xmlns="" val="1"/>
+              <ma14:wrappingTextBoxFlag xmlns="" xmlns:m="http://schemas.openxmlformats.org/officeDocument/2006/math" xmlns:a14="http://schemas.microsoft.com/office/drawing/2010/main" xmlns:ma14="http://schemas.microsoft.com/office/mac/drawingml/2011/main" val="1"/>
             </a:ext>
           </a:extLst>
         </p:spPr>
         <p:txBody>
-          <a:bodyPr lIns="54570" tIns="54570" rIns="54570" bIns="54570" anchor="ctr">
+          <a:bodyPr wrap="square" lIns="54570" tIns="54570" rIns="54570" bIns="54570" anchor="ctr">
             <a:spAutoFit/>
           </a:bodyPr>
           <a:lstStyle/>
-          <a:p>
-            <a:pPr marL="171450" indent="-171450">
-              <a:spcBef>
-                <a:spcPts val="0"/>
-              </a:spcBef>
-              <a:buFont typeface="Arial" panose="020B0604020202020204" pitchFamily="34" charset="0"/>
-              <a:buChar char="•"/>
-              <a:defRPr b="0">
-                <a:solidFill>
-                  <a:srgbClr val="000000"/>
-                </a:solidFill>
-                <a:latin typeface="Menlo"/>
-                <a:ea typeface="Menlo"/>
-                <a:cs typeface="Menlo"/>
-                <a:sym typeface="Menlo"/>
-              </a:defRPr>
-            </a:pPr>
-            <a:r>
-              <a:rPr lang="es-ES" dirty="0"/>
-              <a:t>n : </a:t>
-            </a:r>
-            <a:r>
-              <a:rPr lang="es-ES" dirty="0">
-                <a:latin typeface=""/>
-              </a:rPr>
-              <a:t>simple </a:t>
-            </a:r>
-            <a:r>
-              <a:rPr lang="es-ES" dirty="0" err="1">
-                <a:latin typeface=""/>
-              </a:rPr>
-              <a:t>size</a:t>
-            </a:r>
-            <a:endParaRPr lang="es-ES" dirty="0">
-              <a:latin typeface=""/>
-            </a:endParaRPr>
-          </a:p>
-          <a:p>
-            <a:pPr marL="171450" indent="-171450">
-              <a:spcBef>
-                <a:spcPts val="0"/>
-              </a:spcBef>
-              <a:buFont typeface="Arial" panose="020B0604020202020204" pitchFamily="34" charset="0"/>
-              <a:buChar char="•"/>
-              <a:defRPr b="0">
-                <a:solidFill>
-                  <a:srgbClr val="000000"/>
-                </a:solidFill>
-                <a:latin typeface="Menlo"/>
-                <a:ea typeface="Menlo"/>
-                <a:cs typeface="Menlo"/>
-                <a:sym typeface="Menlo"/>
-              </a:defRPr>
-            </a:pPr>
-            <a:r>
-              <a:rPr lang="es-ES" dirty="0"/>
-              <a:t>p : </a:t>
-            </a:r>
-            <a:r>
-              <a:rPr lang="es-ES" dirty="0" err="1">
-                <a:latin typeface=""/>
-              </a:rPr>
-              <a:t>model</a:t>
-            </a:r>
-            <a:r>
-              <a:rPr lang="es-ES" dirty="0">
-                <a:latin typeface=""/>
-              </a:rPr>
-              <a:t> </a:t>
-            </a:r>
-            <a:r>
-              <a:rPr lang="es-ES" dirty="0" err="1">
-                <a:latin typeface=""/>
-              </a:rPr>
-              <a:t>order</a:t>
-            </a:r>
-            <a:endParaRPr lang="es-ES" dirty="0">
-              <a:latin typeface=""/>
-            </a:endParaRPr>
-          </a:p>
-          <a:p>
-            <a:pPr marL="171450" indent="-171450">
-              <a:spcBef>
-                <a:spcPts val="0"/>
-              </a:spcBef>
-              <a:buFont typeface="Arial" panose="020B0604020202020204" pitchFamily="34" charset="0"/>
-              <a:buChar char="•"/>
-              <a:defRPr b="0">
-                <a:solidFill>
-                  <a:srgbClr val="000000"/>
-                </a:solidFill>
-                <a:latin typeface="Menlo"/>
-                <a:ea typeface="Menlo"/>
-                <a:cs typeface="Menlo"/>
-                <a:sym typeface="Menlo"/>
-              </a:defRPr>
-            </a:pPr>
-            <a:r>
-              <a:rPr lang="es-ES" dirty="0" err="1"/>
-              <a:t>alpha</a:t>
-            </a:r>
-            <a:r>
-              <a:rPr lang="es-ES" dirty="0"/>
-              <a:t> : </a:t>
-            </a:r>
-            <a:r>
-              <a:rPr lang="es-ES" dirty="0">
-                <a:latin typeface=""/>
-              </a:rPr>
-              <a:t>INAR </a:t>
-            </a:r>
-            <a:r>
-              <a:rPr lang="es-ES" dirty="0" err="1">
-                <a:latin typeface=""/>
-              </a:rPr>
-              <a:t>coefficient</a:t>
-            </a:r>
-            <a:r>
-              <a:rPr lang="es-ES" dirty="0">
-                <a:latin typeface=""/>
-              </a:rPr>
-              <a:t>(s)</a:t>
-            </a:r>
-          </a:p>
-          <a:p>
-            <a:pPr marL="171450" indent="-171450">
-              <a:spcBef>
-                <a:spcPts val="0"/>
-              </a:spcBef>
-              <a:buFont typeface="Arial" panose="020B0604020202020204" pitchFamily="34" charset="0"/>
-              <a:buChar char="•"/>
-              <a:defRPr b="0">
-                <a:solidFill>
-                  <a:srgbClr val="000000"/>
-                </a:solidFill>
-                <a:latin typeface="Menlo"/>
-                <a:ea typeface="Menlo"/>
-                <a:cs typeface="Menlo"/>
-                <a:sym typeface="Menlo"/>
-              </a:defRPr>
-            </a:pPr>
-            <a:r>
-              <a:rPr lang="es-ES" dirty="0" err="1"/>
-              <a:t>pmf</a:t>
-            </a:r>
-            <a:r>
-              <a:rPr lang="es-ES" dirty="0"/>
-              <a:t>: </a:t>
-            </a:r>
-            <a:r>
-              <a:rPr lang="es-ES" dirty="0" err="1">
-                <a:latin typeface=""/>
-              </a:rPr>
-              <a:t>probability</a:t>
-            </a:r>
-            <a:r>
-              <a:rPr lang="es-ES" dirty="0">
-                <a:latin typeface=""/>
-              </a:rPr>
-              <a:t> </a:t>
-            </a:r>
-            <a:r>
-              <a:rPr lang="es-ES" dirty="0" err="1">
-                <a:latin typeface=""/>
-              </a:rPr>
-              <a:t>mass</a:t>
-            </a:r>
-            <a:r>
-              <a:rPr lang="es-ES" dirty="0">
-                <a:latin typeface=""/>
-              </a:rPr>
-              <a:t> </a:t>
-            </a:r>
-            <a:r>
-              <a:rPr lang="es-ES" dirty="0" err="1">
-                <a:latin typeface=""/>
-              </a:rPr>
-              <a:t>function</a:t>
-            </a:r>
-            <a:r>
-              <a:rPr lang="es-ES" dirty="0">
-                <a:latin typeface=""/>
-              </a:rPr>
-              <a:t> of </a:t>
-            </a:r>
-            <a:r>
-              <a:rPr lang="es-ES" dirty="0" err="1">
-                <a:latin typeface=""/>
-              </a:rPr>
-              <a:t>the</a:t>
-            </a:r>
-            <a:endParaRPr lang="es-ES" dirty="0">
-              <a:latin typeface=""/>
-            </a:endParaRPr>
-          </a:p>
-          <a:p>
-            <a:pPr marL="171450" indent="-171450">
-              <a:spcBef>
-                <a:spcPts val="0"/>
-              </a:spcBef>
-              <a:buFont typeface="Arial" panose="020B0604020202020204" pitchFamily="34" charset="0"/>
-              <a:buChar char="•"/>
-              <a:defRPr b="0">
-                <a:solidFill>
-                  <a:srgbClr val="000000"/>
-                </a:solidFill>
-                <a:latin typeface="Menlo"/>
-                <a:ea typeface="Menlo"/>
-                <a:cs typeface="Menlo"/>
-                <a:sym typeface="Menlo"/>
-              </a:defRPr>
-            </a:pPr>
-            <a:r>
-              <a:rPr lang="es-ES" dirty="0"/>
-              <a:t>x : </a:t>
-            </a:r>
-            <a:r>
-              <a:rPr lang="es-ES" dirty="0">
-                <a:latin typeface=""/>
-              </a:rPr>
-              <a:t>data</a:t>
-            </a:r>
-          </a:p>
           <a:p>
             <a:pPr>
               <a:spcBef>
@@ -7675,16 +6574,23 @@
                 <a:sym typeface="Menlo"/>
               </a:defRPr>
             </a:pPr>
-            <a:endParaRPr dirty="0"/>
+            <a:r>
+              <a:rPr lang="es-ES" dirty="0" err="1"/>
+              <a:t>spinar_penal</a:t>
+            </a:r>
+            <a:r>
+              <a:rPr lang="es-ES" dirty="0"/>
+              <a:t>(x, p, penal1, penal2)</a:t>
+            </a:r>
           </a:p>
         </p:txBody>
       </p:sp>
       <p:sp>
         <p:nvSpPr>
-          <p:cNvPr id="50" name="Section 3">
+          <p:cNvPr id="85" name="i + geom_area() x, y, alpha, color, fill, linetype, size…">
             <a:extLst>
               <a:ext uri="{FF2B5EF4-FFF2-40B4-BE49-F238E27FC236}">
-                <a16:creationId xmlns:a16="http://schemas.microsoft.com/office/drawing/2014/main" id="{8EEC261C-55B4-F449-B68D-EA1CB12B4CB0}"/>
+                <a16:creationId xmlns:a16="http://schemas.microsoft.com/office/drawing/2014/main" id="{239BD0C4-95C6-714C-A2E4-3354DAEEE98E}"/>
               </a:ext>
             </a:extLst>
           </p:cNvPr>
@@ -7693,8 +6599,8 @@
         </p:nvSpPr>
         <p:spPr>
           <a:xfrm>
-            <a:off x="3913498" y="3713048"/>
-            <a:ext cx="9095920" cy="226857"/>
+            <a:off x="3760594" y="9060781"/>
+            <a:ext cx="6140342" cy="1186649"/>
           </a:xfrm>
           <a:prstGeom prst="rect">
             <a:avLst/>
@@ -7707,47 +6613,127 @@
           <a:effectLst/>
           <a:extLst>
             <a:ext uri="{C572A759-6A51-4108-AA02-DFA0A04FC94B}">
-              <ma14:wrappingTextBoxFlag xmlns:ma14="http://schemas.microsoft.com/office/mac/drawingml/2011/main" xmlns:a14="http://schemas.microsoft.com/office/drawing/2010/main" xmlns:m="http://schemas.openxmlformats.org/officeDocument/2006/math" xmlns="" val="1"/>
+              <ma14:wrappingTextBoxFlag xmlns="" xmlns:m="http://schemas.openxmlformats.org/officeDocument/2006/math" xmlns:a14="http://schemas.microsoft.com/office/drawing/2010/main" xmlns:ma14="http://schemas.microsoft.com/office/mac/drawingml/2011/main" val="1"/>
             </a:ext>
           </a:extLst>
         </p:spPr>
         <p:txBody>
-          <a:bodyPr wrap="square" lIns="12700" tIns="12700" rIns="12700" bIns="12700" numCol="1" anchor="ctr">
-            <a:spAutoFit/>
+          <a:bodyPr wrap="square" lIns="0" tIns="0" rIns="0" bIns="0" numCol="1" anchor="t">
+            <a:normAutofit/>
           </a:bodyPr>
           <a:lstStyle/>
           <a:p>
-            <a:pPr lvl="1" indent="0" algn="ctr">
-              <a:lnSpc>
-                <a:spcPct val="80000"/>
-              </a:lnSpc>
+            <a:pPr>
               <a:spcBef>
-                <a:spcPts val="0"/>
+                <a:spcPts val="1100"/>
               </a:spcBef>
-              <a:defRPr>
-                <a:solidFill>
-                  <a:srgbClr val="424242"/>
+              <a:defRPr sz="1000">
+                <a:solidFill>
+                  <a:srgbClr val="000000"/>
                 </a:solidFill>
               </a:defRPr>
             </a:pPr>
             <a:r>
-              <a:rPr lang="es-ES" sz="1600" dirty="0" err="1"/>
-              <a:t>Boostrap</a:t>
-            </a:r>
-            <a:r>
-              <a:rPr lang="es-ES" sz="1600" dirty="0"/>
-              <a:t> INAR(p)</a:t>
-            </a:r>
-            <a:endParaRPr sz="1600" dirty="0"/>
+              <a:rPr lang="en-US" sz="1400" dirty="0" smtClean="0">
+                <a:latin typeface="Source Sans Pro" panose="020B0503030403020204" pitchFamily="34" charset="0"/>
+                <a:ea typeface="Source Sans Pro" panose="020B0503030403020204" pitchFamily="34" charset="0"/>
+              </a:rPr>
+              <a:t>spinar_penal_val() </a:t>
+            </a:r>
+            <a:r>
+              <a:rPr lang="en-US" sz="1400" b="0" dirty="0" smtClean="0">
+                <a:latin typeface="Source Sans Pro" panose="020B0503030403020204" pitchFamily="34" charset="0"/>
+                <a:ea typeface="Source Sans Pro" panose="020B0503030403020204" pitchFamily="34" charset="0"/>
+              </a:rPr>
+              <a:t>estimates semiparametrically and penalized an INAR model of given order and given the penalization parameter(s) on given data and allows for validation of both or only one penalization parameter</a:t>
+            </a:r>
+            <a:r>
+              <a:rPr lang="en-US" sz="1400" b="0" dirty="0" smtClean="0">
+                <a:solidFill>
+                  <a:srgbClr val="000000"/>
+                </a:solidFill>
+                <a:latin typeface="Source Sans Pro" panose="020B0503030403020204" pitchFamily="34" charset="0"/>
+                <a:ea typeface="Source Sans Pro" panose="020B0503030403020204" pitchFamily="34" charset="0"/>
+              </a:rPr>
+              <a:t/>
+            </a:r>
+            <a:br>
+              <a:rPr lang="en-US" sz="1400" b="0" dirty="0" smtClean="0">
+                <a:solidFill>
+                  <a:srgbClr val="000000"/>
+                </a:solidFill>
+                <a:latin typeface="Source Sans Pro" panose="020B0503030403020204" pitchFamily="34" charset="0"/>
+                <a:ea typeface="Source Sans Pro" panose="020B0503030403020204" pitchFamily="34" charset="0"/>
+              </a:rPr>
+            </a:br>
+            <a:r>
+              <a:rPr lang="en-US" sz="1400" dirty="0">
+                <a:solidFill>
+                  <a:schemeClr val="tx1"/>
+                </a:solidFill>
+                <a:latin typeface="Source Sans Pro" panose="020B0503030403020204" pitchFamily="34" charset="0"/>
+                <a:ea typeface="Source Sans Pro" panose="020B0503030403020204" pitchFamily="34" charset="0"/>
+              </a:rPr>
+              <a:t>O</a:t>
+            </a:r>
+            <a:r>
+              <a:rPr lang="en-US" sz="1400" dirty="0" smtClean="0">
+                <a:solidFill>
+                  <a:schemeClr val="tx1"/>
+                </a:solidFill>
+                <a:latin typeface="Source Sans Pro" panose="020B0503030403020204" pitchFamily="34" charset="0"/>
+                <a:ea typeface="Source Sans Pro" panose="020B0503030403020204" pitchFamily="34" charset="0"/>
+              </a:rPr>
+              <a:t>utput</a:t>
+            </a:r>
+            <a:r>
+              <a:rPr lang="en-US" sz="1400" b="0" dirty="0" smtClean="0">
+                <a:latin typeface="Source Sans Pro" panose="020B0503030403020204" pitchFamily="34" charset="0"/>
+                <a:ea typeface="Source Sans Pro" panose="020B0503030403020204" pitchFamily="34" charset="0"/>
+              </a:rPr>
+              <a:t>: penalized estimated parameters alpha, pmf and validated penalization parameter(s)</a:t>
+            </a:r>
+          </a:p>
+          <a:p>
+            <a:pPr>
+              <a:spcBef>
+                <a:spcPts val="1100"/>
+              </a:spcBef>
+              <a:defRPr sz="1000">
+                <a:solidFill>
+                  <a:srgbClr val="000000"/>
+                </a:solidFill>
+              </a:defRPr>
+            </a:pPr>
+            <a:endParaRPr lang="de-DE" sz="1400" b="0" dirty="0">
+              <a:latin typeface="Source Sans Pro" panose="020B0503030403020204" pitchFamily="34" charset="0"/>
+              <a:ea typeface="Source Sans Pro" panose="020B0503030403020204" pitchFamily="34" charset="0"/>
+            </a:endParaRPr>
+          </a:p>
+          <a:p>
+            <a:pPr>
+              <a:spcBef>
+                <a:spcPts val="1100"/>
+              </a:spcBef>
+              <a:defRPr sz="1000">
+                <a:solidFill>
+                  <a:srgbClr val="000000"/>
+                </a:solidFill>
+              </a:defRPr>
+            </a:pPr>
+            <a:endParaRPr lang="en-US" sz="1400" dirty="0">
+              <a:latin typeface="Source Sans Pro" panose="020B0503030403020204" pitchFamily="34" charset="0"/>
+              <a:ea typeface="Source Sans Pro" panose="020B0503030403020204" pitchFamily="34" charset="0"/>
+            </a:endParaRPr>
           </a:p>
         </p:txBody>
       </p:sp>
       <p:sp>
         <p:nvSpPr>
-          <p:cNvPr id="51" name="Section 3">
+          <p:cNvPr id="86" name="ggplot(mpg, aes(hwy, cty)) +…">
             <a:extLst>
               <a:ext uri="{FF2B5EF4-FFF2-40B4-BE49-F238E27FC236}">
-                <a16:creationId xmlns:a16="http://schemas.microsoft.com/office/drawing/2014/main" id="{790EED5F-9FF0-B24C-90CC-8B9DCCEEEDB5}"/>
+                <a16:creationId xmlns:a16="http://schemas.microsoft.com/office/drawing/2014/main" id="{432F4EDC-34AC-B744-9B52-1EE17F64B2D4}"/>
               </a:ext>
             </a:extLst>
           </p:cNvPr>
@@ -7756,393 +6742,121 @@
         </p:nvSpPr>
         <p:spPr>
           <a:xfrm>
-            <a:off x="3913498" y="2830581"/>
-            <a:ext cx="9390421" cy="226857"/>
+            <a:off x="10202248" y="9113697"/>
+            <a:ext cx="3159063" cy="664204"/>
           </a:xfrm>
           <a:prstGeom prst="rect">
             <a:avLst/>
           </a:prstGeom>
-          <a:noFill/>
-          <a:ln w="12700" cap="flat">
-            <a:noFill/>
+          <a:solidFill>
+            <a:srgbClr val="FFFFFF"/>
+          </a:solidFill>
+          <a:ln w="12700">
+            <a:solidFill>
+              <a:srgbClr val="A6AAA9"/>
+            </a:solidFill>
             <a:miter lim="400000"/>
           </a:ln>
-          <a:effectLst/>
           <a:extLst>
             <a:ext uri="{C572A759-6A51-4108-AA02-DFA0A04FC94B}">
-              <ma14:wrappingTextBoxFlag xmlns:ma14="http://schemas.microsoft.com/office/mac/drawingml/2011/main" xmlns:a14="http://schemas.microsoft.com/office/drawing/2010/main" xmlns:m="http://schemas.openxmlformats.org/officeDocument/2006/math" xmlns="" val="1"/>
+              <ma14:wrappingTextBoxFlag xmlns="" xmlns:m="http://schemas.openxmlformats.org/officeDocument/2006/math" xmlns:a14="http://schemas.microsoft.com/office/drawing/2010/main" xmlns:ma14="http://schemas.microsoft.com/office/mac/drawingml/2011/main" val="1"/>
             </a:ext>
           </a:extLst>
         </p:spPr>
         <p:txBody>
-          <a:bodyPr wrap="square" lIns="12700" tIns="12700" rIns="12700" bIns="12700" numCol="1" anchor="ctr">
+          <a:bodyPr wrap="square" lIns="54570" tIns="54570" rIns="54570" bIns="54570" anchor="ctr">
             <a:spAutoFit/>
           </a:bodyPr>
           <a:lstStyle/>
           <a:p>
-            <a:pPr lvl="1" indent="0" algn="ctr">
-              <a:lnSpc>
-                <a:spcPct val="80000"/>
-              </a:lnSpc>
+            <a:pPr>
               <a:spcBef>
                 <a:spcPts val="0"/>
               </a:spcBef>
-              <a:defRPr>
-                <a:solidFill>
-                  <a:srgbClr val="424242"/>
-                </a:solidFill>
+              <a:defRPr b="0">
+                <a:solidFill>
+                  <a:srgbClr val="000000"/>
+                </a:solidFill>
+                <a:latin typeface="Menlo"/>
+                <a:ea typeface="Menlo"/>
+                <a:cs typeface="Menlo"/>
+                <a:sym typeface="Menlo"/>
               </a:defRPr>
             </a:pPr>
             <a:r>
-              <a:rPr lang="es-ES" sz="1600" dirty="0" err="1"/>
-              <a:t>Estimation</a:t>
-            </a:r>
-            <a:r>
-              <a:rPr lang="es-ES" sz="1600" dirty="0"/>
-              <a:t> INAR(p)</a:t>
-            </a:r>
-            <a:endParaRPr sz="1600" dirty="0"/>
+              <a:rPr lang="es-ES" dirty="0"/>
+              <a:t>spinar_penal_val(x, p, valid, </a:t>
+            </a:r>
+            <a:r>
+              <a:rPr lang="es-ES" dirty="0" smtClean="0"/>
+              <a:t>penal1</a:t>
+            </a:r>
+            <a:r>
+              <a:rPr lang="es-ES" dirty="0"/>
+              <a:t>, penal2,</a:t>
+            </a:r>
+          </a:p>
+          <a:p>
+            <a:pPr>
+              <a:spcBef>
+                <a:spcPts val="0"/>
+              </a:spcBef>
+              <a:defRPr b="0">
+                <a:solidFill>
+                  <a:srgbClr val="000000"/>
+                </a:solidFill>
+                <a:latin typeface="Menlo"/>
+                <a:ea typeface="Menlo"/>
+                <a:cs typeface="Menlo"/>
+                <a:sym typeface="Menlo"/>
+              </a:defRPr>
+            </a:pPr>
+            <a:r>
+              <a:rPr lang="es-ES" dirty="0"/>
+              <a:t> 		</a:t>
+            </a:r>
+            <a:r>
+              <a:rPr lang="es-ES" dirty="0" smtClean="0"/>
+              <a:t>over, folds</a:t>
+            </a:r>
+            <a:r>
+              <a:rPr lang="es-ES" dirty="0"/>
+              <a:t>, </a:t>
+            </a:r>
+            <a:r>
+              <a:rPr lang="es-ES" dirty="0" smtClean="0"/>
+              <a:t>init1</a:t>
+            </a:r>
+            <a:r>
+              <a:rPr lang="es-ES" dirty="0"/>
+              <a:t>, init2)</a:t>
+            </a:r>
+          </a:p>
+          <a:p>
+            <a:pPr>
+              <a:spcBef>
+                <a:spcPts val="0"/>
+              </a:spcBef>
+              <a:defRPr b="0">
+                <a:solidFill>
+                  <a:srgbClr val="000000"/>
+                </a:solidFill>
+                <a:latin typeface="Menlo"/>
+                <a:ea typeface="Menlo"/>
+                <a:cs typeface="Menlo"/>
+                <a:sym typeface="Menlo"/>
+              </a:defRPr>
+            </a:pPr>
+            <a:endParaRPr dirty="0"/>
           </a:p>
         </p:txBody>
       </p:sp>
       <p:sp>
         <p:nvSpPr>
-          <p:cNvPr id="53" name="code">
+          <p:cNvPr id="87" name="Remember that the best cheatsheets are visual—not written—documents. Whenever possible use visual elements to make it easier for readers to find the information they need.">
             <a:extLst>
               <a:ext uri="{FF2B5EF4-FFF2-40B4-BE49-F238E27FC236}">
-                <a16:creationId xmlns:a16="http://schemas.microsoft.com/office/drawing/2014/main" id="{F77AD2E8-B2A9-F94A-9FD5-0A1F0B18BA3A}"/>
-              </a:ext>
-            </a:extLst>
-          </p:cNvPr>
-          <p:cNvSpPr/>
-          <p:nvPr/>
-        </p:nvSpPr>
-        <p:spPr>
-          <a:xfrm>
-            <a:off x="12544505" y="5600501"/>
-            <a:ext cx="1181529" cy="831678"/>
-          </a:xfrm>
-          <a:custGeom>
-            <a:avLst/>
-            <a:gdLst/>
-            <a:ahLst/>
-            <a:cxnLst>
-              <a:cxn ang="0">
-                <a:pos x="wd2" y="hd2"/>
-              </a:cxn>
-              <a:cxn ang="5400000">
-                <a:pos x="wd2" y="hd2"/>
-              </a:cxn>
-              <a:cxn ang="10800000">
-                <a:pos x="wd2" y="hd2"/>
-              </a:cxn>
-              <a:cxn ang="16200000">
-                <a:pos x="wd2" y="hd2"/>
-              </a:cxn>
-            </a:cxnLst>
-            <a:rect l="0" t="0" r="r" b="b"/>
-            <a:pathLst>
-              <a:path w="21600" h="21600" extrusionOk="0">
-                <a:moveTo>
-                  <a:pt x="4355" y="0"/>
-                </a:moveTo>
-                <a:lnTo>
-                  <a:pt x="5563" y="5109"/>
-                </a:lnTo>
-                <a:lnTo>
-                  <a:pt x="1832" y="5109"/>
-                </a:lnTo>
-                <a:cubicBezTo>
-                  <a:pt x="822" y="5109"/>
-                  <a:pt x="0" y="6352"/>
-                  <a:pt x="0" y="7877"/>
-                </a:cubicBezTo>
-                <a:lnTo>
-                  <a:pt x="0" y="18832"/>
-                </a:lnTo>
-                <a:cubicBezTo>
-                  <a:pt x="0" y="20357"/>
-                  <a:pt x="822" y="21600"/>
-                  <a:pt x="1832" y="21600"/>
-                </a:cubicBezTo>
-                <a:lnTo>
-                  <a:pt x="19778" y="21600"/>
-                </a:lnTo>
-                <a:cubicBezTo>
-                  <a:pt x="20787" y="21600"/>
-                  <a:pt x="21600" y="20357"/>
-                  <a:pt x="21600" y="18832"/>
-                </a:cubicBezTo>
-                <a:lnTo>
-                  <a:pt x="21600" y="7877"/>
-                </a:lnTo>
-                <a:cubicBezTo>
-                  <a:pt x="21600" y="6352"/>
-                  <a:pt x="20787" y="5109"/>
-                  <a:pt x="19778" y="5109"/>
-                </a:cubicBezTo>
-                <a:lnTo>
-                  <a:pt x="8759" y="5109"/>
-                </a:lnTo>
-                <a:lnTo>
-                  <a:pt x="4355" y="0"/>
-                </a:lnTo>
-                <a:close/>
-              </a:path>
-            </a:pathLst>
-          </a:custGeom>
-          <a:solidFill>
-            <a:srgbClr val="659FD5"/>
-          </a:solidFill>
-          <a:ln w="12700">
-            <a:miter lim="400000"/>
-          </a:ln>
-          <a:extLst>
-            <a:ext uri="{C572A759-6A51-4108-AA02-DFA0A04FC94B}">
-              <ma14:wrappingTextBoxFlag xmlns:ma14="http://schemas.microsoft.com/office/mac/drawingml/2011/main" xmlns:a14="http://schemas.microsoft.com/office/drawing/2010/main" xmlns:m="http://schemas.openxmlformats.org/officeDocument/2006/math" xmlns="" val="1"/>
-            </a:ext>
-          </a:extLst>
-        </p:spPr>
-        <p:txBody>
-          <a:bodyPr lIns="0" tIns="0" rIns="0" bIns="0" anchor="ctr"/>
-          <a:lstStyle>
-            <a:lvl1pPr algn="ctr">
-              <a:lnSpc>
-                <a:spcPct val="80000"/>
-              </a:lnSpc>
-              <a:spcBef>
-                <a:spcPts val="0"/>
-              </a:spcBef>
-              <a:buClr>
-                <a:schemeClr val="accent4">
-                  <a:hueOff val="384618"/>
-                  <a:satOff val="3869"/>
-                  <a:lumOff val="5802"/>
-                </a:schemeClr>
-              </a:buClr>
-              <a:defRPr>
-                <a:solidFill>
-                  <a:srgbClr val="FFFFFF"/>
-                </a:solidFill>
-              </a:defRPr>
-            </a:lvl1pPr>
-          </a:lstStyle>
-          <a:p>
-            <a:r>
-              <a:rPr lang="es-ES" b="0" dirty="0" err="1"/>
-              <a:t>Poison</a:t>
-            </a:r>
-            <a:endParaRPr lang="es-ES" b="0" dirty="0"/>
-          </a:p>
-          <a:p>
-            <a:r>
-              <a:rPr lang="es-ES" b="0" dirty="0" err="1"/>
-              <a:t>Geometric</a:t>
-            </a:r>
-            <a:endParaRPr lang="es-ES" b="0" dirty="0"/>
-          </a:p>
-          <a:p>
-            <a:r>
-              <a:rPr lang="es-ES" b="0" dirty="0" err="1"/>
-              <a:t>Neg</a:t>
-            </a:r>
-            <a:r>
-              <a:rPr lang="es-ES" b="0" dirty="0"/>
-              <a:t>. Binomial</a:t>
-            </a:r>
-          </a:p>
-        </p:txBody>
-      </p:sp>
-      <p:sp>
-        <p:nvSpPr>
-          <p:cNvPr id="55" name="Word balloons">
-            <a:extLst>
-              <a:ext uri="{FF2B5EF4-FFF2-40B4-BE49-F238E27FC236}">
-                <a16:creationId xmlns:a16="http://schemas.microsoft.com/office/drawing/2014/main" id="{02E47FE0-DEB1-C04F-94BB-CF0E76C6E0C5}"/>
-              </a:ext>
-            </a:extLst>
-          </p:cNvPr>
-          <p:cNvSpPr/>
-          <p:nvPr/>
-        </p:nvSpPr>
-        <p:spPr>
-          <a:xfrm>
-            <a:off x="11485364" y="5678875"/>
-            <a:ext cx="879873" cy="582614"/>
-          </a:xfrm>
-          <a:custGeom>
-            <a:avLst/>
-            <a:gdLst/>
-            <a:ahLst/>
-            <a:cxnLst>
-              <a:cxn ang="0">
-                <a:pos x="wd2" y="hd2"/>
-              </a:cxn>
-              <a:cxn ang="5400000">
-                <a:pos x="wd2" y="hd2"/>
-              </a:cxn>
-              <a:cxn ang="10800000">
-                <a:pos x="wd2" y="hd2"/>
-              </a:cxn>
-              <a:cxn ang="16200000">
-                <a:pos x="wd2" y="hd2"/>
-              </a:cxn>
-            </a:cxnLst>
-            <a:rect l="0" t="0" r="r" b="b"/>
-            <a:pathLst>
-              <a:path w="21600" h="21600" extrusionOk="0">
-                <a:moveTo>
-                  <a:pt x="15978" y="0"/>
-                </a:moveTo>
-                <a:lnTo>
-                  <a:pt x="12286" y="4959"/>
-                </a:lnTo>
-                <a:lnTo>
-                  <a:pt x="1832" y="4959"/>
-                </a:lnTo>
-                <a:cubicBezTo>
-                  <a:pt x="822" y="4959"/>
-                  <a:pt x="0" y="6200"/>
-                  <a:pt x="0" y="7725"/>
-                </a:cubicBezTo>
-                <a:lnTo>
-                  <a:pt x="0" y="18834"/>
-                </a:lnTo>
-                <a:cubicBezTo>
-                  <a:pt x="0" y="20358"/>
-                  <a:pt x="822" y="21600"/>
-                  <a:pt x="1832" y="21600"/>
-                </a:cubicBezTo>
-                <a:lnTo>
-                  <a:pt x="19778" y="21600"/>
-                </a:lnTo>
-                <a:cubicBezTo>
-                  <a:pt x="20787" y="21600"/>
-                  <a:pt x="21600" y="20358"/>
-                  <a:pt x="21600" y="18834"/>
-                </a:cubicBezTo>
-                <a:lnTo>
-                  <a:pt x="21600" y="7725"/>
-                </a:lnTo>
-                <a:cubicBezTo>
-                  <a:pt x="21600" y="6200"/>
-                  <a:pt x="20787" y="4959"/>
-                  <a:pt x="19778" y="4959"/>
-                </a:cubicBezTo>
-                <a:lnTo>
-                  <a:pt x="15248" y="4959"/>
-                </a:lnTo>
-                <a:lnTo>
-                  <a:pt x="15978" y="0"/>
-                </a:lnTo>
-                <a:close/>
-              </a:path>
-            </a:pathLst>
-          </a:custGeom>
-          <a:solidFill>
-            <a:srgbClr val="659FD5"/>
-          </a:solidFill>
-          <a:ln w="12700">
-            <a:miter lim="400000"/>
-          </a:ln>
-          <a:extLst>
-            <a:ext uri="{C572A759-6A51-4108-AA02-DFA0A04FC94B}">
-              <ma14:wrappingTextBoxFlag xmlns:ma14="http://schemas.microsoft.com/office/mac/drawingml/2011/main" xmlns:a14="http://schemas.microsoft.com/office/drawing/2010/main" xmlns:m="http://schemas.openxmlformats.org/officeDocument/2006/math" xmlns="" val="1"/>
-            </a:ext>
-          </a:extLst>
-        </p:spPr>
-        <p:txBody>
-          <a:bodyPr lIns="0" tIns="0" rIns="0" bIns="0" anchor="ctr"/>
-          <a:lstStyle>
-            <a:lvl1pPr algn="ctr">
-              <a:lnSpc>
-                <a:spcPct val="80000"/>
-              </a:lnSpc>
-              <a:spcBef>
-                <a:spcPts val="300"/>
-              </a:spcBef>
-              <a:buClr>
-                <a:schemeClr val="accent4">
-                  <a:hueOff val="384618"/>
-                  <a:satOff val="3869"/>
-                  <a:lumOff val="5802"/>
-                </a:schemeClr>
-              </a:buClr>
-              <a:defRPr>
-                <a:solidFill>
-                  <a:srgbClr val="FFFFFF"/>
-                </a:solidFill>
-              </a:defRPr>
-            </a:lvl1pPr>
-          </a:lstStyle>
-          <a:p>
-            <a:r>
-              <a:rPr lang="es-ES" b="0" dirty="0" err="1"/>
-              <a:t>estimation</a:t>
-            </a:r>
-            <a:r>
-              <a:rPr lang="es-ES" b="0" dirty="0"/>
-              <a:t> </a:t>
-            </a:r>
-            <a:r>
-              <a:rPr b="0" dirty="0"/>
-              <a:t> </a:t>
-            </a:r>
-            <a:r>
-              <a:rPr lang="es-ES" b="0" dirty="0" err="1"/>
-              <a:t>type</a:t>
-            </a:r>
-            <a:endParaRPr b="0" dirty="0"/>
-          </a:p>
-        </p:txBody>
-      </p:sp>
-      <p:pic>
-        <p:nvPicPr>
-          <p:cNvPr id="3" name="Picture 2" descr="Graphical user interface, text, application, email&#10;&#10;Description automatically generated">
-            <a:extLst>
-              <a:ext uri="{FF2B5EF4-FFF2-40B4-BE49-F238E27FC236}">
-                <a16:creationId xmlns:a16="http://schemas.microsoft.com/office/drawing/2014/main" id="{A722F1FF-FC46-B04D-AEBF-02CEBA012E6B}"/>
-              </a:ext>
-            </a:extLst>
-          </p:cNvPr>
-          <p:cNvPicPr>
-            <a:picLocks noChangeAspect="1"/>
-          </p:cNvPicPr>
-          <p:nvPr/>
-        </p:nvPicPr>
-        <p:blipFill>
-          <a:blip r:embed="rId4">
-            <a:extLst>
-              <a:ext uri="{28A0092B-C50C-407E-A947-70E740481C1C}">
-                <a14:useLocalDpi xmlns:a14="http://schemas.microsoft.com/office/drawing/2010/main" val="0"/>
-              </a:ext>
-            </a:extLst>
-          </a:blip>
-          <a:stretch>
-            <a:fillRect/>
-          </a:stretch>
-        </p:blipFill>
-        <p:spPr>
-          <a:xfrm>
-            <a:off x="2413873" y="5502864"/>
-            <a:ext cx="701410" cy="876369"/>
-          </a:xfrm>
-          <a:prstGeom prst="rect">
-            <a:avLst/>
-          </a:prstGeom>
-          <a:ln>
-            <a:solidFill>
-              <a:schemeClr val="tx1"/>
-            </a:solidFill>
-          </a:ln>
-        </p:spPr>
-      </p:pic>
-      <p:sp>
-        <p:nvSpPr>
-          <p:cNvPr id="60" name="Remember that the best cheatsheets are visual—not written—documents. Whenever possible use visual elements to make it easier for readers to find the information they need.">
-            <a:extLst>
-              <a:ext uri="{FF2B5EF4-FFF2-40B4-BE49-F238E27FC236}">
-                <a16:creationId xmlns:a16="http://schemas.microsoft.com/office/drawing/2014/main" id="{D5FC3F74-735B-7D4B-B95F-5B788ABB5828}"/>
+                <a16:creationId xmlns:a16="http://schemas.microsoft.com/office/drawing/2014/main" id="{CAA109D0-F6C8-7847-B3FE-69AE6033572F}"/>
               </a:ext>
             </a:extLst>
           </p:cNvPr>
@@ -8151,8 +6865,8 @@
         </p:nvSpPr>
         <p:spPr>
           <a:xfrm>
-            <a:off x="306211" y="5370303"/>
-            <a:ext cx="1882020" cy="410397"/>
+            <a:off x="212691" y="4782456"/>
+            <a:ext cx="3151795" cy="643661"/>
           </a:xfrm>
           <a:prstGeom prst="rect">
             <a:avLst/>
@@ -8162,7 +6876,7 @@
           </a:ln>
           <a:extLst>
             <a:ext uri="{C572A759-6A51-4108-AA02-DFA0A04FC94B}">
-              <ma14:wrappingTextBoxFlag xmlns:ma14="http://schemas.microsoft.com/office/mac/drawingml/2011/main" xmlns:a14="http://schemas.microsoft.com/office/drawing/2010/main" xmlns:m="http://schemas.openxmlformats.org/officeDocument/2006/math" xmlns="" val="1"/>
+              <ma14:wrappingTextBoxFlag xmlns="" xmlns:m="http://schemas.openxmlformats.org/officeDocument/2006/math" xmlns:a14="http://schemas.microsoft.com/office/drawing/2010/main" xmlns:ma14="http://schemas.microsoft.com/office/mac/drawingml/2011/main" val="1"/>
             </a:ext>
           </a:extLst>
         </p:spPr>
@@ -8172,417 +6886,91 @@
           </a:bodyPr>
           <a:lstStyle/>
           <a:p>
-            <a:pPr>
-              <a:lnSpc>
-                <a:spcPct val="90000"/>
-              </a:lnSpc>
-              <a:spcBef>
-                <a:spcPts val="0"/>
-              </a:spcBef>
-              <a:defRPr b="0">
-                <a:solidFill>
-                  <a:srgbClr val="000000"/>
-                </a:solidFill>
-              </a:defRPr>
-            </a:pPr>
-            <a:endParaRPr lang="es-ES" dirty="0"/>
-          </a:p>
-          <a:p>
-            <a:pPr>
-              <a:lnSpc>
-                <a:spcPct val="90000"/>
-              </a:lnSpc>
-              <a:spcBef>
-                <a:spcPts val="0"/>
-              </a:spcBef>
-              <a:defRPr b="0">
-                <a:solidFill>
-                  <a:srgbClr val="000000"/>
-                </a:solidFill>
-              </a:defRPr>
-            </a:pPr>
-            <a:endParaRPr lang="en-CL" dirty="0"/>
-          </a:p>
-        </p:txBody>
-      </p:sp>
-      <p:sp>
-        <p:nvSpPr>
-          <p:cNvPr id="7" name="TextBox 6">
-            <a:extLst>
-              <a:ext uri="{FF2B5EF4-FFF2-40B4-BE49-F238E27FC236}">
-                <a16:creationId xmlns:a16="http://schemas.microsoft.com/office/drawing/2014/main" id="{28685B6E-694A-2F41-94ED-2B2E197A6C05}"/>
-              </a:ext>
-            </a:extLst>
-          </p:cNvPr>
-          <p:cNvSpPr txBox="1"/>
-          <p:nvPr/>
-        </p:nvSpPr>
-        <p:spPr>
-          <a:xfrm>
-            <a:off x="295402" y="5856643"/>
-            <a:ext cx="1950019" cy="320520"/>
-          </a:xfrm>
-          <a:prstGeom prst="rect">
-            <a:avLst/>
-          </a:prstGeom>
-          <a:noFill/>
-          <a:ln w="12700" cap="flat">
-            <a:noFill/>
-            <a:miter lim="400000"/>
-          </a:ln>
-          <a:effectLst/>
-          <a:sp3d/>
-        </p:spPr>
-        <p:style>
-          <a:lnRef idx="0">
-            <a:scrgbClr r="0" g="0" b="0"/>
-          </a:lnRef>
-          <a:fillRef idx="0">
-            <a:scrgbClr r="0" g="0" b="0"/>
-          </a:fillRef>
-          <a:effectRef idx="0">
-            <a:scrgbClr r="0" g="0" b="0"/>
-          </a:effectRef>
-          <a:fontRef idx="none"/>
-        </p:style>
-        <p:txBody>
-          <a:bodyPr rot="0" spcFirstLastPara="1" vertOverflow="overflow" horzOverflow="overflow" vert="horz" wrap="square" lIns="54570" tIns="54570" rIns="54570" bIns="54570" numCol="1" spcCol="38100" rtlCol="0" anchor="ctr">
-            <a:spAutoFit/>
-          </a:bodyPr>
-          <a:lstStyle/>
-          <a:p>
-            <a:pPr marL="0" marR="0" indent="0" algn="l" defTabSz="584200" rtl="0" fontAlgn="auto" latinLnBrk="0" hangingPunct="0">
-              <a:lnSpc>
-                <a:spcPct val="100000"/>
-              </a:lnSpc>
-              <a:spcBef>
-                <a:spcPts val="200"/>
-              </a:spcBef>
-              <a:spcAft>
-                <a:spcPts val="0"/>
-              </a:spcAft>
-              <a:buClrTx/>
-              <a:buSzTx/>
-              <a:buFontTx/>
-              <a:buNone/>
-              <a:tabLst/>
-            </a:pPr>
-            <a:r>
-              <a:rPr kumimoji="0" lang="en-CL" sz="1200" b="0" i="0" u="none" strike="noStrike" cap="none" spc="0" normalizeH="0" baseline="0" dirty="0">
-                <a:ln>
-                  <a:noFill/>
-                </a:ln>
-                <a:solidFill>
-                  <a:srgbClr val="4C4C4C"/>
-                </a:solidFill>
-                <a:effectLst/>
-                <a:uFillTx/>
-                <a:latin typeface="Source Sans Pro"/>
-                <a:ea typeface="Source Sans Pro"/>
-                <a:cs typeface="Source Sans Pro"/>
-                <a:sym typeface="Source Sans Pro"/>
-              </a:rPr>
-              <a:t>help(package = “spINAR”)</a:t>
-            </a:r>
-          </a:p>
-        </p:txBody>
-      </p:sp>
-      <p:grpSp>
-        <p:nvGrpSpPr>
-          <p:cNvPr id="67" name="Group">
-            <a:extLst>
-              <a:ext uri="{FF2B5EF4-FFF2-40B4-BE49-F238E27FC236}">
-                <a16:creationId xmlns:a16="http://schemas.microsoft.com/office/drawing/2014/main" id="{A098320F-5546-3F47-9DF3-DA877D718E48}"/>
-              </a:ext>
-            </a:extLst>
-          </p:cNvPr>
-          <p:cNvGrpSpPr/>
-          <p:nvPr/>
-        </p:nvGrpSpPr>
-        <p:grpSpPr>
-          <a:xfrm>
-            <a:off x="243744" y="5580557"/>
-            <a:ext cx="2089938" cy="259172"/>
-            <a:chOff x="0" y="0"/>
-            <a:chExt cx="2483943" cy="276124"/>
-          </a:xfrm>
-        </p:grpSpPr>
-        <p:pic>
-          <p:nvPicPr>
-            <p:cNvPr id="68" name="Image" descr="Image">
-              <a:extLst>
-                <a:ext uri="{FF2B5EF4-FFF2-40B4-BE49-F238E27FC236}">
-                  <a16:creationId xmlns:a16="http://schemas.microsoft.com/office/drawing/2014/main" id="{BD89D956-FC1D-ED4C-A3EF-81361DC7F74B}"/>
-                </a:ext>
-              </a:extLst>
-            </p:cNvPr>
-            <p:cNvPicPr>
-              <a:picLocks noChangeAspect="1"/>
-            </p:cNvPicPr>
-            <p:nvPr/>
-          </p:nvPicPr>
-          <p:blipFill>
-            <a:blip r:embed="rId5"/>
-            <a:stretch>
-              <a:fillRect/>
-            </a:stretch>
-          </p:blipFill>
-          <p:spPr>
-            <a:xfrm>
-              <a:off x="0" y="0"/>
-              <a:ext cx="2483943" cy="276124"/>
-            </a:xfrm>
-            <a:prstGeom prst="rect">
-              <a:avLst/>
-            </a:prstGeom>
-            <a:ln w="12700" cap="flat">
-              <a:noFill/>
-              <a:miter lim="400000"/>
-            </a:ln>
-            <a:effectLst/>
-          </p:spPr>
-        </p:pic>
-        <p:sp>
-          <p:nvSpPr>
-            <p:cNvPr id="69" name="summary function">
-              <a:extLst>
-                <a:ext uri="{FF2B5EF4-FFF2-40B4-BE49-F238E27FC236}">
-                  <a16:creationId xmlns:a16="http://schemas.microsoft.com/office/drawing/2014/main" id="{A42B51F8-0073-AE41-968B-2D1458EEC2F1}"/>
-                </a:ext>
-              </a:extLst>
-            </p:cNvPr>
-            <p:cNvSpPr txBox="1"/>
-            <p:nvPr/>
-          </p:nvSpPr>
-          <p:spPr>
-            <a:xfrm>
-              <a:off x="169211" y="36983"/>
-              <a:ext cx="1267975" cy="150874"/>
-            </a:xfrm>
-            <a:prstGeom prst="rect">
-              <a:avLst/>
-            </a:prstGeom>
-            <a:noFill/>
-            <a:ln w="12700" cap="flat">
-              <a:noFill/>
-              <a:miter lim="400000"/>
-            </a:ln>
-            <a:effectLst/>
-            <a:extLst>
-              <a:ext uri="{C572A759-6A51-4108-AA02-DFA0A04FC94B}">
-                <ma14:wrappingTextBoxFlag xmlns:ma14="http://schemas.microsoft.com/office/mac/drawingml/2011/main" xmlns:a14="http://schemas.microsoft.com/office/drawing/2010/main" xmlns:m="http://schemas.openxmlformats.org/officeDocument/2006/math" xmlns="" val="1"/>
-              </a:ext>
-            </a:extLst>
-          </p:spPr>
-          <p:txBody>
-            <a:bodyPr wrap="none" lIns="0" tIns="0" rIns="0" bIns="0" numCol="1" anchor="t">
-              <a:spAutoFit/>
-            </a:bodyPr>
-            <a:lstStyle>
-              <a:lvl1pPr>
-                <a:lnSpc>
-                  <a:spcPct val="80000"/>
-                </a:lnSpc>
-                <a:spcBef>
-                  <a:spcPts val="0"/>
-                </a:spcBef>
-                <a:defRPr>
-                  <a:solidFill>
-                    <a:srgbClr val="000000"/>
-                  </a:solidFill>
-                </a:defRPr>
-              </a:lvl1pPr>
-            </a:lstStyle>
-            <a:p>
-              <a:r>
-                <a:rPr lang="es-ES" dirty="0"/>
-                <a:t>tutorial </a:t>
-              </a:r>
-              <a:r>
-                <a:rPr lang="es-ES" dirty="0" err="1"/>
-                <a:t>for</a:t>
-              </a:r>
-              <a:r>
-                <a:rPr lang="es-ES" dirty="0"/>
-                <a:t> </a:t>
-              </a:r>
-              <a:r>
-                <a:rPr lang="es-ES" dirty="0" err="1"/>
-                <a:t>spINAR</a:t>
-              </a:r>
-              <a:endParaRPr dirty="0"/>
-            </a:p>
-          </p:txBody>
-        </p:sp>
-      </p:grpSp>
-      <p:sp>
-        <p:nvSpPr>
-          <p:cNvPr id="72" name="can help explain">
-            <a:extLst>
-              <a:ext uri="{FF2B5EF4-FFF2-40B4-BE49-F238E27FC236}">
-                <a16:creationId xmlns:a16="http://schemas.microsoft.com/office/drawing/2014/main" id="{C04D485F-7A33-9B47-A292-76F4F80F7F92}"/>
-              </a:ext>
-            </a:extLst>
-          </p:cNvPr>
-          <p:cNvSpPr/>
-          <p:nvPr/>
-        </p:nvSpPr>
-        <p:spPr>
-          <a:xfrm>
-            <a:off x="11173850" y="8411685"/>
-            <a:ext cx="2216791" cy="578248"/>
-          </a:xfrm>
-          <a:custGeom>
-            <a:avLst/>
-            <a:gdLst/>
-            <a:ahLst/>
-            <a:cxnLst>
-              <a:cxn ang="0">
-                <a:pos x="wd2" y="hd2"/>
-              </a:cxn>
-              <a:cxn ang="5400000">
-                <a:pos x="wd2" y="hd2"/>
-              </a:cxn>
-              <a:cxn ang="10800000">
-                <a:pos x="wd2" y="hd2"/>
-              </a:cxn>
-              <a:cxn ang="16200000">
-                <a:pos x="wd2" y="hd2"/>
-              </a:cxn>
-            </a:cxnLst>
-            <a:rect l="0" t="0" r="r" b="b"/>
-            <a:pathLst>
-              <a:path w="21600" h="21600" extrusionOk="0">
-                <a:moveTo>
-                  <a:pt x="10698" y="0"/>
-                </a:moveTo>
-                <a:lnTo>
-                  <a:pt x="9519" y="4996"/>
-                </a:lnTo>
-                <a:lnTo>
-                  <a:pt x="1832" y="4996"/>
-                </a:lnTo>
-                <a:cubicBezTo>
-                  <a:pt x="822" y="4996"/>
-                  <a:pt x="0" y="6247"/>
-                  <a:pt x="0" y="7783"/>
-                </a:cubicBezTo>
-                <a:lnTo>
-                  <a:pt x="0" y="18813"/>
-                </a:lnTo>
-                <a:cubicBezTo>
-                  <a:pt x="0" y="20349"/>
-                  <a:pt x="822" y="21600"/>
-                  <a:pt x="1832" y="21600"/>
-                </a:cubicBezTo>
-                <a:lnTo>
-                  <a:pt x="19778" y="21600"/>
-                </a:lnTo>
-                <a:cubicBezTo>
-                  <a:pt x="20787" y="21600"/>
-                  <a:pt x="21600" y="20349"/>
-                  <a:pt x="21600" y="18813"/>
-                </a:cubicBezTo>
-                <a:lnTo>
-                  <a:pt x="21600" y="7783"/>
-                </a:lnTo>
-                <a:cubicBezTo>
-                  <a:pt x="21600" y="6247"/>
-                  <a:pt x="20787" y="4996"/>
-                  <a:pt x="19778" y="4996"/>
-                </a:cubicBezTo>
-                <a:lnTo>
-                  <a:pt x="11964" y="4996"/>
-                </a:lnTo>
-                <a:lnTo>
-                  <a:pt x="10698" y="0"/>
-                </a:lnTo>
-                <a:close/>
-              </a:path>
-            </a:pathLst>
-          </a:custGeom>
-          <a:solidFill>
-            <a:srgbClr val="659FD5"/>
-          </a:solidFill>
-          <a:ln w="12700">
-            <a:miter lim="400000"/>
-          </a:ln>
-          <a:extLst>
-            <a:ext uri="{C572A759-6A51-4108-AA02-DFA0A04FC94B}">
-              <ma14:wrappingTextBoxFlag xmlns:ma14="http://schemas.microsoft.com/office/mac/drawingml/2011/main" xmlns:a14="http://schemas.microsoft.com/office/drawing/2010/main" xmlns:m="http://schemas.openxmlformats.org/officeDocument/2006/math" xmlns="" val="1"/>
-            </a:ext>
-          </a:extLst>
-        </p:spPr>
-        <p:txBody>
-          <a:bodyPr lIns="0" tIns="0" rIns="0" bIns="0" anchor="ctr"/>
-          <a:lstStyle>
-            <a:lvl1pPr algn="ctr">
-              <a:lnSpc>
-                <a:spcPct val="80000"/>
-              </a:lnSpc>
-              <a:spcBef>
-                <a:spcPts val="0"/>
-              </a:spcBef>
-              <a:buClr>
-                <a:schemeClr val="accent4">
-                  <a:hueOff val="384618"/>
-                  <a:satOff val="3869"/>
-                  <a:lumOff val="5802"/>
-                </a:schemeClr>
-              </a:buClr>
-              <a:defRPr>
-                <a:solidFill>
-                  <a:srgbClr val="FFFFFF"/>
-                </a:solidFill>
-              </a:defRPr>
-            </a:lvl1pPr>
-          </a:lstStyle>
-          <a:p>
-            <a:r>
-              <a:rPr lang="es-ES" b="0" dirty="0" err="1"/>
-              <a:t>initial</a:t>
-            </a:r>
-            <a:r>
-              <a:rPr lang="es-ES" b="0" dirty="0"/>
+            <a:r>
+              <a:rPr lang="de-DE" b="0" dirty="0">
+                <a:solidFill>
+                  <a:srgbClr val="24292F"/>
+                </a:solidFill>
+                <a:latin typeface=""/>
+              </a:rPr>
+              <a:t>See Readme file in Github repository </a:t>
+            </a:r>
+          </a:p>
+          <a:p>
+            <a:r>
+              <a:rPr lang="de-DE" b="0" dirty="0" smtClean="0">
+                <a:solidFill>
+                  <a:srgbClr val="24292F"/>
+                </a:solidFill>
+                <a:latin typeface=""/>
+              </a:rPr>
+              <a:t>MFaymon/spINAR </a:t>
+            </a:r>
+            <a:r>
+              <a:rPr lang="de-DE" b="0" dirty="0" err="1" smtClean="0">
+                <a:solidFill>
+                  <a:srgbClr val="24292F"/>
+                </a:solidFill>
+                <a:latin typeface=""/>
+              </a:rPr>
+              <a:t>or</a:t>
+            </a:r>
+            <a:r>
+              <a:rPr lang="de-DE" b="0" dirty="0" smtClean="0">
+                <a:solidFill>
+                  <a:srgbClr val="24292F"/>
+                </a:solidFill>
+                <a:latin typeface=""/>
+              </a:rPr>
               <a:t> </a:t>
             </a:r>
-            <a:r>
-              <a:rPr lang="es-ES" b="0" dirty="0" err="1"/>
-              <a:t>values</a:t>
-            </a:r>
-            <a:r>
-              <a:rPr lang="es-ES" b="0" dirty="0"/>
-              <a:t> </a:t>
-            </a:r>
-            <a:r>
-              <a:rPr lang="es-ES" b="0" dirty="0" err="1"/>
-              <a:t>for</a:t>
-            </a:r>
-            <a:r>
-              <a:rPr lang="es-ES" b="0" dirty="0"/>
-              <a:t> </a:t>
-            </a:r>
-            <a:r>
-              <a:rPr lang="es-ES" b="0" dirty="0" err="1"/>
-              <a:t>the</a:t>
-            </a:r>
-            <a:r>
-              <a:rPr lang="es-ES" b="0" dirty="0"/>
-              <a:t> </a:t>
-            </a:r>
-            <a:r>
-              <a:rPr lang="es-ES" b="0" dirty="0" err="1"/>
-              <a:t>penalized</a:t>
-            </a:r>
-            <a:r>
-              <a:rPr lang="es-ES" b="0" dirty="0"/>
-              <a:t> </a:t>
-            </a:r>
-            <a:r>
-              <a:rPr lang="es-ES" b="0" dirty="0" err="1"/>
-              <a:t>parameters</a:t>
-            </a:r>
-            <a:endParaRPr b="0" dirty="0"/>
+            <a:endParaRPr lang="de-DE" b="0" dirty="0">
+              <a:solidFill>
+                <a:srgbClr val="24292F"/>
+              </a:solidFill>
+              <a:latin typeface=""/>
+            </a:endParaRPr>
+          </a:p>
+          <a:p>
+            <a:r>
+              <a:rPr lang="de-DE" b="0" i="1" dirty="0" smtClean="0"/>
+              <a:t>&gt; </a:t>
+            </a:r>
+            <a:r>
+              <a:rPr lang="en-CL" b="0" i="1" dirty="0" smtClean="0"/>
+              <a:t>help(package </a:t>
+            </a:r>
+            <a:r>
+              <a:rPr lang="en-CL" b="0" i="1" dirty="0"/>
+              <a:t>= “spINAR”)</a:t>
+            </a:r>
+          </a:p>
+          <a:p>
+            <a:pPr algn="l"/>
+            <a:endParaRPr lang="de-DE" b="0" dirty="0">
+              <a:solidFill>
+                <a:srgbClr val="24292F"/>
+              </a:solidFill>
+              <a:latin typeface=""/>
+            </a:endParaRPr>
+          </a:p>
+          <a:p>
+            <a:pPr algn="l"/>
+            <a:endParaRPr lang="de-DE" b="0" dirty="0" smtClean="0">
+              <a:solidFill>
+                <a:srgbClr val="24292F"/>
+              </a:solidFill>
+              <a:latin typeface=""/>
+            </a:endParaRPr>
+          </a:p>
+          <a:p>
+            <a:pPr algn="l"/>
+            <a:endParaRPr lang="de-DE" b="0" dirty="0">
+              <a:solidFill>
+                <a:srgbClr val="24292F"/>
+              </a:solidFill>
+              <a:latin typeface=""/>
+            </a:endParaRPr>
           </a:p>
         </p:txBody>
       </p:sp>

--- a/img_readme/cheat_sheet_spINAR.pptx
+++ b/img_readme/cheat_sheet_spINAR.pptx
@@ -2124,7 +2124,7 @@
           </a:ln>
           <a:extLst>
             <a:ext uri="{C572A759-6A51-4108-AA02-DFA0A04FC94B}">
-              <ma14:wrappingTextBoxFlag xmlns="" xmlns:m="http://schemas.openxmlformats.org/officeDocument/2006/math" xmlns:a14="http://schemas.microsoft.com/office/drawing/2010/main" xmlns:ma14="http://schemas.microsoft.com/office/mac/drawingml/2011/main" val="1"/>
+              <ma14:wrappingTextBoxFlag xmlns:ma14="http://schemas.microsoft.com/office/mac/drawingml/2011/main" xmlns:a14="http://schemas.microsoft.com/office/drawing/2010/main" xmlns:m="http://schemas.openxmlformats.org/officeDocument/2006/math" xmlns="" val="1"/>
             </a:ext>
           </a:extLst>
         </p:spPr>
@@ -2163,7 +2163,7 @@
           </a:ln>
           <a:extLst>
             <a:ext uri="{C572A759-6A51-4108-AA02-DFA0A04FC94B}">
-              <ma14:wrappingTextBoxFlag xmlns="" xmlns:m="http://schemas.openxmlformats.org/officeDocument/2006/math" xmlns:a14="http://schemas.microsoft.com/office/drawing/2010/main" xmlns:ma14="http://schemas.microsoft.com/office/mac/drawingml/2011/main" val="1"/>
+              <ma14:wrappingTextBoxFlag xmlns:ma14="http://schemas.microsoft.com/office/mac/drawingml/2011/main" xmlns:a14="http://schemas.microsoft.com/office/drawing/2010/main" xmlns:m="http://schemas.openxmlformats.org/officeDocument/2006/math" xmlns="" val="1"/>
             </a:ext>
           </a:extLst>
         </p:spPr>
@@ -3256,7 +3256,7 @@
           </a:ln>
           <a:extLst>
             <a:ext uri="{C572A759-6A51-4108-AA02-DFA0A04FC94B}">
-              <ma14:wrappingTextBoxFlag xmlns="" xmlns:m="http://schemas.openxmlformats.org/officeDocument/2006/math" xmlns:a14="http://schemas.microsoft.com/office/drawing/2010/main" xmlns:ma14="http://schemas.microsoft.com/office/mac/drawingml/2011/main" val="1"/>
+              <ma14:wrappingTextBoxFlag xmlns:ma14="http://schemas.microsoft.com/office/mac/drawingml/2011/main" xmlns:a14="http://schemas.microsoft.com/office/drawing/2010/main" xmlns:m="http://schemas.openxmlformats.org/officeDocument/2006/math" xmlns="" val="1"/>
             </a:ext>
           </a:extLst>
         </p:spPr>
@@ -3306,7 +3306,7 @@
           </a:ln>
           <a:extLst>
             <a:ext uri="{C572A759-6A51-4108-AA02-DFA0A04FC94B}">
-              <ma14:wrappingTextBoxFlag xmlns="" xmlns:m="http://schemas.openxmlformats.org/officeDocument/2006/math" xmlns:a14="http://schemas.microsoft.com/office/drawing/2010/main" xmlns:ma14="http://schemas.microsoft.com/office/mac/drawingml/2011/main" val="1"/>
+              <ma14:wrappingTextBoxFlag xmlns:ma14="http://schemas.microsoft.com/office/mac/drawingml/2011/main" xmlns:a14="http://schemas.microsoft.com/office/drawing/2010/main" xmlns:m="http://schemas.openxmlformats.org/officeDocument/2006/math" xmlns="" val="1"/>
             </a:ext>
           </a:extLst>
         </p:spPr>
@@ -3352,7 +3352,7 @@
           </a:ln>
           <a:extLst>
             <a:ext uri="{C572A759-6A51-4108-AA02-DFA0A04FC94B}">
-              <ma14:wrappingTextBoxFlag xmlns="" xmlns:m="http://schemas.openxmlformats.org/officeDocument/2006/math" xmlns:a14="http://schemas.microsoft.com/office/drawing/2010/main" xmlns:ma14="http://schemas.microsoft.com/office/mac/drawingml/2011/main" val="1"/>
+              <ma14:wrappingTextBoxFlag xmlns:ma14="http://schemas.microsoft.com/office/mac/drawingml/2011/main" xmlns:a14="http://schemas.microsoft.com/office/drawing/2010/main" xmlns:m="http://schemas.openxmlformats.org/officeDocument/2006/math" xmlns="" val="1"/>
             </a:ext>
           </a:extLst>
         </p:spPr>
@@ -3415,13 +3415,7 @@
               <a:rPr lang="es-ES" i="1" dirty="0" smtClean="0">
                 <a:latin typeface="+mn-lt"/>
               </a:rPr>
-              <a:t>&gt; </a:t>
-            </a:r>
-            <a:r>
-              <a:rPr lang="es-ES" i="1" dirty="0" smtClean="0">
-                <a:latin typeface="+mn-lt"/>
-              </a:rPr>
-              <a:t>devtools</a:t>
+              <a:t>&gt; devtools</a:t>
             </a:r>
             <a:r>
               <a:rPr lang="es-ES" i="1" dirty="0">
@@ -3728,7 +3722,7 @@
           </a:ln>
           <a:extLst>
             <a:ext uri="{C572A759-6A51-4108-AA02-DFA0A04FC94B}">
-              <ma14:wrappingTextBoxFlag xmlns="" xmlns:m="http://schemas.openxmlformats.org/officeDocument/2006/math" xmlns:a14="http://schemas.microsoft.com/office/drawing/2010/main" xmlns:ma14="http://schemas.microsoft.com/office/mac/drawingml/2011/main" val="1"/>
+              <ma14:wrappingTextBoxFlag xmlns:ma14="http://schemas.microsoft.com/office/mac/drawingml/2011/main" xmlns:a14="http://schemas.microsoft.com/office/drawing/2010/main" xmlns:m="http://schemas.openxmlformats.org/officeDocument/2006/math" xmlns="" val="1"/>
             </a:ext>
           </a:extLst>
         </p:spPr>
@@ -3810,7 +3804,7 @@
           </a:ln>
           <a:extLst>
             <a:ext uri="{C572A759-6A51-4108-AA02-DFA0A04FC94B}">
-              <ma14:wrappingTextBoxFlag xmlns="" xmlns:m="http://schemas.openxmlformats.org/officeDocument/2006/math" xmlns:a14="http://schemas.microsoft.com/office/drawing/2010/main" xmlns:ma14="http://schemas.microsoft.com/office/mac/drawingml/2011/main" val="1"/>
+              <ma14:wrappingTextBoxFlag xmlns:ma14="http://schemas.microsoft.com/office/mac/drawingml/2011/main" xmlns:a14="http://schemas.microsoft.com/office/drawing/2010/main" xmlns:m="http://schemas.openxmlformats.org/officeDocument/2006/math" xmlns="" val="1"/>
             </a:ext>
           </a:extLst>
         </p:spPr>
@@ -3860,7 +3854,7 @@
           </a:ln>
           <a:extLst>
             <a:ext uri="{C572A759-6A51-4108-AA02-DFA0A04FC94B}">
-              <ma14:wrappingTextBoxFlag xmlns="" xmlns:m="http://schemas.openxmlformats.org/officeDocument/2006/math" xmlns:a14="http://schemas.microsoft.com/office/drawing/2010/main" xmlns:ma14="http://schemas.microsoft.com/office/mac/drawingml/2011/main" val="1"/>
+              <ma14:wrappingTextBoxFlag xmlns:ma14="http://schemas.microsoft.com/office/mac/drawingml/2011/main" xmlns:a14="http://schemas.microsoft.com/office/drawing/2010/main" xmlns:m="http://schemas.openxmlformats.org/officeDocument/2006/math" xmlns="" val="1"/>
             </a:ext>
           </a:extLst>
         </p:spPr>
@@ -3927,7 +3921,7 @@
           </a:ln>
           <a:extLst>
             <a:ext uri="{C572A759-6A51-4108-AA02-DFA0A04FC94B}">
-              <ma14:wrappingTextBoxFlag xmlns="" xmlns:m="http://schemas.openxmlformats.org/officeDocument/2006/math" xmlns:a14="http://schemas.microsoft.com/office/drawing/2010/main" xmlns:ma14="http://schemas.microsoft.com/office/mac/drawingml/2011/main" val="1"/>
+              <ma14:wrappingTextBoxFlag xmlns:ma14="http://schemas.microsoft.com/office/mac/drawingml/2011/main" xmlns:a14="http://schemas.microsoft.com/office/drawing/2010/main" xmlns:m="http://schemas.openxmlformats.org/officeDocument/2006/math" xmlns="" val="1"/>
             </a:ext>
           </a:extLst>
         </p:spPr>
@@ -4040,7 +4034,7 @@
           <a:effectLst/>
           <a:extLst>
             <a:ext uri="{C572A759-6A51-4108-AA02-DFA0A04FC94B}">
-              <ma14:wrappingTextBoxFlag xmlns="" xmlns:m="http://schemas.openxmlformats.org/officeDocument/2006/math" xmlns:a14="http://schemas.microsoft.com/office/drawing/2010/main" xmlns:ma14="http://schemas.microsoft.com/office/mac/drawingml/2011/main" val="1"/>
+              <ma14:wrappingTextBoxFlag xmlns:ma14="http://schemas.microsoft.com/office/mac/drawingml/2011/main" xmlns:a14="http://schemas.microsoft.com/office/drawing/2010/main" xmlns:m="http://schemas.openxmlformats.org/officeDocument/2006/math" xmlns="" val="1"/>
             </a:ext>
           </a:extLst>
         </p:spPr>
@@ -4150,7 +4144,7 @@
           </a:ln>
           <a:extLst>
             <a:ext uri="{C572A759-6A51-4108-AA02-DFA0A04FC94B}">
-              <ma14:wrappingTextBoxFlag xmlns="" xmlns:m="http://schemas.openxmlformats.org/officeDocument/2006/math" xmlns:a14="http://schemas.microsoft.com/office/drawing/2010/main" xmlns:ma14="http://schemas.microsoft.com/office/mac/drawingml/2011/main" val="1"/>
+              <ma14:wrappingTextBoxFlag xmlns:ma14="http://schemas.microsoft.com/office/mac/drawingml/2011/main" xmlns:a14="http://schemas.microsoft.com/office/drawing/2010/main" xmlns:m="http://schemas.openxmlformats.org/officeDocument/2006/math" xmlns="" val="1"/>
             </a:ext>
           </a:extLst>
         </p:spPr>
@@ -4206,7 +4200,7 @@
           </a:ln>
           <a:extLst>
             <a:ext uri="{C572A759-6A51-4108-AA02-DFA0A04FC94B}">
-              <ma14:wrappingTextBoxFlag xmlns="" xmlns:m="http://schemas.openxmlformats.org/officeDocument/2006/math" xmlns:a14="http://schemas.microsoft.com/office/drawing/2010/main" xmlns:ma14="http://schemas.microsoft.com/office/mac/drawingml/2011/main" val="1"/>
+              <ma14:wrappingTextBoxFlag xmlns:ma14="http://schemas.microsoft.com/office/mac/drawingml/2011/main" xmlns:a14="http://schemas.microsoft.com/office/drawing/2010/main" xmlns:m="http://schemas.openxmlformats.org/officeDocument/2006/math" xmlns="" val="1"/>
             </a:ext>
           </a:extLst>
         </p:spPr>
@@ -4262,7 +4256,7 @@
           </a:ln>
           <a:extLst>
             <a:ext uri="{C572A759-6A51-4108-AA02-DFA0A04FC94B}">
-              <ma14:wrappingTextBoxFlag xmlns="" xmlns:m="http://schemas.openxmlformats.org/officeDocument/2006/math" xmlns:a14="http://schemas.microsoft.com/office/drawing/2010/main" xmlns:ma14="http://schemas.microsoft.com/office/mac/drawingml/2011/main" val="1"/>
+              <ma14:wrappingTextBoxFlag xmlns:ma14="http://schemas.microsoft.com/office/mac/drawingml/2011/main" xmlns:a14="http://schemas.microsoft.com/office/drawing/2010/main" xmlns:m="http://schemas.openxmlformats.org/officeDocument/2006/math" xmlns="" val="1"/>
             </a:ext>
           </a:extLst>
         </p:spPr>
@@ -4349,7 +4343,7 @@
           <a:effectLst/>
           <a:extLst>
             <a:ext uri="{C572A759-6A51-4108-AA02-DFA0A04FC94B}">
-              <ma14:wrappingTextBoxFlag xmlns="" xmlns:m="http://schemas.openxmlformats.org/officeDocument/2006/math" xmlns:a14="http://schemas.microsoft.com/office/drawing/2010/main" xmlns:ma14="http://schemas.microsoft.com/office/mac/drawingml/2011/main" val="1"/>
+              <ma14:wrappingTextBoxFlag xmlns:ma14="http://schemas.microsoft.com/office/mac/drawingml/2011/main" xmlns:a14="http://schemas.microsoft.com/office/drawing/2010/main" xmlns:m="http://schemas.openxmlformats.org/officeDocument/2006/math" xmlns="" val="1"/>
             </a:ext>
           </a:extLst>
         </p:spPr>
@@ -4632,7 +4626,7 @@
           <a:effectLst/>
           <a:extLst>
             <a:ext uri="{C572A759-6A51-4108-AA02-DFA0A04FC94B}">
-              <ma14:wrappingTextBoxFlag xmlns="" xmlns:m="http://schemas.openxmlformats.org/officeDocument/2006/math" xmlns:a14="http://schemas.microsoft.com/office/drawing/2010/main" xmlns:ma14="http://schemas.microsoft.com/office/mac/drawingml/2011/main" val="1"/>
+              <ma14:wrappingTextBoxFlag xmlns:ma14="http://schemas.microsoft.com/office/mac/drawingml/2011/main" xmlns:a14="http://schemas.microsoft.com/office/drawing/2010/main" xmlns:m="http://schemas.openxmlformats.org/officeDocument/2006/math" xmlns="" val="1"/>
             </a:ext>
           </a:extLst>
         </p:spPr>
@@ -4674,17 +4668,7 @@
                 <a:latin typeface="Source Sans Pro" panose="020B0503030403020204" pitchFamily="34" charset="0"/>
                 <a:ea typeface="Source Sans Pro" panose="020B0503030403020204" pitchFamily="34" charset="0"/>
               </a:rPr>
-              <a:t>O</a:t>
-            </a:r>
-            <a:r>
-              <a:rPr lang="en-US" sz="1400" dirty="0" smtClean="0">
-                <a:solidFill>
-                  <a:schemeClr val="tx1"/>
-                </a:solidFill>
-                <a:latin typeface="Source Sans Pro" panose="020B0503030403020204" pitchFamily="34" charset="0"/>
-                <a:ea typeface="Source Sans Pro" panose="020B0503030403020204" pitchFamily="34" charset="0"/>
-              </a:rPr>
-              <a:t>utput: </a:t>
+              <a:t>Output: </a:t>
             </a:r>
             <a:r>
               <a:rPr lang="en-US" sz="1400" b="0" dirty="0" smtClean="0">
@@ -4736,7 +4720,7 @@
           <a:effectLst/>
           <a:extLst>
             <a:ext uri="{C572A759-6A51-4108-AA02-DFA0A04FC94B}">
-              <ma14:wrappingTextBoxFlag xmlns="" xmlns:m="http://schemas.openxmlformats.org/officeDocument/2006/math" xmlns:a14="http://schemas.microsoft.com/office/drawing/2010/main" xmlns:ma14="http://schemas.microsoft.com/office/mac/drawingml/2011/main" val="1"/>
+              <ma14:wrappingTextBoxFlag xmlns:ma14="http://schemas.microsoft.com/office/mac/drawingml/2011/main" xmlns:a14="http://schemas.microsoft.com/office/drawing/2010/main" xmlns:m="http://schemas.openxmlformats.org/officeDocument/2006/math" xmlns="" val="1"/>
             </a:ext>
           </a:extLst>
         </p:spPr>
@@ -4855,7 +4839,7 @@
           </a:ln>
           <a:extLst>
             <a:ext uri="{C572A759-6A51-4108-AA02-DFA0A04FC94B}">
-              <ma14:wrappingTextBoxFlag xmlns="" xmlns:m="http://schemas.openxmlformats.org/officeDocument/2006/math" xmlns:a14="http://schemas.microsoft.com/office/drawing/2010/main" xmlns:ma14="http://schemas.microsoft.com/office/mac/drawingml/2011/main" val="1"/>
+              <ma14:wrappingTextBoxFlag xmlns:ma14="http://schemas.microsoft.com/office/mac/drawingml/2011/main" xmlns:a14="http://schemas.microsoft.com/office/drawing/2010/main" xmlns:m="http://schemas.openxmlformats.org/officeDocument/2006/math" xmlns="" val="1"/>
             </a:ext>
           </a:extLst>
         </p:spPr>
@@ -4925,7 +4909,7 @@
           </a:ln>
           <a:extLst>
             <a:ext uri="{C572A759-6A51-4108-AA02-DFA0A04FC94B}">
-              <ma14:wrappingTextBoxFlag xmlns="" xmlns:m="http://schemas.openxmlformats.org/officeDocument/2006/math" xmlns:a14="http://schemas.microsoft.com/office/drawing/2010/main" xmlns:ma14="http://schemas.microsoft.com/office/mac/drawingml/2011/main" val="1"/>
+              <ma14:wrappingTextBoxFlag xmlns:ma14="http://schemas.microsoft.com/office/mac/drawingml/2011/main" xmlns:a14="http://schemas.microsoft.com/office/drawing/2010/main" xmlns:m="http://schemas.openxmlformats.org/officeDocument/2006/math" xmlns="" val="1"/>
             </a:ext>
           </a:extLst>
         </p:spPr>
@@ -4957,17 +4941,7 @@
                   </a:schemeClr>
                 </a:solidFill>
               </a:rPr>
-              <a:t>spinar</a:t>
-            </a:r>
-            <a:r>
-              <a:rPr lang="es-ES" dirty="0" smtClean="0">
-                <a:solidFill>
-                  <a:schemeClr val="tx1">
-                    <a:lumMod val="50000"/>
-                  </a:schemeClr>
-                </a:solidFill>
-              </a:rPr>
-              <a:t>_est_param</a:t>
+              <a:t>spinar_est_param</a:t>
             </a:r>
             <a:r>
               <a:rPr dirty="0" smtClean="0">
@@ -5088,7 +5062,7 @@
           </a:ln>
           <a:extLst>
             <a:ext uri="{C572A759-6A51-4108-AA02-DFA0A04FC94B}">
-              <ma14:wrappingTextBoxFlag xmlns="" xmlns:m="http://schemas.openxmlformats.org/officeDocument/2006/math" xmlns:a14="http://schemas.microsoft.com/office/drawing/2010/main" xmlns:ma14="http://schemas.microsoft.com/office/mac/drawingml/2011/main" val="1"/>
+              <ma14:wrappingTextBoxFlag xmlns:ma14="http://schemas.microsoft.com/office/mac/drawingml/2011/main" xmlns:a14="http://schemas.microsoft.com/office/drawing/2010/main" xmlns:m="http://schemas.openxmlformats.org/officeDocument/2006/math" xmlns="" val="1"/>
             </a:ext>
           </a:extLst>
         </p:spPr>
@@ -5133,7 +5107,7 @@
         </p:nvSpPr>
         <p:spPr>
           <a:xfrm>
-            <a:off x="207267" y="5952391"/>
+            <a:off x="129460" y="5873470"/>
             <a:ext cx="3025059" cy="4542188"/>
           </a:xfrm>
           <a:prstGeom prst="rect">
@@ -5153,7 +5127,7 @@
           </a:ln>
           <a:extLst>
             <a:ext uri="{C572A759-6A51-4108-AA02-DFA0A04FC94B}">
-              <ma14:wrappingTextBoxFlag xmlns="" xmlns:m="http://schemas.openxmlformats.org/officeDocument/2006/math" xmlns:a14="http://schemas.microsoft.com/office/drawing/2010/main" xmlns:ma14="http://schemas.microsoft.com/office/mac/drawingml/2011/main" val="1"/>
+              <ma14:wrappingTextBoxFlag xmlns:ma14="http://schemas.microsoft.com/office/mac/drawingml/2011/main" xmlns:a14="http://schemas.microsoft.com/office/drawing/2010/main" xmlns:m="http://schemas.openxmlformats.org/officeDocument/2006/math" xmlns="" val="1"/>
             </a:ext>
           </a:extLst>
         </p:spPr>
@@ -5365,7 +5339,25 @@
               <a:rPr lang="es-ES" dirty="0">
                 <a:latin typeface="Menlo"/>
               </a:rPr>
-              <a:t>number of additional observations (needed to ensure stationarity)</a:t>
+              <a:t>number of additional observations </a:t>
+            </a:r>
+            <a:r>
+              <a:rPr lang="es-ES" i="1" dirty="0" smtClean="0">
+                <a:latin typeface="Menlo"/>
+              </a:rPr>
+              <a:t>type</a:t>
+            </a:r>
+            <a:r>
+              <a:rPr lang="es-ES" dirty="0" smtClean="0">
+                <a:latin typeface="Menlo"/>
+              </a:rPr>
+              <a:t>: </a:t>
+            </a:r>
+            <a:r>
+              <a:rPr lang="es-ES" dirty="0">
+                <a:latin typeface="Menlo"/>
+              </a:rPr>
+              <a:t>estimation type (moment- or maximum likelihood-based)</a:t>
             </a:r>
           </a:p>
           <a:p>
@@ -5389,19 +5381,13 @@
               <a:rPr lang="es-ES" i="1" dirty="0" smtClean="0">
                 <a:latin typeface="Menlo"/>
               </a:rPr>
-              <a:t>type</a:t>
+              <a:t>distr</a:t>
             </a:r>
             <a:r>
               <a:rPr lang="es-ES" dirty="0" smtClean="0">
                 <a:latin typeface="Menlo"/>
               </a:rPr>
-              <a:t>: </a:t>
-            </a:r>
-            <a:r>
-              <a:rPr lang="es-ES" dirty="0">
-                <a:latin typeface="Menlo"/>
-              </a:rPr>
-              <a:t>estimation type (moment- or maximum likelihood-based)</a:t>
+              <a:t>: parametric family of distributions (Poisson, geometric or negative binomial)</a:t>
             </a:r>
           </a:p>
           <a:p>
@@ -5425,13 +5411,19 @@
               <a:rPr lang="es-ES" i="1" dirty="0" smtClean="0">
                 <a:latin typeface="Menlo"/>
               </a:rPr>
-              <a:t>distr</a:t>
+              <a:t>B</a:t>
             </a:r>
             <a:r>
               <a:rPr lang="es-ES" dirty="0" smtClean="0">
                 <a:latin typeface="Menlo"/>
               </a:rPr>
-              <a:t>: parametric family of distributions (Poisson, geometric or negative binomial)</a:t>
+              <a:t>: number of bootstrap </a:t>
+            </a:r>
+            <a:r>
+              <a:rPr lang="es-ES" dirty="0" smtClean="0">
+                <a:latin typeface="Menlo"/>
+              </a:rPr>
+              <a:t>replicates</a:t>
             </a:r>
           </a:p>
           <a:p>
@@ -5452,16 +5444,22 @@
               </a:defRPr>
             </a:pPr>
             <a:r>
-              <a:rPr lang="es-ES" i="1" dirty="0" smtClean="0">
+              <a:rPr lang="es-ES" i="1" dirty="0">
                 <a:latin typeface="Menlo"/>
               </a:rPr>
-              <a:t>B</a:t>
+              <a:t>setting</a:t>
+            </a:r>
+            <a:r>
+              <a:rPr lang="es-ES" dirty="0">
+                <a:latin typeface="Menlo"/>
+              </a:rPr>
+              <a:t>: semiparametric or </a:t>
             </a:r>
             <a:r>
               <a:rPr lang="es-ES" dirty="0" smtClean="0">
                 <a:latin typeface="Menlo"/>
               </a:rPr>
-              <a:t>: number of bootstrap replicates</a:t>
+              <a:t>parametric</a:t>
             </a:r>
           </a:p>
           <a:p>
@@ -5482,23 +5480,20 @@
               </a:defRPr>
             </a:pPr>
             <a:r>
-              <a:rPr lang="es-ES" i="1" dirty="0">
-                <a:latin typeface="Menlo"/>
-              </a:rPr>
-              <a:t>p</a:t>
-            </a:r>
-            <a:r>
               <a:rPr lang="es-ES" i="1" dirty="0" smtClean="0">
                 <a:latin typeface="Menlo"/>
               </a:rPr>
-              <a:t>enal1</a:t>
+              <a:t>M</a:t>
             </a:r>
             <a:r>
               <a:rPr lang="es-ES" dirty="0" smtClean="0">
                 <a:latin typeface="Menlo"/>
               </a:rPr>
-              <a:t> : L1 penalization parameter</a:t>
-            </a:r>
+              <a:t>: upper limit for innovations</a:t>
+            </a:r>
+            <a:endParaRPr lang="es-ES" dirty="0" smtClean="0">
+              <a:latin typeface="Menlo"/>
+            </a:endParaRPr>
           </a:p>
           <a:p>
             <a:pPr marL="171450" indent="-171450">
@@ -5527,13 +5522,13 @@
               <a:rPr lang="es-ES" i="1" dirty="0" smtClean="0">
                 <a:latin typeface="Menlo"/>
               </a:rPr>
-              <a:t>enal2</a:t>
+              <a:t>enal1</a:t>
             </a:r>
             <a:r>
               <a:rPr lang="es-ES" dirty="0" smtClean="0">
                 <a:latin typeface="Menlo"/>
               </a:rPr>
-              <a:t> : L2 penalization parameter</a:t>
+              <a:t> : L1 penalization parameter</a:t>
             </a:r>
           </a:p>
           <a:p>
@@ -5554,16 +5549,22 @@
               </a:defRPr>
             </a:pPr>
             <a:r>
+              <a:rPr lang="es-ES" i="1" dirty="0">
+                <a:latin typeface="Menlo"/>
+              </a:rPr>
+              <a:t>p</a:t>
+            </a:r>
+            <a:r>
               <a:rPr lang="es-ES" i="1" dirty="0" smtClean="0">
                 <a:latin typeface="Menlo"/>
               </a:rPr>
-              <a:t>validation</a:t>
+              <a:t>enal2</a:t>
             </a:r>
             <a:r>
               <a:rPr lang="es-ES" dirty="0" smtClean="0">
                 <a:latin typeface="Menlo"/>
               </a:rPr>
-              <a:t>: true or false whether validation is wanted</a:t>
+              <a:t> : L2 penalization parameter</a:t>
             </a:r>
           </a:p>
           <a:p>
@@ -5587,13 +5588,13 @@
               <a:rPr lang="es-ES" i="1" dirty="0" smtClean="0">
                 <a:latin typeface="Menlo"/>
               </a:rPr>
-              <a:t>over</a:t>
+              <a:t>validation</a:t>
             </a:r>
             <a:r>
               <a:rPr lang="es-ES" dirty="0" smtClean="0">
                 <a:latin typeface="Menlo"/>
               </a:rPr>
-              <a:t>: indicates whether validation over penal1, penal2 or both</a:t>
+              <a:t>: true or false whether validation is wanted</a:t>
             </a:r>
           </a:p>
           <a:p>
@@ -5614,22 +5615,16 @@
               </a:defRPr>
             </a:pPr>
             <a:r>
-              <a:rPr lang="es-ES" i="1" dirty="0">
-                <a:latin typeface="Menlo"/>
-              </a:rPr>
-              <a:t>i</a:t>
-            </a:r>
-            <a:r>
               <a:rPr lang="es-ES" i="1" dirty="0" smtClean="0">
                 <a:latin typeface="Menlo"/>
               </a:rPr>
-              <a:t>nit1</a:t>
+              <a:t>over</a:t>
             </a:r>
             <a:r>
               <a:rPr lang="es-ES" dirty="0" smtClean="0">
                 <a:latin typeface="Menlo"/>
               </a:rPr>
-              <a:t> : initial penal1 value</a:t>
+              <a:t>: indicates whether validation over penal1, penal2 or both</a:t>
             </a:r>
           </a:p>
           <a:p>
@@ -5659,13 +5654,13 @@
               <a:rPr lang="es-ES" i="1" dirty="0" smtClean="0">
                 <a:latin typeface="Menlo"/>
               </a:rPr>
-              <a:t>nit2</a:t>
+              <a:t>nit1</a:t>
             </a:r>
             <a:r>
               <a:rPr lang="es-ES" dirty="0" smtClean="0">
                 <a:latin typeface="Menlo"/>
               </a:rPr>
-              <a:t> : initial penal2 value</a:t>
+              <a:t> : initial penal1 value</a:t>
             </a:r>
           </a:p>
           <a:p>
@@ -5686,20 +5681,59 @@
               </a:defRPr>
             </a:pPr>
             <a:r>
+              <a:rPr lang="es-ES" i="1" dirty="0">
+                <a:latin typeface="Menlo"/>
+              </a:rPr>
+              <a:t>i</a:t>
+            </a:r>
+            <a:r>
               <a:rPr lang="es-ES" i="1" dirty="0" smtClean="0">
                 <a:latin typeface="Menlo"/>
               </a:rPr>
-              <a:t>folds</a:t>
+              <a:t>nit2</a:t>
             </a:r>
             <a:r>
               <a:rPr lang="es-ES" dirty="0" smtClean="0">
                 <a:latin typeface="Menlo"/>
               </a:rPr>
-              <a:t>:  number of folds in validation</a:t>
-            </a:r>
-            <a:endParaRPr lang="es-ES" dirty="0">
-              <a:latin typeface=""/>
-            </a:endParaRPr>
+              <a:t> : initial penal2 value</a:t>
+            </a:r>
+          </a:p>
+          <a:p>
+            <a:pPr marL="171450" indent="-171450">
+              <a:spcBef>
+                <a:spcPts val="0"/>
+              </a:spcBef>
+              <a:buFont typeface="Arial" panose="020B0604020202020204" pitchFamily="34" charset="0"/>
+              <a:buChar char="•"/>
+              <a:defRPr b="0">
+                <a:solidFill>
+                  <a:srgbClr val="000000"/>
+                </a:solidFill>
+                <a:latin typeface="Menlo"/>
+                <a:ea typeface="Menlo"/>
+                <a:cs typeface="Menlo"/>
+                <a:sym typeface="Menlo"/>
+              </a:defRPr>
+            </a:pPr>
+            <a:r>
+              <a:rPr lang="es-ES" i="1" dirty="0" smtClean="0">
+                <a:latin typeface="Menlo"/>
+              </a:rPr>
+              <a:t>folds</a:t>
+            </a:r>
+            <a:r>
+              <a:rPr lang="es-ES" dirty="0" smtClean="0">
+                <a:latin typeface="Menlo"/>
+              </a:rPr>
+              <a:t>:  number of folds in </a:t>
+            </a:r>
+            <a:r>
+              <a:rPr lang="es-ES" dirty="0" smtClean="0">
+                <a:latin typeface="Menlo"/>
+              </a:rPr>
+              <a:t>validation</a:t>
+            </a:r>
           </a:p>
         </p:txBody>
       </p:sp>
@@ -5731,7 +5765,7 @@
           <a:effectLst/>
           <a:extLst>
             <a:ext uri="{C572A759-6A51-4108-AA02-DFA0A04FC94B}">
-              <ma14:wrappingTextBoxFlag xmlns="" xmlns:m="http://schemas.openxmlformats.org/officeDocument/2006/math" xmlns:a14="http://schemas.microsoft.com/office/drawing/2010/main" xmlns:ma14="http://schemas.microsoft.com/office/mac/drawingml/2011/main" val="1"/>
+              <ma14:wrappingTextBoxFlag xmlns:ma14="http://schemas.microsoft.com/office/mac/drawingml/2011/main" xmlns:a14="http://schemas.microsoft.com/office/drawing/2010/main" xmlns:m="http://schemas.openxmlformats.org/officeDocument/2006/math" xmlns="" val="1"/>
             </a:ext>
           </a:extLst>
         </p:spPr>
@@ -5790,7 +5824,7 @@
           <a:effectLst/>
           <a:extLst>
             <a:ext uri="{C572A759-6A51-4108-AA02-DFA0A04FC94B}">
-              <ma14:wrappingTextBoxFlag xmlns="" xmlns:m="http://schemas.openxmlformats.org/officeDocument/2006/math" xmlns:a14="http://schemas.microsoft.com/office/drawing/2010/main" xmlns:ma14="http://schemas.microsoft.com/office/mac/drawingml/2011/main" val="1"/>
+              <ma14:wrappingTextBoxFlag xmlns:ma14="http://schemas.microsoft.com/office/mac/drawingml/2011/main" xmlns:a14="http://schemas.microsoft.com/office/drawing/2010/main" xmlns:m="http://schemas.openxmlformats.org/officeDocument/2006/math" xmlns="" val="1"/>
             </a:ext>
           </a:extLst>
         </p:spPr>
@@ -5815,11 +5849,7 @@
             </a:pPr>
             <a:r>
               <a:rPr lang="es-ES" sz="1600" dirty="0" smtClean="0"/>
-              <a:t> Semiparametric e</a:t>
-            </a:r>
-            <a:r>
-              <a:rPr lang="es-ES" sz="1600" dirty="0" smtClean="0"/>
-              <a:t>stimation of INAR(p) model</a:t>
+              <a:t> Semiparametric estimation of INAR(p) model</a:t>
             </a:r>
             <a:endParaRPr sz="1600" dirty="0"/>
           </a:p>
@@ -5850,7 +5880,7 @@
           </a:ln>
           <a:extLst>
             <a:ext uri="{C572A759-6A51-4108-AA02-DFA0A04FC94B}">
-              <ma14:wrappingTextBoxFlag xmlns="" xmlns:m="http://schemas.openxmlformats.org/officeDocument/2006/math" xmlns:a14="http://schemas.microsoft.com/office/drawing/2010/main" xmlns:ma14="http://schemas.microsoft.com/office/mac/drawingml/2011/main" val="1"/>
+              <ma14:wrappingTextBoxFlag xmlns:ma14="http://schemas.microsoft.com/office/mac/drawingml/2011/main" xmlns:a14="http://schemas.microsoft.com/office/drawing/2010/main" xmlns:m="http://schemas.openxmlformats.org/officeDocument/2006/math" xmlns="" val="1"/>
             </a:ext>
           </a:extLst>
         </p:spPr>
@@ -5921,7 +5951,7 @@
           <a:effectLst/>
           <a:extLst>
             <a:ext uri="{C572A759-6A51-4108-AA02-DFA0A04FC94B}">
-              <ma14:wrappingTextBoxFlag xmlns="" xmlns:m="http://schemas.openxmlformats.org/officeDocument/2006/math" xmlns:a14="http://schemas.microsoft.com/office/drawing/2010/main" xmlns:ma14="http://schemas.microsoft.com/office/mac/drawingml/2011/main" val="1"/>
+              <ma14:wrappingTextBoxFlag xmlns:ma14="http://schemas.microsoft.com/office/mac/drawingml/2011/main" xmlns:a14="http://schemas.microsoft.com/office/drawing/2010/main" xmlns:m="http://schemas.openxmlformats.org/officeDocument/2006/math" xmlns="" val="1"/>
             </a:ext>
           </a:extLst>
         </p:spPr>
@@ -6018,8 +6048,8 @@
         </p:nvSpPr>
         <p:spPr>
           <a:xfrm>
-            <a:off x="3817523" y="6575527"/>
-            <a:ext cx="6364457" cy="686973"/>
+            <a:off x="3817523" y="6477854"/>
+            <a:ext cx="6364457" cy="1087475"/>
           </a:xfrm>
           <a:prstGeom prst="rect">
             <a:avLst/>
@@ -6032,7 +6062,7 @@
           <a:effectLst/>
           <a:extLst>
             <a:ext uri="{C572A759-6A51-4108-AA02-DFA0A04FC94B}">
-              <ma14:wrappingTextBoxFlag xmlns="" xmlns:m="http://schemas.openxmlformats.org/officeDocument/2006/math" xmlns:a14="http://schemas.microsoft.com/office/drawing/2010/main" xmlns:ma14="http://schemas.microsoft.com/office/mac/drawingml/2011/main" val="1"/>
+              <ma14:wrappingTextBoxFlag xmlns:ma14="http://schemas.microsoft.com/office/mac/drawingml/2011/main" xmlns:a14="http://schemas.microsoft.com/office/drawing/2010/main" xmlns:m="http://schemas.openxmlformats.org/officeDocument/2006/math" xmlns="" val="1"/>
             </a:ext>
           </a:extLst>
         </p:spPr>
@@ -6062,41 +6092,105 @@
             <a:r>
               <a:rPr lang="en-US" sz="1400" b="0" dirty="0" smtClean="0">
                 <a:solidFill>
-                  <a:srgbClr val="FF0000"/>
+                  <a:srgbClr val="060606"/>
                 </a:solidFill>
                 <a:latin typeface="Source Sans Pro" panose="020B0503030403020204" pitchFamily="34" charset="0"/>
                 <a:ea typeface="Source Sans Pro" panose="020B0503030403020204" pitchFamily="34" charset="0"/>
               </a:rPr>
-              <a:t>performs the semiparametric INAR bootstrap procedure for given data, model order and number of replications</a:t>
-            </a:r>
-            <a:br>
+              <a:t>performs the </a:t>
+            </a:r>
+            <a:r>
               <a:rPr lang="en-US" sz="1400" b="0" dirty="0" smtClean="0">
                 <a:solidFill>
-                  <a:srgbClr val="FF0000"/>
+                  <a:srgbClr val="060606"/>
                 </a:solidFill>
                 <a:latin typeface="Source Sans Pro" panose="020B0503030403020204" pitchFamily="34" charset="0"/>
                 <a:ea typeface="Source Sans Pro" panose="020B0503030403020204" pitchFamily="34" charset="0"/>
               </a:rPr>
-            </a:br>
-            <a:r>
-              <a:rPr lang="en-US" sz="1400" dirty="0">
-                <a:solidFill>
-                  <a:schemeClr val="tx1"/>
+              <a:t>(semi)parametric </a:t>
+            </a:r>
+            <a:r>
+              <a:rPr lang="en-US" sz="1400" b="0" dirty="0" smtClean="0">
+                <a:solidFill>
+                  <a:srgbClr val="060606"/>
                 </a:solidFill>
                 <a:latin typeface="Source Sans Pro" panose="020B0503030403020204" pitchFamily="34" charset="0"/>
                 <a:ea typeface="Source Sans Pro" panose="020B0503030403020204" pitchFamily="34" charset="0"/>
               </a:rPr>
-              <a:t>O</a:t>
-            </a:r>
-            <a:r>
-              <a:rPr lang="en-US" sz="1400" dirty="0" smtClean="0">
-                <a:solidFill>
-                  <a:schemeClr val="tx1"/>
+              <a:t>INAR bootstrap procedure for given data, model </a:t>
+            </a:r>
+            <a:r>
+              <a:rPr lang="en-US" sz="1400" b="0" dirty="0" smtClean="0">
+                <a:solidFill>
+                  <a:srgbClr val="060606"/>
                 </a:solidFill>
                 <a:latin typeface="Source Sans Pro" panose="020B0503030403020204" pitchFamily="34" charset="0"/>
                 <a:ea typeface="Source Sans Pro" panose="020B0503030403020204" pitchFamily="34" charset="0"/>
               </a:rPr>
-              <a:t>utput</a:t>
+              <a:t>order, number </a:t>
+            </a:r>
+            <a:r>
+              <a:rPr lang="en-US" sz="1400" b="0" dirty="0" smtClean="0">
+                <a:solidFill>
+                  <a:srgbClr val="060606"/>
+                </a:solidFill>
+                <a:latin typeface="Source Sans Pro" panose="020B0503030403020204" pitchFamily="34" charset="0"/>
+                <a:ea typeface="Source Sans Pro" panose="020B0503030403020204" pitchFamily="34" charset="0"/>
+              </a:rPr>
+              <a:t>of </a:t>
+            </a:r>
+            <a:r>
+              <a:rPr lang="en-US" sz="1400" b="0" dirty="0" smtClean="0">
+                <a:solidFill>
+                  <a:srgbClr val="060606"/>
+                </a:solidFill>
+                <a:latin typeface="Source Sans Pro" panose="020B0503030403020204" pitchFamily="34" charset="0"/>
+                <a:ea typeface="Source Sans Pro" panose="020B0503030403020204" pitchFamily="34" charset="0"/>
+              </a:rPr>
+              <a:t>replications </a:t>
+            </a:r>
+            <a:r>
+              <a:rPr lang="en-US" sz="1400" b="0" dirty="0">
+                <a:solidFill>
+                  <a:srgbClr val="060606"/>
+                </a:solidFill>
+                <a:latin typeface="Source Sans Pro" panose="020B0503030403020204" pitchFamily="34" charset="0"/>
+                <a:ea typeface="Source Sans Pro" panose="020B0503030403020204" pitchFamily="34" charset="0"/>
+              </a:rPr>
+              <a:t>for a given parametric family of distribution (Poi, Geo or NB</a:t>
+            </a:r>
+            <a:r>
+              <a:rPr lang="en-US" sz="1400" b="0" dirty="0" smtClean="0">
+                <a:solidFill>
+                  <a:srgbClr val="060606"/>
+                </a:solidFill>
+                <a:latin typeface="Source Sans Pro" panose="020B0503030403020204" pitchFamily="34" charset="0"/>
+                <a:ea typeface="Source Sans Pro" panose="020B0503030403020204" pitchFamily="34" charset="0"/>
+              </a:rPr>
+              <a:t>) and estimation method.</a:t>
+            </a:r>
+            <a:r>
+              <a:rPr lang="en-US" sz="1400" b="0" dirty="0">
+                <a:latin typeface="Source Sans Pro" panose="020B0503030403020204" pitchFamily="34" charset="0"/>
+                <a:ea typeface="Source Sans Pro" panose="020B0503030403020204" pitchFamily="34" charset="0"/>
+              </a:rPr>
+              <a:t/>
+            </a:r>
+            <a:br>
+              <a:rPr lang="en-US" sz="1400" b="0" dirty="0">
+                <a:latin typeface="Source Sans Pro" panose="020B0503030403020204" pitchFamily="34" charset="0"/>
+                <a:ea typeface="Source Sans Pro" panose="020B0503030403020204" pitchFamily="34" charset="0"/>
+              </a:rPr>
+            </a:br>
+            <a:r>
+              <a:rPr lang="en-US" sz="1400" dirty="0" smtClean="0">
+                <a:solidFill>
+                  <a:schemeClr val="tx1"/>
+                </a:solidFill>
+                <a:latin typeface="Source Sans Pro" panose="020B0503030403020204" pitchFamily="34" charset="0"/>
+                <a:ea typeface="Source Sans Pro" panose="020B0503030403020204" pitchFamily="34" charset="0"/>
+              </a:rPr>
+              <a:t>Output</a:t>
             </a:r>
             <a:r>
               <a:rPr lang="en-US" sz="1400" b="0" dirty="0" smtClean="0">
@@ -6108,16 +6202,36 @@
             <a:r>
               <a:rPr lang="en-US" sz="1400" b="0" dirty="0" smtClean="0">
                 <a:solidFill>
-                  <a:srgbClr val="FF0000"/>
+                  <a:srgbClr val="060606"/>
                 </a:solidFill>
                 <a:latin typeface="Source Sans Pro" panose="020B0503030403020204" pitchFamily="34" charset="0"/>
                 <a:ea typeface="Source Sans Pro" panose="020B0503030403020204" pitchFamily="34" charset="0"/>
               </a:rPr>
-              <a:t>bootstrap estimated parameters: alpha and pmf</a:t>
+              <a:t>bootstrap estimated parameters: alpha and </a:t>
+            </a:r>
+            <a:r>
+              <a:rPr lang="en-US" sz="1400" b="0" dirty="0" err="1" smtClean="0">
+                <a:solidFill>
+                  <a:srgbClr val="060606"/>
+                </a:solidFill>
+                <a:latin typeface="Source Sans Pro" panose="020B0503030403020204" pitchFamily="34" charset="0"/>
+                <a:ea typeface="Source Sans Pro" panose="020B0503030403020204" pitchFamily="34" charset="0"/>
+              </a:rPr>
+              <a:t>pmf</a:t>
+            </a:r>
+            <a:r>
+              <a:rPr lang="en-US" sz="1400" b="0" dirty="0" smtClean="0">
+                <a:solidFill>
+                  <a:srgbClr val="060606"/>
+                </a:solidFill>
+                <a:latin typeface="Source Sans Pro" panose="020B0503030403020204" pitchFamily="34" charset="0"/>
+                <a:ea typeface="Source Sans Pro" panose="020B0503030403020204" pitchFamily="34" charset="0"/>
+              </a:rPr>
+              <a:t> or innovation parameters</a:t>
             </a:r>
             <a:endParaRPr lang="en-US" sz="1400" b="0" dirty="0">
               <a:solidFill>
-                <a:srgbClr val="FF0000"/>
+                <a:srgbClr val="060606"/>
               </a:solidFill>
               <a:latin typeface="Source Sans Pro" panose="020B0503030403020204" pitchFamily="34" charset="0"/>
               <a:ea typeface="Source Sans Pro" panose="020B0503030403020204" pitchFamily="34" charset="0"/>
@@ -6139,8 +6253,8 @@
         </p:nvSpPr>
         <p:spPr>
           <a:xfrm>
-            <a:off x="11805138" y="6538276"/>
-            <a:ext cx="1559459" cy="294872"/>
+            <a:off x="10410092" y="6538276"/>
+            <a:ext cx="2954505" cy="294872"/>
           </a:xfrm>
           <a:prstGeom prst="rect">
             <a:avLst/>
@@ -6156,7 +6270,7 @@
           </a:ln>
           <a:extLst>
             <a:ext uri="{C572A759-6A51-4108-AA02-DFA0A04FC94B}">
-              <ma14:wrappingTextBoxFlag xmlns="" xmlns:m="http://schemas.openxmlformats.org/officeDocument/2006/math" xmlns:a14="http://schemas.microsoft.com/office/drawing/2010/main" xmlns:ma14="http://schemas.microsoft.com/office/mac/drawingml/2011/main" val="1"/>
+              <ma14:wrappingTextBoxFlag xmlns:ma14="http://schemas.microsoft.com/office/mac/drawingml/2011/main" xmlns:a14="http://schemas.microsoft.com/office/drawing/2010/main" xmlns:m="http://schemas.openxmlformats.org/officeDocument/2006/math" xmlns="" val="1"/>
             </a:ext>
           </a:extLst>
         </p:spPr>
@@ -6183,35 +6297,40 @@
             <a:r>
               <a:rPr lang="es-ES" dirty="0" smtClean="0">
                 <a:solidFill>
-                  <a:srgbClr val="FF0000"/>
-                </a:solidFill>
-              </a:rPr>
-              <a:t>spinar</a:t>
+                  <a:schemeClr val="tx1"/>
+                </a:solidFill>
+              </a:rPr>
+              <a:t>spinar_boot</a:t>
+            </a:r>
+            <a:r>
+              <a:rPr dirty="0">
+                <a:solidFill>
+                  <a:schemeClr val="tx1"/>
+                </a:solidFill>
+              </a:rPr>
+              <a:t>(</a:t>
+            </a:r>
+            <a:r>
+              <a:rPr lang="es-ES" dirty="0">
+                <a:solidFill>
+                  <a:schemeClr val="tx1"/>
+                </a:solidFill>
+              </a:rPr>
+              <a:t>x, p, </a:t>
             </a:r>
             <a:r>
               <a:rPr lang="es-ES" dirty="0" smtClean="0">
                 <a:solidFill>
-                  <a:srgbClr val="FF0000"/>
-                </a:solidFill>
-              </a:rPr>
-              <a:t>_boot</a:t>
-            </a:r>
-            <a:r>
-              <a:rPr dirty="0">
-                <a:solidFill>
-                  <a:srgbClr val="FF0000"/>
-                </a:solidFill>
-              </a:rPr>
-              <a:t>(</a:t>
-            </a:r>
-            <a:r>
-              <a:rPr lang="es-ES" dirty="0">
-                <a:solidFill>
-                  <a:srgbClr val="FF0000"/>
-                </a:solidFill>
-              </a:rPr>
-              <a:t>x, p, B)</a:t>
-            </a:r>
+                  <a:schemeClr val="tx1"/>
+                </a:solidFill>
+              </a:rPr>
+              <a:t>B, setting, type, distr, M)</a:t>
+            </a:r>
+            <a:endParaRPr lang="es-ES" dirty="0">
+              <a:solidFill>
+                <a:schemeClr val="tx1"/>
+              </a:solidFill>
+            </a:endParaRPr>
           </a:p>
         </p:txBody>
       </p:sp>
@@ -6243,7 +6362,7 @@
           <a:effectLst/>
           <a:extLst>
             <a:ext uri="{C572A759-6A51-4108-AA02-DFA0A04FC94B}">
-              <ma14:wrappingTextBoxFlag xmlns="" xmlns:m="http://schemas.openxmlformats.org/officeDocument/2006/math" xmlns:a14="http://schemas.microsoft.com/office/drawing/2010/main" xmlns:ma14="http://schemas.microsoft.com/office/mac/drawingml/2011/main" val="1"/>
+              <ma14:wrappingTextBoxFlag xmlns:ma14="http://schemas.microsoft.com/office/mac/drawingml/2011/main" xmlns:a14="http://schemas.microsoft.com/office/drawing/2010/main" xmlns:m="http://schemas.openxmlformats.org/officeDocument/2006/math" xmlns="" val="1"/>
             </a:ext>
           </a:extLst>
         </p:spPr>
@@ -6364,7 +6483,7 @@
           <a:effectLst/>
           <a:extLst>
             <a:ext uri="{C572A759-6A51-4108-AA02-DFA0A04FC94B}">
-              <ma14:wrappingTextBoxFlag xmlns="" xmlns:m="http://schemas.openxmlformats.org/officeDocument/2006/math" xmlns:a14="http://schemas.microsoft.com/office/drawing/2010/main" xmlns:ma14="http://schemas.microsoft.com/office/mac/drawingml/2011/main" val="1"/>
+              <ma14:wrappingTextBoxFlag xmlns:ma14="http://schemas.microsoft.com/office/mac/drawingml/2011/main" xmlns:a14="http://schemas.microsoft.com/office/drawing/2010/main" xmlns:m="http://schemas.openxmlformats.org/officeDocument/2006/math" xmlns="" val="1"/>
             </a:ext>
           </a:extLst>
         </p:spPr>
@@ -6431,7 +6550,7 @@
           <a:effectLst/>
           <a:extLst>
             <a:ext uri="{C572A759-6A51-4108-AA02-DFA0A04FC94B}">
-              <ma14:wrappingTextBoxFlag xmlns="" xmlns:m="http://schemas.openxmlformats.org/officeDocument/2006/math" xmlns:a14="http://schemas.microsoft.com/office/drawing/2010/main" xmlns:ma14="http://schemas.microsoft.com/office/mac/drawingml/2011/main" val="1"/>
+              <ma14:wrappingTextBoxFlag xmlns:ma14="http://schemas.microsoft.com/office/mac/drawingml/2011/main" xmlns:a14="http://schemas.microsoft.com/office/drawing/2010/main" xmlns:m="http://schemas.openxmlformats.org/officeDocument/2006/math" xmlns="" val="1"/>
             </a:ext>
           </a:extLst>
         </p:spPr>
@@ -6550,7 +6669,7 @@
           </a:ln>
           <a:extLst>
             <a:ext uri="{C572A759-6A51-4108-AA02-DFA0A04FC94B}">
-              <ma14:wrappingTextBoxFlag xmlns="" xmlns:m="http://schemas.openxmlformats.org/officeDocument/2006/math" xmlns:a14="http://schemas.microsoft.com/office/drawing/2010/main" xmlns:ma14="http://schemas.microsoft.com/office/mac/drawingml/2011/main" val="1"/>
+              <ma14:wrappingTextBoxFlag xmlns:ma14="http://schemas.microsoft.com/office/mac/drawingml/2011/main" xmlns:a14="http://schemas.microsoft.com/office/drawing/2010/main" xmlns:m="http://schemas.openxmlformats.org/officeDocument/2006/math" xmlns="" val="1"/>
             </a:ext>
           </a:extLst>
         </p:spPr>
@@ -6613,7 +6732,7 @@
           <a:effectLst/>
           <a:extLst>
             <a:ext uri="{C572A759-6A51-4108-AA02-DFA0A04FC94B}">
-              <ma14:wrappingTextBoxFlag xmlns="" xmlns:m="http://schemas.openxmlformats.org/officeDocument/2006/math" xmlns:a14="http://schemas.microsoft.com/office/drawing/2010/main" xmlns:ma14="http://schemas.microsoft.com/office/mac/drawingml/2011/main" val="1"/>
+              <ma14:wrappingTextBoxFlag xmlns:ma14="http://schemas.microsoft.com/office/mac/drawingml/2011/main" xmlns:a14="http://schemas.microsoft.com/office/drawing/2010/main" xmlns:m="http://schemas.openxmlformats.org/officeDocument/2006/math" xmlns="" val="1"/>
             </a:ext>
           </a:extLst>
         </p:spPr>
@@ -6759,7 +6878,7 @@
           </a:ln>
           <a:extLst>
             <a:ext uri="{C572A759-6A51-4108-AA02-DFA0A04FC94B}">
-              <ma14:wrappingTextBoxFlag xmlns="" xmlns:m="http://schemas.openxmlformats.org/officeDocument/2006/math" xmlns:a14="http://schemas.microsoft.com/office/drawing/2010/main" xmlns:ma14="http://schemas.microsoft.com/office/mac/drawingml/2011/main" val="1"/>
+              <ma14:wrappingTextBoxFlag xmlns:ma14="http://schemas.microsoft.com/office/mac/drawingml/2011/main" xmlns:a14="http://schemas.microsoft.com/office/drawing/2010/main" xmlns:m="http://schemas.openxmlformats.org/officeDocument/2006/math" xmlns="" val="1"/>
             </a:ext>
           </a:extLst>
         </p:spPr>
@@ -6876,7 +6995,7 @@
           </a:ln>
           <a:extLst>
             <a:ext uri="{C572A759-6A51-4108-AA02-DFA0A04FC94B}">
-              <ma14:wrappingTextBoxFlag xmlns="" xmlns:m="http://schemas.openxmlformats.org/officeDocument/2006/math" xmlns:a14="http://schemas.microsoft.com/office/drawing/2010/main" xmlns:ma14="http://schemas.microsoft.com/office/mac/drawingml/2011/main" val="1"/>
+              <ma14:wrappingTextBoxFlag xmlns:ma14="http://schemas.microsoft.com/office/mac/drawingml/2011/main" xmlns:a14="http://schemas.microsoft.com/office/drawing/2010/main" xmlns:m="http://schemas.openxmlformats.org/officeDocument/2006/math" xmlns="" val="1"/>
             </a:ext>
           </a:extLst>
         </p:spPr>

--- a/img_readme/cheat_sheet_spINAR.pptx
+++ b/img_readme/cheat_sheet_spINAR.pptx
@@ -2124,7 +2124,7 @@
           </a:ln>
           <a:extLst>
             <a:ext uri="{C572A759-6A51-4108-AA02-DFA0A04FC94B}">
-              <ma14:wrappingTextBoxFlag xmlns:ma14="http://schemas.microsoft.com/office/mac/drawingml/2011/main" xmlns:a14="http://schemas.microsoft.com/office/drawing/2010/main" xmlns:m="http://schemas.openxmlformats.org/officeDocument/2006/math" xmlns="" val="1"/>
+              <ma14:wrappingTextBoxFlag xmlns="" xmlns:m="http://schemas.openxmlformats.org/officeDocument/2006/math" xmlns:a14="http://schemas.microsoft.com/office/drawing/2010/main" xmlns:ma14="http://schemas.microsoft.com/office/mac/drawingml/2011/main" val="1"/>
             </a:ext>
           </a:extLst>
         </p:spPr>
@@ -2163,7 +2163,7 @@
           </a:ln>
           <a:extLst>
             <a:ext uri="{C572A759-6A51-4108-AA02-DFA0A04FC94B}">
-              <ma14:wrappingTextBoxFlag xmlns:ma14="http://schemas.microsoft.com/office/mac/drawingml/2011/main" xmlns:a14="http://schemas.microsoft.com/office/drawing/2010/main" xmlns:m="http://schemas.openxmlformats.org/officeDocument/2006/math" xmlns="" val="1"/>
+              <ma14:wrappingTextBoxFlag xmlns="" xmlns:m="http://schemas.openxmlformats.org/officeDocument/2006/math" xmlns:a14="http://schemas.microsoft.com/office/drawing/2010/main" xmlns:ma14="http://schemas.microsoft.com/office/mac/drawingml/2011/main" val="1"/>
             </a:ext>
           </a:extLst>
         </p:spPr>
@@ -3256,7 +3256,7 @@
           </a:ln>
           <a:extLst>
             <a:ext uri="{C572A759-6A51-4108-AA02-DFA0A04FC94B}">
-              <ma14:wrappingTextBoxFlag xmlns:ma14="http://schemas.microsoft.com/office/mac/drawingml/2011/main" xmlns:a14="http://schemas.microsoft.com/office/drawing/2010/main" xmlns:m="http://schemas.openxmlformats.org/officeDocument/2006/math" xmlns="" val="1"/>
+              <ma14:wrappingTextBoxFlag xmlns="" xmlns:m="http://schemas.openxmlformats.org/officeDocument/2006/math" xmlns:a14="http://schemas.microsoft.com/office/drawing/2010/main" xmlns:ma14="http://schemas.microsoft.com/office/mac/drawingml/2011/main" val="1"/>
             </a:ext>
           </a:extLst>
         </p:spPr>
@@ -3306,7 +3306,7 @@
           </a:ln>
           <a:extLst>
             <a:ext uri="{C572A759-6A51-4108-AA02-DFA0A04FC94B}">
-              <ma14:wrappingTextBoxFlag xmlns:ma14="http://schemas.microsoft.com/office/mac/drawingml/2011/main" xmlns:a14="http://schemas.microsoft.com/office/drawing/2010/main" xmlns:m="http://schemas.openxmlformats.org/officeDocument/2006/math" xmlns="" val="1"/>
+              <ma14:wrappingTextBoxFlag xmlns="" xmlns:m="http://schemas.openxmlformats.org/officeDocument/2006/math" xmlns:a14="http://schemas.microsoft.com/office/drawing/2010/main" xmlns:ma14="http://schemas.microsoft.com/office/mac/drawingml/2011/main" val="1"/>
             </a:ext>
           </a:extLst>
         </p:spPr>
@@ -3352,7 +3352,7 @@
           </a:ln>
           <a:extLst>
             <a:ext uri="{C572A759-6A51-4108-AA02-DFA0A04FC94B}">
-              <ma14:wrappingTextBoxFlag xmlns:ma14="http://schemas.microsoft.com/office/mac/drawingml/2011/main" xmlns:a14="http://schemas.microsoft.com/office/drawing/2010/main" xmlns:m="http://schemas.openxmlformats.org/officeDocument/2006/math" xmlns="" val="1"/>
+              <ma14:wrappingTextBoxFlag xmlns="" xmlns:m="http://schemas.openxmlformats.org/officeDocument/2006/math" xmlns:a14="http://schemas.microsoft.com/office/drawing/2010/main" xmlns:ma14="http://schemas.microsoft.com/office/mac/drawingml/2011/main" val="1"/>
             </a:ext>
           </a:extLst>
         </p:spPr>
@@ -3722,7 +3722,7 @@
           </a:ln>
           <a:extLst>
             <a:ext uri="{C572A759-6A51-4108-AA02-DFA0A04FC94B}">
-              <ma14:wrappingTextBoxFlag xmlns:ma14="http://schemas.microsoft.com/office/mac/drawingml/2011/main" xmlns:a14="http://schemas.microsoft.com/office/drawing/2010/main" xmlns:m="http://schemas.openxmlformats.org/officeDocument/2006/math" xmlns="" val="1"/>
+              <ma14:wrappingTextBoxFlag xmlns="" xmlns:m="http://schemas.openxmlformats.org/officeDocument/2006/math" xmlns:a14="http://schemas.microsoft.com/office/drawing/2010/main" xmlns:ma14="http://schemas.microsoft.com/office/mac/drawingml/2011/main" val="1"/>
             </a:ext>
           </a:extLst>
         </p:spPr>
@@ -3804,7 +3804,7 @@
           </a:ln>
           <a:extLst>
             <a:ext uri="{C572A759-6A51-4108-AA02-DFA0A04FC94B}">
-              <ma14:wrappingTextBoxFlag xmlns:ma14="http://schemas.microsoft.com/office/mac/drawingml/2011/main" xmlns:a14="http://schemas.microsoft.com/office/drawing/2010/main" xmlns:m="http://schemas.openxmlformats.org/officeDocument/2006/math" xmlns="" val="1"/>
+              <ma14:wrappingTextBoxFlag xmlns="" xmlns:m="http://schemas.openxmlformats.org/officeDocument/2006/math" xmlns:a14="http://schemas.microsoft.com/office/drawing/2010/main" xmlns:ma14="http://schemas.microsoft.com/office/mac/drawingml/2011/main" val="1"/>
             </a:ext>
           </a:extLst>
         </p:spPr>
@@ -3854,7 +3854,7 @@
           </a:ln>
           <a:extLst>
             <a:ext uri="{C572A759-6A51-4108-AA02-DFA0A04FC94B}">
-              <ma14:wrappingTextBoxFlag xmlns:ma14="http://schemas.microsoft.com/office/mac/drawingml/2011/main" xmlns:a14="http://schemas.microsoft.com/office/drawing/2010/main" xmlns:m="http://schemas.openxmlformats.org/officeDocument/2006/math" xmlns="" val="1"/>
+              <ma14:wrappingTextBoxFlag xmlns="" xmlns:m="http://schemas.openxmlformats.org/officeDocument/2006/math" xmlns:a14="http://schemas.microsoft.com/office/drawing/2010/main" xmlns:ma14="http://schemas.microsoft.com/office/mac/drawingml/2011/main" val="1"/>
             </a:ext>
           </a:extLst>
         </p:spPr>
@@ -3921,7 +3921,7 @@
           </a:ln>
           <a:extLst>
             <a:ext uri="{C572A759-6A51-4108-AA02-DFA0A04FC94B}">
-              <ma14:wrappingTextBoxFlag xmlns:ma14="http://schemas.microsoft.com/office/mac/drawingml/2011/main" xmlns:a14="http://schemas.microsoft.com/office/drawing/2010/main" xmlns:m="http://schemas.openxmlformats.org/officeDocument/2006/math" xmlns="" val="1"/>
+              <ma14:wrappingTextBoxFlag xmlns="" xmlns:m="http://schemas.openxmlformats.org/officeDocument/2006/math" xmlns:a14="http://schemas.microsoft.com/office/drawing/2010/main" xmlns:ma14="http://schemas.microsoft.com/office/mac/drawingml/2011/main" val="1"/>
             </a:ext>
           </a:extLst>
         </p:spPr>
@@ -4034,7 +4034,7 @@
           <a:effectLst/>
           <a:extLst>
             <a:ext uri="{C572A759-6A51-4108-AA02-DFA0A04FC94B}">
-              <ma14:wrappingTextBoxFlag xmlns:ma14="http://schemas.microsoft.com/office/mac/drawingml/2011/main" xmlns:a14="http://schemas.microsoft.com/office/drawing/2010/main" xmlns:m="http://schemas.openxmlformats.org/officeDocument/2006/math" xmlns="" val="1"/>
+              <ma14:wrappingTextBoxFlag xmlns="" xmlns:m="http://schemas.openxmlformats.org/officeDocument/2006/math" xmlns:a14="http://schemas.microsoft.com/office/drawing/2010/main" xmlns:ma14="http://schemas.microsoft.com/office/mac/drawingml/2011/main" val="1"/>
             </a:ext>
           </a:extLst>
         </p:spPr>
@@ -4144,7 +4144,7 @@
           </a:ln>
           <a:extLst>
             <a:ext uri="{C572A759-6A51-4108-AA02-DFA0A04FC94B}">
-              <ma14:wrappingTextBoxFlag xmlns:ma14="http://schemas.microsoft.com/office/mac/drawingml/2011/main" xmlns:a14="http://schemas.microsoft.com/office/drawing/2010/main" xmlns:m="http://schemas.openxmlformats.org/officeDocument/2006/math" xmlns="" val="1"/>
+              <ma14:wrappingTextBoxFlag xmlns="" xmlns:m="http://schemas.openxmlformats.org/officeDocument/2006/math" xmlns:a14="http://schemas.microsoft.com/office/drawing/2010/main" xmlns:ma14="http://schemas.microsoft.com/office/mac/drawingml/2011/main" val="1"/>
             </a:ext>
           </a:extLst>
         </p:spPr>
@@ -4200,7 +4200,7 @@
           </a:ln>
           <a:extLst>
             <a:ext uri="{C572A759-6A51-4108-AA02-DFA0A04FC94B}">
-              <ma14:wrappingTextBoxFlag xmlns:ma14="http://schemas.microsoft.com/office/mac/drawingml/2011/main" xmlns:a14="http://schemas.microsoft.com/office/drawing/2010/main" xmlns:m="http://schemas.openxmlformats.org/officeDocument/2006/math" xmlns="" val="1"/>
+              <ma14:wrappingTextBoxFlag xmlns="" xmlns:m="http://schemas.openxmlformats.org/officeDocument/2006/math" xmlns:a14="http://schemas.microsoft.com/office/drawing/2010/main" xmlns:ma14="http://schemas.microsoft.com/office/mac/drawingml/2011/main" val="1"/>
             </a:ext>
           </a:extLst>
         </p:spPr>
@@ -4256,7 +4256,7 @@
           </a:ln>
           <a:extLst>
             <a:ext uri="{C572A759-6A51-4108-AA02-DFA0A04FC94B}">
-              <ma14:wrappingTextBoxFlag xmlns:ma14="http://schemas.microsoft.com/office/mac/drawingml/2011/main" xmlns:a14="http://schemas.microsoft.com/office/drawing/2010/main" xmlns:m="http://schemas.openxmlformats.org/officeDocument/2006/math" xmlns="" val="1"/>
+              <ma14:wrappingTextBoxFlag xmlns="" xmlns:m="http://schemas.openxmlformats.org/officeDocument/2006/math" xmlns:a14="http://schemas.microsoft.com/office/drawing/2010/main" xmlns:ma14="http://schemas.microsoft.com/office/mac/drawingml/2011/main" val="1"/>
             </a:ext>
           </a:extLst>
         </p:spPr>
@@ -4343,7 +4343,7 @@
           <a:effectLst/>
           <a:extLst>
             <a:ext uri="{C572A759-6A51-4108-AA02-DFA0A04FC94B}">
-              <ma14:wrappingTextBoxFlag xmlns:ma14="http://schemas.microsoft.com/office/mac/drawingml/2011/main" xmlns:a14="http://schemas.microsoft.com/office/drawing/2010/main" xmlns:m="http://schemas.openxmlformats.org/officeDocument/2006/math" xmlns="" val="1"/>
+              <ma14:wrappingTextBoxFlag xmlns="" xmlns:m="http://schemas.openxmlformats.org/officeDocument/2006/math" xmlns:a14="http://schemas.microsoft.com/office/drawing/2010/main" xmlns:ma14="http://schemas.microsoft.com/office/mac/drawingml/2011/main" val="1"/>
             </a:ext>
           </a:extLst>
         </p:spPr>
@@ -4626,7 +4626,7 @@
           <a:effectLst/>
           <a:extLst>
             <a:ext uri="{C572A759-6A51-4108-AA02-DFA0A04FC94B}">
-              <ma14:wrappingTextBoxFlag xmlns:ma14="http://schemas.microsoft.com/office/mac/drawingml/2011/main" xmlns:a14="http://schemas.microsoft.com/office/drawing/2010/main" xmlns:m="http://schemas.openxmlformats.org/officeDocument/2006/math" xmlns="" val="1"/>
+              <ma14:wrappingTextBoxFlag xmlns="" xmlns:m="http://schemas.openxmlformats.org/officeDocument/2006/math" xmlns:a14="http://schemas.microsoft.com/office/drawing/2010/main" xmlns:ma14="http://schemas.microsoft.com/office/mac/drawingml/2011/main" val="1"/>
             </a:ext>
           </a:extLst>
         </p:spPr>
@@ -4720,7 +4720,7 @@
           <a:effectLst/>
           <a:extLst>
             <a:ext uri="{C572A759-6A51-4108-AA02-DFA0A04FC94B}">
-              <ma14:wrappingTextBoxFlag xmlns:ma14="http://schemas.microsoft.com/office/mac/drawingml/2011/main" xmlns:a14="http://schemas.microsoft.com/office/drawing/2010/main" xmlns:m="http://schemas.openxmlformats.org/officeDocument/2006/math" xmlns="" val="1"/>
+              <ma14:wrappingTextBoxFlag xmlns="" xmlns:m="http://schemas.openxmlformats.org/officeDocument/2006/math" xmlns:a14="http://schemas.microsoft.com/office/drawing/2010/main" xmlns:ma14="http://schemas.microsoft.com/office/mac/drawingml/2011/main" val="1"/>
             </a:ext>
           </a:extLst>
         </p:spPr>
@@ -4839,7 +4839,7 @@
           </a:ln>
           <a:extLst>
             <a:ext uri="{C572A759-6A51-4108-AA02-DFA0A04FC94B}">
-              <ma14:wrappingTextBoxFlag xmlns:ma14="http://schemas.microsoft.com/office/mac/drawingml/2011/main" xmlns:a14="http://schemas.microsoft.com/office/drawing/2010/main" xmlns:m="http://schemas.openxmlformats.org/officeDocument/2006/math" xmlns="" val="1"/>
+              <ma14:wrappingTextBoxFlag xmlns="" xmlns:m="http://schemas.openxmlformats.org/officeDocument/2006/math" xmlns:a14="http://schemas.microsoft.com/office/drawing/2010/main" xmlns:ma14="http://schemas.microsoft.com/office/mac/drawingml/2011/main" val="1"/>
             </a:ext>
           </a:extLst>
         </p:spPr>
@@ -4909,7 +4909,7 @@
           </a:ln>
           <a:extLst>
             <a:ext uri="{C572A759-6A51-4108-AA02-DFA0A04FC94B}">
-              <ma14:wrappingTextBoxFlag xmlns:ma14="http://schemas.microsoft.com/office/mac/drawingml/2011/main" xmlns:a14="http://schemas.microsoft.com/office/drawing/2010/main" xmlns:m="http://schemas.openxmlformats.org/officeDocument/2006/math" xmlns="" val="1"/>
+              <ma14:wrappingTextBoxFlag xmlns="" xmlns:m="http://schemas.openxmlformats.org/officeDocument/2006/math" xmlns:a14="http://schemas.microsoft.com/office/drawing/2010/main" xmlns:ma14="http://schemas.microsoft.com/office/mac/drawingml/2011/main" val="1"/>
             </a:ext>
           </a:extLst>
         </p:spPr>
@@ -5062,7 +5062,7 @@
           </a:ln>
           <a:extLst>
             <a:ext uri="{C572A759-6A51-4108-AA02-DFA0A04FC94B}">
-              <ma14:wrappingTextBoxFlag xmlns:ma14="http://schemas.microsoft.com/office/mac/drawingml/2011/main" xmlns:a14="http://schemas.microsoft.com/office/drawing/2010/main" xmlns:m="http://schemas.openxmlformats.org/officeDocument/2006/math" xmlns="" val="1"/>
+              <ma14:wrappingTextBoxFlag xmlns="" xmlns:m="http://schemas.openxmlformats.org/officeDocument/2006/math" xmlns:a14="http://schemas.microsoft.com/office/drawing/2010/main" xmlns:ma14="http://schemas.microsoft.com/office/mac/drawingml/2011/main" val="1"/>
             </a:ext>
           </a:extLst>
         </p:spPr>
@@ -5127,7 +5127,7 @@
           </a:ln>
           <a:extLst>
             <a:ext uri="{C572A759-6A51-4108-AA02-DFA0A04FC94B}">
-              <ma14:wrappingTextBoxFlag xmlns:ma14="http://schemas.microsoft.com/office/mac/drawingml/2011/main" xmlns:a14="http://schemas.microsoft.com/office/drawing/2010/main" xmlns:m="http://schemas.openxmlformats.org/officeDocument/2006/math" xmlns="" val="1"/>
+              <ma14:wrappingTextBoxFlag xmlns="" xmlns:m="http://schemas.openxmlformats.org/officeDocument/2006/math" xmlns:a14="http://schemas.microsoft.com/office/drawing/2010/main" xmlns:ma14="http://schemas.microsoft.com/office/mac/drawingml/2011/main" val="1"/>
             </a:ext>
           </a:extLst>
         </p:spPr>
@@ -5417,13 +5417,7 @@
               <a:rPr lang="es-ES" dirty="0" smtClean="0">
                 <a:latin typeface="Menlo"/>
               </a:rPr>
-              <a:t>: number of bootstrap </a:t>
-            </a:r>
-            <a:r>
-              <a:rPr lang="es-ES" dirty="0" smtClean="0">
-                <a:latin typeface="Menlo"/>
-              </a:rPr>
-              <a:t>replicates</a:t>
+              <a:t>: number of bootstrap replicates</a:t>
             </a:r>
           </a:p>
           <a:p>
@@ -5491,9 +5485,6 @@
               </a:rPr>
               <a:t>: upper limit for innovations</a:t>
             </a:r>
-            <a:endParaRPr lang="es-ES" dirty="0" smtClean="0">
-              <a:latin typeface="Menlo"/>
-            </a:endParaRPr>
           </a:p>
           <a:p>
             <a:pPr marL="171450" indent="-171450">
@@ -5726,13 +5717,7 @@
               <a:rPr lang="es-ES" dirty="0" smtClean="0">
                 <a:latin typeface="Menlo"/>
               </a:rPr>
-              <a:t>:  number of folds in </a:t>
-            </a:r>
-            <a:r>
-              <a:rPr lang="es-ES" dirty="0" smtClean="0">
-                <a:latin typeface="Menlo"/>
-              </a:rPr>
-              <a:t>validation</a:t>
+              <a:t>:  number of folds in validation</a:t>
             </a:r>
           </a:p>
         </p:txBody>
@@ -5765,7 +5750,7 @@
           <a:effectLst/>
           <a:extLst>
             <a:ext uri="{C572A759-6A51-4108-AA02-DFA0A04FC94B}">
-              <ma14:wrappingTextBoxFlag xmlns:ma14="http://schemas.microsoft.com/office/mac/drawingml/2011/main" xmlns:a14="http://schemas.microsoft.com/office/drawing/2010/main" xmlns:m="http://schemas.openxmlformats.org/officeDocument/2006/math" xmlns="" val="1"/>
+              <ma14:wrappingTextBoxFlag xmlns="" xmlns:m="http://schemas.openxmlformats.org/officeDocument/2006/math" xmlns:a14="http://schemas.microsoft.com/office/drawing/2010/main" xmlns:ma14="http://schemas.microsoft.com/office/mac/drawingml/2011/main" val="1"/>
             </a:ext>
           </a:extLst>
         </p:spPr>
@@ -5824,7 +5809,7 @@
           <a:effectLst/>
           <a:extLst>
             <a:ext uri="{C572A759-6A51-4108-AA02-DFA0A04FC94B}">
-              <ma14:wrappingTextBoxFlag xmlns:ma14="http://schemas.microsoft.com/office/mac/drawingml/2011/main" xmlns:a14="http://schemas.microsoft.com/office/drawing/2010/main" xmlns:m="http://schemas.openxmlformats.org/officeDocument/2006/math" xmlns="" val="1"/>
+              <ma14:wrappingTextBoxFlag xmlns="" xmlns:m="http://schemas.openxmlformats.org/officeDocument/2006/math" xmlns:a14="http://schemas.microsoft.com/office/drawing/2010/main" xmlns:ma14="http://schemas.microsoft.com/office/mac/drawingml/2011/main" val="1"/>
             </a:ext>
           </a:extLst>
         </p:spPr>
@@ -5880,7 +5865,7 @@
           </a:ln>
           <a:extLst>
             <a:ext uri="{C572A759-6A51-4108-AA02-DFA0A04FC94B}">
-              <ma14:wrappingTextBoxFlag xmlns:ma14="http://schemas.microsoft.com/office/mac/drawingml/2011/main" xmlns:a14="http://schemas.microsoft.com/office/drawing/2010/main" xmlns:m="http://schemas.openxmlformats.org/officeDocument/2006/math" xmlns="" val="1"/>
+              <ma14:wrappingTextBoxFlag xmlns="" xmlns:m="http://schemas.openxmlformats.org/officeDocument/2006/math" xmlns:a14="http://schemas.microsoft.com/office/drawing/2010/main" xmlns:ma14="http://schemas.microsoft.com/office/mac/drawingml/2011/main" val="1"/>
             </a:ext>
           </a:extLst>
         </p:spPr>
@@ -5951,7 +5936,7 @@
           <a:effectLst/>
           <a:extLst>
             <a:ext uri="{C572A759-6A51-4108-AA02-DFA0A04FC94B}">
-              <ma14:wrappingTextBoxFlag xmlns:ma14="http://schemas.microsoft.com/office/mac/drawingml/2011/main" xmlns:a14="http://schemas.microsoft.com/office/drawing/2010/main" xmlns:m="http://schemas.openxmlformats.org/officeDocument/2006/math" xmlns="" val="1"/>
+              <ma14:wrappingTextBoxFlag xmlns="" xmlns:m="http://schemas.openxmlformats.org/officeDocument/2006/math" xmlns:a14="http://schemas.microsoft.com/office/drawing/2010/main" xmlns:ma14="http://schemas.microsoft.com/office/mac/drawingml/2011/main" val="1"/>
             </a:ext>
           </a:extLst>
         </p:spPr>
@@ -6062,7 +6047,7 @@
           <a:effectLst/>
           <a:extLst>
             <a:ext uri="{C572A759-6A51-4108-AA02-DFA0A04FC94B}">
-              <ma14:wrappingTextBoxFlag xmlns:ma14="http://schemas.microsoft.com/office/mac/drawingml/2011/main" xmlns:a14="http://schemas.microsoft.com/office/drawing/2010/main" xmlns:m="http://schemas.openxmlformats.org/officeDocument/2006/math" xmlns="" val="1"/>
+              <ma14:wrappingTextBoxFlag xmlns="" xmlns:m="http://schemas.openxmlformats.org/officeDocument/2006/math" xmlns:a14="http://schemas.microsoft.com/office/drawing/2010/main" xmlns:ma14="http://schemas.microsoft.com/office/mac/drawingml/2011/main" val="1"/>
             </a:ext>
           </a:extLst>
         </p:spPr>
@@ -6097,17 +6082,17 @@
                 <a:latin typeface="Source Sans Pro" panose="020B0503030403020204" pitchFamily="34" charset="0"/>
                 <a:ea typeface="Source Sans Pro" panose="020B0503030403020204" pitchFamily="34" charset="0"/>
               </a:rPr>
-              <a:t>performs the </a:t>
-            </a:r>
-            <a:r>
-              <a:rPr lang="en-US" sz="1400" b="0" dirty="0" smtClean="0">
+              <a:t>performs the (semi)parametric INAR bootstrap procedure for given data, model order, number of replications </a:t>
+            </a:r>
+            <a:r>
+              <a:rPr lang="en-US" sz="1400" b="0" dirty="0">
                 <a:solidFill>
                   <a:srgbClr val="060606"/>
                 </a:solidFill>
                 <a:latin typeface="Source Sans Pro" panose="020B0503030403020204" pitchFamily="34" charset="0"/>
                 <a:ea typeface="Source Sans Pro" panose="020B0503030403020204" pitchFamily="34" charset="0"/>
               </a:rPr>
-              <a:t>(semi)parametric </a:t>
+              <a:t>for a given parametric family of distribution (Poi, Geo or NB</a:t>
             </a:r>
             <a:r>
               <a:rPr lang="en-US" sz="1400" b="0" dirty="0" smtClean="0">
@@ -6117,57 +6102,27 @@
                 <a:latin typeface="Source Sans Pro" panose="020B0503030403020204" pitchFamily="34" charset="0"/>
                 <a:ea typeface="Source Sans Pro" panose="020B0503030403020204" pitchFamily="34" charset="0"/>
               </a:rPr>
-              <a:t>INAR bootstrap procedure for given data, model </a:t>
-            </a:r>
-            <a:r>
-              <a:rPr lang="en-US" sz="1400" b="0" dirty="0" smtClean="0">
+              <a:t>) and </a:t>
+            </a:r>
+            <a:r>
+              <a:rPr lang="en-US" sz="1400" b="0" smtClean="0">
                 <a:solidFill>
                   <a:srgbClr val="060606"/>
                 </a:solidFill>
                 <a:latin typeface="Source Sans Pro" panose="020B0503030403020204" pitchFamily="34" charset="0"/>
                 <a:ea typeface="Source Sans Pro" panose="020B0503030403020204" pitchFamily="34" charset="0"/>
               </a:rPr>
-              <a:t>order, number </a:t>
-            </a:r>
-            <a:r>
-              <a:rPr lang="en-US" sz="1400" b="0" dirty="0" smtClean="0">
+              <a:t>estimation </a:t>
+            </a:r>
+            <a:r>
+              <a:rPr lang="en-US" sz="1400" b="0" smtClean="0">
                 <a:solidFill>
                   <a:srgbClr val="060606"/>
                 </a:solidFill>
                 <a:latin typeface="Source Sans Pro" panose="020B0503030403020204" pitchFamily="34" charset="0"/>
                 <a:ea typeface="Source Sans Pro" panose="020B0503030403020204" pitchFamily="34" charset="0"/>
               </a:rPr>
-              <a:t>of </a:t>
-            </a:r>
-            <a:r>
-              <a:rPr lang="en-US" sz="1400" b="0" dirty="0" smtClean="0">
-                <a:solidFill>
-                  <a:srgbClr val="060606"/>
-                </a:solidFill>
-                <a:latin typeface="Source Sans Pro" panose="020B0503030403020204" pitchFamily="34" charset="0"/>
-                <a:ea typeface="Source Sans Pro" panose="020B0503030403020204" pitchFamily="34" charset="0"/>
-              </a:rPr>
-              <a:t>replications </a:t>
-            </a:r>
-            <a:r>
-              <a:rPr lang="en-US" sz="1400" b="0" dirty="0">
-                <a:solidFill>
-                  <a:srgbClr val="060606"/>
-                </a:solidFill>
-                <a:latin typeface="Source Sans Pro" panose="020B0503030403020204" pitchFamily="34" charset="0"/>
-                <a:ea typeface="Source Sans Pro" panose="020B0503030403020204" pitchFamily="34" charset="0"/>
-              </a:rPr>
-              <a:t>for a given parametric family of distribution (Poi, Geo or NB</a:t>
-            </a:r>
-            <a:r>
-              <a:rPr lang="en-US" sz="1400" b="0" dirty="0" smtClean="0">
-                <a:solidFill>
-                  <a:srgbClr val="060606"/>
-                </a:solidFill>
-                <a:latin typeface="Source Sans Pro" panose="020B0503030403020204" pitchFamily="34" charset="0"/>
-                <a:ea typeface="Source Sans Pro" panose="020B0503030403020204" pitchFamily="34" charset="0"/>
-              </a:rPr>
-              <a:t>) and estimation method.</a:t>
+              <a:t>method</a:t>
             </a:r>
             <a:r>
               <a:rPr lang="en-US" sz="1400" b="0" dirty="0">
@@ -6270,7 +6225,7 @@
           </a:ln>
           <a:extLst>
             <a:ext uri="{C572A759-6A51-4108-AA02-DFA0A04FC94B}">
-              <ma14:wrappingTextBoxFlag xmlns:ma14="http://schemas.microsoft.com/office/mac/drawingml/2011/main" xmlns:a14="http://schemas.microsoft.com/office/drawing/2010/main" xmlns:m="http://schemas.openxmlformats.org/officeDocument/2006/math" xmlns="" val="1"/>
+              <ma14:wrappingTextBoxFlag xmlns="" xmlns:m="http://schemas.openxmlformats.org/officeDocument/2006/math" xmlns:a14="http://schemas.microsoft.com/office/drawing/2010/main" xmlns:ma14="http://schemas.microsoft.com/office/mac/drawingml/2011/main" val="1"/>
             </a:ext>
           </a:extLst>
         </p:spPr>
@@ -6362,7 +6317,7 @@
           <a:effectLst/>
           <a:extLst>
             <a:ext uri="{C572A759-6A51-4108-AA02-DFA0A04FC94B}">
-              <ma14:wrappingTextBoxFlag xmlns:ma14="http://schemas.microsoft.com/office/mac/drawingml/2011/main" xmlns:a14="http://schemas.microsoft.com/office/drawing/2010/main" xmlns:m="http://schemas.openxmlformats.org/officeDocument/2006/math" xmlns="" val="1"/>
+              <ma14:wrappingTextBoxFlag xmlns="" xmlns:m="http://schemas.openxmlformats.org/officeDocument/2006/math" xmlns:a14="http://schemas.microsoft.com/office/drawing/2010/main" xmlns:ma14="http://schemas.microsoft.com/office/mac/drawingml/2011/main" val="1"/>
             </a:ext>
           </a:extLst>
         </p:spPr>
@@ -6483,7 +6438,7 @@
           <a:effectLst/>
           <a:extLst>
             <a:ext uri="{C572A759-6A51-4108-AA02-DFA0A04FC94B}">
-              <ma14:wrappingTextBoxFlag xmlns:ma14="http://schemas.microsoft.com/office/mac/drawingml/2011/main" xmlns:a14="http://schemas.microsoft.com/office/drawing/2010/main" xmlns:m="http://schemas.openxmlformats.org/officeDocument/2006/math" xmlns="" val="1"/>
+              <ma14:wrappingTextBoxFlag xmlns="" xmlns:m="http://schemas.openxmlformats.org/officeDocument/2006/math" xmlns:a14="http://schemas.microsoft.com/office/drawing/2010/main" xmlns:ma14="http://schemas.microsoft.com/office/mac/drawingml/2011/main" val="1"/>
             </a:ext>
           </a:extLst>
         </p:spPr>
@@ -6550,7 +6505,7 @@
           <a:effectLst/>
           <a:extLst>
             <a:ext uri="{C572A759-6A51-4108-AA02-DFA0A04FC94B}">
-              <ma14:wrappingTextBoxFlag xmlns:ma14="http://schemas.microsoft.com/office/mac/drawingml/2011/main" xmlns:a14="http://schemas.microsoft.com/office/drawing/2010/main" xmlns:m="http://schemas.openxmlformats.org/officeDocument/2006/math" xmlns="" val="1"/>
+              <ma14:wrappingTextBoxFlag xmlns="" xmlns:m="http://schemas.openxmlformats.org/officeDocument/2006/math" xmlns:a14="http://schemas.microsoft.com/office/drawing/2010/main" xmlns:ma14="http://schemas.microsoft.com/office/mac/drawingml/2011/main" val="1"/>
             </a:ext>
           </a:extLst>
         </p:spPr>
@@ -6669,7 +6624,7 @@
           </a:ln>
           <a:extLst>
             <a:ext uri="{C572A759-6A51-4108-AA02-DFA0A04FC94B}">
-              <ma14:wrappingTextBoxFlag xmlns:ma14="http://schemas.microsoft.com/office/mac/drawingml/2011/main" xmlns:a14="http://schemas.microsoft.com/office/drawing/2010/main" xmlns:m="http://schemas.openxmlformats.org/officeDocument/2006/math" xmlns="" val="1"/>
+              <ma14:wrappingTextBoxFlag xmlns="" xmlns:m="http://schemas.openxmlformats.org/officeDocument/2006/math" xmlns:a14="http://schemas.microsoft.com/office/drawing/2010/main" xmlns:ma14="http://schemas.microsoft.com/office/mac/drawingml/2011/main" val="1"/>
             </a:ext>
           </a:extLst>
         </p:spPr>
@@ -6732,7 +6687,7 @@
           <a:effectLst/>
           <a:extLst>
             <a:ext uri="{C572A759-6A51-4108-AA02-DFA0A04FC94B}">
-              <ma14:wrappingTextBoxFlag xmlns:ma14="http://schemas.microsoft.com/office/mac/drawingml/2011/main" xmlns:a14="http://schemas.microsoft.com/office/drawing/2010/main" xmlns:m="http://schemas.openxmlformats.org/officeDocument/2006/math" xmlns="" val="1"/>
+              <ma14:wrappingTextBoxFlag xmlns="" xmlns:m="http://schemas.openxmlformats.org/officeDocument/2006/math" xmlns:a14="http://schemas.microsoft.com/office/drawing/2010/main" xmlns:ma14="http://schemas.microsoft.com/office/mac/drawingml/2011/main" val="1"/>
             </a:ext>
           </a:extLst>
         </p:spPr>
@@ -6878,7 +6833,7 @@
           </a:ln>
           <a:extLst>
             <a:ext uri="{C572A759-6A51-4108-AA02-DFA0A04FC94B}">
-              <ma14:wrappingTextBoxFlag xmlns:ma14="http://schemas.microsoft.com/office/mac/drawingml/2011/main" xmlns:a14="http://schemas.microsoft.com/office/drawing/2010/main" xmlns:m="http://schemas.openxmlformats.org/officeDocument/2006/math" xmlns="" val="1"/>
+              <ma14:wrappingTextBoxFlag xmlns="" xmlns:m="http://schemas.openxmlformats.org/officeDocument/2006/math" xmlns:a14="http://schemas.microsoft.com/office/drawing/2010/main" xmlns:ma14="http://schemas.microsoft.com/office/mac/drawingml/2011/main" val="1"/>
             </a:ext>
           </a:extLst>
         </p:spPr>
@@ -6995,7 +6950,7 @@
           </a:ln>
           <a:extLst>
             <a:ext uri="{C572A759-6A51-4108-AA02-DFA0A04FC94B}">
-              <ma14:wrappingTextBoxFlag xmlns:ma14="http://schemas.microsoft.com/office/mac/drawingml/2011/main" xmlns:a14="http://schemas.microsoft.com/office/drawing/2010/main" xmlns:m="http://schemas.openxmlformats.org/officeDocument/2006/math" xmlns="" val="1"/>
+              <ma14:wrappingTextBoxFlag xmlns="" xmlns:m="http://schemas.openxmlformats.org/officeDocument/2006/math" xmlns:a14="http://schemas.microsoft.com/office/drawing/2010/main" xmlns:ma14="http://schemas.microsoft.com/office/mac/drawingml/2011/main" val="1"/>
             </a:ext>
           </a:extLst>
         </p:spPr>
@@ -7104,6 +7059,13 @@
     <a:masterClrMapping/>
   </p:clrMapOvr>
   <p:transition spd="med"/>
+  <p:timing>
+    <p:tnLst>
+      <p:par>
+        <p:cTn id="1" dur="indefinite" restart="never" nodeType="tmRoot"/>
+      </p:par>
+    </p:tnLst>
+  </p:timing>
 </p:sld>
 </file>
 

--- a/img_readme/cheat_sheet_spINAR.pptx
+++ b/img_readme/cheat_sheet_spINAR.pptx
@@ -2124,7 +2124,7 @@
           </a:ln>
           <a:extLst>
             <a:ext uri="{C572A759-6A51-4108-AA02-DFA0A04FC94B}">
-              <ma14:wrappingTextBoxFlag xmlns="" xmlns:m="http://schemas.openxmlformats.org/officeDocument/2006/math" xmlns:a14="http://schemas.microsoft.com/office/drawing/2010/main" xmlns:ma14="http://schemas.microsoft.com/office/mac/drawingml/2011/main" val="1"/>
+              <ma14:wrappingTextBoxFlag xmlns:ma14="http://schemas.microsoft.com/office/mac/drawingml/2011/main" xmlns:a14="http://schemas.microsoft.com/office/drawing/2010/main" xmlns:m="http://schemas.openxmlformats.org/officeDocument/2006/math" xmlns="" val="1"/>
             </a:ext>
           </a:extLst>
         </p:spPr>
@@ -2163,7 +2163,7 @@
           </a:ln>
           <a:extLst>
             <a:ext uri="{C572A759-6A51-4108-AA02-DFA0A04FC94B}">
-              <ma14:wrappingTextBoxFlag xmlns="" xmlns:m="http://schemas.openxmlformats.org/officeDocument/2006/math" xmlns:a14="http://schemas.microsoft.com/office/drawing/2010/main" xmlns:ma14="http://schemas.microsoft.com/office/mac/drawingml/2011/main" val="1"/>
+              <ma14:wrappingTextBoxFlag xmlns:ma14="http://schemas.microsoft.com/office/mac/drawingml/2011/main" xmlns:a14="http://schemas.microsoft.com/office/drawing/2010/main" xmlns:m="http://schemas.openxmlformats.org/officeDocument/2006/math" xmlns="" val="1"/>
             </a:ext>
           </a:extLst>
         </p:spPr>
@@ -3256,7 +3256,7 @@
           </a:ln>
           <a:extLst>
             <a:ext uri="{C572A759-6A51-4108-AA02-DFA0A04FC94B}">
-              <ma14:wrappingTextBoxFlag xmlns="" xmlns:m="http://schemas.openxmlformats.org/officeDocument/2006/math" xmlns:a14="http://schemas.microsoft.com/office/drawing/2010/main" xmlns:ma14="http://schemas.microsoft.com/office/mac/drawingml/2011/main" val="1"/>
+              <ma14:wrappingTextBoxFlag xmlns:ma14="http://schemas.microsoft.com/office/mac/drawingml/2011/main" xmlns:a14="http://schemas.microsoft.com/office/drawing/2010/main" xmlns:m="http://schemas.openxmlformats.org/officeDocument/2006/math" xmlns="" val="1"/>
             </a:ext>
           </a:extLst>
         </p:spPr>
@@ -3306,7 +3306,7 @@
           </a:ln>
           <a:extLst>
             <a:ext uri="{C572A759-6A51-4108-AA02-DFA0A04FC94B}">
-              <ma14:wrappingTextBoxFlag xmlns="" xmlns:m="http://schemas.openxmlformats.org/officeDocument/2006/math" xmlns:a14="http://schemas.microsoft.com/office/drawing/2010/main" xmlns:ma14="http://schemas.microsoft.com/office/mac/drawingml/2011/main" val="1"/>
+              <ma14:wrappingTextBoxFlag xmlns:ma14="http://schemas.microsoft.com/office/mac/drawingml/2011/main" xmlns:a14="http://schemas.microsoft.com/office/drawing/2010/main" xmlns:m="http://schemas.openxmlformats.org/officeDocument/2006/math" xmlns="" val="1"/>
             </a:ext>
           </a:extLst>
         </p:spPr>
@@ -3352,7 +3352,7 @@
           </a:ln>
           <a:extLst>
             <a:ext uri="{C572A759-6A51-4108-AA02-DFA0A04FC94B}">
-              <ma14:wrappingTextBoxFlag xmlns="" xmlns:m="http://schemas.openxmlformats.org/officeDocument/2006/math" xmlns:a14="http://schemas.microsoft.com/office/drawing/2010/main" xmlns:ma14="http://schemas.microsoft.com/office/mac/drawingml/2011/main" val="1"/>
+              <ma14:wrappingTextBoxFlag xmlns:ma14="http://schemas.microsoft.com/office/mac/drawingml/2011/main" xmlns:a14="http://schemas.microsoft.com/office/drawing/2010/main" xmlns:m="http://schemas.openxmlformats.org/officeDocument/2006/math" xmlns="" val="1"/>
             </a:ext>
           </a:extLst>
         </p:spPr>
@@ -3722,7 +3722,7 @@
           </a:ln>
           <a:extLst>
             <a:ext uri="{C572A759-6A51-4108-AA02-DFA0A04FC94B}">
-              <ma14:wrappingTextBoxFlag xmlns="" xmlns:m="http://schemas.openxmlformats.org/officeDocument/2006/math" xmlns:a14="http://schemas.microsoft.com/office/drawing/2010/main" xmlns:ma14="http://schemas.microsoft.com/office/mac/drawingml/2011/main" val="1"/>
+              <ma14:wrappingTextBoxFlag xmlns:ma14="http://schemas.microsoft.com/office/mac/drawingml/2011/main" xmlns:a14="http://schemas.microsoft.com/office/drawing/2010/main" xmlns:m="http://schemas.openxmlformats.org/officeDocument/2006/math" xmlns="" val="1"/>
             </a:ext>
           </a:extLst>
         </p:spPr>
@@ -3804,7 +3804,7 @@
           </a:ln>
           <a:extLst>
             <a:ext uri="{C572A759-6A51-4108-AA02-DFA0A04FC94B}">
-              <ma14:wrappingTextBoxFlag xmlns="" xmlns:m="http://schemas.openxmlformats.org/officeDocument/2006/math" xmlns:a14="http://schemas.microsoft.com/office/drawing/2010/main" xmlns:ma14="http://schemas.microsoft.com/office/mac/drawingml/2011/main" val="1"/>
+              <ma14:wrappingTextBoxFlag xmlns:ma14="http://schemas.microsoft.com/office/mac/drawingml/2011/main" xmlns:a14="http://schemas.microsoft.com/office/drawing/2010/main" xmlns:m="http://schemas.openxmlformats.org/officeDocument/2006/math" xmlns="" val="1"/>
             </a:ext>
           </a:extLst>
         </p:spPr>
@@ -3854,7 +3854,7 @@
           </a:ln>
           <a:extLst>
             <a:ext uri="{C572A759-6A51-4108-AA02-DFA0A04FC94B}">
-              <ma14:wrappingTextBoxFlag xmlns="" xmlns:m="http://schemas.openxmlformats.org/officeDocument/2006/math" xmlns:a14="http://schemas.microsoft.com/office/drawing/2010/main" xmlns:ma14="http://schemas.microsoft.com/office/mac/drawingml/2011/main" val="1"/>
+              <ma14:wrappingTextBoxFlag xmlns:ma14="http://schemas.microsoft.com/office/mac/drawingml/2011/main" xmlns:a14="http://schemas.microsoft.com/office/drawing/2010/main" xmlns:m="http://schemas.openxmlformats.org/officeDocument/2006/math" xmlns="" val="1"/>
             </a:ext>
           </a:extLst>
         </p:spPr>
@@ -3921,7 +3921,7 @@
           </a:ln>
           <a:extLst>
             <a:ext uri="{C572A759-6A51-4108-AA02-DFA0A04FC94B}">
-              <ma14:wrappingTextBoxFlag xmlns="" xmlns:m="http://schemas.openxmlformats.org/officeDocument/2006/math" xmlns:a14="http://schemas.microsoft.com/office/drawing/2010/main" xmlns:ma14="http://schemas.microsoft.com/office/mac/drawingml/2011/main" val="1"/>
+              <ma14:wrappingTextBoxFlag xmlns:ma14="http://schemas.microsoft.com/office/mac/drawingml/2011/main" xmlns:a14="http://schemas.microsoft.com/office/drawing/2010/main" xmlns:m="http://schemas.openxmlformats.org/officeDocument/2006/math" xmlns="" val="1"/>
             </a:ext>
           </a:extLst>
         </p:spPr>
@@ -4034,7 +4034,7 @@
           <a:effectLst/>
           <a:extLst>
             <a:ext uri="{C572A759-6A51-4108-AA02-DFA0A04FC94B}">
-              <ma14:wrappingTextBoxFlag xmlns="" xmlns:m="http://schemas.openxmlformats.org/officeDocument/2006/math" xmlns:a14="http://schemas.microsoft.com/office/drawing/2010/main" xmlns:ma14="http://schemas.microsoft.com/office/mac/drawingml/2011/main" val="1"/>
+              <ma14:wrappingTextBoxFlag xmlns:ma14="http://schemas.microsoft.com/office/mac/drawingml/2011/main" xmlns:a14="http://schemas.microsoft.com/office/drawing/2010/main" xmlns:m="http://schemas.openxmlformats.org/officeDocument/2006/math" xmlns="" val="1"/>
             </a:ext>
           </a:extLst>
         </p:spPr>
@@ -4059,7 +4059,15 @@
             </a:pPr>
             <a:r>
               <a:rPr lang="es-ES" sz="1600" dirty="0" smtClean="0"/>
-              <a:t> Simulation of INAR(p) data</a:t>
+              <a:t> </a:t>
+            </a:r>
+            <a:r>
+              <a:rPr lang="es-ES" sz="1600" dirty="0" smtClean="0"/>
+              <a:t> Simulation </a:t>
+            </a:r>
+            <a:r>
+              <a:rPr lang="es-ES" sz="1600" dirty="0" smtClean="0"/>
+              <a:t>of INAR(p) data</a:t>
             </a:r>
             <a:endParaRPr sz="1600" dirty="0"/>
           </a:p>
@@ -4079,8 +4087,8 @@
         </p:nvSpPr>
         <p:spPr>
           <a:xfrm>
-            <a:off x="3817523" y="4401252"/>
-            <a:ext cx="9519228" cy="279203"/>
+            <a:off x="3877300" y="4388094"/>
+            <a:ext cx="9487298" cy="292361"/>
           </a:xfrm>
           <a:prstGeom prst="rect">
             <a:avLst/>
@@ -4144,7 +4152,7 @@
           </a:ln>
           <a:extLst>
             <a:ext uri="{C572A759-6A51-4108-AA02-DFA0A04FC94B}">
-              <ma14:wrappingTextBoxFlag xmlns="" xmlns:m="http://schemas.openxmlformats.org/officeDocument/2006/math" xmlns:a14="http://schemas.microsoft.com/office/drawing/2010/main" xmlns:ma14="http://schemas.microsoft.com/office/mac/drawingml/2011/main" val="1"/>
+              <ma14:wrappingTextBoxFlag xmlns:ma14="http://schemas.microsoft.com/office/mac/drawingml/2011/main" xmlns:a14="http://schemas.microsoft.com/office/drawing/2010/main" xmlns:m="http://schemas.openxmlformats.org/officeDocument/2006/math" xmlns="" val="1"/>
             </a:ext>
           </a:extLst>
         </p:spPr>
@@ -4200,7 +4208,7 @@
           </a:ln>
           <a:extLst>
             <a:ext uri="{C572A759-6A51-4108-AA02-DFA0A04FC94B}">
-              <ma14:wrappingTextBoxFlag xmlns="" xmlns:m="http://schemas.openxmlformats.org/officeDocument/2006/math" xmlns:a14="http://schemas.microsoft.com/office/drawing/2010/main" xmlns:ma14="http://schemas.microsoft.com/office/mac/drawingml/2011/main" val="1"/>
+              <ma14:wrappingTextBoxFlag xmlns:ma14="http://schemas.microsoft.com/office/mac/drawingml/2011/main" xmlns:a14="http://schemas.microsoft.com/office/drawing/2010/main" xmlns:m="http://schemas.openxmlformats.org/officeDocument/2006/math" xmlns="" val="1"/>
             </a:ext>
           </a:extLst>
         </p:spPr>
@@ -4256,7 +4264,7 @@
           </a:ln>
           <a:extLst>
             <a:ext uri="{C572A759-6A51-4108-AA02-DFA0A04FC94B}">
-              <ma14:wrappingTextBoxFlag xmlns="" xmlns:m="http://schemas.openxmlformats.org/officeDocument/2006/math" xmlns:a14="http://schemas.microsoft.com/office/drawing/2010/main" xmlns:ma14="http://schemas.microsoft.com/office/mac/drawingml/2011/main" val="1"/>
+              <ma14:wrappingTextBoxFlag xmlns:ma14="http://schemas.microsoft.com/office/mac/drawingml/2011/main" xmlns:a14="http://schemas.microsoft.com/office/drawing/2010/main" xmlns:m="http://schemas.openxmlformats.org/officeDocument/2006/math" xmlns="" val="1"/>
             </a:ext>
           </a:extLst>
         </p:spPr>
@@ -4343,7 +4351,7 @@
           <a:effectLst/>
           <a:extLst>
             <a:ext uri="{C572A759-6A51-4108-AA02-DFA0A04FC94B}">
-              <ma14:wrappingTextBoxFlag xmlns="" xmlns:m="http://schemas.openxmlformats.org/officeDocument/2006/math" xmlns:a14="http://schemas.microsoft.com/office/drawing/2010/main" xmlns:ma14="http://schemas.microsoft.com/office/mac/drawingml/2011/main" val="1"/>
+              <ma14:wrappingTextBoxFlag xmlns:ma14="http://schemas.microsoft.com/office/mac/drawingml/2011/main" xmlns:a14="http://schemas.microsoft.com/office/drawing/2010/main" xmlns:m="http://schemas.openxmlformats.org/officeDocument/2006/math" xmlns="" val="1"/>
             </a:ext>
           </a:extLst>
         </p:spPr>
@@ -4626,7 +4634,7 @@
           <a:effectLst/>
           <a:extLst>
             <a:ext uri="{C572A759-6A51-4108-AA02-DFA0A04FC94B}">
-              <ma14:wrappingTextBoxFlag xmlns="" xmlns:m="http://schemas.openxmlformats.org/officeDocument/2006/math" xmlns:a14="http://schemas.microsoft.com/office/drawing/2010/main" xmlns:ma14="http://schemas.microsoft.com/office/mac/drawingml/2011/main" val="1"/>
+              <ma14:wrappingTextBoxFlag xmlns:ma14="http://schemas.microsoft.com/office/mac/drawingml/2011/main" xmlns:a14="http://schemas.microsoft.com/office/drawing/2010/main" xmlns:m="http://schemas.openxmlformats.org/officeDocument/2006/math" xmlns="" val="1"/>
             </a:ext>
           </a:extLst>
         </p:spPr>
@@ -4720,7 +4728,7 @@
           <a:effectLst/>
           <a:extLst>
             <a:ext uri="{C572A759-6A51-4108-AA02-DFA0A04FC94B}">
-              <ma14:wrappingTextBoxFlag xmlns="" xmlns:m="http://schemas.openxmlformats.org/officeDocument/2006/math" xmlns:a14="http://schemas.microsoft.com/office/drawing/2010/main" xmlns:ma14="http://schemas.microsoft.com/office/mac/drawingml/2011/main" val="1"/>
+              <ma14:wrappingTextBoxFlag xmlns:ma14="http://schemas.microsoft.com/office/mac/drawingml/2011/main" xmlns:a14="http://schemas.microsoft.com/office/drawing/2010/main" xmlns:m="http://schemas.openxmlformats.org/officeDocument/2006/math" xmlns="" val="1"/>
             </a:ext>
           </a:extLst>
         </p:spPr>
@@ -4839,7 +4847,7 @@
           </a:ln>
           <a:extLst>
             <a:ext uri="{C572A759-6A51-4108-AA02-DFA0A04FC94B}">
-              <ma14:wrappingTextBoxFlag xmlns="" xmlns:m="http://schemas.openxmlformats.org/officeDocument/2006/math" xmlns:a14="http://schemas.microsoft.com/office/drawing/2010/main" xmlns:ma14="http://schemas.microsoft.com/office/mac/drawingml/2011/main" val="1"/>
+              <ma14:wrappingTextBoxFlag xmlns:ma14="http://schemas.microsoft.com/office/mac/drawingml/2011/main" xmlns:a14="http://schemas.microsoft.com/office/drawing/2010/main" xmlns:m="http://schemas.openxmlformats.org/officeDocument/2006/math" xmlns="" val="1"/>
             </a:ext>
           </a:extLst>
         </p:spPr>
@@ -4909,7 +4917,7 @@
           </a:ln>
           <a:extLst>
             <a:ext uri="{C572A759-6A51-4108-AA02-DFA0A04FC94B}">
-              <ma14:wrappingTextBoxFlag xmlns="" xmlns:m="http://schemas.openxmlformats.org/officeDocument/2006/math" xmlns:a14="http://schemas.microsoft.com/office/drawing/2010/main" xmlns:ma14="http://schemas.microsoft.com/office/mac/drawingml/2011/main" val="1"/>
+              <ma14:wrappingTextBoxFlag xmlns:ma14="http://schemas.microsoft.com/office/mac/drawingml/2011/main" xmlns:a14="http://schemas.microsoft.com/office/drawing/2010/main" xmlns:m="http://schemas.openxmlformats.org/officeDocument/2006/math" xmlns="" val="1"/>
             </a:ext>
           </a:extLst>
         </p:spPr>
@@ -5062,7 +5070,7 @@
           </a:ln>
           <a:extLst>
             <a:ext uri="{C572A759-6A51-4108-AA02-DFA0A04FC94B}">
-              <ma14:wrappingTextBoxFlag xmlns="" xmlns:m="http://schemas.openxmlformats.org/officeDocument/2006/math" xmlns:a14="http://schemas.microsoft.com/office/drawing/2010/main" xmlns:ma14="http://schemas.microsoft.com/office/mac/drawingml/2011/main" val="1"/>
+              <ma14:wrappingTextBoxFlag xmlns:ma14="http://schemas.microsoft.com/office/mac/drawingml/2011/main" xmlns:a14="http://schemas.microsoft.com/office/drawing/2010/main" xmlns:m="http://schemas.openxmlformats.org/officeDocument/2006/math" xmlns="" val="1"/>
             </a:ext>
           </a:extLst>
         </p:spPr>
@@ -5127,7 +5135,7 @@
           </a:ln>
           <a:extLst>
             <a:ext uri="{C572A759-6A51-4108-AA02-DFA0A04FC94B}">
-              <ma14:wrappingTextBoxFlag xmlns="" xmlns:m="http://schemas.openxmlformats.org/officeDocument/2006/math" xmlns:a14="http://schemas.microsoft.com/office/drawing/2010/main" xmlns:ma14="http://schemas.microsoft.com/office/mac/drawingml/2011/main" val="1"/>
+              <ma14:wrappingTextBoxFlag xmlns:ma14="http://schemas.microsoft.com/office/mac/drawingml/2011/main" xmlns:a14="http://schemas.microsoft.com/office/drawing/2010/main" xmlns:m="http://schemas.openxmlformats.org/officeDocument/2006/math" xmlns="" val="1"/>
             </a:ext>
           </a:extLst>
         </p:spPr>
@@ -5736,7 +5744,7 @@
         </p:nvSpPr>
         <p:spPr>
           <a:xfrm>
-            <a:off x="3817523" y="4430850"/>
+            <a:off x="3889034" y="4444714"/>
             <a:ext cx="9116185" cy="226857"/>
           </a:xfrm>
           <a:prstGeom prst="rect">
@@ -5750,7 +5758,7 @@
           <a:effectLst/>
           <a:extLst>
             <a:ext uri="{C572A759-6A51-4108-AA02-DFA0A04FC94B}">
-              <ma14:wrappingTextBoxFlag xmlns="" xmlns:m="http://schemas.openxmlformats.org/officeDocument/2006/math" xmlns:a14="http://schemas.microsoft.com/office/drawing/2010/main" xmlns:ma14="http://schemas.microsoft.com/office/mac/drawingml/2011/main" val="1"/>
+              <ma14:wrappingTextBoxFlag xmlns:ma14="http://schemas.microsoft.com/office/mac/drawingml/2011/main" xmlns:a14="http://schemas.microsoft.com/office/drawing/2010/main" xmlns:m="http://schemas.openxmlformats.org/officeDocument/2006/math" xmlns="" val="1"/>
             </a:ext>
           </a:extLst>
         </p:spPr>
@@ -5775,7 +5783,15 @@
             </a:pPr>
             <a:r>
               <a:rPr lang="es-ES" sz="1600" dirty="0" smtClean="0"/>
-              <a:t>  Parametric estimation of INAR(p) model</a:t>
+              <a:t> </a:t>
+            </a:r>
+            <a:r>
+              <a:rPr lang="es-ES" sz="1600" dirty="0" smtClean="0"/>
+              <a:t>Parametric </a:t>
+            </a:r>
+            <a:r>
+              <a:rPr lang="es-ES" sz="1600" dirty="0" smtClean="0"/>
+              <a:t>estimation of INAR(p) model</a:t>
             </a:r>
             <a:endParaRPr sz="1600" dirty="0"/>
           </a:p>
@@ -5809,7 +5825,7 @@
           <a:effectLst/>
           <a:extLst>
             <a:ext uri="{C572A759-6A51-4108-AA02-DFA0A04FC94B}">
-              <ma14:wrappingTextBoxFlag xmlns="" xmlns:m="http://schemas.openxmlformats.org/officeDocument/2006/math" xmlns:a14="http://schemas.microsoft.com/office/drawing/2010/main" xmlns:ma14="http://schemas.microsoft.com/office/mac/drawingml/2011/main" val="1"/>
+              <ma14:wrappingTextBoxFlag xmlns:ma14="http://schemas.microsoft.com/office/mac/drawingml/2011/main" xmlns:a14="http://schemas.microsoft.com/office/drawing/2010/main" xmlns:m="http://schemas.openxmlformats.org/officeDocument/2006/math" xmlns="" val="1"/>
             </a:ext>
           </a:extLst>
         </p:spPr>
@@ -5865,7 +5881,7 @@
           </a:ln>
           <a:extLst>
             <a:ext uri="{C572A759-6A51-4108-AA02-DFA0A04FC94B}">
-              <ma14:wrappingTextBoxFlag xmlns="" xmlns:m="http://schemas.openxmlformats.org/officeDocument/2006/math" xmlns:a14="http://schemas.microsoft.com/office/drawing/2010/main" xmlns:ma14="http://schemas.microsoft.com/office/mac/drawingml/2011/main" val="1"/>
+              <ma14:wrappingTextBoxFlag xmlns:ma14="http://schemas.microsoft.com/office/mac/drawingml/2011/main" xmlns:a14="http://schemas.microsoft.com/office/drawing/2010/main" xmlns:m="http://schemas.openxmlformats.org/officeDocument/2006/math" xmlns="" val="1"/>
             </a:ext>
           </a:extLst>
         </p:spPr>
@@ -5936,7 +5952,7 @@
           <a:effectLst/>
           <a:extLst>
             <a:ext uri="{C572A759-6A51-4108-AA02-DFA0A04FC94B}">
-              <ma14:wrappingTextBoxFlag xmlns="" xmlns:m="http://schemas.openxmlformats.org/officeDocument/2006/math" xmlns:a14="http://schemas.microsoft.com/office/drawing/2010/main" xmlns:ma14="http://schemas.microsoft.com/office/mac/drawingml/2011/main" val="1"/>
+              <ma14:wrappingTextBoxFlag xmlns:ma14="http://schemas.microsoft.com/office/mac/drawingml/2011/main" xmlns:a14="http://schemas.microsoft.com/office/drawing/2010/main" xmlns:m="http://schemas.openxmlformats.org/officeDocument/2006/math" xmlns="" val="1"/>
             </a:ext>
           </a:extLst>
         </p:spPr>
@@ -5979,8 +5995,8 @@
         </p:nvSpPr>
         <p:spPr>
           <a:xfrm>
-            <a:off x="3787635" y="6016294"/>
-            <a:ext cx="9579003" cy="291151"/>
+            <a:off x="3880922" y="6015038"/>
+            <a:ext cx="9455829" cy="292408"/>
           </a:xfrm>
           <a:prstGeom prst="rect">
             <a:avLst/>
@@ -6033,7 +6049,7 @@
         </p:nvSpPr>
         <p:spPr>
           <a:xfrm>
-            <a:off x="3817523" y="6477854"/>
+            <a:off x="3913500" y="6477854"/>
             <a:ext cx="6364457" cy="1087475"/>
           </a:xfrm>
           <a:prstGeom prst="rect">
@@ -6047,7 +6063,7 @@
           <a:effectLst/>
           <a:extLst>
             <a:ext uri="{C572A759-6A51-4108-AA02-DFA0A04FC94B}">
-              <ma14:wrappingTextBoxFlag xmlns="" xmlns:m="http://schemas.openxmlformats.org/officeDocument/2006/math" xmlns:a14="http://schemas.microsoft.com/office/drawing/2010/main" xmlns:ma14="http://schemas.microsoft.com/office/mac/drawingml/2011/main" val="1"/>
+              <ma14:wrappingTextBoxFlag xmlns:ma14="http://schemas.microsoft.com/office/mac/drawingml/2011/main" xmlns:a14="http://schemas.microsoft.com/office/drawing/2010/main" xmlns:m="http://schemas.openxmlformats.org/officeDocument/2006/math" xmlns="" val="1"/>
             </a:ext>
           </a:extLst>
         </p:spPr>
@@ -6102,27 +6118,7 @@
                 <a:latin typeface="Source Sans Pro" panose="020B0503030403020204" pitchFamily="34" charset="0"/>
                 <a:ea typeface="Source Sans Pro" panose="020B0503030403020204" pitchFamily="34" charset="0"/>
               </a:rPr>
-              <a:t>) and </a:t>
-            </a:r>
-            <a:r>
-              <a:rPr lang="en-US" sz="1400" b="0" smtClean="0">
-                <a:solidFill>
-                  <a:srgbClr val="060606"/>
-                </a:solidFill>
-                <a:latin typeface="Source Sans Pro" panose="020B0503030403020204" pitchFamily="34" charset="0"/>
-                <a:ea typeface="Source Sans Pro" panose="020B0503030403020204" pitchFamily="34" charset="0"/>
-              </a:rPr>
-              <a:t>estimation </a:t>
-            </a:r>
-            <a:r>
-              <a:rPr lang="en-US" sz="1400" b="0" smtClean="0">
-                <a:solidFill>
-                  <a:srgbClr val="060606"/>
-                </a:solidFill>
-                <a:latin typeface="Source Sans Pro" panose="020B0503030403020204" pitchFamily="34" charset="0"/>
-                <a:ea typeface="Source Sans Pro" panose="020B0503030403020204" pitchFamily="34" charset="0"/>
-              </a:rPr>
-              <a:t>method</a:t>
+              <a:t>) and estimation method</a:t>
             </a:r>
             <a:r>
               <a:rPr lang="en-US" sz="1400" b="0" dirty="0">
@@ -6225,7 +6221,7 @@
           </a:ln>
           <a:extLst>
             <a:ext uri="{C572A759-6A51-4108-AA02-DFA0A04FC94B}">
-              <ma14:wrappingTextBoxFlag xmlns="" xmlns:m="http://schemas.openxmlformats.org/officeDocument/2006/math" xmlns:a14="http://schemas.microsoft.com/office/drawing/2010/main" xmlns:ma14="http://schemas.microsoft.com/office/mac/drawingml/2011/main" val="1"/>
+              <ma14:wrappingTextBoxFlag xmlns:ma14="http://schemas.microsoft.com/office/mac/drawingml/2011/main" xmlns:a14="http://schemas.microsoft.com/office/drawing/2010/main" xmlns:m="http://schemas.openxmlformats.org/officeDocument/2006/math" xmlns="" val="1"/>
             </a:ext>
           </a:extLst>
         </p:spPr>
@@ -6303,7 +6299,7 @@
         </p:nvSpPr>
         <p:spPr>
           <a:xfrm>
-            <a:off x="3817523" y="6069937"/>
+            <a:off x="3898940" y="6082088"/>
             <a:ext cx="9307574" cy="226222"/>
           </a:xfrm>
           <a:prstGeom prst="rect">
@@ -6317,7 +6313,7 @@
           <a:effectLst/>
           <a:extLst>
             <a:ext uri="{C572A759-6A51-4108-AA02-DFA0A04FC94B}">
-              <ma14:wrappingTextBoxFlag xmlns="" xmlns:m="http://schemas.openxmlformats.org/officeDocument/2006/math" xmlns:a14="http://schemas.microsoft.com/office/drawing/2010/main" xmlns:ma14="http://schemas.microsoft.com/office/mac/drawingml/2011/main" val="1"/>
+              <ma14:wrappingTextBoxFlag xmlns:ma14="http://schemas.microsoft.com/office/mac/drawingml/2011/main" xmlns:a14="http://schemas.microsoft.com/office/drawing/2010/main" xmlns:m="http://schemas.openxmlformats.org/officeDocument/2006/math" xmlns="" val="1"/>
             </a:ext>
           </a:extLst>
         </p:spPr>
@@ -6370,8 +6366,8 @@
         </p:nvSpPr>
         <p:spPr>
           <a:xfrm>
-            <a:off x="3768173" y="7567059"/>
-            <a:ext cx="9579004" cy="316590"/>
+            <a:off x="3899524" y="7582109"/>
+            <a:ext cx="9579004" cy="354003"/>
           </a:xfrm>
           <a:prstGeom prst="rect">
             <a:avLst/>
@@ -6424,8 +6420,8 @@
         </p:nvSpPr>
         <p:spPr>
           <a:xfrm>
-            <a:off x="3760594" y="7620917"/>
-            <a:ext cx="9505435" cy="226857"/>
+            <a:off x="3913500" y="7694002"/>
+            <a:ext cx="9423252" cy="222625"/>
           </a:xfrm>
           <a:prstGeom prst="rect">
             <a:avLst/>
@@ -6438,7 +6434,7 @@
           <a:effectLst/>
           <a:extLst>
             <a:ext uri="{C572A759-6A51-4108-AA02-DFA0A04FC94B}">
-              <ma14:wrappingTextBoxFlag xmlns="" xmlns:m="http://schemas.openxmlformats.org/officeDocument/2006/math" xmlns:a14="http://schemas.microsoft.com/office/drawing/2010/main" xmlns:ma14="http://schemas.microsoft.com/office/mac/drawingml/2011/main" val="1"/>
+              <ma14:wrappingTextBoxFlag xmlns:ma14="http://schemas.microsoft.com/office/mac/drawingml/2011/main" xmlns:a14="http://schemas.microsoft.com/office/drawing/2010/main" xmlns:m="http://schemas.openxmlformats.org/officeDocument/2006/math" xmlns="" val="1"/>
             </a:ext>
           </a:extLst>
         </p:spPr>
@@ -6491,7 +6487,7 @@
         </p:nvSpPr>
         <p:spPr>
           <a:xfrm>
-            <a:off x="3760594" y="8094317"/>
+            <a:off x="3900050" y="8103845"/>
             <a:ext cx="5948002" cy="764933"/>
           </a:xfrm>
           <a:prstGeom prst="rect">
@@ -6505,7 +6501,7 @@
           <a:effectLst/>
           <a:extLst>
             <a:ext uri="{C572A759-6A51-4108-AA02-DFA0A04FC94B}">
-              <ma14:wrappingTextBoxFlag xmlns="" xmlns:m="http://schemas.openxmlformats.org/officeDocument/2006/math" xmlns:a14="http://schemas.microsoft.com/office/drawing/2010/main" xmlns:ma14="http://schemas.microsoft.com/office/mac/drawingml/2011/main" val="1"/>
+              <ma14:wrappingTextBoxFlag xmlns:ma14="http://schemas.microsoft.com/office/mac/drawingml/2011/main" xmlns:a14="http://schemas.microsoft.com/office/drawing/2010/main" xmlns:m="http://schemas.openxmlformats.org/officeDocument/2006/math" xmlns="" val="1"/>
             </a:ext>
           </a:extLst>
         </p:spPr>
@@ -6624,7 +6620,7 @@
           </a:ln>
           <a:extLst>
             <a:ext uri="{C572A759-6A51-4108-AA02-DFA0A04FC94B}">
-              <ma14:wrappingTextBoxFlag xmlns="" xmlns:m="http://schemas.openxmlformats.org/officeDocument/2006/math" xmlns:a14="http://schemas.microsoft.com/office/drawing/2010/main" xmlns:ma14="http://schemas.microsoft.com/office/mac/drawingml/2011/main" val="1"/>
+              <ma14:wrappingTextBoxFlag xmlns:ma14="http://schemas.microsoft.com/office/mac/drawingml/2011/main" xmlns:a14="http://schemas.microsoft.com/office/drawing/2010/main" xmlns:m="http://schemas.openxmlformats.org/officeDocument/2006/math" xmlns="" val="1"/>
             </a:ext>
           </a:extLst>
         </p:spPr>
@@ -6673,7 +6669,7 @@
         </p:nvSpPr>
         <p:spPr>
           <a:xfrm>
-            <a:off x="3760594" y="9060781"/>
+            <a:off x="3922709" y="9060781"/>
             <a:ext cx="6140342" cy="1186649"/>
           </a:xfrm>
           <a:prstGeom prst="rect">
@@ -6687,7 +6683,7 @@
           <a:effectLst/>
           <a:extLst>
             <a:ext uri="{C572A759-6A51-4108-AA02-DFA0A04FC94B}">
-              <ma14:wrappingTextBoxFlag xmlns="" xmlns:m="http://schemas.openxmlformats.org/officeDocument/2006/math" xmlns:a14="http://schemas.microsoft.com/office/drawing/2010/main" xmlns:ma14="http://schemas.microsoft.com/office/mac/drawingml/2011/main" val="1"/>
+              <ma14:wrappingTextBoxFlag xmlns:ma14="http://schemas.microsoft.com/office/mac/drawingml/2011/main" xmlns:a14="http://schemas.microsoft.com/office/drawing/2010/main" xmlns:m="http://schemas.openxmlformats.org/officeDocument/2006/math" xmlns="" val="1"/>
             </a:ext>
           </a:extLst>
         </p:spPr>
@@ -6816,8 +6812,8 @@
         </p:nvSpPr>
         <p:spPr>
           <a:xfrm>
-            <a:off x="10202248" y="9113697"/>
-            <a:ext cx="3159063" cy="664204"/>
+            <a:off x="10202248" y="9021364"/>
+            <a:ext cx="3159063" cy="848870"/>
           </a:xfrm>
           <a:prstGeom prst="rect">
             <a:avLst/>
@@ -6833,7 +6829,7 @@
           </a:ln>
           <a:extLst>
             <a:ext uri="{C572A759-6A51-4108-AA02-DFA0A04FC94B}">
-              <ma14:wrappingTextBoxFlag xmlns="" xmlns:m="http://schemas.openxmlformats.org/officeDocument/2006/math" xmlns:a14="http://schemas.microsoft.com/office/drawing/2010/main" xmlns:ma14="http://schemas.microsoft.com/office/mac/drawingml/2011/main" val="1"/>
+              <ma14:wrappingTextBoxFlag xmlns:ma14="http://schemas.microsoft.com/office/mac/drawingml/2011/main" xmlns:a14="http://schemas.microsoft.com/office/drawing/2010/main" xmlns:m="http://schemas.openxmlformats.org/officeDocument/2006/math" xmlns="" val="1"/>
             </a:ext>
           </a:extLst>
         </p:spPr>
@@ -6859,15 +6855,19 @@
             </a:pPr>
             <a:r>
               <a:rPr lang="es-ES" dirty="0"/>
-              <a:t>spinar_penal_val(x, p, valid, </a:t>
+              <a:t>spinar_penal_val(x, p, </a:t>
+            </a:r>
+            <a:r>
+              <a:rPr lang="es-ES" dirty="0" smtClean="0"/>
+              <a:t>validation, </a:t>
             </a:r>
             <a:r>
               <a:rPr lang="es-ES" dirty="0" smtClean="0"/>
               <a:t>penal1</a:t>
             </a:r>
             <a:r>
-              <a:rPr lang="es-ES" dirty="0"/>
-              <a:t>, penal2,</a:t>
+              <a:rPr lang="es-ES" dirty="0" smtClean="0"/>
+              <a:t>,</a:t>
             </a:r>
           </a:p>
           <a:p>
@@ -6886,24 +6886,44 @@
               </a:defRPr>
             </a:pPr>
             <a:r>
+              <a:rPr lang="es-ES" dirty="0" smtClean="0"/>
+              <a:t>                            penal2, over</a:t>
+            </a:r>
+            <a:r>
+              <a:rPr lang="es-ES" dirty="0" smtClean="0"/>
+              <a:t>, </a:t>
+            </a:r>
+            <a:r>
+              <a:rPr lang="es-ES" dirty="0" smtClean="0"/>
+              <a:t>folds, init1, </a:t>
+            </a:r>
+          </a:p>
+          <a:p>
+            <a:pPr>
+              <a:spcBef>
+                <a:spcPts val="0"/>
+              </a:spcBef>
+              <a:defRPr b="0">
+                <a:solidFill>
+                  <a:srgbClr val="000000"/>
+                </a:solidFill>
+                <a:latin typeface="Menlo"/>
+                <a:ea typeface="Menlo"/>
+                <a:cs typeface="Menlo"/>
+                <a:sym typeface="Menlo"/>
+              </a:defRPr>
+            </a:pPr>
+            <a:r>
+              <a:rPr lang="es-ES" smtClean="0"/>
+              <a:t> </a:t>
+            </a:r>
+            <a:r>
+              <a:rPr lang="es-ES" smtClean="0"/>
+              <a:t>                           init2</a:t>
+            </a:r>
+            <a:r>
               <a:rPr lang="es-ES" dirty="0"/>
-              <a:t> 		</a:t>
-            </a:r>
-            <a:r>
-              <a:rPr lang="es-ES" dirty="0" smtClean="0"/>
-              <a:t>over, folds</a:t>
-            </a:r>
-            <a:r>
-              <a:rPr lang="es-ES" dirty="0"/>
-              <a:t>, </a:t>
-            </a:r>
-            <a:r>
-              <a:rPr lang="es-ES" dirty="0" smtClean="0"/>
-              <a:t>init1</a:t>
-            </a:r>
-            <a:r>
-              <a:rPr lang="es-ES" dirty="0"/>
-              <a:t>, init2)</a:t>
+              <a:t>)</a:t>
             </a:r>
           </a:p>
           <a:p>
@@ -6950,7 +6970,7 @@
           </a:ln>
           <a:extLst>
             <a:ext uri="{C572A759-6A51-4108-AA02-DFA0A04FC94B}">
-              <ma14:wrappingTextBoxFlag xmlns="" xmlns:m="http://schemas.openxmlformats.org/officeDocument/2006/math" xmlns:a14="http://schemas.microsoft.com/office/drawing/2010/main" xmlns:ma14="http://schemas.microsoft.com/office/mac/drawingml/2011/main" val="1"/>
+              <ma14:wrappingTextBoxFlag xmlns:ma14="http://schemas.microsoft.com/office/mac/drawingml/2011/main" xmlns:a14="http://schemas.microsoft.com/office/drawing/2010/main" xmlns:m="http://schemas.openxmlformats.org/officeDocument/2006/math" xmlns="" val="1"/>
             </a:ext>
           </a:extLst>
         </p:spPr>

--- a/img_readme/cheat_sheet_spINAR.pptx
+++ b/img_readme/cheat_sheet_spINAR.pptx
@@ -2124,7 +2124,7 @@
           </a:ln>
           <a:extLst>
             <a:ext uri="{C572A759-6A51-4108-AA02-DFA0A04FC94B}">
-              <ma14:wrappingTextBoxFlag xmlns:ma14="http://schemas.microsoft.com/office/mac/drawingml/2011/main" xmlns:a14="http://schemas.microsoft.com/office/drawing/2010/main" xmlns:m="http://schemas.openxmlformats.org/officeDocument/2006/math" xmlns="" val="1"/>
+              <ma14:wrappingTextBoxFlag xmlns="" xmlns:m="http://schemas.openxmlformats.org/officeDocument/2006/math" xmlns:a14="http://schemas.microsoft.com/office/drawing/2010/main" xmlns:ma14="http://schemas.microsoft.com/office/mac/drawingml/2011/main" val="1"/>
             </a:ext>
           </a:extLst>
         </p:spPr>
@@ -2163,7 +2163,7 @@
           </a:ln>
           <a:extLst>
             <a:ext uri="{C572A759-6A51-4108-AA02-DFA0A04FC94B}">
-              <ma14:wrappingTextBoxFlag xmlns:ma14="http://schemas.microsoft.com/office/mac/drawingml/2011/main" xmlns:a14="http://schemas.microsoft.com/office/drawing/2010/main" xmlns:m="http://schemas.openxmlformats.org/officeDocument/2006/math" xmlns="" val="1"/>
+              <ma14:wrappingTextBoxFlag xmlns="" xmlns:m="http://schemas.openxmlformats.org/officeDocument/2006/math" xmlns:a14="http://schemas.microsoft.com/office/drawing/2010/main" xmlns:ma14="http://schemas.microsoft.com/office/mac/drawingml/2011/main" val="1"/>
             </a:ext>
           </a:extLst>
         </p:spPr>
@@ -3256,7 +3256,7 @@
           </a:ln>
           <a:extLst>
             <a:ext uri="{C572A759-6A51-4108-AA02-DFA0A04FC94B}">
-              <ma14:wrappingTextBoxFlag xmlns:ma14="http://schemas.microsoft.com/office/mac/drawingml/2011/main" xmlns:a14="http://schemas.microsoft.com/office/drawing/2010/main" xmlns:m="http://schemas.openxmlformats.org/officeDocument/2006/math" xmlns="" val="1"/>
+              <ma14:wrappingTextBoxFlag xmlns="" xmlns:m="http://schemas.openxmlformats.org/officeDocument/2006/math" xmlns:a14="http://schemas.microsoft.com/office/drawing/2010/main" xmlns:ma14="http://schemas.microsoft.com/office/mac/drawingml/2011/main" val="1"/>
             </a:ext>
           </a:extLst>
         </p:spPr>
@@ -3306,7 +3306,7 @@
           </a:ln>
           <a:extLst>
             <a:ext uri="{C572A759-6A51-4108-AA02-DFA0A04FC94B}">
-              <ma14:wrappingTextBoxFlag xmlns:ma14="http://schemas.microsoft.com/office/mac/drawingml/2011/main" xmlns:a14="http://schemas.microsoft.com/office/drawing/2010/main" xmlns:m="http://schemas.openxmlformats.org/officeDocument/2006/math" xmlns="" val="1"/>
+              <ma14:wrappingTextBoxFlag xmlns="" xmlns:m="http://schemas.openxmlformats.org/officeDocument/2006/math" xmlns:a14="http://schemas.microsoft.com/office/drawing/2010/main" xmlns:ma14="http://schemas.microsoft.com/office/mac/drawingml/2011/main" val="1"/>
             </a:ext>
           </a:extLst>
         </p:spPr>
@@ -3352,7 +3352,7 @@
           </a:ln>
           <a:extLst>
             <a:ext uri="{C572A759-6A51-4108-AA02-DFA0A04FC94B}">
-              <ma14:wrappingTextBoxFlag xmlns:ma14="http://schemas.microsoft.com/office/mac/drawingml/2011/main" xmlns:a14="http://schemas.microsoft.com/office/drawing/2010/main" xmlns:m="http://schemas.openxmlformats.org/officeDocument/2006/math" xmlns="" val="1"/>
+              <ma14:wrappingTextBoxFlag xmlns="" xmlns:m="http://schemas.openxmlformats.org/officeDocument/2006/math" xmlns:a14="http://schemas.microsoft.com/office/drawing/2010/main" xmlns:ma14="http://schemas.microsoft.com/office/mac/drawingml/2011/main" val="1"/>
             </a:ext>
           </a:extLst>
         </p:spPr>
@@ -3722,7 +3722,7 @@
           </a:ln>
           <a:extLst>
             <a:ext uri="{C572A759-6A51-4108-AA02-DFA0A04FC94B}">
-              <ma14:wrappingTextBoxFlag xmlns:ma14="http://schemas.microsoft.com/office/mac/drawingml/2011/main" xmlns:a14="http://schemas.microsoft.com/office/drawing/2010/main" xmlns:m="http://schemas.openxmlformats.org/officeDocument/2006/math" xmlns="" val="1"/>
+              <ma14:wrappingTextBoxFlag xmlns="" xmlns:m="http://schemas.openxmlformats.org/officeDocument/2006/math" xmlns:a14="http://schemas.microsoft.com/office/drawing/2010/main" xmlns:ma14="http://schemas.microsoft.com/office/mac/drawingml/2011/main" val="1"/>
             </a:ext>
           </a:extLst>
         </p:spPr>
@@ -3804,7 +3804,7 @@
           </a:ln>
           <a:extLst>
             <a:ext uri="{C572A759-6A51-4108-AA02-DFA0A04FC94B}">
-              <ma14:wrappingTextBoxFlag xmlns:ma14="http://schemas.microsoft.com/office/mac/drawingml/2011/main" xmlns:a14="http://schemas.microsoft.com/office/drawing/2010/main" xmlns:m="http://schemas.openxmlformats.org/officeDocument/2006/math" xmlns="" val="1"/>
+              <ma14:wrappingTextBoxFlag xmlns="" xmlns:m="http://schemas.openxmlformats.org/officeDocument/2006/math" xmlns:a14="http://schemas.microsoft.com/office/drawing/2010/main" xmlns:ma14="http://schemas.microsoft.com/office/mac/drawingml/2011/main" val="1"/>
             </a:ext>
           </a:extLst>
         </p:spPr>
@@ -3854,7 +3854,7 @@
           </a:ln>
           <a:extLst>
             <a:ext uri="{C572A759-6A51-4108-AA02-DFA0A04FC94B}">
-              <ma14:wrappingTextBoxFlag xmlns:ma14="http://schemas.microsoft.com/office/mac/drawingml/2011/main" xmlns:a14="http://schemas.microsoft.com/office/drawing/2010/main" xmlns:m="http://schemas.openxmlformats.org/officeDocument/2006/math" xmlns="" val="1"/>
+              <ma14:wrappingTextBoxFlag xmlns="" xmlns:m="http://schemas.openxmlformats.org/officeDocument/2006/math" xmlns:a14="http://schemas.microsoft.com/office/drawing/2010/main" xmlns:ma14="http://schemas.microsoft.com/office/mac/drawingml/2011/main" val="1"/>
             </a:ext>
           </a:extLst>
         </p:spPr>
@@ -3921,7 +3921,7 @@
           </a:ln>
           <a:extLst>
             <a:ext uri="{C572A759-6A51-4108-AA02-DFA0A04FC94B}">
-              <ma14:wrappingTextBoxFlag xmlns:ma14="http://schemas.microsoft.com/office/mac/drawingml/2011/main" xmlns:a14="http://schemas.microsoft.com/office/drawing/2010/main" xmlns:m="http://schemas.openxmlformats.org/officeDocument/2006/math" xmlns="" val="1"/>
+              <ma14:wrappingTextBoxFlag xmlns="" xmlns:m="http://schemas.openxmlformats.org/officeDocument/2006/math" xmlns:a14="http://schemas.microsoft.com/office/drawing/2010/main" xmlns:ma14="http://schemas.microsoft.com/office/mac/drawingml/2011/main" val="1"/>
             </a:ext>
           </a:extLst>
         </p:spPr>
@@ -4034,7 +4034,7 @@
           <a:effectLst/>
           <a:extLst>
             <a:ext uri="{C572A759-6A51-4108-AA02-DFA0A04FC94B}">
-              <ma14:wrappingTextBoxFlag xmlns:ma14="http://schemas.microsoft.com/office/mac/drawingml/2011/main" xmlns:a14="http://schemas.microsoft.com/office/drawing/2010/main" xmlns:m="http://schemas.openxmlformats.org/officeDocument/2006/math" xmlns="" val="1"/>
+              <ma14:wrappingTextBoxFlag xmlns="" xmlns:m="http://schemas.openxmlformats.org/officeDocument/2006/math" xmlns:a14="http://schemas.microsoft.com/office/drawing/2010/main" xmlns:ma14="http://schemas.microsoft.com/office/mac/drawingml/2011/main" val="1"/>
             </a:ext>
           </a:extLst>
         </p:spPr>
@@ -4059,15 +4059,7 @@
             </a:pPr>
             <a:r>
               <a:rPr lang="es-ES" sz="1600" dirty="0" smtClean="0"/>
-              <a:t> </a:t>
-            </a:r>
-            <a:r>
-              <a:rPr lang="es-ES" sz="1600" dirty="0" smtClean="0"/>
-              <a:t> Simulation </a:t>
-            </a:r>
-            <a:r>
-              <a:rPr lang="es-ES" sz="1600" dirty="0" smtClean="0"/>
-              <a:t>of INAR(p) data</a:t>
+              <a:t>  Simulation of INAR(p) data</a:t>
             </a:r>
             <a:endParaRPr sz="1600" dirty="0"/>
           </a:p>
@@ -4152,7 +4144,7 @@
           </a:ln>
           <a:extLst>
             <a:ext uri="{C572A759-6A51-4108-AA02-DFA0A04FC94B}">
-              <ma14:wrappingTextBoxFlag xmlns:ma14="http://schemas.microsoft.com/office/mac/drawingml/2011/main" xmlns:a14="http://schemas.microsoft.com/office/drawing/2010/main" xmlns:m="http://schemas.openxmlformats.org/officeDocument/2006/math" xmlns="" val="1"/>
+              <ma14:wrappingTextBoxFlag xmlns="" xmlns:m="http://schemas.openxmlformats.org/officeDocument/2006/math" xmlns:a14="http://schemas.microsoft.com/office/drawing/2010/main" xmlns:ma14="http://schemas.microsoft.com/office/mac/drawingml/2011/main" val="1"/>
             </a:ext>
           </a:extLst>
         </p:spPr>
@@ -4197,7 +4189,7 @@
         </p:nvSpPr>
         <p:spPr>
           <a:xfrm>
-            <a:off x="230622" y="4323828"/>
+            <a:off x="195874" y="4196677"/>
             <a:ext cx="2579297" cy="333425"/>
           </a:xfrm>
           <a:prstGeom prst="rect">
@@ -4208,7 +4200,7 @@
           </a:ln>
           <a:extLst>
             <a:ext uri="{C572A759-6A51-4108-AA02-DFA0A04FC94B}">
-              <ma14:wrappingTextBoxFlag xmlns:ma14="http://schemas.microsoft.com/office/mac/drawingml/2011/main" xmlns:a14="http://schemas.microsoft.com/office/drawing/2010/main" xmlns:m="http://schemas.openxmlformats.org/officeDocument/2006/math" xmlns="" val="1"/>
+              <ma14:wrappingTextBoxFlag xmlns="" xmlns:m="http://schemas.openxmlformats.org/officeDocument/2006/math" xmlns:a14="http://schemas.microsoft.com/office/drawing/2010/main" xmlns:ma14="http://schemas.microsoft.com/office/mac/drawingml/2011/main" val="1"/>
             </a:ext>
           </a:extLst>
         </p:spPr>
@@ -4264,7 +4256,7 @@
           </a:ln>
           <a:extLst>
             <a:ext uri="{C572A759-6A51-4108-AA02-DFA0A04FC94B}">
-              <ma14:wrappingTextBoxFlag xmlns:ma14="http://schemas.microsoft.com/office/mac/drawingml/2011/main" xmlns:a14="http://schemas.microsoft.com/office/drawing/2010/main" xmlns:m="http://schemas.openxmlformats.org/officeDocument/2006/math" xmlns="" val="1"/>
+              <ma14:wrappingTextBoxFlag xmlns="" xmlns:m="http://schemas.openxmlformats.org/officeDocument/2006/math" xmlns:a14="http://schemas.microsoft.com/office/drawing/2010/main" xmlns:ma14="http://schemas.microsoft.com/office/mac/drawingml/2011/main" val="1"/>
             </a:ext>
           </a:extLst>
         </p:spPr>
@@ -4351,7 +4343,7 @@
           <a:effectLst/>
           <a:extLst>
             <a:ext uri="{C572A759-6A51-4108-AA02-DFA0A04FC94B}">
-              <ma14:wrappingTextBoxFlag xmlns:ma14="http://schemas.microsoft.com/office/mac/drawingml/2011/main" xmlns:a14="http://schemas.microsoft.com/office/drawing/2010/main" xmlns:m="http://schemas.openxmlformats.org/officeDocument/2006/math" xmlns="" val="1"/>
+              <ma14:wrappingTextBoxFlag xmlns="" xmlns:m="http://schemas.openxmlformats.org/officeDocument/2006/math" xmlns:a14="http://schemas.microsoft.com/office/drawing/2010/main" xmlns:ma14="http://schemas.microsoft.com/office/mac/drawingml/2011/main" val="1"/>
             </a:ext>
           </a:extLst>
         </p:spPr>
@@ -4634,7 +4626,7 @@
           <a:effectLst/>
           <a:extLst>
             <a:ext uri="{C572A759-6A51-4108-AA02-DFA0A04FC94B}">
-              <ma14:wrappingTextBoxFlag xmlns:ma14="http://schemas.microsoft.com/office/mac/drawingml/2011/main" xmlns:a14="http://schemas.microsoft.com/office/drawing/2010/main" xmlns:m="http://schemas.openxmlformats.org/officeDocument/2006/math" xmlns="" val="1"/>
+              <ma14:wrappingTextBoxFlag xmlns="" xmlns:m="http://schemas.openxmlformats.org/officeDocument/2006/math" xmlns:a14="http://schemas.microsoft.com/office/drawing/2010/main" xmlns:ma14="http://schemas.microsoft.com/office/mac/drawingml/2011/main" val="1"/>
             </a:ext>
           </a:extLst>
         </p:spPr>
@@ -4728,7 +4720,7 @@
           <a:effectLst/>
           <a:extLst>
             <a:ext uri="{C572A759-6A51-4108-AA02-DFA0A04FC94B}">
-              <ma14:wrappingTextBoxFlag xmlns:ma14="http://schemas.microsoft.com/office/mac/drawingml/2011/main" xmlns:a14="http://schemas.microsoft.com/office/drawing/2010/main" xmlns:m="http://schemas.openxmlformats.org/officeDocument/2006/math" xmlns="" val="1"/>
+              <ma14:wrappingTextBoxFlag xmlns="" xmlns:m="http://schemas.openxmlformats.org/officeDocument/2006/math" xmlns:a14="http://schemas.microsoft.com/office/drawing/2010/main" xmlns:ma14="http://schemas.microsoft.com/office/mac/drawingml/2011/main" val="1"/>
             </a:ext>
           </a:extLst>
         </p:spPr>
@@ -4847,7 +4839,7 @@
           </a:ln>
           <a:extLst>
             <a:ext uri="{C572A759-6A51-4108-AA02-DFA0A04FC94B}">
-              <ma14:wrappingTextBoxFlag xmlns:ma14="http://schemas.microsoft.com/office/mac/drawingml/2011/main" xmlns:a14="http://schemas.microsoft.com/office/drawing/2010/main" xmlns:m="http://schemas.openxmlformats.org/officeDocument/2006/math" xmlns="" val="1"/>
+              <ma14:wrappingTextBoxFlag xmlns="" xmlns:m="http://schemas.openxmlformats.org/officeDocument/2006/math" xmlns:a14="http://schemas.microsoft.com/office/drawing/2010/main" xmlns:ma14="http://schemas.microsoft.com/office/mac/drawingml/2011/main" val="1"/>
             </a:ext>
           </a:extLst>
         </p:spPr>
@@ -4917,7 +4909,7 @@
           </a:ln>
           <a:extLst>
             <a:ext uri="{C572A759-6A51-4108-AA02-DFA0A04FC94B}">
-              <ma14:wrappingTextBoxFlag xmlns:ma14="http://schemas.microsoft.com/office/mac/drawingml/2011/main" xmlns:a14="http://schemas.microsoft.com/office/drawing/2010/main" xmlns:m="http://schemas.openxmlformats.org/officeDocument/2006/math" xmlns="" val="1"/>
+              <ma14:wrappingTextBoxFlag xmlns="" xmlns:m="http://schemas.openxmlformats.org/officeDocument/2006/math" xmlns:a14="http://schemas.microsoft.com/office/drawing/2010/main" xmlns:ma14="http://schemas.microsoft.com/office/mac/drawingml/2011/main" val="1"/>
             </a:ext>
           </a:extLst>
         </p:spPr>
@@ -5059,7 +5051,7 @@
         </p:nvSpPr>
         <p:spPr>
           <a:xfrm>
-            <a:off x="262180" y="5536653"/>
+            <a:off x="227192" y="5409706"/>
             <a:ext cx="2181071" cy="340029"/>
           </a:xfrm>
           <a:prstGeom prst="rect">
@@ -5070,7 +5062,7 @@
           </a:ln>
           <a:extLst>
             <a:ext uri="{C572A759-6A51-4108-AA02-DFA0A04FC94B}">
-              <ma14:wrappingTextBoxFlag xmlns:ma14="http://schemas.microsoft.com/office/mac/drawingml/2011/main" xmlns:a14="http://schemas.microsoft.com/office/drawing/2010/main" xmlns:m="http://schemas.openxmlformats.org/officeDocument/2006/math" xmlns="" val="1"/>
+              <ma14:wrappingTextBoxFlag xmlns="" xmlns:m="http://schemas.openxmlformats.org/officeDocument/2006/math" xmlns:a14="http://schemas.microsoft.com/office/drawing/2010/main" xmlns:ma14="http://schemas.microsoft.com/office/mac/drawingml/2011/main" val="1"/>
             </a:ext>
           </a:extLst>
         </p:spPr>
@@ -5115,8 +5107,8 @@
         </p:nvSpPr>
         <p:spPr>
           <a:xfrm>
-            <a:off x="129460" y="5873470"/>
-            <a:ext cx="3025059" cy="4542188"/>
+            <a:off x="151698" y="5801696"/>
+            <a:ext cx="3025059" cy="4726854"/>
           </a:xfrm>
           <a:prstGeom prst="rect">
             <a:avLst/>
@@ -5135,7 +5127,7 @@
           </a:ln>
           <a:extLst>
             <a:ext uri="{C572A759-6A51-4108-AA02-DFA0A04FC94B}">
-              <ma14:wrappingTextBoxFlag xmlns:ma14="http://schemas.microsoft.com/office/mac/drawingml/2011/main" xmlns:a14="http://schemas.microsoft.com/office/drawing/2010/main" xmlns:m="http://schemas.openxmlformats.org/officeDocument/2006/math" xmlns="" val="1"/>
+              <ma14:wrappingTextBoxFlag xmlns="" xmlns:m="http://schemas.openxmlformats.org/officeDocument/2006/math" xmlns:a14="http://schemas.microsoft.com/office/drawing/2010/main" xmlns:ma14="http://schemas.microsoft.com/office/mac/drawingml/2011/main" val="1"/>
             </a:ext>
           </a:extLst>
         </p:spPr>
@@ -5491,8 +5483,53 @@
               <a:rPr lang="es-ES" dirty="0" smtClean="0">
                 <a:latin typeface="Menlo"/>
               </a:rPr>
-              <a:t>: upper limit for innovations</a:t>
-            </a:r>
+              <a:t>: upper limit for </a:t>
+            </a:r>
+            <a:r>
+              <a:rPr lang="es-ES" dirty="0" smtClean="0">
+                <a:latin typeface="Menlo"/>
+              </a:rPr>
+              <a:t>innovations</a:t>
+            </a:r>
+          </a:p>
+          <a:p>
+            <a:pPr marL="171450" indent="-171450">
+              <a:spcBef>
+                <a:spcPts val="0"/>
+              </a:spcBef>
+              <a:buFont typeface="Arial" panose="020B0604020202020204" pitchFamily="34" charset="0"/>
+              <a:buChar char="•"/>
+              <a:defRPr b="0">
+                <a:solidFill>
+                  <a:srgbClr val="000000"/>
+                </a:solidFill>
+                <a:latin typeface="Menlo"/>
+                <a:ea typeface="Menlo"/>
+                <a:cs typeface="Menlo"/>
+                <a:sym typeface="Menlo"/>
+              </a:defRPr>
+            </a:pPr>
+            <a:r>
+              <a:rPr lang="es-ES" i="1" dirty="0">
+                <a:latin typeface="Menlo"/>
+              </a:rPr>
+              <a:t>l</a:t>
+            </a:r>
+            <a:r>
+              <a:rPr lang="es-ES" i="1" dirty="0" smtClean="0">
+                <a:latin typeface="Menlo"/>
+              </a:rPr>
+              <a:t>evel</a:t>
+            </a:r>
+            <a:r>
+              <a:rPr lang="es-ES" dirty="0" smtClean="0">
+                <a:latin typeface="Menlo"/>
+              </a:rPr>
+              <a:t>: level of confidence intervals</a:t>
+            </a:r>
+            <a:endParaRPr lang="es-ES" dirty="0" smtClean="0">
+              <a:latin typeface="Menlo"/>
+            </a:endParaRPr>
           </a:p>
           <a:p>
             <a:pPr marL="171450" indent="-171450">
@@ -5758,7 +5795,7 @@
           <a:effectLst/>
           <a:extLst>
             <a:ext uri="{C572A759-6A51-4108-AA02-DFA0A04FC94B}">
-              <ma14:wrappingTextBoxFlag xmlns:ma14="http://schemas.microsoft.com/office/mac/drawingml/2011/main" xmlns:a14="http://schemas.microsoft.com/office/drawing/2010/main" xmlns:m="http://schemas.openxmlformats.org/officeDocument/2006/math" xmlns="" val="1"/>
+              <ma14:wrappingTextBoxFlag xmlns="" xmlns:m="http://schemas.openxmlformats.org/officeDocument/2006/math" xmlns:a14="http://schemas.microsoft.com/office/drawing/2010/main" xmlns:ma14="http://schemas.microsoft.com/office/mac/drawingml/2011/main" val="1"/>
             </a:ext>
           </a:extLst>
         </p:spPr>
@@ -5783,15 +5820,7 @@
             </a:pPr>
             <a:r>
               <a:rPr lang="es-ES" sz="1600" dirty="0" smtClean="0"/>
-              <a:t> </a:t>
-            </a:r>
-            <a:r>
-              <a:rPr lang="es-ES" sz="1600" dirty="0" smtClean="0"/>
-              <a:t>Parametric </a:t>
-            </a:r>
-            <a:r>
-              <a:rPr lang="es-ES" sz="1600" dirty="0" smtClean="0"/>
-              <a:t>estimation of INAR(p) model</a:t>
+              <a:t> Parametric estimation of INAR(p) model</a:t>
             </a:r>
             <a:endParaRPr sz="1600" dirty="0"/>
           </a:p>
@@ -5825,7 +5854,7 @@
           <a:effectLst/>
           <a:extLst>
             <a:ext uri="{C572A759-6A51-4108-AA02-DFA0A04FC94B}">
-              <ma14:wrappingTextBoxFlag xmlns:ma14="http://schemas.microsoft.com/office/mac/drawingml/2011/main" xmlns:a14="http://schemas.microsoft.com/office/drawing/2010/main" xmlns:m="http://schemas.openxmlformats.org/officeDocument/2006/math" xmlns="" val="1"/>
+              <ma14:wrappingTextBoxFlag xmlns="" xmlns:m="http://schemas.openxmlformats.org/officeDocument/2006/math" xmlns:a14="http://schemas.microsoft.com/office/drawing/2010/main" xmlns:ma14="http://schemas.microsoft.com/office/mac/drawingml/2011/main" val="1"/>
             </a:ext>
           </a:extLst>
         </p:spPr>
@@ -5881,7 +5910,7 @@
           </a:ln>
           <a:extLst>
             <a:ext uri="{C572A759-6A51-4108-AA02-DFA0A04FC94B}">
-              <ma14:wrappingTextBoxFlag xmlns:ma14="http://schemas.microsoft.com/office/mac/drawingml/2011/main" xmlns:a14="http://schemas.microsoft.com/office/drawing/2010/main" xmlns:m="http://schemas.openxmlformats.org/officeDocument/2006/math" xmlns="" val="1"/>
+              <ma14:wrappingTextBoxFlag xmlns="" xmlns:m="http://schemas.openxmlformats.org/officeDocument/2006/math" xmlns:a14="http://schemas.microsoft.com/office/drawing/2010/main" xmlns:ma14="http://schemas.microsoft.com/office/mac/drawingml/2011/main" val="1"/>
             </a:ext>
           </a:extLst>
         </p:spPr>
@@ -5952,7 +5981,7 @@
           <a:effectLst/>
           <a:extLst>
             <a:ext uri="{C572A759-6A51-4108-AA02-DFA0A04FC94B}">
-              <ma14:wrappingTextBoxFlag xmlns:ma14="http://schemas.microsoft.com/office/mac/drawingml/2011/main" xmlns:a14="http://schemas.microsoft.com/office/drawing/2010/main" xmlns:m="http://schemas.openxmlformats.org/officeDocument/2006/math" xmlns="" val="1"/>
+              <ma14:wrappingTextBoxFlag xmlns="" xmlns:m="http://schemas.openxmlformats.org/officeDocument/2006/math" xmlns:a14="http://schemas.microsoft.com/office/drawing/2010/main" xmlns:ma14="http://schemas.microsoft.com/office/mac/drawingml/2011/main" val="1"/>
             </a:ext>
           </a:extLst>
         </p:spPr>
@@ -6063,7 +6092,7 @@
           <a:effectLst/>
           <a:extLst>
             <a:ext uri="{C572A759-6A51-4108-AA02-DFA0A04FC94B}">
-              <ma14:wrappingTextBoxFlag xmlns:ma14="http://schemas.microsoft.com/office/mac/drawingml/2011/main" xmlns:a14="http://schemas.microsoft.com/office/drawing/2010/main" xmlns:m="http://schemas.openxmlformats.org/officeDocument/2006/math" xmlns="" val="1"/>
+              <ma14:wrappingTextBoxFlag xmlns="" xmlns:m="http://schemas.openxmlformats.org/officeDocument/2006/math" xmlns:a14="http://schemas.microsoft.com/office/drawing/2010/main" xmlns:ma14="http://schemas.microsoft.com/office/mac/drawingml/2011/main" val="1"/>
             </a:ext>
           </a:extLst>
         </p:spPr>
@@ -6158,17 +6187,17 @@
                 <a:latin typeface="Source Sans Pro" panose="020B0503030403020204" pitchFamily="34" charset="0"/>
                 <a:ea typeface="Source Sans Pro" panose="020B0503030403020204" pitchFamily="34" charset="0"/>
               </a:rPr>
-              <a:t>bootstrap estimated parameters: alpha and </a:t>
-            </a:r>
-            <a:r>
-              <a:rPr lang="en-US" sz="1400" b="0" dirty="0" err="1" smtClean="0">
+              <a:t>bootstrap </a:t>
+            </a:r>
+            <a:r>
+              <a:rPr lang="en-US" sz="1400" b="0" dirty="0" smtClean="0">
                 <a:solidFill>
                   <a:srgbClr val="060606"/>
                 </a:solidFill>
                 <a:latin typeface="Source Sans Pro" panose="020B0503030403020204" pitchFamily="34" charset="0"/>
                 <a:ea typeface="Source Sans Pro" panose="020B0503030403020204" pitchFamily="34" charset="0"/>
               </a:rPr>
-              <a:t>pmf</a:t>
+              <a:t>observations, bootstrap estimated parameters (alpha </a:t>
             </a:r>
             <a:r>
               <a:rPr lang="en-US" sz="1400" b="0" dirty="0" smtClean="0">
@@ -6178,7 +6207,37 @@
                 <a:latin typeface="Source Sans Pro" panose="020B0503030403020204" pitchFamily="34" charset="0"/>
                 <a:ea typeface="Source Sans Pro" panose="020B0503030403020204" pitchFamily="34" charset="0"/>
               </a:rPr>
-              <a:t> or innovation parameters</a:t>
+              <a:t>and </a:t>
+            </a:r>
+            <a:r>
+              <a:rPr lang="en-US" sz="1400" b="0" dirty="0" err="1" smtClean="0">
+                <a:solidFill>
+                  <a:srgbClr val="060606"/>
+                </a:solidFill>
+                <a:latin typeface="Source Sans Pro" panose="020B0503030403020204" pitchFamily="34" charset="0"/>
+                <a:ea typeface="Source Sans Pro" panose="020B0503030403020204" pitchFamily="34" charset="0"/>
+              </a:rPr>
+              <a:t>pmf</a:t>
+            </a:r>
+            <a:r>
+              <a:rPr lang="en-US" sz="1400" b="0" dirty="0" smtClean="0">
+                <a:solidFill>
+                  <a:srgbClr val="060606"/>
+                </a:solidFill>
+                <a:latin typeface="Source Sans Pro" panose="020B0503030403020204" pitchFamily="34" charset="0"/>
+                <a:ea typeface="Source Sans Pro" panose="020B0503030403020204" pitchFamily="34" charset="0"/>
+              </a:rPr>
+              <a:t> or innovation </a:t>
+            </a:r>
+            <a:r>
+              <a:rPr lang="en-US" sz="1400" b="0" dirty="0" smtClean="0">
+                <a:solidFill>
+                  <a:srgbClr val="060606"/>
+                </a:solidFill>
+                <a:latin typeface="Source Sans Pro" panose="020B0503030403020204" pitchFamily="34" charset="0"/>
+                <a:ea typeface="Source Sans Pro" panose="020B0503030403020204" pitchFamily="34" charset="0"/>
+              </a:rPr>
+              <a:t>parameters) and bootstrap confidence intervals</a:t>
             </a:r>
             <a:endParaRPr lang="en-US" sz="1400" b="0" dirty="0">
               <a:solidFill>
@@ -6204,8 +6263,8 @@
         </p:nvSpPr>
         <p:spPr>
           <a:xfrm>
-            <a:off x="10410092" y="6538276"/>
-            <a:ext cx="2954505" cy="294872"/>
+            <a:off x="10398369" y="6445943"/>
+            <a:ext cx="2966228" cy="479538"/>
           </a:xfrm>
           <a:prstGeom prst="rect">
             <a:avLst/>
@@ -6221,7 +6280,7 @@
           </a:ln>
           <a:extLst>
             <a:ext uri="{C572A759-6A51-4108-AA02-DFA0A04FC94B}">
-              <ma14:wrappingTextBoxFlag xmlns:ma14="http://schemas.microsoft.com/office/mac/drawingml/2011/main" xmlns:a14="http://schemas.microsoft.com/office/drawing/2010/main" xmlns:m="http://schemas.openxmlformats.org/officeDocument/2006/math" xmlns="" val="1"/>
+              <ma14:wrappingTextBoxFlag xmlns="" xmlns:m="http://schemas.openxmlformats.org/officeDocument/2006/math" xmlns:a14="http://schemas.microsoft.com/office/drawing/2010/main" xmlns:ma14="http://schemas.microsoft.com/office/mac/drawingml/2011/main" val="1"/>
             </a:ext>
           </a:extLst>
         </p:spPr>
@@ -6275,7 +6334,39 @@
                   <a:schemeClr val="tx1"/>
                 </a:solidFill>
               </a:rPr>
-              <a:t>B, setting, type, distr, M)</a:t>
+              <a:t>B, setting, type, distr, </a:t>
+            </a:r>
+            <a:r>
+              <a:rPr lang="es-ES" dirty="0" smtClean="0">
+                <a:solidFill>
+                  <a:schemeClr val="tx1"/>
+                </a:solidFill>
+              </a:rPr>
+              <a:t>M,</a:t>
+            </a:r>
+          </a:p>
+          <a:p>
+            <a:pPr>
+              <a:spcBef>
+                <a:spcPts val="0"/>
+              </a:spcBef>
+              <a:defRPr b="0">
+                <a:solidFill>
+                  <a:srgbClr val="000000"/>
+                </a:solidFill>
+                <a:latin typeface="Menlo"/>
+                <a:ea typeface="Menlo"/>
+                <a:cs typeface="Menlo"/>
+                <a:sym typeface="Menlo"/>
+              </a:defRPr>
+            </a:pPr>
+            <a:r>
+              <a:rPr lang="es-ES" dirty="0" smtClean="0">
+                <a:solidFill>
+                  <a:schemeClr val="tx1"/>
+                </a:solidFill>
+              </a:rPr>
+              <a:t>                   level)</a:t>
             </a:r>
             <a:endParaRPr lang="es-ES" dirty="0">
               <a:solidFill>
@@ -6313,7 +6404,7 @@
           <a:effectLst/>
           <a:extLst>
             <a:ext uri="{C572A759-6A51-4108-AA02-DFA0A04FC94B}">
-              <ma14:wrappingTextBoxFlag xmlns:ma14="http://schemas.microsoft.com/office/mac/drawingml/2011/main" xmlns:a14="http://schemas.microsoft.com/office/drawing/2010/main" xmlns:m="http://schemas.openxmlformats.org/officeDocument/2006/math" xmlns="" val="1"/>
+              <ma14:wrappingTextBoxFlag xmlns="" xmlns:m="http://schemas.openxmlformats.org/officeDocument/2006/math" xmlns:a14="http://schemas.microsoft.com/office/drawing/2010/main" xmlns:ma14="http://schemas.microsoft.com/office/mac/drawingml/2011/main" val="1"/>
             </a:ext>
           </a:extLst>
         </p:spPr>
@@ -6434,7 +6525,7 @@
           <a:effectLst/>
           <a:extLst>
             <a:ext uri="{C572A759-6A51-4108-AA02-DFA0A04FC94B}">
-              <ma14:wrappingTextBoxFlag xmlns:ma14="http://schemas.microsoft.com/office/mac/drawingml/2011/main" xmlns:a14="http://schemas.microsoft.com/office/drawing/2010/main" xmlns:m="http://schemas.openxmlformats.org/officeDocument/2006/math" xmlns="" val="1"/>
+              <ma14:wrappingTextBoxFlag xmlns="" xmlns:m="http://schemas.openxmlformats.org/officeDocument/2006/math" xmlns:a14="http://schemas.microsoft.com/office/drawing/2010/main" xmlns:ma14="http://schemas.microsoft.com/office/mac/drawingml/2011/main" val="1"/>
             </a:ext>
           </a:extLst>
         </p:spPr>
@@ -6501,7 +6592,7 @@
           <a:effectLst/>
           <a:extLst>
             <a:ext uri="{C572A759-6A51-4108-AA02-DFA0A04FC94B}">
-              <ma14:wrappingTextBoxFlag xmlns:ma14="http://schemas.microsoft.com/office/mac/drawingml/2011/main" xmlns:a14="http://schemas.microsoft.com/office/drawing/2010/main" xmlns:m="http://schemas.openxmlformats.org/officeDocument/2006/math" xmlns="" val="1"/>
+              <ma14:wrappingTextBoxFlag xmlns="" xmlns:m="http://schemas.openxmlformats.org/officeDocument/2006/math" xmlns:a14="http://schemas.microsoft.com/office/drawing/2010/main" xmlns:ma14="http://schemas.microsoft.com/office/mac/drawingml/2011/main" val="1"/>
             </a:ext>
           </a:extLst>
         </p:spPr>
@@ -6620,7 +6711,7 @@
           </a:ln>
           <a:extLst>
             <a:ext uri="{C572A759-6A51-4108-AA02-DFA0A04FC94B}">
-              <ma14:wrappingTextBoxFlag xmlns:ma14="http://schemas.microsoft.com/office/mac/drawingml/2011/main" xmlns:a14="http://schemas.microsoft.com/office/drawing/2010/main" xmlns:m="http://schemas.openxmlformats.org/officeDocument/2006/math" xmlns="" val="1"/>
+              <ma14:wrappingTextBoxFlag xmlns="" xmlns:m="http://schemas.openxmlformats.org/officeDocument/2006/math" xmlns:a14="http://schemas.microsoft.com/office/drawing/2010/main" xmlns:ma14="http://schemas.microsoft.com/office/mac/drawingml/2011/main" val="1"/>
             </a:ext>
           </a:extLst>
         </p:spPr>
@@ -6683,7 +6774,7 @@
           <a:effectLst/>
           <a:extLst>
             <a:ext uri="{C572A759-6A51-4108-AA02-DFA0A04FC94B}">
-              <ma14:wrappingTextBoxFlag xmlns:ma14="http://schemas.microsoft.com/office/mac/drawingml/2011/main" xmlns:a14="http://schemas.microsoft.com/office/drawing/2010/main" xmlns:m="http://schemas.openxmlformats.org/officeDocument/2006/math" xmlns="" val="1"/>
+              <ma14:wrappingTextBoxFlag xmlns="" xmlns:m="http://schemas.openxmlformats.org/officeDocument/2006/math" xmlns:a14="http://schemas.microsoft.com/office/drawing/2010/main" xmlns:ma14="http://schemas.microsoft.com/office/mac/drawingml/2011/main" val="1"/>
             </a:ext>
           </a:extLst>
         </p:spPr>
@@ -6829,7 +6920,7 @@
           </a:ln>
           <a:extLst>
             <a:ext uri="{C572A759-6A51-4108-AA02-DFA0A04FC94B}">
-              <ma14:wrappingTextBoxFlag xmlns:ma14="http://schemas.microsoft.com/office/mac/drawingml/2011/main" xmlns:a14="http://schemas.microsoft.com/office/drawing/2010/main" xmlns:m="http://schemas.openxmlformats.org/officeDocument/2006/math" xmlns="" val="1"/>
+              <ma14:wrappingTextBoxFlag xmlns="" xmlns:m="http://schemas.openxmlformats.org/officeDocument/2006/math" xmlns:a14="http://schemas.microsoft.com/office/drawing/2010/main" xmlns:ma14="http://schemas.microsoft.com/office/mac/drawingml/2011/main" val="1"/>
             </a:ext>
           </a:extLst>
         </p:spPr>
@@ -6859,15 +6950,7 @@
             </a:r>
             <a:r>
               <a:rPr lang="es-ES" dirty="0" smtClean="0"/>
-              <a:t>validation, </a:t>
-            </a:r>
-            <a:r>
-              <a:rPr lang="es-ES" dirty="0" smtClean="0"/>
-              <a:t>penal1</a:t>
-            </a:r>
-            <a:r>
-              <a:rPr lang="es-ES" dirty="0" smtClean="0"/>
-              <a:t>,</a:t>
+              <a:t>validation, penal1,</a:t>
             </a:r>
           </a:p>
           <a:p>
@@ -6887,15 +6970,7 @@
             </a:pPr>
             <a:r>
               <a:rPr lang="es-ES" dirty="0" smtClean="0"/>
-              <a:t>                            penal2, over</a:t>
-            </a:r>
-            <a:r>
-              <a:rPr lang="es-ES" dirty="0" smtClean="0"/>
-              <a:t>, </a:t>
-            </a:r>
-            <a:r>
-              <a:rPr lang="es-ES" dirty="0" smtClean="0"/>
-              <a:t>folds, init1, </a:t>
+              <a:t>                            penal2, over, folds, init1, </a:t>
             </a:r>
           </a:p>
           <a:p>
@@ -6915,11 +6990,7 @@
             </a:pPr>
             <a:r>
               <a:rPr lang="es-ES" smtClean="0"/>
-              <a:t> </a:t>
-            </a:r>
-            <a:r>
-              <a:rPr lang="es-ES" smtClean="0"/>
-              <a:t>                           init2</a:t>
+              <a:t>                            init2</a:t>
             </a:r>
             <a:r>
               <a:rPr lang="es-ES" dirty="0"/>
@@ -6959,7 +7030,7 @@
         </p:nvSpPr>
         <p:spPr>
           <a:xfrm>
-            <a:off x="212691" y="4782456"/>
+            <a:off x="235648" y="4619884"/>
             <a:ext cx="3151795" cy="643661"/>
           </a:xfrm>
           <a:prstGeom prst="rect">
@@ -6970,7 +7041,7 @@
           </a:ln>
           <a:extLst>
             <a:ext uri="{C572A759-6A51-4108-AA02-DFA0A04FC94B}">
-              <ma14:wrappingTextBoxFlag xmlns:ma14="http://schemas.microsoft.com/office/mac/drawingml/2011/main" xmlns:a14="http://schemas.microsoft.com/office/drawing/2010/main" xmlns:m="http://schemas.openxmlformats.org/officeDocument/2006/math" xmlns="" val="1"/>
+              <ma14:wrappingTextBoxFlag xmlns="" xmlns:m="http://schemas.openxmlformats.org/officeDocument/2006/math" xmlns:a14="http://schemas.microsoft.com/office/drawing/2010/main" xmlns:ma14="http://schemas.microsoft.com/office/mac/drawingml/2011/main" val="1"/>
             </a:ext>
           </a:extLst>
         </p:spPr>
@@ -7038,24 +7109,6 @@
               <a:rPr lang="en-CL" b="0" i="1" dirty="0"/>
               <a:t>= “spINAR”)</a:t>
             </a:r>
-          </a:p>
-          <a:p>
-            <a:pPr algn="l"/>
-            <a:endParaRPr lang="de-DE" b="0" dirty="0">
-              <a:solidFill>
-                <a:srgbClr val="24292F"/>
-              </a:solidFill>
-              <a:latin typeface=""/>
-            </a:endParaRPr>
-          </a:p>
-          <a:p>
-            <a:pPr algn="l"/>
-            <a:endParaRPr lang="de-DE" b="0" dirty="0" smtClean="0">
-              <a:solidFill>
-                <a:srgbClr val="24292F"/>
-              </a:solidFill>
-              <a:latin typeface=""/>
-            </a:endParaRPr>
           </a:p>
           <a:p>
             <a:pPr algn="l"/>

--- a/img_readme/cheat_sheet_spINAR.pptx
+++ b/img_readme/cheat_sheet_spINAR.pptx
@@ -2124,7 +2124,7 @@
           </a:ln>
           <a:extLst>
             <a:ext uri="{C572A759-6A51-4108-AA02-DFA0A04FC94B}">
-              <ma14:wrappingTextBoxFlag xmlns="" xmlns:m="http://schemas.openxmlformats.org/officeDocument/2006/math" xmlns:a14="http://schemas.microsoft.com/office/drawing/2010/main" xmlns:ma14="http://schemas.microsoft.com/office/mac/drawingml/2011/main" val="1"/>
+              <ma14:wrappingTextBoxFlag xmlns:ma14="http://schemas.microsoft.com/office/mac/drawingml/2011/main" xmlns:a14="http://schemas.microsoft.com/office/drawing/2010/main" xmlns:m="http://schemas.openxmlformats.org/officeDocument/2006/math" xmlns="" val="1"/>
             </a:ext>
           </a:extLst>
         </p:spPr>
@@ -2163,7 +2163,7 @@
           </a:ln>
           <a:extLst>
             <a:ext uri="{C572A759-6A51-4108-AA02-DFA0A04FC94B}">
-              <ma14:wrappingTextBoxFlag xmlns="" xmlns:m="http://schemas.openxmlformats.org/officeDocument/2006/math" xmlns:a14="http://schemas.microsoft.com/office/drawing/2010/main" xmlns:ma14="http://schemas.microsoft.com/office/mac/drawingml/2011/main" val="1"/>
+              <ma14:wrappingTextBoxFlag xmlns:ma14="http://schemas.microsoft.com/office/mac/drawingml/2011/main" xmlns:a14="http://schemas.microsoft.com/office/drawing/2010/main" xmlns:m="http://schemas.openxmlformats.org/officeDocument/2006/math" xmlns="" val="1"/>
             </a:ext>
           </a:extLst>
         </p:spPr>
@@ -3159,7 +3159,7 @@
         </p:nvSpPr>
         <p:spPr>
           <a:xfrm>
-            <a:off x="71624" y="1549118"/>
+            <a:off x="0" y="1491324"/>
             <a:ext cx="3319793" cy="9047428"/>
           </a:xfrm>
           <a:prstGeom prst="rect">
@@ -3256,7 +3256,7 @@
           </a:ln>
           <a:extLst>
             <a:ext uri="{C572A759-6A51-4108-AA02-DFA0A04FC94B}">
-              <ma14:wrappingTextBoxFlag xmlns="" xmlns:m="http://schemas.openxmlformats.org/officeDocument/2006/math" xmlns:a14="http://schemas.microsoft.com/office/drawing/2010/main" xmlns:ma14="http://schemas.microsoft.com/office/mac/drawingml/2011/main" val="1"/>
+              <ma14:wrappingTextBoxFlag xmlns:ma14="http://schemas.microsoft.com/office/mac/drawingml/2011/main" xmlns:a14="http://schemas.microsoft.com/office/drawing/2010/main" xmlns:m="http://schemas.openxmlformats.org/officeDocument/2006/math" xmlns="" val="1"/>
             </a:ext>
           </a:extLst>
         </p:spPr>
@@ -3306,7 +3306,7 @@
           </a:ln>
           <a:extLst>
             <a:ext uri="{C572A759-6A51-4108-AA02-DFA0A04FC94B}">
-              <ma14:wrappingTextBoxFlag xmlns="" xmlns:m="http://schemas.openxmlformats.org/officeDocument/2006/math" xmlns:a14="http://schemas.microsoft.com/office/drawing/2010/main" xmlns:ma14="http://schemas.microsoft.com/office/mac/drawingml/2011/main" val="1"/>
+              <ma14:wrappingTextBoxFlag xmlns:ma14="http://schemas.microsoft.com/office/mac/drawingml/2011/main" xmlns:a14="http://schemas.microsoft.com/office/drawing/2010/main" xmlns:m="http://schemas.openxmlformats.org/officeDocument/2006/math" xmlns="" val="1"/>
             </a:ext>
           </a:extLst>
         </p:spPr>
@@ -3341,7 +3341,7 @@
         </p:nvSpPr>
         <p:spPr>
           <a:xfrm>
-            <a:off x="272318" y="3431378"/>
+            <a:off x="272318" y="3395063"/>
             <a:ext cx="2882201" cy="715449"/>
           </a:xfrm>
           <a:prstGeom prst="rect">
@@ -3352,7 +3352,7 @@
           </a:ln>
           <a:extLst>
             <a:ext uri="{C572A759-6A51-4108-AA02-DFA0A04FC94B}">
-              <ma14:wrappingTextBoxFlag xmlns="" xmlns:m="http://schemas.openxmlformats.org/officeDocument/2006/math" xmlns:a14="http://schemas.microsoft.com/office/drawing/2010/main" xmlns:ma14="http://schemas.microsoft.com/office/mac/drawingml/2011/main" val="1"/>
+              <ma14:wrappingTextBoxFlag xmlns:ma14="http://schemas.microsoft.com/office/mac/drawingml/2011/main" xmlns:a14="http://schemas.microsoft.com/office/drawing/2010/main" xmlns:m="http://schemas.openxmlformats.org/officeDocument/2006/math" xmlns="" val="1"/>
             </a:ext>
           </a:extLst>
         </p:spPr>
@@ -3722,7 +3722,7 @@
           </a:ln>
           <a:extLst>
             <a:ext uri="{C572A759-6A51-4108-AA02-DFA0A04FC94B}">
-              <ma14:wrappingTextBoxFlag xmlns="" xmlns:m="http://schemas.openxmlformats.org/officeDocument/2006/math" xmlns:a14="http://schemas.microsoft.com/office/drawing/2010/main" xmlns:ma14="http://schemas.microsoft.com/office/mac/drawingml/2011/main" val="1"/>
+              <ma14:wrappingTextBoxFlag xmlns:ma14="http://schemas.microsoft.com/office/mac/drawingml/2011/main" xmlns:a14="http://schemas.microsoft.com/office/drawing/2010/main" xmlns:m="http://schemas.openxmlformats.org/officeDocument/2006/math" xmlns="" val="1"/>
             </a:ext>
           </a:extLst>
         </p:spPr>
@@ -3804,7 +3804,7 @@
           </a:ln>
           <a:extLst>
             <a:ext uri="{C572A759-6A51-4108-AA02-DFA0A04FC94B}">
-              <ma14:wrappingTextBoxFlag xmlns="" xmlns:m="http://schemas.openxmlformats.org/officeDocument/2006/math" xmlns:a14="http://schemas.microsoft.com/office/drawing/2010/main" xmlns:ma14="http://schemas.microsoft.com/office/mac/drawingml/2011/main" val="1"/>
+              <ma14:wrappingTextBoxFlag xmlns:ma14="http://schemas.microsoft.com/office/mac/drawingml/2011/main" xmlns:a14="http://schemas.microsoft.com/office/drawing/2010/main" xmlns:m="http://schemas.openxmlformats.org/officeDocument/2006/math" xmlns="" val="1"/>
             </a:ext>
           </a:extLst>
         </p:spPr>
@@ -3854,7 +3854,7 @@
           </a:ln>
           <a:extLst>
             <a:ext uri="{C572A759-6A51-4108-AA02-DFA0A04FC94B}">
-              <ma14:wrappingTextBoxFlag xmlns="" xmlns:m="http://schemas.openxmlformats.org/officeDocument/2006/math" xmlns:a14="http://schemas.microsoft.com/office/drawing/2010/main" xmlns:ma14="http://schemas.microsoft.com/office/mac/drawingml/2011/main" val="1"/>
+              <ma14:wrappingTextBoxFlag xmlns:ma14="http://schemas.microsoft.com/office/mac/drawingml/2011/main" xmlns:a14="http://schemas.microsoft.com/office/drawing/2010/main" xmlns:m="http://schemas.openxmlformats.org/officeDocument/2006/math" xmlns="" val="1"/>
             </a:ext>
           </a:extLst>
         </p:spPr>
@@ -3921,7 +3921,7 @@
           </a:ln>
           <a:extLst>
             <a:ext uri="{C572A759-6A51-4108-AA02-DFA0A04FC94B}">
-              <ma14:wrappingTextBoxFlag xmlns="" xmlns:m="http://schemas.openxmlformats.org/officeDocument/2006/math" xmlns:a14="http://schemas.microsoft.com/office/drawing/2010/main" xmlns:ma14="http://schemas.microsoft.com/office/mac/drawingml/2011/main" val="1"/>
+              <ma14:wrappingTextBoxFlag xmlns:ma14="http://schemas.microsoft.com/office/mac/drawingml/2011/main" xmlns:a14="http://schemas.microsoft.com/office/drawing/2010/main" xmlns:m="http://schemas.openxmlformats.org/officeDocument/2006/math" xmlns="" val="1"/>
             </a:ext>
           </a:extLst>
         </p:spPr>
@@ -4034,7 +4034,7 @@
           <a:effectLst/>
           <a:extLst>
             <a:ext uri="{C572A759-6A51-4108-AA02-DFA0A04FC94B}">
-              <ma14:wrappingTextBoxFlag xmlns="" xmlns:m="http://schemas.openxmlformats.org/officeDocument/2006/math" xmlns:a14="http://schemas.microsoft.com/office/drawing/2010/main" xmlns:ma14="http://schemas.microsoft.com/office/mac/drawingml/2011/main" val="1"/>
+              <ma14:wrappingTextBoxFlag xmlns:ma14="http://schemas.microsoft.com/office/mac/drawingml/2011/main" xmlns:a14="http://schemas.microsoft.com/office/drawing/2010/main" xmlns:m="http://schemas.openxmlformats.org/officeDocument/2006/math" xmlns="" val="1"/>
             </a:ext>
           </a:extLst>
         </p:spPr>
@@ -4144,7 +4144,7 @@
           </a:ln>
           <a:extLst>
             <a:ext uri="{C572A759-6A51-4108-AA02-DFA0A04FC94B}">
-              <ma14:wrappingTextBoxFlag xmlns="" xmlns:m="http://schemas.openxmlformats.org/officeDocument/2006/math" xmlns:a14="http://schemas.microsoft.com/office/drawing/2010/main" xmlns:ma14="http://schemas.microsoft.com/office/mac/drawingml/2011/main" val="1"/>
+              <ma14:wrappingTextBoxFlag xmlns:ma14="http://schemas.microsoft.com/office/mac/drawingml/2011/main" xmlns:a14="http://schemas.microsoft.com/office/drawing/2010/main" xmlns:m="http://schemas.openxmlformats.org/officeDocument/2006/math" xmlns="" val="1"/>
             </a:ext>
           </a:extLst>
         </p:spPr>
@@ -4189,7 +4189,7 @@
         </p:nvSpPr>
         <p:spPr>
           <a:xfrm>
-            <a:off x="195874" y="4196677"/>
+            <a:off x="206431" y="4054669"/>
             <a:ext cx="2579297" cy="333425"/>
           </a:xfrm>
           <a:prstGeom prst="rect">
@@ -4200,7 +4200,7 @@
           </a:ln>
           <a:extLst>
             <a:ext uri="{C572A759-6A51-4108-AA02-DFA0A04FC94B}">
-              <ma14:wrappingTextBoxFlag xmlns="" xmlns:m="http://schemas.openxmlformats.org/officeDocument/2006/math" xmlns:a14="http://schemas.microsoft.com/office/drawing/2010/main" xmlns:ma14="http://schemas.microsoft.com/office/mac/drawingml/2011/main" val="1"/>
+              <ma14:wrappingTextBoxFlag xmlns:ma14="http://schemas.microsoft.com/office/mac/drawingml/2011/main" xmlns:a14="http://schemas.microsoft.com/office/drawing/2010/main" xmlns:m="http://schemas.openxmlformats.org/officeDocument/2006/math" xmlns="" val="1"/>
             </a:ext>
           </a:extLst>
         </p:spPr>
@@ -4245,7 +4245,7 @@
         </p:nvSpPr>
         <p:spPr>
           <a:xfrm>
-            <a:off x="293065" y="2248708"/>
+            <a:off x="293065" y="2259673"/>
             <a:ext cx="3151795" cy="643661"/>
           </a:xfrm>
           <a:prstGeom prst="rect">
@@ -4256,7 +4256,7 @@
           </a:ln>
           <a:extLst>
             <a:ext uri="{C572A759-6A51-4108-AA02-DFA0A04FC94B}">
-              <ma14:wrappingTextBoxFlag xmlns="" xmlns:m="http://schemas.openxmlformats.org/officeDocument/2006/math" xmlns:a14="http://schemas.microsoft.com/office/drawing/2010/main" xmlns:ma14="http://schemas.microsoft.com/office/mac/drawingml/2011/main" val="1"/>
+              <ma14:wrappingTextBoxFlag xmlns:ma14="http://schemas.microsoft.com/office/mac/drawingml/2011/main" xmlns:a14="http://schemas.microsoft.com/office/drawing/2010/main" xmlns:m="http://schemas.openxmlformats.org/officeDocument/2006/math" xmlns="" val="1"/>
             </a:ext>
           </a:extLst>
         </p:spPr>
@@ -4343,7 +4343,7 @@
           <a:effectLst/>
           <a:extLst>
             <a:ext uri="{C572A759-6A51-4108-AA02-DFA0A04FC94B}">
-              <ma14:wrappingTextBoxFlag xmlns="" xmlns:m="http://schemas.openxmlformats.org/officeDocument/2006/math" xmlns:a14="http://schemas.microsoft.com/office/drawing/2010/main" xmlns:ma14="http://schemas.microsoft.com/office/mac/drawingml/2011/main" val="1"/>
+              <ma14:wrappingTextBoxFlag xmlns:ma14="http://schemas.microsoft.com/office/mac/drawingml/2011/main" xmlns:a14="http://schemas.microsoft.com/office/drawing/2010/main" xmlns:m="http://schemas.openxmlformats.org/officeDocument/2006/math" xmlns="" val="1"/>
             </a:ext>
           </a:extLst>
         </p:spPr>
@@ -4626,7 +4626,7 @@
           <a:effectLst/>
           <a:extLst>
             <a:ext uri="{C572A759-6A51-4108-AA02-DFA0A04FC94B}">
-              <ma14:wrappingTextBoxFlag xmlns="" xmlns:m="http://schemas.openxmlformats.org/officeDocument/2006/math" xmlns:a14="http://schemas.microsoft.com/office/drawing/2010/main" xmlns:ma14="http://schemas.microsoft.com/office/mac/drawingml/2011/main" val="1"/>
+              <ma14:wrappingTextBoxFlag xmlns:ma14="http://schemas.microsoft.com/office/mac/drawingml/2011/main" xmlns:a14="http://schemas.microsoft.com/office/drawing/2010/main" xmlns:m="http://schemas.openxmlformats.org/officeDocument/2006/math" xmlns="" val="1"/>
             </a:ext>
           </a:extLst>
         </p:spPr>
@@ -4720,7 +4720,7 @@
           <a:effectLst/>
           <a:extLst>
             <a:ext uri="{C572A759-6A51-4108-AA02-DFA0A04FC94B}">
-              <ma14:wrappingTextBoxFlag xmlns="" xmlns:m="http://schemas.openxmlformats.org/officeDocument/2006/math" xmlns:a14="http://schemas.microsoft.com/office/drawing/2010/main" xmlns:ma14="http://schemas.microsoft.com/office/mac/drawingml/2011/main" val="1"/>
+              <ma14:wrappingTextBoxFlag xmlns:ma14="http://schemas.microsoft.com/office/mac/drawingml/2011/main" xmlns:a14="http://schemas.microsoft.com/office/drawing/2010/main" xmlns:m="http://schemas.openxmlformats.org/officeDocument/2006/math" xmlns="" val="1"/>
             </a:ext>
           </a:extLst>
         </p:spPr>
@@ -4839,7 +4839,7 @@
           </a:ln>
           <a:extLst>
             <a:ext uri="{C572A759-6A51-4108-AA02-DFA0A04FC94B}">
-              <ma14:wrappingTextBoxFlag xmlns="" xmlns:m="http://schemas.openxmlformats.org/officeDocument/2006/math" xmlns:a14="http://schemas.microsoft.com/office/drawing/2010/main" xmlns:ma14="http://schemas.microsoft.com/office/mac/drawingml/2011/main" val="1"/>
+              <ma14:wrappingTextBoxFlag xmlns:ma14="http://schemas.microsoft.com/office/mac/drawingml/2011/main" xmlns:a14="http://schemas.microsoft.com/office/drawing/2010/main" xmlns:m="http://schemas.openxmlformats.org/officeDocument/2006/math" xmlns="" val="1"/>
             </a:ext>
           </a:extLst>
         </p:spPr>
@@ -4909,7 +4909,7 @@
           </a:ln>
           <a:extLst>
             <a:ext uri="{C572A759-6A51-4108-AA02-DFA0A04FC94B}">
-              <ma14:wrappingTextBoxFlag xmlns="" xmlns:m="http://schemas.openxmlformats.org/officeDocument/2006/math" xmlns:a14="http://schemas.microsoft.com/office/drawing/2010/main" xmlns:ma14="http://schemas.microsoft.com/office/mac/drawingml/2011/main" val="1"/>
+              <ma14:wrappingTextBoxFlag xmlns:ma14="http://schemas.microsoft.com/office/mac/drawingml/2011/main" xmlns:a14="http://schemas.microsoft.com/office/drawing/2010/main" xmlns:m="http://schemas.openxmlformats.org/officeDocument/2006/math" xmlns="" val="1"/>
             </a:ext>
           </a:extLst>
         </p:spPr>
@@ -5051,7 +5051,7 @@
         </p:nvSpPr>
         <p:spPr>
           <a:xfrm>
-            <a:off x="227192" y="5409706"/>
+            <a:off x="266189" y="5330282"/>
             <a:ext cx="2181071" cy="340029"/>
           </a:xfrm>
           <a:prstGeom prst="rect">
@@ -5062,7 +5062,7 @@
           </a:ln>
           <a:extLst>
             <a:ext uri="{C572A759-6A51-4108-AA02-DFA0A04FC94B}">
-              <ma14:wrappingTextBoxFlag xmlns="" xmlns:m="http://schemas.openxmlformats.org/officeDocument/2006/math" xmlns:a14="http://schemas.microsoft.com/office/drawing/2010/main" xmlns:ma14="http://schemas.microsoft.com/office/mac/drawingml/2011/main" val="1"/>
+              <ma14:wrappingTextBoxFlag xmlns:ma14="http://schemas.microsoft.com/office/mac/drawingml/2011/main" xmlns:a14="http://schemas.microsoft.com/office/drawing/2010/main" xmlns:m="http://schemas.openxmlformats.org/officeDocument/2006/math" xmlns="" val="1"/>
             </a:ext>
           </a:extLst>
         </p:spPr>
@@ -5107,8 +5107,8 @@
         </p:nvSpPr>
         <p:spPr>
           <a:xfrm>
-            <a:off x="151698" y="5801696"/>
-            <a:ext cx="3025059" cy="4726854"/>
+            <a:off x="207267" y="5789568"/>
+            <a:ext cx="3025059" cy="4511411"/>
           </a:xfrm>
           <a:prstGeom prst="rect">
             <a:avLst/>
@@ -5127,7 +5127,7 @@
           </a:ln>
           <a:extLst>
             <a:ext uri="{C572A759-6A51-4108-AA02-DFA0A04FC94B}">
-              <ma14:wrappingTextBoxFlag xmlns="" xmlns:m="http://schemas.openxmlformats.org/officeDocument/2006/math" xmlns:a14="http://schemas.microsoft.com/office/drawing/2010/main" xmlns:ma14="http://schemas.microsoft.com/office/mac/drawingml/2011/main" val="1"/>
+              <ma14:wrappingTextBoxFlag xmlns:ma14="http://schemas.microsoft.com/office/mac/drawingml/2011/main" xmlns:a14="http://schemas.microsoft.com/office/drawing/2010/main" xmlns:m="http://schemas.openxmlformats.org/officeDocument/2006/math" xmlns="" val="1"/>
             </a:ext>
           </a:extLst>
         </p:spPr>
@@ -5154,15 +5154,15 @@
               </a:defRPr>
             </a:pPr>
             <a:r>
-              <a:rPr lang="es-ES" i="1" dirty="0" smtClean="0"/>
+              <a:rPr lang="es-ES" sz="1100" i="1" dirty="0" smtClean="0"/>
               <a:t>x</a:t>
             </a:r>
             <a:r>
-              <a:rPr lang="es-ES" dirty="0" smtClean="0"/>
+              <a:rPr lang="es-ES" sz="1100" dirty="0" smtClean="0"/>
               <a:t>: </a:t>
             </a:r>
             <a:r>
-              <a:rPr lang="es-ES" dirty="0"/>
+              <a:rPr lang="es-ES" sz="1100" dirty="0"/>
               <a:t>data</a:t>
             </a:r>
           </a:p>
@@ -5184,21 +5184,21 @@
               </a:defRPr>
             </a:pPr>
             <a:r>
-              <a:rPr lang="es-ES" i="1" dirty="0" smtClean="0"/>
+              <a:rPr lang="es-ES" sz="1100" i="1" dirty="0" smtClean="0"/>
               <a:t>n</a:t>
             </a:r>
             <a:r>
-              <a:rPr lang="es-ES" dirty="0" smtClean="0"/>
+              <a:rPr lang="es-ES" sz="1100" dirty="0" smtClean="0"/>
               <a:t>: </a:t>
             </a:r>
             <a:r>
-              <a:rPr lang="es-ES" dirty="0" smtClean="0">
+              <a:rPr lang="es-ES" sz="1100" dirty="0" smtClean="0">
                 <a:latin typeface=""/>
               </a:rPr>
               <a:t>sample </a:t>
             </a:r>
             <a:r>
-              <a:rPr lang="es-ES" dirty="0">
+              <a:rPr lang="es-ES" sz="1100" dirty="0">
                 <a:latin typeface=""/>
               </a:rPr>
               <a:t>size</a:t>
@@ -5222,15 +5222,15 @@
               </a:defRPr>
             </a:pPr>
             <a:r>
-              <a:rPr lang="es-ES" i="1" dirty="0" smtClean="0"/>
+              <a:rPr lang="es-ES" sz="1100" i="1" dirty="0" smtClean="0"/>
               <a:t>p</a:t>
             </a:r>
             <a:r>
-              <a:rPr lang="es-ES" dirty="0" smtClean="0"/>
+              <a:rPr lang="es-ES" sz="1100" dirty="0" smtClean="0"/>
               <a:t>: </a:t>
             </a:r>
             <a:r>
-              <a:rPr lang="es-ES" dirty="0">
+              <a:rPr lang="es-ES" sz="1100" dirty="0">
                 <a:latin typeface=""/>
               </a:rPr>
               <a:t>model order</a:t>
@@ -5254,15 +5254,15 @@
               </a:defRPr>
             </a:pPr>
             <a:r>
-              <a:rPr lang="es-ES" i="1" dirty="0" smtClean="0"/>
+              <a:rPr lang="es-ES" sz="1100" i="1" dirty="0" smtClean="0"/>
               <a:t>alpha</a:t>
             </a:r>
             <a:r>
-              <a:rPr lang="es-ES" dirty="0" smtClean="0"/>
+              <a:rPr lang="es-ES" sz="1100" dirty="0" smtClean="0"/>
               <a:t>: </a:t>
             </a:r>
             <a:r>
-              <a:rPr lang="es-ES" dirty="0">
+              <a:rPr lang="es-ES" sz="1100" dirty="0">
                 <a:latin typeface=""/>
               </a:rPr>
               <a:t>INAR coefficient(s)</a:t>
@@ -5286,21 +5286,21 @@
               </a:defRPr>
             </a:pPr>
             <a:r>
-              <a:rPr lang="es-ES" i="1" dirty="0" smtClean="0"/>
+              <a:rPr lang="es-ES" sz="1100" i="1" dirty="0" smtClean="0"/>
               <a:t>pmf</a:t>
             </a:r>
             <a:r>
-              <a:rPr lang="es-ES" dirty="0" smtClean="0"/>
+              <a:rPr lang="es-ES" sz="1100" dirty="0" smtClean="0"/>
               <a:t>: </a:t>
             </a:r>
             <a:r>
-              <a:rPr lang="es-ES" dirty="0">
+              <a:rPr lang="es-ES" sz="1100" dirty="0">
                 <a:latin typeface=""/>
               </a:rPr>
               <a:t>probability mass function of the</a:t>
             </a:r>
             <a:r>
-              <a:rPr lang="es-ES" dirty="0">
+              <a:rPr lang="es-ES" sz="1100" dirty="0">
                 <a:latin typeface="Menlo"/>
               </a:rPr>
               <a:t> innovation distribution</a:t>
@@ -5324,41 +5324,26 @@
               </a:defRPr>
             </a:pPr>
             <a:r>
-              <a:rPr lang="es-ES" i="1" dirty="0" smtClean="0">
+              <a:rPr lang="es-ES" sz="1100" i="1" dirty="0" smtClean="0">
                 <a:latin typeface="Menlo"/>
               </a:rPr>
               <a:t>prerun</a:t>
             </a:r>
             <a:r>
-              <a:rPr lang="es-ES" dirty="0" smtClean="0">
+              <a:rPr lang="es-ES" sz="1100" dirty="0" smtClean="0">
                 <a:latin typeface="Menlo"/>
               </a:rPr>
               <a:t>: </a:t>
             </a:r>
             <a:r>
-              <a:rPr lang="es-ES" dirty="0">
+              <a:rPr lang="es-ES" sz="1100" dirty="0">
                 <a:latin typeface="Menlo"/>
               </a:rPr>
               <a:t>number of additional observations </a:t>
             </a:r>
-            <a:r>
-              <a:rPr lang="es-ES" i="1" dirty="0" smtClean="0">
-                <a:latin typeface="Menlo"/>
-              </a:rPr>
-              <a:t>type</a:t>
-            </a:r>
-            <a:r>
-              <a:rPr lang="es-ES" dirty="0" smtClean="0">
-                <a:latin typeface="Menlo"/>
-              </a:rPr>
-              <a:t>: </a:t>
-            </a:r>
-            <a:r>
-              <a:rPr lang="es-ES" dirty="0">
-                <a:latin typeface="Menlo"/>
-              </a:rPr>
-              <a:t>estimation type (moment- or maximum likelihood-based)</a:t>
-            </a:r>
+            <a:endParaRPr lang="es-ES" sz="1100" dirty="0" smtClean="0">
+              <a:latin typeface="Menlo"/>
+            </a:endParaRPr>
           </a:p>
           <a:p>
             <a:pPr marL="171450" indent="-171450">
@@ -5378,16 +5363,22 @@
               </a:defRPr>
             </a:pPr>
             <a:r>
-              <a:rPr lang="es-ES" i="1" dirty="0" smtClean="0">
+              <a:rPr lang="es-ES" sz="1100" i="1" dirty="0" smtClean="0">
                 <a:latin typeface="Menlo"/>
               </a:rPr>
-              <a:t>distr</a:t>
-            </a:r>
-            <a:r>
-              <a:rPr lang="es-ES" dirty="0" smtClean="0">
+              <a:t>type</a:t>
+            </a:r>
+            <a:r>
+              <a:rPr lang="es-ES" sz="1100" dirty="0" smtClean="0">
                 <a:latin typeface="Menlo"/>
               </a:rPr>
-              <a:t>: parametric family of distributions (Poisson, geometric or negative binomial)</a:t>
+              <a:t>: </a:t>
+            </a:r>
+            <a:r>
+              <a:rPr lang="es-ES" sz="1100" dirty="0">
+                <a:latin typeface="Menlo"/>
+              </a:rPr>
+              <a:t>estimation type (moment- or maximum likelihood-based)</a:t>
             </a:r>
           </a:p>
           <a:p>
@@ -5408,16 +5399,16 @@
               </a:defRPr>
             </a:pPr>
             <a:r>
-              <a:rPr lang="es-ES" i="1" dirty="0" smtClean="0">
+              <a:rPr lang="es-ES" sz="1100" i="1" dirty="0" smtClean="0">
                 <a:latin typeface="Menlo"/>
               </a:rPr>
-              <a:t>B</a:t>
-            </a:r>
-            <a:r>
-              <a:rPr lang="es-ES" dirty="0" smtClean="0">
+              <a:t>distr</a:t>
+            </a:r>
+            <a:r>
+              <a:rPr lang="es-ES" sz="1100" dirty="0" smtClean="0">
                 <a:latin typeface="Menlo"/>
               </a:rPr>
-              <a:t>: number of bootstrap replicates</a:t>
+              <a:t>: parametric family of distributions (Poisson, geometric or negative binomial)</a:t>
             </a:r>
           </a:p>
           <a:p>
@@ -5438,22 +5429,16 @@
               </a:defRPr>
             </a:pPr>
             <a:r>
-              <a:rPr lang="es-ES" i="1" dirty="0">
+              <a:rPr lang="es-ES" sz="1100" i="1" dirty="0" smtClean="0">
                 <a:latin typeface="Menlo"/>
               </a:rPr>
-              <a:t>setting</a:t>
-            </a:r>
-            <a:r>
-              <a:rPr lang="es-ES" dirty="0">
+              <a:t>B</a:t>
+            </a:r>
+            <a:r>
+              <a:rPr lang="es-ES" sz="1100" dirty="0" smtClean="0">
                 <a:latin typeface="Menlo"/>
               </a:rPr>
-              <a:t>: semiparametric or </a:t>
-            </a:r>
-            <a:r>
-              <a:rPr lang="es-ES" dirty="0" smtClean="0">
-                <a:latin typeface="Menlo"/>
-              </a:rPr>
-              <a:t>parametric</a:t>
+              <a:t>: number of bootstrap replicates</a:t>
             </a:r>
           </a:p>
           <a:p>
@@ -5474,22 +5459,22 @@
               </a:defRPr>
             </a:pPr>
             <a:r>
-              <a:rPr lang="es-ES" i="1" dirty="0" smtClean="0">
+              <a:rPr lang="es-ES" sz="1100" i="1" dirty="0">
                 <a:latin typeface="Menlo"/>
               </a:rPr>
-              <a:t>M</a:t>
-            </a:r>
-            <a:r>
-              <a:rPr lang="es-ES" dirty="0" smtClean="0">
+              <a:t>setting</a:t>
+            </a:r>
+            <a:r>
+              <a:rPr lang="es-ES" sz="1100" dirty="0">
                 <a:latin typeface="Menlo"/>
               </a:rPr>
-              <a:t>: upper limit for </a:t>
-            </a:r>
-            <a:r>
-              <a:rPr lang="es-ES" dirty="0" smtClean="0">
+              <a:t>: semiparametric or </a:t>
+            </a:r>
+            <a:r>
+              <a:rPr lang="es-ES" sz="1100" dirty="0" smtClean="0">
                 <a:latin typeface="Menlo"/>
               </a:rPr>
-              <a:t>innovations</a:t>
+              <a:t>parametric</a:t>
             </a:r>
           </a:p>
           <a:p>
@@ -5510,26 +5495,17 @@
               </a:defRPr>
             </a:pPr>
             <a:r>
-              <a:rPr lang="es-ES" i="1" dirty="0">
+              <a:rPr lang="es-ES" sz="1100" i="1" dirty="0" smtClean="0">
                 <a:latin typeface="Menlo"/>
               </a:rPr>
-              <a:t>l</a:t>
-            </a:r>
-            <a:r>
-              <a:rPr lang="es-ES" i="1" dirty="0" smtClean="0">
+              <a:t>M</a:t>
+            </a:r>
+            <a:r>
+              <a:rPr lang="es-ES" sz="1100" dirty="0" smtClean="0">
                 <a:latin typeface="Menlo"/>
               </a:rPr>
-              <a:t>evel</a:t>
-            </a:r>
-            <a:r>
-              <a:rPr lang="es-ES" dirty="0" smtClean="0">
-                <a:latin typeface="Menlo"/>
-              </a:rPr>
-              <a:t>: level of confidence intervals</a:t>
-            </a:r>
-            <a:endParaRPr lang="es-ES" dirty="0" smtClean="0">
-              <a:latin typeface="Menlo"/>
-            </a:endParaRPr>
+              <a:t>: upper limit for innovations</a:t>
+            </a:r>
           </a:p>
           <a:p>
             <a:pPr marL="171450" indent="-171450">
@@ -5549,22 +5525,28 @@
               </a:defRPr>
             </a:pPr>
             <a:r>
-              <a:rPr lang="es-ES" i="1" dirty="0">
+              <a:rPr lang="es-ES" sz="1100" i="1" dirty="0">
                 <a:latin typeface="Menlo"/>
               </a:rPr>
-              <a:t>p</a:t>
-            </a:r>
-            <a:r>
-              <a:rPr lang="es-ES" i="1" dirty="0" smtClean="0">
+              <a:t>l</a:t>
+            </a:r>
+            <a:r>
+              <a:rPr lang="es-ES" sz="1100" i="1" dirty="0" smtClean="0">
                 <a:latin typeface="Menlo"/>
               </a:rPr>
-              <a:t>enal1</a:t>
-            </a:r>
-            <a:r>
-              <a:rPr lang="es-ES" dirty="0" smtClean="0">
+              <a:t>evel</a:t>
+            </a:r>
+            <a:r>
+              <a:rPr lang="es-ES" sz="1100" dirty="0" smtClean="0">
                 <a:latin typeface="Menlo"/>
               </a:rPr>
-              <a:t> : L1 penalization parameter</a:t>
+              <a:t>: level of confidence </a:t>
+            </a:r>
+            <a:r>
+              <a:rPr lang="es-ES" sz="1100" dirty="0" smtClean="0">
+                <a:latin typeface="Menlo"/>
+              </a:rPr>
+              <a:t>intervals</a:t>
             </a:r>
           </a:p>
           <a:p>
@@ -5585,23 +5567,26 @@
               </a:defRPr>
             </a:pPr>
             <a:r>
-              <a:rPr lang="es-ES" i="1" dirty="0">
+              <a:rPr lang="es-ES" sz="1100" i="1" dirty="0">
                 <a:latin typeface="Menlo"/>
               </a:rPr>
               <a:t>p</a:t>
             </a:r>
             <a:r>
-              <a:rPr lang="es-ES" i="1" dirty="0" smtClean="0">
+              <a:rPr lang="es-ES" sz="1100" i="1" dirty="0" smtClean="0">
                 <a:latin typeface="Menlo"/>
               </a:rPr>
-              <a:t>enal2</a:t>
-            </a:r>
-            <a:r>
-              <a:rPr lang="es-ES" dirty="0" smtClean="0">
+              <a:t>rogress</a:t>
+            </a:r>
+            <a:r>
+              <a:rPr lang="es-ES" sz="1100" dirty="0" smtClean="0">
                 <a:latin typeface="Menlo"/>
               </a:rPr>
-              <a:t> : L2 penalization parameter</a:t>
-            </a:r>
+              <a:t>: true or false whether progress bar is wanted</a:t>
+            </a:r>
+            <a:endParaRPr lang="es-ES" sz="1100" dirty="0" smtClean="0">
+              <a:latin typeface="Menlo"/>
+            </a:endParaRPr>
           </a:p>
           <a:p>
             <a:pPr marL="171450" indent="-171450">
@@ -5621,16 +5606,22 @@
               </a:defRPr>
             </a:pPr>
             <a:r>
-              <a:rPr lang="es-ES" i="1" dirty="0" smtClean="0">
+              <a:rPr lang="es-ES" sz="1100" i="1" dirty="0">
                 <a:latin typeface="Menlo"/>
               </a:rPr>
-              <a:t>validation</a:t>
-            </a:r>
-            <a:r>
-              <a:rPr lang="es-ES" dirty="0" smtClean="0">
+              <a:t>p</a:t>
+            </a:r>
+            <a:r>
+              <a:rPr lang="es-ES" sz="1100" i="1" dirty="0" smtClean="0">
                 <a:latin typeface="Menlo"/>
               </a:rPr>
-              <a:t>: true or false whether validation is wanted</a:t>
+              <a:t>enal1</a:t>
+            </a:r>
+            <a:r>
+              <a:rPr lang="es-ES" sz="1100" dirty="0" smtClean="0">
+                <a:latin typeface="Menlo"/>
+              </a:rPr>
+              <a:t> : L1 penalization parameter</a:t>
             </a:r>
           </a:p>
           <a:p>
@@ -5651,16 +5642,22 @@
               </a:defRPr>
             </a:pPr>
             <a:r>
-              <a:rPr lang="es-ES" i="1" dirty="0" smtClean="0">
+              <a:rPr lang="es-ES" sz="1100" i="1" dirty="0">
                 <a:latin typeface="Menlo"/>
               </a:rPr>
-              <a:t>over</a:t>
-            </a:r>
-            <a:r>
-              <a:rPr lang="es-ES" dirty="0" smtClean="0">
+              <a:t>p</a:t>
+            </a:r>
+            <a:r>
+              <a:rPr lang="es-ES" sz="1100" i="1" dirty="0" smtClean="0">
                 <a:latin typeface="Menlo"/>
               </a:rPr>
-              <a:t>: indicates whether validation over penal1, penal2 or both</a:t>
+              <a:t>enal2</a:t>
+            </a:r>
+            <a:r>
+              <a:rPr lang="es-ES" sz="1100" dirty="0" smtClean="0">
+                <a:latin typeface="Menlo"/>
+              </a:rPr>
+              <a:t> : L2 penalization parameter</a:t>
             </a:r>
           </a:p>
           <a:p>
@@ -5681,22 +5678,16 @@
               </a:defRPr>
             </a:pPr>
             <a:r>
-              <a:rPr lang="es-ES" i="1" dirty="0">
+              <a:rPr lang="es-ES" sz="1100" i="1" dirty="0" smtClean="0">
                 <a:latin typeface="Menlo"/>
               </a:rPr>
-              <a:t>i</a:t>
-            </a:r>
-            <a:r>
-              <a:rPr lang="es-ES" i="1" dirty="0" smtClean="0">
+              <a:t>validation</a:t>
+            </a:r>
+            <a:r>
+              <a:rPr lang="es-ES" sz="1100" dirty="0" smtClean="0">
                 <a:latin typeface="Menlo"/>
               </a:rPr>
-              <a:t>nit1</a:t>
-            </a:r>
-            <a:r>
-              <a:rPr lang="es-ES" dirty="0" smtClean="0">
-                <a:latin typeface="Menlo"/>
-              </a:rPr>
-              <a:t> : initial penal1 value</a:t>
+              <a:t>: true or false whether validation is wanted</a:t>
             </a:r>
           </a:p>
           <a:p>
@@ -5717,22 +5708,16 @@
               </a:defRPr>
             </a:pPr>
             <a:r>
-              <a:rPr lang="es-ES" i="1" dirty="0">
+              <a:rPr lang="es-ES" sz="1100" i="1" dirty="0" smtClean="0">
                 <a:latin typeface="Menlo"/>
               </a:rPr>
-              <a:t>i</a:t>
-            </a:r>
-            <a:r>
-              <a:rPr lang="es-ES" i="1" dirty="0" smtClean="0">
+              <a:t>over</a:t>
+            </a:r>
+            <a:r>
+              <a:rPr lang="es-ES" sz="1100" dirty="0" smtClean="0">
                 <a:latin typeface="Menlo"/>
               </a:rPr>
-              <a:t>nit2</a:t>
-            </a:r>
-            <a:r>
-              <a:rPr lang="es-ES" dirty="0" smtClean="0">
-                <a:latin typeface="Menlo"/>
-              </a:rPr>
-              <a:t> : initial penal2 value</a:t>
+              <a:t>: indicates whether validation over penal1, penal2 or both</a:t>
             </a:r>
           </a:p>
           <a:p>
@@ -5753,13 +5738,85 @@
               </a:defRPr>
             </a:pPr>
             <a:r>
-              <a:rPr lang="es-ES" i="1" dirty="0" smtClean="0">
+              <a:rPr lang="es-ES" sz="1100" i="1" dirty="0">
                 <a:latin typeface="Menlo"/>
               </a:rPr>
+              <a:t>i</a:t>
+            </a:r>
+            <a:r>
+              <a:rPr lang="es-ES" sz="1100" i="1" dirty="0" smtClean="0">
+                <a:latin typeface="Menlo"/>
+              </a:rPr>
+              <a:t>nit1</a:t>
+            </a:r>
+            <a:r>
+              <a:rPr lang="es-ES" sz="1100" dirty="0" smtClean="0">
+                <a:latin typeface="Menlo"/>
+              </a:rPr>
+              <a:t> : initial penal1 value</a:t>
+            </a:r>
+          </a:p>
+          <a:p>
+            <a:pPr marL="171450" indent="-171450">
+              <a:spcBef>
+                <a:spcPts val="0"/>
+              </a:spcBef>
+              <a:buFont typeface="Arial" panose="020B0604020202020204" pitchFamily="34" charset="0"/>
+              <a:buChar char="•"/>
+              <a:defRPr b="0">
+                <a:solidFill>
+                  <a:srgbClr val="000000"/>
+                </a:solidFill>
+                <a:latin typeface="Menlo"/>
+                <a:ea typeface="Menlo"/>
+                <a:cs typeface="Menlo"/>
+                <a:sym typeface="Menlo"/>
+              </a:defRPr>
+            </a:pPr>
+            <a:r>
+              <a:rPr lang="es-ES" sz="1100" i="1" dirty="0">
+                <a:latin typeface="Menlo"/>
+              </a:rPr>
+              <a:t>i</a:t>
+            </a:r>
+            <a:r>
+              <a:rPr lang="es-ES" sz="1100" i="1" dirty="0" smtClean="0">
+                <a:latin typeface="Menlo"/>
+              </a:rPr>
+              <a:t>nit2</a:t>
+            </a:r>
+            <a:r>
+              <a:rPr lang="es-ES" sz="1100" dirty="0" smtClean="0">
+                <a:latin typeface="Menlo"/>
+              </a:rPr>
+              <a:t> : initial penal2 value</a:t>
+            </a:r>
+          </a:p>
+          <a:p>
+            <a:pPr marL="171450" indent="-171450">
+              <a:spcBef>
+                <a:spcPts val="0"/>
+              </a:spcBef>
+              <a:buFont typeface="Arial" panose="020B0604020202020204" pitchFamily="34" charset="0"/>
+              <a:buChar char="•"/>
+              <a:defRPr b="0">
+                <a:solidFill>
+                  <a:srgbClr val="000000"/>
+                </a:solidFill>
+                <a:latin typeface="Menlo"/>
+                <a:ea typeface="Menlo"/>
+                <a:cs typeface="Menlo"/>
+                <a:sym typeface="Menlo"/>
+              </a:defRPr>
+            </a:pPr>
+            <a:r>
+              <a:rPr lang="es-ES" sz="1100" i="1" dirty="0" smtClean="0">
+                <a:latin typeface="Menlo"/>
+              </a:rPr>
               <a:t>folds</a:t>
             </a:r>
             <a:r>
-              <a:rPr lang="es-ES" dirty="0" smtClean="0">
+              <a:rPr lang="es-ES" sz="1100" dirty="0" smtClean="0">
                 <a:latin typeface="Menlo"/>
               </a:rPr>
               <a:t>:  number of folds in validation</a:t>
@@ -5795,7 +5852,7 @@
           <a:effectLst/>
           <a:extLst>
             <a:ext uri="{C572A759-6A51-4108-AA02-DFA0A04FC94B}">
-              <ma14:wrappingTextBoxFlag xmlns="" xmlns:m="http://schemas.openxmlformats.org/officeDocument/2006/math" xmlns:a14="http://schemas.microsoft.com/office/drawing/2010/main" xmlns:ma14="http://schemas.microsoft.com/office/mac/drawingml/2011/main" val="1"/>
+              <ma14:wrappingTextBoxFlag xmlns:ma14="http://schemas.microsoft.com/office/mac/drawingml/2011/main" xmlns:a14="http://schemas.microsoft.com/office/drawing/2010/main" xmlns:m="http://schemas.openxmlformats.org/officeDocument/2006/math" xmlns="" val="1"/>
             </a:ext>
           </a:extLst>
         </p:spPr>
@@ -5854,7 +5911,7 @@
           <a:effectLst/>
           <a:extLst>
             <a:ext uri="{C572A759-6A51-4108-AA02-DFA0A04FC94B}">
-              <ma14:wrappingTextBoxFlag xmlns="" xmlns:m="http://schemas.openxmlformats.org/officeDocument/2006/math" xmlns:a14="http://schemas.microsoft.com/office/drawing/2010/main" xmlns:ma14="http://schemas.microsoft.com/office/mac/drawingml/2011/main" val="1"/>
+              <ma14:wrappingTextBoxFlag xmlns:ma14="http://schemas.microsoft.com/office/mac/drawingml/2011/main" xmlns:a14="http://schemas.microsoft.com/office/drawing/2010/main" xmlns:m="http://schemas.openxmlformats.org/officeDocument/2006/math" xmlns="" val="1"/>
             </a:ext>
           </a:extLst>
         </p:spPr>
@@ -5910,7 +5967,7 @@
           </a:ln>
           <a:extLst>
             <a:ext uri="{C572A759-6A51-4108-AA02-DFA0A04FC94B}">
-              <ma14:wrappingTextBoxFlag xmlns="" xmlns:m="http://schemas.openxmlformats.org/officeDocument/2006/math" xmlns:a14="http://schemas.microsoft.com/office/drawing/2010/main" xmlns:ma14="http://schemas.microsoft.com/office/mac/drawingml/2011/main" val="1"/>
+              <ma14:wrappingTextBoxFlag xmlns:ma14="http://schemas.microsoft.com/office/mac/drawingml/2011/main" xmlns:a14="http://schemas.microsoft.com/office/drawing/2010/main" xmlns:m="http://schemas.openxmlformats.org/officeDocument/2006/math" xmlns="" val="1"/>
             </a:ext>
           </a:extLst>
         </p:spPr>
@@ -5981,7 +6038,7 @@
           <a:effectLst/>
           <a:extLst>
             <a:ext uri="{C572A759-6A51-4108-AA02-DFA0A04FC94B}">
-              <ma14:wrappingTextBoxFlag xmlns="" xmlns:m="http://schemas.openxmlformats.org/officeDocument/2006/math" xmlns:a14="http://schemas.microsoft.com/office/drawing/2010/main" xmlns:ma14="http://schemas.microsoft.com/office/mac/drawingml/2011/main" val="1"/>
+              <ma14:wrappingTextBoxFlag xmlns:ma14="http://schemas.microsoft.com/office/mac/drawingml/2011/main" xmlns:a14="http://schemas.microsoft.com/office/drawing/2010/main" xmlns:m="http://schemas.openxmlformats.org/officeDocument/2006/math" xmlns="" val="1"/>
             </a:ext>
           </a:extLst>
         </p:spPr>
@@ -6092,7 +6149,7 @@
           <a:effectLst/>
           <a:extLst>
             <a:ext uri="{C572A759-6A51-4108-AA02-DFA0A04FC94B}">
-              <ma14:wrappingTextBoxFlag xmlns="" xmlns:m="http://schemas.openxmlformats.org/officeDocument/2006/math" xmlns:a14="http://schemas.microsoft.com/office/drawing/2010/main" xmlns:ma14="http://schemas.microsoft.com/office/mac/drawingml/2011/main" val="1"/>
+              <ma14:wrappingTextBoxFlag xmlns:ma14="http://schemas.microsoft.com/office/mac/drawingml/2011/main" xmlns:a14="http://schemas.microsoft.com/office/drawing/2010/main" xmlns:m="http://schemas.openxmlformats.org/officeDocument/2006/math" xmlns="" val="1"/>
             </a:ext>
           </a:extLst>
         </p:spPr>
@@ -6187,17 +6244,17 @@
                 <a:latin typeface="Source Sans Pro" panose="020B0503030403020204" pitchFamily="34" charset="0"/>
                 <a:ea typeface="Source Sans Pro" panose="020B0503030403020204" pitchFamily="34" charset="0"/>
               </a:rPr>
-              <a:t>bootstrap </a:t>
-            </a:r>
-            <a:r>
-              <a:rPr lang="en-US" sz="1400" b="0" dirty="0" smtClean="0">
+              <a:t>bootstrap observations, bootstrap estimated parameters (alpha and </a:t>
+            </a:r>
+            <a:r>
+              <a:rPr lang="en-US" sz="1400" b="0" dirty="0" err="1" smtClean="0">
                 <a:solidFill>
                   <a:srgbClr val="060606"/>
                 </a:solidFill>
                 <a:latin typeface="Source Sans Pro" panose="020B0503030403020204" pitchFamily="34" charset="0"/>
                 <a:ea typeface="Source Sans Pro" panose="020B0503030403020204" pitchFamily="34" charset="0"/>
               </a:rPr>
-              <a:t>observations, bootstrap estimated parameters (alpha </a:t>
+              <a:t>pmf</a:t>
             </a:r>
             <a:r>
               <a:rPr lang="en-US" sz="1400" b="0" dirty="0" smtClean="0">
@@ -6207,37 +6264,7 @@
                 <a:latin typeface="Source Sans Pro" panose="020B0503030403020204" pitchFamily="34" charset="0"/>
                 <a:ea typeface="Source Sans Pro" panose="020B0503030403020204" pitchFamily="34" charset="0"/>
               </a:rPr>
-              <a:t>and </a:t>
-            </a:r>
-            <a:r>
-              <a:rPr lang="en-US" sz="1400" b="0" dirty="0" err="1" smtClean="0">
-                <a:solidFill>
-                  <a:srgbClr val="060606"/>
-                </a:solidFill>
-                <a:latin typeface="Source Sans Pro" panose="020B0503030403020204" pitchFamily="34" charset="0"/>
-                <a:ea typeface="Source Sans Pro" panose="020B0503030403020204" pitchFamily="34" charset="0"/>
-              </a:rPr>
-              <a:t>pmf</a:t>
-            </a:r>
-            <a:r>
-              <a:rPr lang="en-US" sz="1400" b="0" dirty="0" smtClean="0">
-                <a:solidFill>
-                  <a:srgbClr val="060606"/>
-                </a:solidFill>
-                <a:latin typeface="Source Sans Pro" panose="020B0503030403020204" pitchFamily="34" charset="0"/>
-                <a:ea typeface="Source Sans Pro" panose="020B0503030403020204" pitchFamily="34" charset="0"/>
-              </a:rPr>
-              <a:t> or innovation </a:t>
-            </a:r>
-            <a:r>
-              <a:rPr lang="en-US" sz="1400" b="0" dirty="0" smtClean="0">
-                <a:solidFill>
-                  <a:srgbClr val="060606"/>
-                </a:solidFill>
-                <a:latin typeface="Source Sans Pro" panose="020B0503030403020204" pitchFamily="34" charset="0"/>
-                <a:ea typeface="Source Sans Pro" panose="020B0503030403020204" pitchFamily="34" charset="0"/>
-              </a:rPr>
-              <a:t>parameters) and bootstrap confidence intervals</a:t>
+              <a:t> or innovation parameters) and bootstrap confidence intervals</a:t>
             </a:r>
             <a:endParaRPr lang="en-US" sz="1400" b="0" dirty="0">
               <a:solidFill>
@@ -6280,7 +6307,7 @@
           </a:ln>
           <a:extLst>
             <a:ext uri="{C572A759-6A51-4108-AA02-DFA0A04FC94B}">
-              <ma14:wrappingTextBoxFlag xmlns="" xmlns:m="http://schemas.openxmlformats.org/officeDocument/2006/math" xmlns:a14="http://schemas.microsoft.com/office/drawing/2010/main" xmlns:ma14="http://schemas.microsoft.com/office/mac/drawingml/2011/main" val="1"/>
+              <ma14:wrappingTextBoxFlag xmlns:ma14="http://schemas.microsoft.com/office/mac/drawingml/2011/main" xmlns:a14="http://schemas.microsoft.com/office/drawing/2010/main" xmlns:m="http://schemas.openxmlformats.org/officeDocument/2006/math" xmlns="" val="1"/>
             </a:ext>
           </a:extLst>
         </p:spPr>
@@ -6334,15 +6361,7 @@
                   <a:schemeClr val="tx1"/>
                 </a:solidFill>
               </a:rPr>
-              <a:t>B, setting, type, distr, </a:t>
-            </a:r>
-            <a:r>
-              <a:rPr lang="es-ES" dirty="0" smtClean="0">
-                <a:solidFill>
-                  <a:schemeClr val="tx1"/>
-                </a:solidFill>
-              </a:rPr>
-              <a:t>M,</a:t>
+              <a:t>B, setting, type, distr, M,</a:t>
             </a:r>
           </a:p>
           <a:p>
@@ -6404,7 +6423,7 @@
           <a:effectLst/>
           <a:extLst>
             <a:ext uri="{C572A759-6A51-4108-AA02-DFA0A04FC94B}">
-              <ma14:wrappingTextBoxFlag xmlns="" xmlns:m="http://schemas.openxmlformats.org/officeDocument/2006/math" xmlns:a14="http://schemas.microsoft.com/office/drawing/2010/main" xmlns:ma14="http://schemas.microsoft.com/office/mac/drawingml/2011/main" val="1"/>
+              <ma14:wrappingTextBoxFlag xmlns:ma14="http://schemas.microsoft.com/office/mac/drawingml/2011/main" xmlns:a14="http://schemas.microsoft.com/office/drawing/2010/main" xmlns:m="http://schemas.openxmlformats.org/officeDocument/2006/math" xmlns="" val="1"/>
             </a:ext>
           </a:extLst>
         </p:spPr>
@@ -6525,7 +6544,7 @@
           <a:effectLst/>
           <a:extLst>
             <a:ext uri="{C572A759-6A51-4108-AA02-DFA0A04FC94B}">
-              <ma14:wrappingTextBoxFlag xmlns="" xmlns:m="http://schemas.openxmlformats.org/officeDocument/2006/math" xmlns:a14="http://schemas.microsoft.com/office/drawing/2010/main" xmlns:ma14="http://schemas.microsoft.com/office/mac/drawingml/2011/main" val="1"/>
+              <ma14:wrappingTextBoxFlag xmlns:ma14="http://schemas.microsoft.com/office/mac/drawingml/2011/main" xmlns:a14="http://schemas.microsoft.com/office/drawing/2010/main" xmlns:m="http://schemas.openxmlformats.org/officeDocument/2006/math" xmlns="" val="1"/>
             </a:ext>
           </a:extLst>
         </p:spPr>
@@ -6592,7 +6611,7 @@
           <a:effectLst/>
           <a:extLst>
             <a:ext uri="{C572A759-6A51-4108-AA02-DFA0A04FC94B}">
-              <ma14:wrappingTextBoxFlag xmlns="" xmlns:m="http://schemas.openxmlformats.org/officeDocument/2006/math" xmlns:a14="http://schemas.microsoft.com/office/drawing/2010/main" xmlns:ma14="http://schemas.microsoft.com/office/mac/drawingml/2011/main" val="1"/>
+              <ma14:wrappingTextBoxFlag xmlns:ma14="http://schemas.microsoft.com/office/mac/drawingml/2011/main" xmlns:a14="http://schemas.microsoft.com/office/drawing/2010/main" xmlns:m="http://schemas.openxmlformats.org/officeDocument/2006/math" xmlns="" val="1"/>
             </a:ext>
           </a:extLst>
         </p:spPr>
@@ -6711,7 +6730,7 @@
           </a:ln>
           <a:extLst>
             <a:ext uri="{C572A759-6A51-4108-AA02-DFA0A04FC94B}">
-              <ma14:wrappingTextBoxFlag xmlns="" xmlns:m="http://schemas.openxmlformats.org/officeDocument/2006/math" xmlns:a14="http://schemas.microsoft.com/office/drawing/2010/main" xmlns:ma14="http://schemas.microsoft.com/office/mac/drawingml/2011/main" val="1"/>
+              <ma14:wrappingTextBoxFlag xmlns:ma14="http://schemas.microsoft.com/office/mac/drawingml/2011/main" xmlns:a14="http://schemas.microsoft.com/office/drawing/2010/main" xmlns:m="http://schemas.openxmlformats.org/officeDocument/2006/math" xmlns="" val="1"/>
             </a:ext>
           </a:extLst>
         </p:spPr>
@@ -6774,7 +6793,7 @@
           <a:effectLst/>
           <a:extLst>
             <a:ext uri="{C572A759-6A51-4108-AA02-DFA0A04FC94B}">
-              <ma14:wrappingTextBoxFlag xmlns="" xmlns:m="http://schemas.openxmlformats.org/officeDocument/2006/math" xmlns:a14="http://schemas.microsoft.com/office/drawing/2010/main" xmlns:ma14="http://schemas.microsoft.com/office/mac/drawingml/2011/main" val="1"/>
+              <ma14:wrappingTextBoxFlag xmlns:ma14="http://schemas.microsoft.com/office/mac/drawingml/2011/main" xmlns:a14="http://schemas.microsoft.com/office/drawing/2010/main" xmlns:m="http://schemas.openxmlformats.org/officeDocument/2006/math" xmlns="" val="1"/>
             </a:ext>
           </a:extLst>
         </p:spPr>
@@ -6920,7 +6939,7 @@
           </a:ln>
           <a:extLst>
             <a:ext uri="{C572A759-6A51-4108-AA02-DFA0A04FC94B}">
-              <ma14:wrappingTextBoxFlag xmlns="" xmlns:m="http://schemas.openxmlformats.org/officeDocument/2006/math" xmlns:a14="http://schemas.microsoft.com/office/drawing/2010/main" xmlns:ma14="http://schemas.microsoft.com/office/mac/drawingml/2011/main" val="1"/>
+              <ma14:wrappingTextBoxFlag xmlns:ma14="http://schemas.microsoft.com/office/mac/drawingml/2011/main" xmlns:a14="http://schemas.microsoft.com/office/drawing/2010/main" xmlns:m="http://schemas.openxmlformats.org/officeDocument/2006/math" xmlns="" val="1"/>
             </a:ext>
           </a:extLst>
         </p:spPr>
@@ -7030,7 +7049,7 @@
         </p:nvSpPr>
         <p:spPr>
           <a:xfrm>
-            <a:off x="235648" y="4619884"/>
+            <a:off x="256335" y="4456862"/>
             <a:ext cx="3151795" cy="643661"/>
           </a:xfrm>
           <a:prstGeom prst="rect">
@@ -7041,7 +7060,7 @@
           </a:ln>
           <a:extLst>
             <a:ext uri="{C572A759-6A51-4108-AA02-DFA0A04FC94B}">
-              <ma14:wrappingTextBoxFlag xmlns="" xmlns:m="http://schemas.openxmlformats.org/officeDocument/2006/math" xmlns:a14="http://schemas.microsoft.com/office/drawing/2010/main" xmlns:ma14="http://schemas.microsoft.com/office/mac/drawingml/2011/main" val="1"/>
+              <ma14:wrappingTextBoxFlag xmlns:ma14="http://schemas.microsoft.com/office/mac/drawingml/2011/main" xmlns:a14="http://schemas.microsoft.com/office/drawing/2010/main" xmlns:m="http://schemas.openxmlformats.org/officeDocument/2006/math" xmlns="" val="1"/>
             </a:ext>
           </a:extLst>
         </p:spPr>

--- a/img_readme/cheat_sheet_spINAR.pptx
+++ b/img_readme/cheat_sheet_spINAR.pptx
@@ -2124,7 +2124,7 @@
           </a:ln>
           <a:extLst>
             <a:ext uri="{C572A759-6A51-4108-AA02-DFA0A04FC94B}">
-              <ma14:wrappingTextBoxFlag xmlns:ma14="http://schemas.microsoft.com/office/mac/drawingml/2011/main" xmlns:a14="http://schemas.microsoft.com/office/drawing/2010/main" xmlns:m="http://schemas.openxmlformats.org/officeDocument/2006/math" xmlns="" val="1"/>
+              <ma14:wrappingTextBoxFlag xmlns="" xmlns:m="http://schemas.openxmlformats.org/officeDocument/2006/math" xmlns:a14="http://schemas.microsoft.com/office/drawing/2010/main" xmlns:ma14="http://schemas.microsoft.com/office/mac/drawingml/2011/main" val="1"/>
             </a:ext>
           </a:extLst>
         </p:spPr>
@@ -2163,7 +2163,7 @@
           </a:ln>
           <a:extLst>
             <a:ext uri="{C572A759-6A51-4108-AA02-DFA0A04FC94B}">
-              <ma14:wrappingTextBoxFlag xmlns:ma14="http://schemas.microsoft.com/office/mac/drawingml/2011/main" xmlns:a14="http://schemas.microsoft.com/office/drawing/2010/main" xmlns:m="http://schemas.openxmlformats.org/officeDocument/2006/math" xmlns="" val="1"/>
+              <ma14:wrappingTextBoxFlag xmlns="" xmlns:m="http://schemas.openxmlformats.org/officeDocument/2006/math" xmlns:a14="http://schemas.microsoft.com/office/drawing/2010/main" xmlns:ma14="http://schemas.microsoft.com/office/mac/drawingml/2011/main" val="1"/>
             </a:ext>
           </a:extLst>
         </p:spPr>
@@ -3256,7 +3256,7 @@
           </a:ln>
           <a:extLst>
             <a:ext uri="{C572A759-6A51-4108-AA02-DFA0A04FC94B}">
-              <ma14:wrappingTextBoxFlag xmlns:ma14="http://schemas.microsoft.com/office/mac/drawingml/2011/main" xmlns:a14="http://schemas.microsoft.com/office/drawing/2010/main" xmlns:m="http://schemas.openxmlformats.org/officeDocument/2006/math" xmlns="" val="1"/>
+              <ma14:wrappingTextBoxFlag xmlns="" xmlns:m="http://schemas.openxmlformats.org/officeDocument/2006/math" xmlns:a14="http://schemas.microsoft.com/office/drawing/2010/main" xmlns:ma14="http://schemas.microsoft.com/office/mac/drawingml/2011/main" val="1"/>
             </a:ext>
           </a:extLst>
         </p:spPr>
@@ -3306,7 +3306,7 @@
           </a:ln>
           <a:extLst>
             <a:ext uri="{C572A759-6A51-4108-AA02-DFA0A04FC94B}">
-              <ma14:wrappingTextBoxFlag xmlns:ma14="http://schemas.microsoft.com/office/mac/drawingml/2011/main" xmlns:a14="http://schemas.microsoft.com/office/drawing/2010/main" xmlns:m="http://schemas.openxmlformats.org/officeDocument/2006/math" xmlns="" val="1"/>
+              <ma14:wrappingTextBoxFlag xmlns="" xmlns:m="http://schemas.openxmlformats.org/officeDocument/2006/math" xmlns:a14="http://schemas.microsoft.com/office/drawing/2010/main" xmlns:ma14="http://schemas.microsoft.com/office/mac/drawingml/2011/main" val="1"/>
             </a:ext>
           </a:extLst>
         </p:spPr>
@@ -3352,7 +3352,7 @@
           </a:ln>
           <a:extLst>
             <a:ext uri="{C572A759-6A51-4108-AA02-DFA0A04FC94B}">
-              <ma14:wrappingTextBoxFlag xmlns:ma14="http://schemas.microsoft.com/office/mac/drawingml/2011/main" xmlns:a14="http://schemas.microsoft.com/office/drawing/2010/main" xmlns:m="http://schemas.openxmlformats.org/officeDocument/2006/math" xmlns="" val="1"/>
+              <ma14:wrappingTextBoxFlag xmlns="" xmlns:m="http://schemas.openxmlformats.org/officeDocument/2006/math" xmlns:a14="http://schemas.microsoft.com/office/drawing/2010/main" xmlns:ma14="http://schemas.microsoft.com/office/mac/drawingml/2011/main" val="1"/>
             </a:ext>
           </a:extLst>
         </p:spPr>
@@ -3722,7 +3722,7 @@
           </a:ln>
           <a:extLst>
             <a:ext uri="{C572A759-6A51-4108-AA02-DFA0A04FC94B}">
-              <ma14:wrappingTextBoxFlag xmlns:ma14="http://schemas.microsoft.com/office/mac/drawingml/2011/main" xmlns:a14="http://schemas.microsoft.com/office/drawing/2010/main" xmlns:m="http://schemas.openxmlformats.org/officeDocument/2006/math" xmlns="" val="1"/>
+              <ma14:wrappingTextBoxFlag xmlns="" xmlns:m="http://schemas.openxmlformats.org/officeDocument/2006/math" xmlns:a14="http://schemas.microsoft.com/office/drawing/2010/main" xmlns:ma14="http://schemas.microsoft.com/office/mac/drawingml/2011/main" val="1"/>
             </a:ext>
           </a:extLst>
         </p:spPr>
@@ -3804,7 +3804,7 @@
           </a:ln>
           <a:extLst>
             <a:ext uri="{C572A759-6A51-4108-AA02-DFA0A04FC94B}">
-              <ma14:wrappingTextBoxFlag xmlns:ma14="http://schemas.microsoft.com/office/mac/drawingml/2011/main" xmlns:a14="http://schemas.microsoft.com/office/drawing/2010/main" xmlns:m="http://schemas.openxmlformats.org/officeDocument/2006/math" xmlns="" val="1"/>
+              <ma14:wrappingTextBoxFlag xmlns="" xmlns:m="http://schemas.openxmlformats.org/officeDocument/2006/math" xmlns:a14="http://schemas.microsoft.com/office/drawing/2010/main" xmlns:ma14="http://schemas.microsoft.com/office/mac/drawingml/2011/main" val="1"/>
             </a:ext>
           </a:extLst>
         </p:spPr>
@@ -3854,7 +3854,7 @@
           </a:ln>
           <a:extLst>
             <a:ext uri="{C572A759-6A51-4108-AA02-DFA0A04FC94B}">
-              <ma14:wrappingTextBoxFlag xmlns:ma14="http://schemas.microsoft.com/office/mac/drawingml/2011/main" xmlns:a14="http://schemas.microsoft.com/office/drawing/2010/main" xmlns:m="http://schemas.openxmlformats.org/officeDocument/2006/math" xmlns="" val="1"/>
+              <ma14:wrappingTextBoxFlag xmlns="" xmlns:m="http://schemas.openxmlformats.org/officeDocument/2006/math" xmlns:a14="http://schemas.microsoft.com/office/drawing/2010/main" xmlns:ma14="http://schemas.microsoft.com/office/mac/drawingml/2011/main" val="1"/>
             </a:ext>
           </a:extLst>
         </p:spPr>
@@ -3921,7 +3921,7 @@
           </a:ln>
           <a:extLst>
             <a:ext uri="{C572A759-6A51-4108-AA02-DFA0A04FC94B}">
-              <ma14:wrappingTextBoxFlag xmlns:ma14="http://schemas.microsoft.com/office/mac/drawingml/2011/main" xmlns:a14="http://schemas.microsoft.com/office/drawing/2010/main" xmlns:m="http://schemas.openxmlformats.org/officeDocument/2006/math" xmlns="" val="1"/>
+              <ma14:wrappingTextBoxFlag xmlns="" xmlns:m="http://schemas.openxmlformats.org/officeDocument/2006/math" xmlns:a14="http://schemas.microsoft.com/office/drawing/2010/main" xmlns:ma14="http://schemas.microsoft.com/office/mac/drawingml/2011/main" val="1"/>
             </a:ext>
           </a:extLst>
         </p:spPr>
@@ -4034,7 +4034,7 @@
           <a:effectLst/>
           <a:extLst>
             <a:ext uri="{C572A759-6A51-4108-AA02-DFA0A04FC94B}">
-              <ma14:wrappingTextBoxFlag xmlns:ma14="http://schemas.microsoft.com/office/mac/drawingml/2011/main" xmlns:a14="http://schemas.microsoft.com/office/drawing/2010/main" xmlns:m="http://schemas.openxmlformats.org/officeDocument/2006/math" xmlns="" val="1"/>
+              <ma14:wrappingTextBoxFlag xmlns="" xmlns:m="http://schemas.openxmlformats.org/officeDocument/2006/math" xmlns:a14="http://schemas.microsoft.com/office/drawing/2010/main" xmlns:ma14="http://schemas.microsoft.com/office/mac/drawingml/2011/main" val="1"/>
             </a:ext>
           </a:extLst>
         </p:spPr>
@@ -4144,7 +4144,7 @@
           </a:ln>
           <a:extLst>
             <a:ext uri="{C572A759-6A51-4108-AA02-DFA0A04FC94B}">
-              <ma14:wrappingTextBoxFlag xmlns:ma14="http://schemas.microsoft.com/office/mac/drawingml/2011/main" xmlns:a14="http://schemas.microsoft.com/office/drawing/2010/main" xmlns:m="http://schemas.openxmlformats.org/officeDocument/2006/math" xmlns="" val="1"/>
+              <ma14:wrappingTextBoxFlag xmlns="" xmlns:m="http://schemas.openxmlformats.org/officeDocument/2006/math" xmlns:a14="http://schemas.microsoft.com/office/drawing/2010/main" xmlns:ma14="http://schemas.microsoft.com/office/mac/drawingml/2011/main" val="1"/>
             </a:ext>
           </a:extLst>
         </p:spPr>
@@ -4200,7 +4200,7 @@
           </a:ln>
           <a:extLst>
             <a:ext uri="{C572A759-6A51-4108-AA02-DFA0A04FC94B}">
-              <ma14:wrappingTextBoxFlag xmlns:ma14="http://schemas.microsoft.com/office/mac/drawingml/2011/main" xmlns:a14="http://schemas.microsoft.com/office/drawing/2010/main" xmlns:m="http://schemas.openxmlformats.org/officeDocument/2006/math" xmlns="" val="1"/>
+              <ma14:wrappingTextBoxFlag xmlns="" xmlns:m="http://schemas.openxmlformats.org/officeDocument/2006/math" xmlns:a14="http://schemas.microsoft.com/office/drawing/2010/main" xmlns:ma14="http://schemas.microsoft.com/office/mac/drawingml/2011/main" val="1"/>
             </a:ext>
           </a:extLst>
         </p:spPr>
@@ -4256,7 +4256,7 @@
           </a:ln>
           <a:extLst>
             <a:ext uri="{C572A759-6A51-4108-AA02-DFA0A04FC94B}">
-              <ma14:wrappingTextBoxFlag xmlns:ma14="http://schemas.microsoft.com/office/mac/drawingml/2011/main" xmlns:a14="http://schemas.microsoft.com/office/drawing/2010/main" xmlns:m="http://schemas.openxmlformats.org/officeDocument/2006/math" xmlns="" val="1"/>
+              <ma14:wrappingTextBoxFlag xmlns="" xmlns:m="http://schemas.openxmlformats.org/officeDocument/2006/math" xmlns:a14="http://schemas.microsoft.com/office/drawing/2010/main" xmlns:ma14="http://schemas.microsoft.com/office/mac/drawingml/2011/main" val="1"/>
             </a:ext>
           </a:extLst>
         </p:spPr>
@@ -4343,7 +4343,7 @@
           <a:effectLst/>
           <a:extLst>
             <a:ext uri="{C572A759-6A51-4108-AA02-DFA0A04FC94B}">
-              <ma14:wrappingTextBoxFlag xmlns:ma14="http://schemas.microsoft.com/office/mac/drawingml/2011/main" xmlns:a14="http://schemas.microsoft.com/office/drawing/2010/main" xmlns:m="http://schemas.openxmlformats.org/officeDocument/2006/math" xmlns="" val="1"/>
+              <ma14:wrappingTextBoxFlag xmlns="" xmlns:m="http://schemas.openxmlformats.org/officeDocument/2006/math" xmlns:a14="http://schemas.microsoft.com/office/drawing/2010/main" xmlns:ma14="http://schemas.microsoft.com/office/mac/drawingml/2011/main" val="1"/>
             </a:ext>
           </a:extLst>
         </p:spPr>
@@ -4626,7 +4626,7 @@
           <a:effectLst/>
           <a:extLst>
             <a:ext uri="{C572A759-6A51-4108-AA02-DFA0A04FC94B}">
-              <ma14:wrappingTextBoxFlag xmlns:ma14="http://schemas.microsoft.com/office/mac/drawingml/2011/main" xmlns:a14="http://schemas.microsoft.com/office/drawing/2010/main" xmlns:m="http://schemas.openxmlformats.org/officeDocument/2006/math" xmlns="" val="1"/>
+              <ma14:wrappingTextBoxFlag xmlns="" xmlns:m="http://schemas.openxmlformats.org/officeDocument/2006/math" xmlns:a14="http://schemas.microsoft.com/office/drawing/2010/main" xmlns:ma14="http://schemas.microsoft.com/office/mac/drawingml/2011/main" val="1"/>
             </a:ext>
           </a:extLst>
         </p:spPr>
@@ -4720,7 +4720,7 @@
           <a:effectLst/>
           <a:extLst>
             <a:ext uri="{C572A759-6A51-4108-AA02-DFA0A04FC94B}">
-              <ma14:wrappingTextBoxFlag xmlns:ma14="http://schemas.microsoft.com/office/mac/drawingml/2011/main" xmlns:a14="http://schemas.microsoft.com/office/drawing/2010/main" xmlns:m="http://schemas.openxmlformats.org/officeDocument/2006/math" xmlns="" val="1"/>
+              <ma14:wrappingTextBoxFlag xmlns="" xmlns:m="http://schemas.openxmlformats.org/officeDocument/2006/math" xmlns:a14="http://schemas.microsoft.com/office/drawing/2010/main" xmlns:ma14="http://schemas.microsoft.com/office/mac/drawingml/2011/main" val="1"/>
             </a:ext>
           </a:extLst>
         </p:spPr>
@@ -4839,7 +4839,7 @@
           </a:ln>
           <a:extLst>
             <a:ext uri="{C572A759-6A51-4108-AA02-DFA0A04FC94B}">
-              <ma14:wrappingTextBoxFlag xmlns:ma14="http://schemas.microsoft.com/office/mac/drawingml/2011/main" xmlns:a14="http://schemas.microsoft.com/office/drawing/2010/main" xmlns:m="http://schemas.openxmlformats.org/officeDocument/2006/math" xmlns="" val="1"/>
+              <ma14:wrappingTextBoxFlag xmlns="" xmlns:m="http://schemas.openxmlformats.org/officeDocument/2006/math" xmlns:a14="http://schemas.microsoft.com/office/drawing/2010/main" xmlns:ma14="http://schemas.microsoft.com/office/mac/drawingml/2011/main" val="1"/>
             </a:ext>
           </a:extLst>
         </p:spPr>
@@ -4909,7 +4909,7 @@
           </a:ln>
           <a:extLst>
             <a:ext uri="{C572A759-6A51-4108-AA02-DFA0A04FC94B}">
-              <ma14:wrappingTextBoxFlag xmlns:ma14="http://schemas.microsoft.com/office/mac/drawingml/2011/main" xmlns:a14="http://schemas.microsoft.com/office/drawing/2010/main" xmlns:m="http://schemas.openxmlformats.org/officeDocument/2006/math" xmlns="" val="1"/>
+              <ma14:wrappingTextBoxFlag xmlns="" xmlns:m="http://schemas.openxmlformats.org/officeDocument/2006/math" xmlns:a14="http://schemas.microsoft.com/office/drawing/2010/main" xmlns:ma14="http://schemas.microsoft.com/office/mac/drawingml/2011/main" val="1"/>
             </a:ext>
           </a:extLst>
         </p:spPr>
@@ -5062,7 +5062,7 @@
           </a:ln>
           <a:extLst>
             <a:ext uri="{C572A759-6A51-4108-AA02-DFA0A04FC94B}">
-              <ma14:wrappingTextBoxFlag xmlns:ma14="http://schemas.microsoft.com/office/mac/drawingml/2011/main" xmlns:a14="http://schemas.microsoft.com/office/drawing/2010/main" xmlns:m="http://schemas.openxmlformats.org/officeDocument/2006/math" xmlns="" val="1"/>
+              <ma14:wrappingTextBoxFlag xmlns="" xmlns:m="http://schemas.openxmlformats.org/officeDocument/2006/math" xmlns:a14="http://schemas.microsoft.com/office/drawing/2010/main" xmlns:ma14="http://schemas.microsoft.com/office/mac/drawingml/2011/main" val="1"/>
             </a:ext>
           </a:extLst>
         </p:spPr>
@@ -5127,7 +5127,7 @@
           </a:ln>
           <a:extLst>
             <a:ext uri="{C572A759-6A51-4108-AA02-DFA0A04FC94B}">
-              <ma14:wrappingTextBoxFlag xmlns:ma14="http://schemas.microsoft.com/office/mac/drawingml/2011/main" xmlns:a14="http://schemas.microsoft.com/office/drawing/2010/main" xmlns:m="http://schemas.openxmlformats.org/officeDocument/2006/math" xmlns="" val="1"/>
+              <ma14:wrappingTextBoxFlag xmlns="" xmlns:m="http://schemas.openxmlformats.org/officeDocument/2006/math" xmlns:a14="http://schemas.microsoft.com/office/drawing/2010/main" xmlns:ma14="http://schemas.microsoft.com/office/mac/drawingml/2011/main" val="1"/>
             </a:ext>
           </a:extLst>
         </p:spPr>
@@ -5540,13 +5540,7 @@
               <a:rPr lang="es-ES" sz="1100" dirty="0" smtClean="0">
                 <a:latin typeface="Menlo"/>
               </a:rPr>
-              <a:t>: level of confidence </a:t>
-            </a:r>
-            <a:r>
-              <a:rPr lang="es-ES" sz="1100" dirty="0" smtClean="0">
-                <a:latin typeface="Menlo"/>
-              </a:rPr>
-              <a:t>intervals</a:t>
+              <a:t>: level of confidence intervals</a:t>
             </a:r>
           </a:p>
           <a:p>
@@ -5584,9 +5578,6 @@
               </a:rPr>
               <a:t>: true or false whether progress bar is wanted</a:t>
             </a:r>
-            <a:endParaRPr lang="es-ES" sz="1100" dirty="0" smtClean="0">
-              <a:latin typeface="Menlo"/>
-            </a:endParaRPr>
           </a:p>
           <a:p>
             <a:pPr marL="171450" indent="-171450">
@@ -5852,7 +5843,7 @@
           <a:effectLst/>
           <a:extLst>
             <a:ext uri="{C572A759-6A51-4108-AA02-DFA0A04FC94B}">
-              <ma14:wrappingTextBoxFlag xmlns:ma14="http://schemas.microsoft.com/office/mac/drawingml/2011/main" xmlns:a14="http://schemas.microsoft.com/office/drawing/2010/main" xmlns:m="http://schemas.openxmlformats.org/officeDocument/2006/math" xmlns="" val="1"/>
+              <ma14:wrappingTextBoxFlag xmlns="" xmlns:m="http://schemas.openxmlformats.org/officeDocument/2006/math" xmlns:a14="http://schemas.microsoft.com/office/drawing/2010/main" xmlns:ma14="http://schemas.microsoft.com/office/mac/drawingml/2011/main" val="1"/>
             </a:ext>
           </a:extLst>
         </p:spPr>
@@ -5911,7 +5902,7 @@
           <a:effectLst/>
           <a:extLst>
             <a:ext uri="{C572A759-6A51-4108-AA02-DFA0A04FC94B}">
-              <ma14:wrappingTextBoxFlag xmlns:ma14="http://schemas.microsoft.com/office/mac/drawingml/2011/main" xmlns:a14="http://schemas.microsoft.com/office/drawing/2010/main" xmlns:m="http://schemas.openxmlformats.org/officeDocument/2006/math" xmlns="" val="1"/>
+              <ma14:wrappingTextBoxFlag xmlns="" xmlns:m="http://schemas.openxmlformats.org/officeDocument/2006/math" xmlns:a14="http://schemas.microsoft.com/office/drawing/2010/main" xmlns:ma14="http://schemas.microsoft.com/office/mac/drawingml/2011/main" val="1"/>
             </a:ext>
           </a:extLst>
         </p:spPr>
@@ -5967,7 +5958,7 @@
           </a:ln>
           <a:extLst>
             <a:ext uri="{C572A759-6A51-4108-AA02-DFA0A04FC94B}">
-              <ma14:wrappingTextBoxFlag xmlns:ma14="http://schemas.microsoft.com/office/mac/drawingml/2011/main" xmlns:a14="http://schemas.microsoft.com/office/drawing/2010/main" xmlns:m="http://schemas.openxmlformats.org/officeDocument/2006/math" xmlns="" val="1"/>
+              <ma14:wrappingTextBoxFlag xmlns="" xmlns:m="http://schemas.openxmlformats.org/officeDocument/2006/math" xmlns:a14="http://schemas.microsoft.com/office/drawing/2010/main" xmlns:ma14="http://schemas.microsoft.com/office/mac/drawingml/2011/main" val="1"/>
             </a:ext>
           </a:extLst>
         </p:spPr>
@@ -6038,7 +6029,7 @@
           <a:effectLst/>
           <a:extLst>
             <a:ext uri="{C572A759-6A51-4108-AA02-DFA0A04FC94B}">
-              <ma14:wrappingTextBoxFlag xmlns:ma14="http://schemas.microsoft.com/office/mac/drawingml/2011/main" xmlns:a14="http://schemas.microsoft.com/office/drawing/2010/main" xmlns:m="http://schemas.openxmlformats.org/officeDocument/2006/math" xmlns="" val="1"/>
+              <ma14:wrappingTextBoxFlag xmlns="" xmlns:m="http://schemas.openxmlformats.org/officeDocument/2006/math" xmlns:a14="http://schemas.microsoft.com/office/drawing/2010/main" xmlns:ma14="http://schemas.microsoft.com/office/mac/drawingml/2011/main" val="1"/>
             </a:ext>
           </a:extLst>
         </p:spPr>
@@ -6149,7 +6140,7 @@
           <a:effectLst/>
           <a:extLst>
             <a:ext uri="{C572A759-6A51-4108-AA02-DFA0A04FC94B}">
-              <ma14:wrappingTextBoxFlag xmlns:ma14="http://schemas.microsoft.com/office/mac/drawingml/2011/main" xmlns:a14="http://schemas.microsoft.com/office/drawing/2010/main" xmlns:m="http://schemas.openxmlformats.org/officeDocument/2006/math" xmlns="" val="1"/>
+              <ma14:wrappingTextBoxFlag xmlns="" xmlns:m="http://schemas.openxmlformats.org/officeDocument/2006/math" xmlns:a14="http://schemas.microsoft.com/office/drawing/2010/main" xmlns:ma14="http://schemas.microsoft.com/office/mac/drawingml/2011/main" val="1"/>
             </a:ext>
           </a:extLst>
         </p:spPr>
@@ -6307,7 +6298,7 @@
           </a:ln>
           <a:extLst>
             <a:ext uri="{C572A759-6A51-4108-AA02-DFA0A04FC94B}">
-              <ma14:wrappingTextBoxFlag xmlns:ma14="http://schemas.microsoft.com/office/mac/drawingml/2011/main" xmlns:a14="http://schemas.microsoft.com/office/drawing/2010/main" xmlns:m="http://schemas.openxmlformats.org/officeDocument/2006/math" xmlns="" val="1"/>
+              <ma14:wrappingTextBoxFlag xmlns="" xmlns:m="http://schemas.openxmlformats.org/officeDocument/2006/math" xmlns:a14="http://schemas.microsoft.com/office/drawing/2010/main" xmlns:ma14="http://schemas.microsoft.com/office/mac/drawingml/2011/main" val="1"/>
             </a:ext>
           </a:extLst>
         </p:spPr>
@@ -6380,12 +6371,20 @@
               </a:defRPr>
             </a:pPr>
             <a:r>
-              <a:rPr lang="es-ES" dirty="0" smtClean="0">
+              <a:rPr lang="es-ES" smtClean="0">
                 <a:solidFill>
                   <a:schemeClr val="tx1"/>
                 </a:solidFill>
               </a:rPr>
-              <a:t>                   level)</a:t>
+              <a:t>                   </a:t>
+            </a:r>
+            <a:r>
+              <a:rPr lang="es-ES" smtClean="0">
+                <a:solidFill>
+                  <a:schemeClr val="tx1"/>
+                </a:solidFill>
+              </a:rPr>
+              <a:t>level, progress)</a:t>
             </a:r>
             <a:endParaRPr lang="es-ES" dirty="0">
               <a:solidFill>
@@ -6423,7 +6422,7 @@
           <a:effectLst/>
           <a:extLst>
             <a:ext uri="{C572A759-6A51-4108-AA02-DFA0A04FC94B}">
-              <ma14:wrappingTextBoxFlag xmlns:ma14="http://schemas.microsoft.com/office/mac/drawingml/2011/main" xmlns:a14="http://schemas.microsoft.com/office/drawing/2010/main" xmlns:m="http://schemas.openxmlformats.org/officeDocument/2006/math" xmlns="" val="1"/>
+              <ma14:wrappingTextBoxFlag xmlns="" xmlns:m="http://schemas.openxmlformats.org/officeDocument/2006/math" xmlns:a14="http://schemas.microsoft.com/office/drawing/2010/main" xmlns:ma14="http://schemas.microsoft.com/office/mac/drawingml/2011/main" val="1"/>
             </a:ext>
           </a:extLst>
         </p:spPr>
@@ -6544,7 +6543,7 @@
           <a:effectLst/>
           <a:extLst>
             <a:ext uri="{C572A759-6A51-4108-AA02-DFA0A04FC94B}">
-              <ma14:wrappingTextBoxFlag xmlns:ma14="http://schemas.microsoft.com/office/mac/drawingml/2011/main" xmlns:a14="http://schemas.microsoft.com/office/drawing/2010/main" xmlns:m="http://schemas.openxmlformats.org/officeDocument/2006/math" xmlns="" val="1"/>
+              <ma14:wrappingTextBoxFlag xmlns="" xmlns:m="http://schemas.openxmlformats.org/officeDocument/2006/math" xmlns:a14="http://schemas.microsoft.com/office/drawing/2010/main" xmlns:ma14="http://schemas.microsoft.com/office/mac/drawingml/2011/main" val="1"/>
             </a:ext>
           </a:extLst>
         </p:spPr>
@@ -6611,7 +6610,7 @@
           <a:effectLst/>
           <a:extLst>
             <a:ext uri="{C572A759-6A51-4108-AA02-DFA0A04FC94B}">
-              <ma14:wrappingTextBoxFlag xmlns:ma14="http://schemas.microsoft.com/office/mac/drawingml/2011/main" xmlns:a14="http://schemas.microsoft.com/office/drawing/2010/main" xmlns:m="http://schemas.openxmlformats.org/officeDocument/2006/math" xmlns="" val="1"/>
+              <ma14:wrappingTextBoxFlag xmlns="" xmlns:m="http://schemas.openxmlformats.org/officeDocument/2006/math" xmlns:a14="http://schemas.microsoft.com/office/drawing/2010/main" xmlns:ma14="http://schemas.microsoft.com/office/mac/drawingml/2011/main" val="1"/>
             </a:ext>
           </a:extLst>
         </p:spPr>
@@ -6730,7 +6729,7 @@
           </a:ln>
           <a:extLst>
             <a:ext uri="{C572A759-6A51-4108-AA02-DFA0A04FC94B}">
-              <ma14:wrappingTextBoxFlag xmlns:ma14="http://schemas.microsoft.com/office/mac/drawingml/2011/main" xmlns:a14="http://schemas.microsoft.com/office/drawing/2010/main" xmlns:m="http://schemas.openxmlformats.org/officeDocument/2006/math" xmlns="" val="1"/>
+              <ma14:wrappingTextBoxFlag xmlns="" xmlns:m="http://schemas.openxmlformats.org/officeDocument/2006/math" xmlns:a14="http://schemas.microsoft.com/office/drawing/2010/main" xmlns:ma14="http://schemas.microsoft.com/office/mac/drawingml/2011/main" val="1"/>
             </a:ext>
           </a:extLst>
         </p:spPr>
@@ -6793,7 +6792,7 @@
           <a:effectLst/>
           <a:extLst>
             <a:ext uri="{C572A759-6A51-4108-AA02-DFA0A04FC94B}">
-              <ma14:wrappingTextBoxFlag xmlns:ma14="http://schemas.microsoft.com/office/mac/drawingml/2011/main" xmlns:a14="http://schemas.microsoft.com/office/drawing/2010/main" xmlns:m="http://schemas.openxmlformats.org/officeDocument/2006/math" xmlns="" val="1"/>
+              <ma14:wrappingTextBoxFlag xmlns="" xmlns:m="http://schemas.openxmlformats.org/officeDocument/2006/math" xmlns:a14="http://schemas.microsoft.com/office/drawing/2010/main" xmlns:ma14="http://schemas.microsoft.com/office/mac/drawingml/2011/main" val="1"/>
             </a:ext>
           </a:extLst>
         </p:spPr>
@@ -6939,7 +6938,7 @@
           </a:ln>
           <a:extLst>
             <a:ext uri="{C572A759-6A51-4108-AA02-DFA0A04FC94B}">
-              <ma14:wrappingTextBoxFlag xmlns:ma14="http://schemas.microsoft.com/office/mac/drawingml/2011/main" xmlns:a14="http://schemas.microsoft.com/office/drawing/2010/main" xmlns:m="http://schemas.openxmlformats.org/officeDocument/2006/math" xmlns="" val="1"/>
+              <ma14:wrappingTextBoxFlag xmlns="" xmlns:m="http://schemas.openxmlformats.org/officeDocument/2006/math" xmlns:a14="http://schemas.microsoft.com/office/drawing/2010/main" xmlns:ma14="http://schemas.microsoft.com/office/mac/drawingml/2011/main" val="1"/>
             </a:ext>
           </a:extLst>
         </p:spPr>
@@ -7060,7 +7059,7 @@
           </a:ln>
           <a:extLst>
             <a:ext uri="{C572A759-6A51-4108-AA02-DFA0A04FC94B}">
-              <ma14:wrappingTextBoxFlag xmlns:ma14="http://schemas.microsoft.com/office/mac/drawingml/2011/main" xmlns:a14="http://schemas.microsoft.com/office/drawing/2010/main" xmlns:m="http://schemas.openxmlformats.org/officeDocument/2006/math" xmlns="" val="1"/>
+              <ma14:wrappingTextBoxFlag xmlns="" xmlns:m="http://schemas.openxmlformats.org/officeDocument/2006/math" xmlns:a14="http://schemas.microsoft.com/office/drawing/2010/main" xmlns:ma14="http://schemas.microsoft.com/office/mac/drawingml/2011/main" val="1"/>
             </a:ext>
           </a:extLst>
         </p:spPr>

--- a/img_readme/cheat_sheet_spINAR.pptx
+++ b/img_readme/cheat_sheet_spINAR.pptx
@@ -2124,7 +2124,7 @@
           </a:ln>
           <a:extLst>
             <a:ext uri="{C572A759-6A51-4108-AA02-DFA0A04FC94B}">
-              <ma14:wrappingTextBoxFlag xmlns="" xmlns:m="http://schemas.openxmlformats.org/officeDocument/2006/math" xmlns:a14="http://schemas.microsoft.com/office/drawing/2010/main" xmlns:ma14="http://schemas.microsoft.com/office/mac/drawingml/2011/main" val="1"/>
+              <ma14:wrappingTextBoxFlag xmlns:ma14="http://schemas.microsoft.com/office/mac/drawingml/2011/main" xmlns:a14="http://schemas.microsoft.com/office/drawing/2010/main" xmlns:m="http://schemas.openxmlformats.org/officeDocument/2006/math" xmlns="" val="1"/>
             </a:ext>
           </a:extLst>
         </p:spPr>
@@ -2163,7 +2163,7 @@
           </a:ln>
           <a:extLst>
             <a:ext uri="{C572A759-6A51-4108-AA02-DFA0A04FC94B}">
-              <ma14:wrappingTextBoxFlag xmlns="" xmlns:m="http://schemas.openxmlformats.org/officeDocument/2006/math" xmlns:a14="http://schemas.microsoft.com/office/drawing/2010/main" xmlns:ma14="http://schemas.microsoft.com/office/mac/drawingml/2011/main" val="1"/>
+              <ma14:wrappingTextBoxFlag xmlns:ma14="http://schemas.microsoft.com/office/mac/drawingml/2011/main" xmlns:a14="http://schemas.microsoft.com/office/drawing/2010/main" xmlns:m="http://schemas.openxmlformats.org/officeDocument/2006/math" xmlns="" val="1"/>
             </a:ext>
           </a:extLst>
         </p:spPr>
@@ -3256,7 +3256,7 @@
           </a:ln>
           <a:extLst>
             <a:ext uri="{C572A759-6A51-4108-AA02-DFA0A04FC94B}">
-              <ma14:wrappingTextBoxFlag xmlns="" xmlns:m="http://schemas.openxmlformats.org/officeDocument/2006/math" xmlns:a14="http://schemas.microsoft.com/office/drawing/2010/main" xmlns:ma14="http://schemas.microsoft.com/office/mac/drawingml/2011/main" val="1"/>
+              <ma14:wrappingTextBoxFlag xmlns:ma14="http://schemas.microsoft.com/office/mac/drawingml/2011/main" xmlns:a14="http://schemas.microsoft.com/office/drawing/2010/main" xmlns:m="http://schemas.openxmlformats.org/officeDocument/2006/math" xmlns="" val="1"/>
             </a:ext>
           </a:extLst>
         </p:spPr>
@@ -3306,7 +3306,7 @@
           </a:ln>
           <a:extLst>
             <a:ext uri="{C572A759-6A51-4108-AA02-DFA0A04FC94B}">
-              <ma14:wrappingTextBoxFlag xmlns="" xmlns:m="http://schemas.openxmlformats.org/officeDocument/2006/math" xmlns:a14="http://schemas.microsoft.com/office/drawing/2010/main" xmlns:ma14="http://schemas.microsoft.com/office/mac/drawingml/2011/main" val="1"/>
+              <ma14:wrappingTextBoxFlag xmlns:ma14="http://schemas.microsoft.com/office/mac/drawingml/2011/main" xmlns:a14="http://schemas.microsoft.com/office/drawing/2010/main" xmlns:m="http://schemas.openxmlformats.org/officeDocument/2006/math" xmlns="" val="1"/>
             </a:ext>
           </a:extLst>
         </p:spPr>
@@ -3352,7 +3352,7 @@
           </a:ln>
           <a:extLst>
             <a:ext uri="{C572A759-6A51-4108-AA02-DFA0A04FC94B}">
-              <ma14:wrappingTextBoxFlag xmlns="" xmlns:m="http://schemas.openxmlformats.org/officeDocument/2006/math" xmlns:a14="http://schemas.microsoft.com/office/drawing/2010/main" xmlns:ma14="http://schemas.microsoft.com/office/mac/drawingml/2011/main" val="1"/>
+              <ma14:wrappingTextBoxFlag xmlns:ma14="http://schemas.microsoft.com/office/mac/drawingml/2011/main" xmlns:a14="http://schemas.microsoft.com/office/drawing/2010/main" xmlns:m="http://schemas.openxmlformats.org/officeDocument/2006/math" xmlns="" val="1"/>
             </a:ext>
           </a:extLst>
         </p:spPr>
@@ -3722,7 +3722,7 @@
           </a:ln>
           <a:extLst>
             <a:ext uri="{C572A759-6A51-4108-AA02-DFA0A04FC94B}">
-              <ma14:wrappingTextBoxFlag xmlns="" xmlns:m="http://schemas.openxmlformats.org/officeDocument/2006/math" xmlns:a14="http://schemas.microsoft.com/office/drawing/2010/main" xmlns:ma14="http://schemas.microsoft.com/office/mac/drawingml/2011/main" val="1"/>
+              <ma14:wrappingTextBoxFlag xmlns:ma14="http://schemas.microsoft.com/office/mac/drawingml/2011/main" xmlns:a14="http://schemas.microsoft.com/office/drawing/2010/main" xmlns:m="http://schemas.openxmlformats.org/officeDocument/2006/math" xmlns="" val="1"/>
             </a:ext>
           </a:extLst>
         </p:spPr>
@@ -3804,7 +3804,7 @@
           </a:ln>
           <a:extLst>
             <a:ext uri="{C572A759-6A51-4108-AA02-DFA0A04FC94B}">
-              <ma14:wrappingTextBoxFlag xmlns="" xmlns:m="http://schemas.openxmlformats.org/officeDocument/2006/math" xmlns:a14="http://schemas.microsoft.com/office/drawing/2010/main" xmlns:ma14="http://schemas.microsoft.com/office/mac/drawingml/2011/main" val="1"/>
+              <ma14:wrappingTextBoxFlag xmlns:ma14="http://schemas.microsoft.com/office/mac/drawingml/2011/main" xmlns:a14="http://schemas.microsoft.com/office/drawing/2010/main" xmlns:m="http://schemas.openxmlformats.org/officeDocument/2006/math" xmlns="" val="1"/>
             </a:ext>
           </a:extLst>
         </p:spPr>
@@ -3854,7 +3854,7 @@
           </a:ln>
           <a:extLst>
             <a:ext uri="{C572A759-6A51-4108-AA02-DFA0A04FC94B}">
-              <ma14:wrappingTextBoxFlag xmlns="" xmlns:m="http://schemas.openxmlformats.org/officeDocument/2006/math" xmlns:a14="http://schemas.microsoft.com/office/drawing/2010/main" xmlns:ma14="http://schemas.microsoft.com/office/mac/drawingml/2011/main" val="1"/>
+              <ma14:wrappingTextBoxFlag xmlns:ma14="http://schemas.microsoft.com/office/mac/drawingml/2011/main" xmlns:a14="http://schemas.microsoft.com/office/drawing/2010/main" xmlns:m="http://schemas.openxmlformats.org/officeDocument/2006/math" xmlns="" val="1"/>
             </a:ext>
           </a:extLst>
         </p:spPr>
@@ -3921,7 +3921,7 @@
           </a:ln>
           <a:extLst>
             <a:ext uri="{C572A759-6A51-4108-AA02-DFA0A04FC94B}">
-              <ma14:wrappingTextBoxFlag xmlns="" xmlns:m="http://schemas.openxmlformats.org/officeDocument/2006/math" xmlns:a14="http://schemas.microsoft.com/office/drawing/2010/main" xmlns:ma14="http://schemas.microsoft.com/office/mac/drawingml/2011/main" val="1"/>
+              <ma14:wrappingTextBoxFlag xmlns:ma14="http://schemas.microsoft.com/office/mac/drawingml/2011/main" xmlns:a14="http://schemas.microsoft.com/office/drawing/2010/main" xmlns:m="http://schemas.openxmlformats.org/officeDocument/2006/math" xmlns="" val="1"/>
             </a:ext>
           </a:extLst>
         </p:spPr>
@@ -4034,7 +4034,7 @@
           <a:effectLst/>
           <a:extLst>
             <a:ext uri="{C572A759-6A51-4108-AA02-DFA0A04FC94B}">
-              <ma14:wrappingTextBoxFlag xmlns="" xmlns:m="http://schemas.openxmlformats.org/officeDocument/2006/math" xmlns:a14="http://schemas.microsoft.com/office/drawing/2010/main" xmlns:ma14="http://schemas.microsoft.com/office/mac/drawingml/2011/main" val="1"/>
+              <ma14:wrappingTextBoxFlag xmlns:ma14="http://schemas.microsoft.com/office/mac/drawingml/2011/main" xmlns:a14="http://schemas.microsoft.com/office/drawing/2010/main" xmlns:m="http://schemas.openxmlformats.org/officeDocument/2006/math" xmlns="" val="1"/>
             </a:ext>
           </a:extLst>
         </p:spPr>
@@ -4144,7 +4144,7 @@
           </a:ln>
           <a:extLst>
             <a:ext uri="{C572A759-6A51-4108-AA02-DFA0A04FC94B}">
-              <ma14:wrappingTextBoxFlag xmlns="" xmlns:m="http://schemas.openxmlformats.org/officeDocument/2006/math" xmlns:a14="http://schemas.microsoft.com/office/drawing/2010/main" xmlns:ma14="http://schemas.microsoft.com/office/mac/drawingml/2011/main" val="1"/>
+              <ma14:wrappingTextBoxFlag xmlns:ma14="http://schemas.microsoft.com/office/mac/drawingml/2011/main" xmlns:a14="http://schemas.microsoft.com/office/drawing/2010/main" xmlns:m="http://schemas.openxmlformats.org/officeDocument/2006/math" xmlns="" val="1"/>
             </a:ext>
           </a:extLst>
         </p:spPr>
@@ -4200,7 +4200,7 @@
           </a:ln>
           <a:extLst>
             <a:ext uri="{C572A759-6A51-4108-AA02-DFA0A04FC94B}">
-              <ma14:wrappingTextBoxFlag xmlns="" xmlns:m="http://schemas.openxmlformats.org/officeDocument/2006/math" xmlns:a14="http://schemas.microsoft.com/office/drawing/2010/main" xmlns:ma14="http://schemas.microsoft.com/office/mac/drawingml/2011/main" val="1"/>
+              <ma14:wrappingTextBoxFlag xmlns:ma14="http://schemas.microsoft.com/office/mac/drawingml/2011/main" xmlns:a14="http://schemas.microsoft.com/office/drawing/2010/main" xmlns:m="http://schemas.openxmlformats.org/officeDocument/2006/math" xmlns="" val="1"/>
             </a:ext>
           </a:extLst>
         </p:spPr>
@@ -4256,7 +4256,7 @@
           </a:ln>
           <a:extLst>
             <a:ext uri="{C572A759-6A51-4108-AA02-DFA0A04FC94B}">
-              <ma14:wrappingTextBoxFlag xmlns="" xmlns:m="http://schemas.openxmlformats.org/officeDocument/2006/math" xmlns:a14="http://schemas.microsoft.com/office/drawing/2010/main" xmlns:ma14="http://schemas.microsoft.com/office/mac/drawingml/2011/main" val="1"/>
+              <ma14:wrappingTextBoxFlag xmlns:ma14="http://schemas.microsoft.com/office/mac/drawingml/2011/main" xmlns:a14="http://schemas.microsoft.com/office/drawing/2010/main" xmlns:m="http://schemas.openxmlformats.org/officeDocument/2006/math" xmlns="" val="1"/>
             </a:ext>
           </a:extLst>
         </p:spPr>
@@ -4343,7 +4343,7 @@
           <a:effectLst/>
           <a:extLst>
             <a:ext uri="{C572A759-6A51-4108-AA02-DFA0A04FC94B}">
-              <ma14:wrappingTextBoxFlag xmlns="" xmlns:m="http://schemas.openxmlformats.org/officeDocument/2006/math" xmlns:a14="http://schemas.microsoft.com/office/drawing/2010/main" xmlns:ma14="http://schemas.microsoft.com/office/mac/drawingml/2011/main" val="1"/>
+              <ma14:wrappingTextBoxFlag xmlns:ma14="http://schemas.microsoft.com/office/mac/drawingml/2011/main" xmlns:a14="http://schemas.microsoft.com/office/drawing/2010/main" xmlns:m="http://schemas.openxmlformats.org/officeDocument/2006/math" xmlns="" val="1"/>
             </a:ext>
           </a:extLst>
         </p:spPr>
@@ -4626,7 +4626,7 @@
           <a:effectLst/>
           <a:extLst>
             <a:ext uri="{C572A759-6A51-4108-AA02-DFA0A04FC94B}">
-              <ma14:wrappingTextBoxFlag xmlns="" xmlns:m="http://schemas.openxmlformats.org/officeDocument/2006/math" xmlns:a14="http://schemas.microsoft.com/office/drawing/2010/main" xmlns:ma14="http://schemas.microsoft.com/office/mac/drawingml/2011/main" val="1"/>
+              <ma14:wrappingTextBoxFlag xmlns:ma14="http://schemas.microsoft.com/office/mac/drawingml/2011/main" xmlns:a14="http://schemas.microsoft.com/office/drawing/2010/main" xmlns:m="http://schemas.openxmlformats.org/officeDocument/2006/math" xmlns="" val="1"/>
             </a:ext>
           </a:extLst>
         </p:spPr>
@@ -4720,7 +4720,7 @@
           <a:effectLst/>
           <a:extLst>
             <a:ext uri="{C572A759-6A51-4108-AA02-DFA0A04FC94B}">
-              <ma14:wrappingTextBoxFlag xmlns="" xmlns:m="http://schemas.openxmlformats.org/officeDocument/2006/math" xmlns:a14="http://schemas.microsoft.com/office/drawing/2010/main" xmlns:ma14="http://schemas.microsoft.com/office/mac/drawingml/2011/main" val="1"/>
+              <ma14:wrappingTextBoxFlag xmlns:ma14="http://schemas.microsoft.com/office/mac/drawingml/2011/main" xmlns:a14="http://schemas.microsoft.com/office/drawing/2010/main" xmlns:m="http://schemas.openxmlformats.org/officeDocument/2006/math" xmlns="" val="1"/>
             </a:ext>
           </a:extLst>
         </p:spPr>
@@ -4839,7 +4839,7 @@
           </a:ln>
           <a:extLst>
             <a:ext uri="{C572A759-6A51-4108-AA02-DFA0A04FC94B}">
-              <ma14:wrappingTextBoxFlag xmlns="" xmlns:m="http://schemas.openxmlformats.org/officeDocument/2006/math" xmlns:a14="http://schemas.microsoft.com/office/drawing/2010/main" xmlns:ma14="http://schemas.microsoft.com/office/mac/drawingml/2011/main" val="1"/>
+              <ma14:wrappingTextBoxFlag xmlns:ma14="http://schemas.microsoft.com/office/mac/drawingml/2011/main" xmlns:a14="http://schemas.microsoft.com/office/drawing/2010/main" xmlns:m="http://schemas.openxmlformats.org/officeDocument/2006/math" xmlns="" val="1"/>
             </a:ext>
           </a:extLst>
         </p:spPr>
@@ -4909,7 +4909,7 @@
           </a:ln>
           <a:extLst>
             <a:ext uri="{C572A759-6A51-4108-AA02-DFA0A04FC94B}">
-              <ma14:wrappingTextBoxFlag xmlns="" xmlns:m="http://schemas.openxmlformats.org/officeDocument/2006/math" xmlns:a14="http://schemas.microsoft.com/office/drawing/2010/main" xmlns:ma14="http://schemas.microsoft.com/office/mac/drawingml/2011/main" val="1"/>
+              <ma14:wrappingTextBoxFlag xmlns:ma14="http://schemas.microsoft.com/office/mac/drawingml/2011/main" xmlns:a14="http://schemas.microsoft.com/office/drawing/2010/main" xmlns:m="http://schemas.openxmlformats.org/officeDocument/2006/math" xmlns="" val="1"/>
             </a:ext>
           </a:extLst>
         </p:spPr>
@@ -5062,7 +5062,7 @@
           </a:ln>
           <a:extLst>
             <a:ext uri="{C572A759-6A51-4108-AA02-DFA0A04FC94B}">
-              <ma14:wrappingTextBoxFlag xmlns="" xmlns:m="http://schemas.openxmlformats.org/officeDocument/2006/math" xmlns:a14="http://schemas.microsoft.com/office/drawing/2010/main" xmlns:ma14="http://schemas.microsoft.com/office/mac/drawingml/2011/main" val="1"/>
+              <ma14:wrappingTextBoxFlag xmlns:ma14="http://schemas.microsoft.com/office/mac/drawingml/2011/main" xmlns:a14="http://schemas.microsoft.com/office/drawing/2010/main" xmlns:m="http://schemas.openxmlformats.org/officeDocument/2006/math" xmlns="" val="1"/>
             </a:ext>
           </a:extLst>
         </p:spPr>
@@ -5127,7 +5127,7 @@
           </a:ln>
           <a:extLst>
             <a:ext uri="{C572A759-6A51-4108-AA02-DFA0A04FC94B}">
-              <ma14:wrappingTextBoxFlag xmlns="" xmlns:m="http://schemas.openxmlformats.org/officeDocument/2006/math" xmlns:a14="http://schemas.microsoft.com/office/drawing/2010/main" xmlns:ma14="http://schemas.microsoft.com/office/mac/drawingml/2011/main" val="1"/>
+              <ma14:wrappingTextBoxFlag xmlns:ma14="http://schemas.microsoft.com/office/mac/drawingml/2011/main" xmlns:a14="http://schemas.microsoft.com/office/drawing/2010/main" xmlns:m="http://schemas.openxmlformats.org/officeDocument/2006/math" xmlns="" val="1"/>
             </a:ext>
           </a:extLst>
         </p:spPr>
@@ -5843,7 +5843,7 @@
           <a:effectLst/>
           <a:extLst>
             <a:ext uri="{C572A759-6A51-4108-AA02-DFA0A04FC94B}">
-              <ma14:wrappingTextBoxFlag xmlns="" xmlns:m="http://schemas.openxmlformats.org/officeDocument/2006/math" xmlns:a14="http://schemas.microsoft.com/office/drawing/2010/main" xmlns:ma14="http://schemas.microsoft.com/office/mac/drawingml/2011/main" val="1"/>
+              <ma14:wrappingTextBoxFlag xmlns:ma14="http://schemas.microsoft.com/office/mac/drawingml/2011/main" xmlns:a14="http://schemas.microsoft.com/office/drawing/2010/main" xmlns:m="http://schemas.openxmlformats.org/officeDocument/2006/math" xmlns="" val="1"/>
             </a:ext>
           </a:extLst>
         </p:spPr>
@@ -5902,7 +5902,7 @@
           <a:effectLst/>
           <a:extLst>
             <a:ext uri="{C572A759-6A51-4108-AA02-DFA0A04FC94B}">
-              <ma14:wrappingTextBoxFlag xmlns="" xmlns:m="http://schemas.openxmlformats.org/officeDocument/2006/math" xmlns:a14="http://schemas.microsoft.com/office/drawing/2010/main" xmlns:ma14="http://schemas.microsoft.com/office/mac/drawingml/2011/main" val="1"/>
+              <ma14:wrappingTextBoxFlag xmlns:ma14="http://schemas.microsoft.com/office/mac/drawingml/2011/main" xmlns:a14="http://schemas.microsoft.com/office/drawing/2010/main" xmlns:m="http://schemas.openxmlformats.org/officeDocument/2006/math" xmlns="" val="1"/>
             </a:ext>
           </a:extLst>
         </p:spPr>
@@ -5958,7 +5958,7 @@
           </a:ln>
           <a:extLst>
             <a:ext uri="{C572A759-6A51-4108-AA02-DFA0A04FC94B}">
-              <ma14:wrappingTextBoxFlag xmlns="" xmlns:m="http://schemas.openxmlformats.org/officeDocument/2006/math" xmlns:a14="http://schemas.microsoft.com/office/drawing/2010/main" xmlns:ma14="http://schemas.microsoft.com/office/mac/drawingml/2011/main" val="1"/>
+              <ma14:wrappingTextBoxFlag xmlns:ma14="http://schemas.microsoft.com/office/mac/drawingml/2011/main" xmlns:a14="http://schemas.microsoft.com/office/drawing/2010/main" xmlns:m="http://schemas.openxmlformats.org/officeDocument/2006/math" xmlns="" val="1"/>
             </a:ext>
           </a:extLst>
         </p:spPr>
@@ -6029,7 +6029,7 @@
           <a:effectLst/>
           <a:extLst>
             <a:ext uri="{C572A759-6A51-4108-AA02-DFA0A04FC94B}">
-              <ma14:wrappingTextBoxFlag xmlns="" xmlns:m="http://schemas.openxmlformats.org/officeDocument/2006/math" xmlns:a14="http://schemas.microsoft.com/office/drawing/2010/main" xmlns:ma14="http://schemas.microsoft.com/office/mac/drawingml/2011/main" val="1"/>
+              <ma14:wrappingTextBoxFlag xmlns:ma14="http://schemas.microsoft.com/office/mac/drawingml/2011/main" xmlns:a14="http://schemas.microsoft.com/office/drawing/2010/main" xmlns:m="http://schemas.openxmlformats.org/officeDocument/2006/math" xmlns="" val="1"/>
             </a:ext>
           </a:extLst>
         </p:spPr>
@@ -6140,7 +6140,7 @@
           <a:effectLst/>
           <a:extLst>
             <a:ext uri="{C572A759-6A51-4108-AA02-DFA0A04FC94B}">
-              <ma14:wrappingTextBoxFlag xmlns="" xmlns:m="http://schemas.openxmlformats.org/officeDocument/2006/math" xmlns:a14="http://schemas.microsoft.com/office/drawing/2010/main" xmlns:ma14="http://schemas.microsoft.com/office/mac/drawingml/2011/main" val="1"/>
+              <ma14:wrappingTextBoxFlag xmlns:ma14="http://schemas.microsoft.com/office/mac/drawingml/2011/main" xmlns:a14="http://schemas.microsoft.com/office/drawing/2010/main" xmlns:m="http://schemas.openxmlformats.org/officeDocument/2006/math" xmlns="" val="1"/>
             </a:ext>
           </a:extLst>
         </p:spPr>
@@ -6298,7 +6298,7 @@
           </a:ln>
           <a:extLst>
             <a:ext uri="{C572A759-6A51-4108-AA02-DFA0A04FC94B}">
-              <ma14:wrappingTextBoxFlag xmlns="" xmlns:m="http://schemas.openxmlformats.org/officeDocument/2006/math" xmlns:a14="http://schemas.microsoft.com/office/drawing/2010/main" xmlns:ma14="http://schemas.microsoft.com/office/mac/drawingml/2011/main" val="1"/>
+              <ma14:wrappingTextBoxFlag xmlns:ma14="http://schemas.microsoft.com/office/mac/drawingml/2011/main" xmlns:a14="http://schemas.microsoft.com/office/drawing/2010/main" xmlns:m="http://schemas.openxmlformats.org/officeDocument/2006/math" xmlns="" val="1"/>
             </a:ext>
           </a:extLst>
         </p:spPr>
@@ -6376,15 +6376,7 @@
                   <a:schemeClr val="tx1"/>
                 </a:solidFill>
               </a:rPr>
-              <a:t>                   </a:t>
-            </a:r>
-            <a:r>
-              <a:rPr lang="es-ES" smtClean="0">
-                <a:solidFill>
-                  <a:schemeClr val="tx1"/>
-                </a:solidFill>
-              </a:rPr>
-              <a:t>level, progress)</a:t>
+              <a:t>                   level, progress)</a:t>
             </a:r>
             <a:endParaRPr lang="es-ES" dirty="0">
               <a:solidFill>
@@ -6422,7 +6414,7 @@
           <a:effectLst/>
           <a:extLst>
             <a:ext uri="{C572A759-6A51-4108-AA02-DFA0A04FC94B}">
-              <ma14:wrappingTextBoxFlag xmlns="" xmlns:m="http://schemas.openxmlformats.org/officeDocument/2006/math" xmlns:a14="http://schemas.microsoft.com/office/drawing/2010/main" xmlns:ma14="http://schemas.microsoft.com/office/mac/drawingml/2011/main" val="1"/>
+              <ma14:wrappingTextBoxFlag xmlns:ma14="http://schemas.microsoft.com/office/mac/drawingml/2011/main" xmlns:a14="http://schemas.microsoft.com/office/drawing/2010/main" xmlns:m="http://schemas.openxmlformats.org/officeDocument/2006/math" xmlns="" val="1"/>
             </a:ext>
           </a:extLst>
         </p:spPr>
@@ -6543,7 +6535,7 @@
           <a:effectLst/>
           <a:extLst>
             <a:ext uri="{C572A759-6A51-4108-AA02-DFA0A04FC94B}">
-              <ma14:wrappingTextBoxFlag xmlns="" xmlns:m="http://schemas.openxmlformats.org/officeDocument/2006/math" xmlns:a14="http://schemas.microsoft.com/office/drawing/2010/main" xmlns:ma14="http://schemas.microsoft.com/office/mac/drawingml/2011/main" val="1"/>
+              <ma14:wrappingTextBoxFlag xmlns:ma14="http://schemas.microsoft.com/office/mac/drawingml/2011/main" xmlns:a14="http://schemas.microsoft.com/office/drawing/2010/main" xmlns:m="http://schemas.openxmlformats.org/officeDocument/2006/math" xmlns="" val="1"/>
             </a:ext>
           </a:extLst>
         </p:spPr>
@@ -6610,7 +6602,7 @@
           <a:effectLst/>
           <a:extLst>
             <a:ext uri="{C572A759-6A51-4108-AA02-DFA0A04FC94B}">
-              <ma14:wrappingTextBoxFlag xmlns="" xmlns:m="http://schemas.openxmlformats.org/officeDocument/2006/math" xmlns:a14="http://schemas.microsoft.com/office/drawing/2010/main" xmlns:ma14="http://schemas.microsoft.com/office/mac/drawingml/2011/main" val="1"/>
+              <ma14:wrappingTextBoxFlag xmlns:ma14="http://schemas.microsoft.com/office/mac/drawingml/2011/main" xmlns:a14="http://schemas.microsoft.com/office/drawing/2010/main" xmlns:m="http://schemas.openxmlformats.org/officeDocument/2006/math" xmlns="" val="1"/>
             </a:ext>
           </a:extLst>
         </p:spPr>
@@ -6729,7 +6721,7 @@
           </a:ln>
           <a:extLst>
             <a:ext uri="{C572A759-6A51-4108-AA02-DFA0A04FC94B}">
-              <ma14:wrappingTextBoxFlag xmlns="" xmlns:m="http://schemas.openxmlformats.org/officeDocument/2006/math" xmlns:a14="http://schemas.microsoft.com/office/drawing/2010/main" xmlns:ma14="http://schemas.microsoft.com/office/mac/drawingml/2011/main" val="1"/>
+              <ma14:wrappingTextBoxFlag xmlns:ma14="http://schemas.microsoft.com/office/mac/drawingml/2011/main" xmlns:a14="http://schemas.microsoft.com/office/drawing/2010/main" xmlns:m="http://schemas.openxmlformats.org/officeDocument/2006/math" xmlns="" val="1"/>
             </a:ext>
           </a:extLst>
         </p:spPr>
@@ -6792,7 +6784,7 @@
           <a:effectLst/>
           <a:extLst>
             <a:ext uri="{C572A759-6A51-4108-AA02-DFA0A04FC94B}">
-              <ma14:wrappingTextBoxFlag xmlns="" xmlns:m="http://schemas.openxmlformats.org/officeDocument/2006/math" xmlns:a14="http://schemas.microsoft.com/office/drawing/2010/main" xmlns:ma14="http://schemas.microsoft.com/office/mac/drawingml/2011/main" val="1"/>
+              <ma14:wrappingTextBoxFlag xmlns:ma14="http://schemas.microsoft.com/office/mac/drawingml/2011/main" xmlns:a14="http://schemas.microsoft.com/office/drawing/2010/main" xmlns:m="http://schemas.openxmlformats.org/officeDocument/2006/math" xmlns="" val="1"/>
             </a:ext>
           </a:extLst>
         </p:spPr>
@@ -6938,7 +6930,7 @@
           </a:ln>
           <a:extLst>
             <a:ext uri="{C572A759-6A51-4108-AA02-DFA0A04FC94B}">
-              <ma14:wrappingTextBoxFlag xmlns="" xmlns:m="http://schemas.openxmlformats.org/officeDocument/2006/math" xmlns:a14="http://schemas.microsoft.com/office/drawing/2010/main" xmlns:ma14="http://schemas.microsoft.com/office/mac/drawingml/2011/main" val="1"/>
+              <ma14:wrappingTextBoxFlag xmlns:ma14="http://schemas.microsoft.com/office/mac/drawingml/2011/main" xmlns:a14="http://schemas.microsoft.com/office/drawing/2010/main" xmlns:m="http://schemas.openxmlformats.org/officeDocument/2006/math" xmlns="" val="1"/>
             </a:ext>
           </a:extLst>
         </p:spPr>
@@ -7008,12 +7000,13 @@
             </a:pPr>
             <a:r>
               <a:rPr lang="es-ES" smtClean="0"/>
-              <a:t>                            init2</a:t>
-            </a:r>
-            <a:r>
-              <a:rPr lang="es-ES" dirty="0"/>
-              <a:t>)</a:t>
-            </a:r>
+              <a:t>                            </a:t>
+            </a:r>
+            <a:r>
+              <a:rPr lang="es-ES" smtClean="0"/>
+              <a:t>init2, progress)</a:t>
+            </a:r>
+            <a:endParaRPr lang="es-ES" dirty="0"/>
           </a:p>
           <a:p>
             <a:pPr>
@@ -7059,7 +7052,7 @@
           </a:ln>
           <a:extLst>
             <a:ext uri="{C572A759-6A51-4108-AA02-DFA0A04FC94B}">
-              <ma14:wrappingTextBoxFlag xmlns="" xmlns:m="http://schemas.openxmlformats.org/officeDocument/2006/math" xmlns:a14="http://schemas.microsoft.com/office/drawing/2010/main" xmlns:ma14="http://schemas.microsoft.com/office/mac/drawingml/2011/main" val="1"/>
+              <ma14:wrappingTextBoxFlag xmlns:ma14="http://schemas.microsoft.com/office/mac/drawingml/2011/main" xmlns:a14="http://schemas.microsoft.com/office/drawing/2010/main" xmlns:m="http://schemas.openxmlformats.org/officeDocument/2006/math" xmlns="" val="1"/>
             </a:ext>
           </a:extLst>
         </p:spPr>
